--- a/LB_1/ЛБ_1.pptx
+++ b/LB_1/ЛБ_1.pptx
@@ -11822,7 +11822,7 @@
         <p:spPr bwMode="auto">
           <a:xfrm>
             <a:off x="0" y="936625"/>
-            <a:ext cx="431800" cy="3384550"/>
+            <a:ext cx="216024" cy="3384550"/>
           </a:xfrm>
           <a:prstGeom prst="rect">
             <a:avLst/>
@@ -14827,1982 +14827,6 @@
           </a:p>
         </p:txBody>
       </p:sp>
-      <mc:AlternateContent xmlns:mc="http://schemas.openxmlformats.org/markup-compatibility/2006">
-        <mc:Choice xmlns:a14="http://schemas.microsoft.com/office/drawing/2010/main" Requires="a14">
-          <p:graphicFrame>
-            <p:nvGraphicFramePr>
-              <p:cNvPr id="6" name="Таблица 5"/>
-              <p:cNvGraphicFramePr>
-                <a:graphicFrameLocks noGrp="1"/>
-              </p:cNvGraphicFramePr>
-              <p:nvPr>
-                <p:extLst>
-                  <p:ext uri="{D42A27DB-BD31-4B8C-83A1-F6EECF244321}">
-                    <p14:modId xmlns:p14="http://schemas.microsoft.com/office/powerpoint/2010/main" val="226339444"/>
-                  </p:ext>
-                </p:extLst>
-              </p:nvPr>
-            </p:nvGraphicFramePr>
-            <p:xfrm>
-              <a:off x="1751929" y="816701"/>
-              <a:ext cx="2520282" cy="2811908"/>
-            </p:xfrm>
-            <a:graphic>
-              <a:graphicData uri="http://schemas.openxmlformats.org/drawingml/2006/table">
-                <a:tbl>
-                  <a:tblPr firstRow="1" firstCol="1" bandRow="1">
-                    <a:tableStyleId>{2D5ABB26-0587-4C30-8999-92F81FD0307C}</a:tableStyleId>
-                  </a:tblPr>
-                  <a:tblGrid>
-                    <a:gridCol w="1152128">
-                      <a:extLst>
-                        <a:ext uri="{9D8B030D-6E8A-4147-A177-3AD203B41FA5}">
-                          <a16:colId xmlns:a16="http://schemas.microsoft.com/office/drawing/2014/main" val="20000"/>
-                        </a:ext>
-                      </a:extLst>
-                    </a:gridCol>
-                    <a:gridCol w="216024">
-                      <a:extLst>
-                        <a:ext uri="{9D8B030D-6E8A-4147-A177-3AD203B41FA5}">
-                          <a16:colId xmlns:a16="http://schemas.microsoft.com/office/drawing/2014/main" val="20001"/>
-                        </a:ext>
-                      </a:extLst>
-                    </a:gridCol>
-                    <a:gridCol w="1152130">
-                      <a:extLst>
-                        <a:ext uri="{9D8B030D-6E8A-4147-A177-3AD203B41FA5}">
-                          <a16:colId xmlns:a16="http://schemas.microsoft.com/office/drawing/2014/main" val="20002"/>
-                        </a:ext>
-                      </a:extLst>
-                    </a:gridCol>
-                  </a:tblGrid>
-                  <a:tr h="311039">
-                    <a:tc>
-                      <a:txBody>
-                        <a:bodyPr/>
-                        <a:lstStyle/>
-                        <a:p>
-                          <a:pPr algn="r">
-                            <a:lnSpc>
-                              <a:spcPct val="150000"/>
-                            </a:lnSpc>
-                            <a:spcAft>
-                              <a:spcPts val="0"/>
-                            </a:spcAft>
-                          </a:pPr>
-                          <a:r>
-                            <a:rPr lang="en-US" sz="1400" dirty="0">
-                              <a:effectLst/>
-                            </a:rPr>
-                            <a:t>x</a:t>
-                          </a:r>
-                          <a:r>
-                            <a:rPr lang="en-US" sz="1400" baseline="30000" dirty="0">
-                              <a:effectLst/>
-                            </a:rPr>
-                            <a:t>2</a:t>
-                          </a:r>
-                          <a:endParaRPr lang="ru-RU" sz="1100" dirty="0">
-                            <a:effectLst/>
-                            <a:latin typeface="Calibri"/>
-                            <a:ea typeface="Calibri"/>
-                            <a:cs typeface="Times New Roman"/>
-                          </a:endParaRPr>
-                        </a:p>
-                      </a:txBody>
-                      <a:tcPr marL="68580" marR="68580" marT="0" marB="0" anchor="ctr"/>
-                    </a:tc>
-                    <a:tc>
-                      <a:txBody>
-                        <a:bodyPr/>
-                        <a:lstStyle/>
-                        <a:p>
-                          <a:pPr algn="ctr">
-                            <a:lnSpc>
-                              <a:spcPct val="150000"/>
-                            </a:lnSpc>
-                            <a:spcAft>
-                              <a:spcPts val="0"/>
-                            </a:spcAft>
-                          </a:pPr>
-                          <a:r>
-                            <a:rPr lang="en-US" sz="1400" dirty="0">
-                              <a:effectLst/>
-                            </a:rPr>
-                            <a:t>=</a:t>
-                          </a:r>
-                          <a:endParaRPr lang="ru-RU" sz="1100" dirty="0">
-                            <a:effectLst/>
-                            <a:latin typeface="Calibri"/>
-                            <a:ea typeface="Calibri"/>
-                            <a:cs typeface="Times New Roman"/>
-                          </a:endParaRPr>
-                        </a:p>
-                      </a:txBody>
-                      <a:tcPr marL="68580" marR="68580" marT="0" marB="0" anchor="ctr"/>
-                    </a:tc>
-                    <a:tc>
-                      <a:txBody>
-                        <a:bodyPr/>
-                        <a:lstStyle/>
-                        <a:p>
-                          <a:pPr algn="l">
-                            <a:lnSpc>
-                              <a:spcPct val="150000"/>
-                            </a:lnSpc>
-                            <a:spcAft>
-                              <a:spcPts val="0"/>
-                            </a:spcAft>
-                          </a:pPr>
-                          <a:r>
-                            <a:rPr lang="en-US" sz="1400" dirty="0" err="1">
-                              <a:effectLst/>
-                            </a:rPr>
-                            <a:t>sqr</a:t>
-                          </a:r>
-                          <a:r>
-                            <a:rPr lang="en-US" sz="1400" dirty="0">
-                              <a:effectLst/>
-                            </a:rPr>
-                            <a:t>(x)</a:t>
-                          </a:r>
-                          <a:endParaRPr lang="ru-RU" sz="1100" dirty="0">
-                            <a:effectLst/>
-                            <a:latin typeface="Calibri"/>
-                            <a:ea typeface="Calibri"/>
-                            <a:cs typeface="Times New Roman"/>
-                          </a:endParaRPr>
-                        </a:p>
-                      </a:txBody>
-                      <a:tcPr marL="68580" marR="68580" marT="0" marB="0" anchor="ctr"/>
-                    </a:tc>
-                    <a:extLst>
-                      <a:ext uri="{0D108BD9-81ED-4DB2-BD59-A6C34878D82A}">
-                        <a16:rowId xmlns:a16="http://schemas.microsoft.com/office/drawing/2014/main" val="10000"/>
-                      </a:ext>
-                    </a:extLst>
-                  </a:tr>
-                  <a:tr h="311039">
-                    <a:tc>
-                      <a:txBody>
-                        <a:bodyPr/>
-                        <a:lstStyle/>
-                        <a:p>
-                          <a:pPr algn="r">
-                            <a:lnSpc>
-                              <a:spcPct val="150000"/>
-                            </a:lnSpc>
-                            <a:spcAft>
-                              <a:spcPts val="0"/>
-                            </a:spcAft>
-                          </a:pPr>
-                          <a:r>
-                            <a:rPr lang="en-US" sz="1400" dirty="0">
-                              <a:effectLst/>
-                            </a:rPr>
-                            <a:t>e</a:t>
-                          </a:r>
-                          <a:r>
-                            <a:rPr lang="en-US" sz="1400" baseline="30000" dirty="0">
-                              <a:effectLst/>
-                            </a:rPr>
-                            <a:t>x</a:t>
-                          </a:r>
-                          <a:endParaRPr lang="ru-RU" sz="1100" dirty="0">
-                            <a:effectLst/>
-                            <a:latin typeface="Calibri"/>
-                            <a:ea typeface="Calibri"/>
-                            <a:cs typeface="Times New Roman"/>
-                          </a:endParaRPr>
-                        </a:p>
-                      </a:txBody>
-                      <a:tcPr marL="68580" marR="68580" marT="0" marB="0" anchor="ctr"/>
-                    </a:tc>
-                    <a:tc>
-                      <a:txBody>
-                        <a:bodyPr/>
-                        <a:lstStyle/>
-                        <a:p>
-                          <a:pPr algn="ctr">
-                            <a:lnSpc>
-                              <a:spcPct val="150000"/>
-                            </a:lnSpc>
-                            <a:spcAft>
-                              <a:spcPts val="0"/>
-                            </a:spcAft>
-                          </a:pPr>
-                          <a:r>
-                            <a:rPr lang="en-US" sz="1400" dirty="0">
-                              <a:effectLst/>
-                            </a:rPr>
-                            <a:t>=</a:t>
-                          </a:r>
-                          <a:endParaRPr lang="ru-RU" sz="1100" dirty="0">
-                            <a:effectLst/>
-                            <a:latin typeface="Calibri"/>
-                            <a:ea typeface="Calibri"/>
-                            <a:cs typeface="Times New Roman"/>
-                          </a:endParaRPr>
-                        </a:p>
-                      </a:txBody>
-                      <a:tcPr marL="68580" marR="68580" marT="0" marB="0" anchor="ctr"/>
-                    </a:tc>
-                    <a:tc>
-                      <a:txBody>
-                        <a:bodyPr/>
-                        <a:lstStyle/>
-                        <a:p>
-                          <a:pPr algn="l">
-                            <a:lnSpc>
-                              <a:spcPct val="150000"/>
-                            </a:lnSpc>
-                            <a:spcAft>
-                              <a:spcPts val="0"/>
-                            </a:spcAft>
-                          </a:pPr>
-                          <a:r>
-                            <a:rPr lang="en-US" sz="1400" dirty="0" err="1">
-                              <a:effectLst/>
-                            </a:rPr>
-                            <a:t>exp</a:t>
-                          </a:r>
-                          <a:r>
-                            <a:rPr lang="en-US" sz="1400" dirty="0">
-                              <a:effectLst/>
-                            </a:rPr>
-                            <a:t>(x)</a:t>
-                          </a:r>
-                          <a:endParaRPr lang="ru-RU" sz="1100" dirty="0">
-                            <a:effectLst/>
-                            <a:latin typeface="Calibri"/>
-                            <a:ea typeface="Calibri"/>
-                            <a:cs typeface="Times New Roman"/>
-                          </a:endParaRPr>
-                        </a:p>
-                      </a:txBody>
-                      <a:tcPr marL="68580" marR="68580" marT="0" marB="0" anchor="ctr"/>
-                    </a:tc>
-                    <a:extLst>
-                      <a:ext uri="{0D108BD9-81ED-4DB2-BD59-A6C34878D82A}">
-                        <a16:rowId xmlns:a16="http://schemas.microsoft.com/office/drawing/2014/main" val="10001"/>
-                      </a:ext>
-                    </a:extLst>
-                  </a:tr>
-                  <a:tr h="311039">
-                    <a:tc>
-                      <a:txBody>
-                        <a:bodyPr/>
-                        <a:lstStyle/>
-                        <a:p>
-                          <a:pPr algn="r">
-                            <a:lnSpc>
-                              <a:spcPct val="150000"/>
-                            </a:lnSpc>
-                            <a:spcAft>
-                              <a:spcPts val="0"/>
-                            </a:spcAft>
-                          </a:pPr>
-                          <a:r>
-                            <a:rPr lang="en-US" sz="1400" dirty="0">
-                              <a:effectLst/>
-                            </a:rPr>
-                            <a:t>sin(x)</a:t>
-                          </a:r>
-                          <a:endParaRPr lang="ru-RU" sz="1100" dirty="0">
-                            <a:effectLst/>
-                            <a:latin typeface="Calibri"/>
-                            <a:ea typeface="Calibri"/>
-                            <a:cs typeface="Times New Roman"/>
-                          </a:endParaRPr>
-                        </a:p>
-                      </a:txBody>
-                      <a:tcPr marL="68580" marR="68580" marT="0" marB="0" anchor="ctr"/>
-                    </a:tc>
-                    <a:tc>
-                      <a:txBody>
-                        <a:bodyPr/>
-                        <a:lstStyle/>
-                        <a:p>
-                          <a:pPr algn="ctr">
-                            <a:lnSpc>
-                              <a:spcPct val="150000"/>
-                            </a:lnSpc>
-                            <a:spcAft>
-                              <a:spcPts val="0"/>
-                            </a:spcAft>
-                          </a:pPr>
-                          <a:r>
-                            <a:rPr lang="en-US" sz="1400" dirty="0">
-                              <a:effectLst/>
-                            </a:rPr>
-                            <a:t>=</a:t>
-                          </a:r>
-                          <a:endParaRPr lang="ru-RU" sz="1100" dirty="0">
-                            <a:effectLst/>
-                            <a:latin typeface="Calibri"/>
-                            <a:ea typeface="Calibri"/>
-                            <a:cs typeface="Times New Roman"/>
-                          </a:endParaRPr>
-                        </a:p>
-                      </a:txBody>
-                      <a:tcPr marL="68580" marR="68580" marT="0" marB="0" anchor="ctr"/>
-                    </a:tc>
-                    <a:tc>
-                      <a:txBody>
-                        <a:bodyPr/>
-                        <a:lstStyle/>
-                        <a:p>
-                          <a:pPr algn="l">
-                            <a:lnSpc>
-                              <a:spcPct val="150000"/>
-                            </a:lnSpc>
-                            <a:spcAft>
-                              <a:spcPts val="0"/>
-                            </a:spcAft>
-                          </a:pPr>
-                          <a:r>
-                            <a:rPr lang="en-US" sz="1400" dirty="0">
-                              <a:effectLst/>
-                            </a:rPr>
-                            <a:t>sin(x)</a:t>
-                          </a:r>
-                          <a:endParaRPr lang="ru-RU" sz="1100" dirty="0">
-                            <a:effectLst/>
-                            <a:latin typeface="Calibri"/>
-                            <a:ea typeface="Calibri"/>
-                            <a:cs typeface="Times New Roman"/>
-                          </a:endParaRPr>
-                        </a:p>
-                      </a:txBody>
-                      <a:tcPr marL="68580" marR="68580" marT="0" marB="0" anchor="ctr"/>
-                    </a:tc>
-                    <a:extLst>
-                      <a:ext uri="{0D108BD9-81ED-4DB2-BD59-A6C34878D82A}">
-                        <a16:rowId xmlns:a16="http://schemas.microsoft.com/office/drawing/2014/main" val="10002"/>
-                      </a:ext>
-                    </a:extLst>
-                  </a:tr>
-                  <a:tr h="311039">
-                    <a:tc>
-                      <a:txBody>
-                        <a:bodyPr/>
-                        <a:lstStyle/>
-                        <a:p>
-                          <a:pPr algn="r">
-                            <a:lnSpc>
-                              <a:spcPct val="150000"/>
-                            </a:lnSpc>
-                            <a:spcAft>
-                              <a:spcPts val="0"/>
-                            </a:spcAft>
-                          </a:pPr>
-                          <a:r>
-                            <a:rPr lang="en-US" sz="1400" dirty="0">
-                              <a:effectLst/>
-                            </a:rPr>
-                            <a:t>cos(x)</a:t>
-                          </a:r>
-                          <a:endParaRPr lang="ru-RU" sz="1100" dirty="0">
-                            <a:effectLst/>
-                            <a:latin typeface="Calibri"/>
-                            <a:ea typeface="Calibri"/>
-                            <a:cs typeface="Times New Roman"/>
-                          </a:endParaRPr>
-                        </a:p>
-                      </a:txBody>
-                      <a:tcPr marL="68580" marR="68580" marT="0" marB="0" anchor="ctr"/>
-                    </a:tc>
-                    <a:tc>
-                      <a:txBody>
-                        <a:bodyPr/>
-                        <a:lstStyle/>
-                        <a:p>
-                          <a:pPr algn="ctr">
-                            <a:lnSpc>
-                              <a:spcPct val="150000"/>
-                            </a:lnSpc>
-                            <a:spcAft>
-                              <a:spcPts val="0"/>
-                            </a:spcAft>
-                          </a:pPr>
-                          <a:r>
-                            <a:rPr lang="en-US" sz="1400" dirty="0">
-                              <a:effectLst/>
-                            </a:rPr>
-                            <a:t>=</a:t>
-                          </a:r>
-                          <a:endParaRPr lang="ru-RU" sz="1100" dirty="0">
-                            <a:effectLst/>
-                            <a:latin typeface="Calibri"/>
-                            <a:ea typeface="Calibri"/>
-                            <a:cs typeface="Times New Roman"/>
-                          </a:endParaRPr>
-                        </a:p>
-                      </a:txBody>
-                      <a:tcPr marL="68580" marR="68580" marT="0" marB="0" anchor="ctr"/>
-                    </a:tc>
-                    <a:tc>
-                      <a:txBody>
-                        <a:bodyPr/>
-                        <a:lstStyle/>
-                        <a:p>
-                          <a:pPr algn="l">
-                            <a:lnSpc>
-                              <a:spcPct val="150000"/>
-                            </a:lnSpc>
-                            <a:spcAft>
-                              <a:spcPts val="0"/>
-                            </a:spcAft>
-                          </a:pPr>
-                          <a:r>
-                            <a:rPr lang="en-US" sz="1400" dirty="0">
-                              <a:effectLst/>
-                            </a:rPr>
-                            <a:t>cos(x)</a:t>
-                          </a:r>
-                          <a:endParaRPr lang="ru-RU" sz="1100" dirty="0">
-                            <a:effectLst/>
-                            <a:latin typeface="Calibri"/>
-                            <a:ea typeface="Calibri"/>
-                            <a:cs typeface="Times New Roman"/>
-                          </a:endParaRPr>
-                        </a:p>
-                      </a:txBody>
-                      <a:tcPr marL="68580" marR="68580" marT="0" marB="0" anchor="ctr"/>
-                    </a:tc>
-                    <a:extLst>
-                      <a:ext uri="{0D108BD9-81ED-4DB2-BD59-A6C34878D82A}">
-                        <a16:rowId xmlns:a16="http://schemas.microsoft.com/office/drawing/2014/main" val="10003"/>
-                      </a:ext>
-                    </a:extLst>
-                  </a:tr>
-                  <a:tr h="311039">
-                    <a:tc>
-                      <a:txBody>
-                        <a:bodyPr/>
-                        <a:lstStyle/>
-                        <a:p>
-                          <a:pPr algn="r">
-                            <a:lnSpc>
-                              <a:spcPct val="150000"/>
-                            </a:lnSpc>
-                            <a:spcAft>
-                              <a:spcPts val="0"/>
-                            </a:spcAft>
-                          </a:pPr>
-                          <a:r>
-                            <a:rPr lang="en-US" sz="1400" dirty="0">
-                              <a:effectLst/>
-                            </a:rPr>
-                            <a:t>ln(x)</a:t>
-                          </a:r>
-                          <a:endParaRPr lang="ru-RU" sz="1100" dirty="0">
-                            <a:effectLst/>
-                            <a:latin typeface="Calibri"/>
-                            <a:ea typeface="Calibri"/>
-                            <a:cs typeface="Times New Roman"/>
-                          </a:endParaRPr>
-                        </a:p>
-                      </a:txBody>
-                      <a:tcPr marL="68580" marR="68580" marT="0" marB="0" anchor="ctr"/>
-                    </a:tc>
-                    <a:tc>
-                      <a:txBody>
-                        <a:bodyPr/>
-                        <a:lstStyle/>
-                        <a:p>
-                          <a:pPr algn="ctr">
-                            <a:lnSpc>
-                              <a:spcPct val="150000"/>
-                            </a:lnSpc>
-                            <a:spcAft>
-                              <a:spcPts val="0"/>
-                            </a:spcAft>
-                          </a:pPr>
-                          <a:r>
-                            <a:rPr lang="en-US" sz="1400" dirty="0">
-                              <a:effectLst/>
-                            </a:rPr>
-                            <a:t>=</a:t>
-                          </a:r>
-                          <a:endParaRPr lang="ru-RU" sz="1100" dirty="0">
-                            <a:effectLst/>
-                            <a:latin typeface="Calibri"/>
-                            <a:ea typeface="Calibri"/>
-                            <a:cs typeface="Times New Roman"/>
-                          </a:endParaRPr>
-                        </a:p>
-                      </a:txBody>
-                      <a:tcPr marL="68580" marR="68580" marT="0" marB="0" anchor="ctr"/>
-                    </a:tc>
-                    <a:tc>
-                      <a:txBody>
-                        <a:bodyPr/>
-                        <a:lstStyle/>
-                        <a:p>
-                          <a:pPr algn="l">
-                            <a:lnSpc>
-                              <a:spcPct val="150000"/>
-                            </a:lnSpc>
-                            <a:spcAft>
-                              <a:spcPts val="0"/>
-                            </a:spcAft>
-                          </a:pPr>
-                          <a:r>
-                            <a:rPr lang="en-US" sz="1400" dirty="0">
-                              <a:effectLst/>
-                            </a:rPr>
-                            <a:t>ln(x)</a:t>
-                          </a:r>
-                          <a:endParaRPr lang="ru-RU" sz="1100" dirty="0">
-                            <a:effectLst/>
-                            <a:latin typeface="Calibri"/>
-                            <a:ea typeface="Calibri"/>
-                            <a:cs typeface="Times New Roman"/>
-                          </a:endParaRPr>
-                        </a:p>
-                      </a:txBody>
-                      <a:tcPr marL="68580" marR="68580" marT="0" marB="0" anchor="ctr"/>
-                    </a:tc>
-                    <a:extLst>
-                      <a:ext uri="{0D108BD9-81ED-4DB2-BD59-A6C34878D82A}">
-                        <a16:rowId xmlns:a16="http://schemas.microsoft.com/office/drawing/2014/main" val="10004"/>
-                      </a:ext>
-                    </a:extLst>
-                  </a:tr>
-                  <a:tr h="311039">
-                    <a:tc>
-                      <a:txBody>
-                        <a:bodyPr/>
-                        <a:lstStyle/>
-                        <a:p>
-                          <a:pPr algn="r">
-                            <a:lnSpc>
-                              <a:spcPct val="150000"/>
-                            </a:lnSpc>
-                            <a:spcAft>
-                              <a:spcPts val="0"/>
-                            </a:spcAft>
-                          </a:pPr>
-                          <a:r>
-                            <a:rPr lang="en-US" sz="1400" dirty="0">
-                              <a:effectLst/>
-                            </a:rPr>
-                            <a:t>|x|</a:t>
-                          </a:r>
-                          <a:endParaRPr lang="ru-RU" sz="1100" dirty="0">
-                            <a:effectLst/>
-                            <a:latin typeface="Calibri"/>
-                            <a:ea typeface="Calibri"/>
-                            <a:cs typeface="Times New Roman"/>
-                          </a:endParaRPr>
-                        </a:p>
-                      </a:txBody>
-                      <a:tcPr marL="68580" marR="68580" marT="0" marB="0" anchor="ctr"/>
-                    </a:tc>
-                    <a:tc>
-                      <a:txBody>
-                        <a:bodyPr/>
-                        <a:lstStyle/>
-                        <a:p>
-                          <a:pPr algn="ctr">
-                            <a:lnSpc>
-                              <a:spcPct val="150000"/>
-                            </a:lnSpc>
-                            <a:spcAft>
-                              <a:spcPts val="0"/>
-                            </a:spcAft>
-                          </a:pPr>
-                          <a:r>
-                            <a:rPr lang="en-US" sz="1400" dirty="0">
-                              <a:effectLst/>
-                            </a:rPr>
-                            <a:t>=</a:t>
-                          </a:r>
-                          <a:endParaRPr lang="ru-RU" sz="1100" dirty="0">
-                            <a:effectLst/>
-                            <a:latin typeface="Calibri"/>
-                            <a:ea typeface="Calibri"/>
-                            <a:cs typeface="Times New Roman"/>
-                          </a:endParaRPr>
-                        </a:p>
-                      </a:txBody>
-                      <a:tcPr marL="68580" marR="68580" marT="0" marB="0" anchor="ctr"/>
-                    </a:tc>
-                    <a:tc>
-                      <a:txBody>
-                        <a:bodyPr/>
-                        <a:lstStyle/>
-                        <a:p>
-                          <a:pPr algn="l">
-                            <a:lnSpc>
-                              <a:spcPct val="150000"/>
-                            </a:lnSpc>
-                            <a:spcAft>
-                              <a:spcPts val="0"/>
-                            </a:spcAft>
-                          </a:pPr>
-                          <a:r>
-                            <a:rPr lang="en-US" sz="1400" dirty="0">
-                              <a:effectLst/>
-                            </a:rPr>
-                            <a:t>abs(x)</a:t>
-                          </a:r>
-                          <a:endParaRPr lang="ru-RU" sz="1100" dirty="0">
-                            <a:effectLst/>
-                            <a:latin typeface="Calibri"/>
-                            <a:ea typeface="Calibri"/>
-                            <a:cs typeface="Times New Roman"/>
-                          </a:endParaRPr>
-                        </a:p>
-                      </a:txBody>
-                      <a:tcPr marL="68580" marR="68580" marT="0" marB="0" anchor="ctr"/>
-                    </a:tc>
-                    <a:extLst>
-                      <a:ext uri="{0D108BD9-81ED-4DB2-BD59-A6C34878D82A}">
-                        <a16:rowId xmlns:a16="http://schemas.microsoft.com/office/drawing/2014/main" val="10005"/>
-                      </a:ext>
-                    </a:extLst>
-                  </a:tr>
-                  <a:tr h="311039">
-                    <a:tc>
-                      <a:txBody>
-                        <a:bodyPr/>
-                        <a:lstStyle/>
-                        <a:p>
-                          <a:pPr algn="r">
-                            <a:lnSpc>
-                              <a:spcPct val="150000"/>
-                            </a:lnSpc>
-                            <a:spcAft>
-                              <a:spcPts val="0"/>
-                            </a:spcAft>
-                          </a:pPr>
-                          <a14:m>
-                            <m:oMathPara xmlns:m="http://schemas.openxmlformats.org/officeDocument/2006/math">
-                              <m:oMathParaPr>
-                                <m:jc m:val="right"/>
-                              </m:oMathParaPr>
-                              <m:oMath xmlns:m="http://schemas.openxmlformats.org/officeDocument/2006/math">
-                                <m:rad>
-                                  <m:radPr>
-                                    <m:degHide m:val="on"/>
-                                    <m:ctrlPr>
-                                      <a:rPr lang="ru-RU" sz="1400" i="1" smtClean="0">
-                                        <a:effectLst/>
-                                        <a:latin typeface="Cambria Math" panose="02040503050406030204" pitchFamily="18" charset="0"/>
-                                        <a:cs typeface="Times New Roman"/>
-                                      </a:rPr>
-                                    </m:ctrlPr>
-                                  </m:radPr>
-                                  <m:deg/>
-                                  <m:e>
-                                    <m:r>
-                                      <a:rPr lang="en-US" sz="1400" b="0" i="1" smtClean="0">
-                                        <a:effectLst/>
-                                        <a:latin typeface="Cambria Math" panose="02040503050406030204" pitchFamily="18" charset="0"/>
-                                        <a:cs typeface="Times New Roman"/>
-                                      </a:rPr>
-                                      <m:t>𝑥</m:t>
-                                    </m:r>
-                                  </m:e>
-                                </m:rad>
-                              </m:oMath>
-                            </m:oMathPara>
-                          </a14:m>
-                          <a:endParaRPr lang="ru-RU" sz="1100" dirty="0">
-                            <a:effectLst/>
-                            <a:latin typeface="Calibri"/>
-                            <a:ea typeface="Calibri"/>
-                            <a:cs typeface="Times New Roman"/>
-                          </a:endParaRPr>
-                        </a:p>
-                      </a:txBody>
-                      <a:tcPr marL="68580" marR="68580" marT="0" marB="0" anchor="ctr"/>
-                    </a:tc>
-                    <a:tc>
-                      <a:txBody>
-                        <a:bodyPr/>
-                        <a:lstStyle/>
-                        <a:p>
-                          <a:pPr algn="ctr">
-                            <a:lnSpc>
-                              <a:spcPct val="150000"/>
-                            </a:lnSpc>
-                            <a:spcAft>
-                              <a:spcPts val="0"/>
-                            </a:spcAft>
-                          </a:pPr>
-                          <a:r>
-                            <a:rPr lang="en-US" sz="1400" dirty="0">
-                              <a:effectLst/>
-                            </a:rPr>
-                            <a:t>=</a:t>
-                          </a:r>
-                          <a:endParaRPr lang="ru-RU" sz="1100" dirty="0">
-                            <a:effectLst/>
-                            <a:latin typeface="Calibri"/>
-                            <a:ea typeface="Calibri"/>
-                            <a:cs typeface="Times New Roman"/>
-                          </a:endParaRPr>
-                        </a:p>
-                      </a:txBody>
-                      <a:tcPr marL="68580" marR="68580" marT="0" marB="0" anchor="ctr"/>
-                    </a:tc>
-                    <a:tc>
-                      <a:txBody>
-                        <a:bodyPr/>
-                        <a:lstStyle/>
-                        <a:p>
-                          <a:pPr algn="l">
-                            <a:lnSpc>
-                              <a:spcPct val="150000"/>
-                            </a:lnSpc>
-                            <a:spcAft>
-                              <a:spcPts val="0"/>
-                            </a:spcAft>
-                          </a:pPr>
-                          <a:r>
-                            <a:rPr lang="en-US" sz="1400" dirty="0" err="1">
-                              <a:effectLst/>
-                            </a:rPr>
-                            <a:t>sqrt</a:t>
-                          </a:r>
-                          <a:r>
-                            <a:rPr lang="en-US" sz="1400" dirty="0">
-                              <a:effectLst/>
-                            </a:rPr>
-                            <a:t>(x)</a:t>
-                          </a:r>
-                          <a:endParaRPr lang="ru-RU" sz="1100" dirty="0">
-                            <a:effectLst/>
-                            <a:latin typeface="Calibri"/>
-                            <a:ea typeface="Calibri"/>
-                            <a:cs typeface="Times New Roman"/>
-                          </a:endParaRPr>
-                        </a:p>
-                      </a:txBody>
-                      <a:tcPr marL="68580" marR="68580" marT="0" marB="0" anchor="ctr"/>
-                    </a:tc>
-                    <a:extLst>
-                      <a:ext uri="{0D108BD9-81ED-4DB2-BD59-A6C34878D82A}">
-                        <a16:rowId xmlns:a16="http://schemas.microsoft.com/office/drawing/2014/main" val="10006"/>
-                      </a:ext>
-                    </a:extLst>
-                  </a:tr>
-                  <a:tr h="311039">
-                    <a:tc>
-                      <a:txBody>
-                        <a:bodyPr/>
-                        <a:lstStyle/>
-                        <a:p>
-                          <a:pPr algn="r">
-                            <a:lnSpc>
-                              <a:spcPct val="150000"/>
-                            </a:lnSpc>
-                            <a:spcAft>
-                              <a:spcPts val="0"/>
-                            </a:spcAft>
-                          </a:pPr>
-                          <a:r>
-                            <a:rPr lang="en-US" sz="1400" kern="1200" dirty="0" err="1">
-                              <a:solidFill>
-                                <a:schemeClr val="tx1"/>
-                              </a:solidFill>
-                              <a:effectLst/>
-                              <a:latin typeface="+mn-lt"/>
-                              <a:ea typeface="+mn-ea"/>
-                              <a:cs typeface="+mn-cs"/>
-                            </a:rPr>
-                            <a:t>tg</a:t>
-                          </a:r>
-                          <a:r>
-                            <a:rPr lang="en-US" sz="1400" kern="1200" dirty="0">
-                              <a:solidFill>
-                                <a:schemeClr val="tx1"/>
-                              </a:solidFill>
-                              <a:effectLst/>
-                              <a:latin typeface="+mn-lt"/>
-                              <a:ea typeface="+mn-ea"/>
-                              <a:cs typeface="+mn-cs"/>
-                            </a:rPr>
-                            <a:t>(x)</a:t>
-                          </a:r>
-                          <a:endParaRPr lang="ru-RU" sz="1400" kern="1200" dirty="0">
-                            <a:solidFill>
-                              <a:schemeClr val="tx1"/>
-                            </a:solidFill>
-                            <a:effectLst/>
-                            <a:latin typeface="+mn-lt"/>
-                            <a:ea typeface="+mn-ea"/>
-                            <a:cs typeface="+mn-cs"/>
-                          </a:endParaRPr>
-                        </a:p>
-                      </a:txBody>
-                      <a:tcPr marL="68580" marR="68580" marT="0" marB="0" anchor="ctr"/>
-                    </a:tc>
-                    <a:tc>
-                      <a:txBody>
-                        <a:bodyPr/>
-                        <a:lstStyle/>
-                        <a:p>
-                          <a:pPr algn="ctr">
-                            <a:lnSpc>
-                              <a:spcPct val="150000"/>
-                            </a:lnSpc>
-                            <a:spcAft>
-                              <a:spcPts val="0"/>
-                            </a:spcAft>
-                          </a:pPr>
-                          <a:r>
-                            <a:rPr lang="en-US" sz="1400" kern="1200" dirty="0">
-                              <a:solidFill>
-                                <a:schemeClr val="tx1"/>
-                              </a:solidFill>
-                              <a:effectLst/>
-                              <a:latin typeface="+mn-lt"/>
-                              <a:ea typeface="+mn-ea"/>
-                              <a:cs typeface="+mn-cs"/>
-                            </a:rPr>
-                            <a:t>=</a:t>
-                          </a:r>
-                          <a:endParaRPr lang="ru-RU" sz="1400" kern="1200" dirty="0">
-                            <a:solidFill>
-                              <a:schemeClr val="tx1"/>
-                            </a:solidFill>
-                            <a:effectLst/>
-                            <a:latin typeface="+mn-lt"/>
-                            <a:ea typeface="+mn-ea"/>
-                            <a:cs typeface="+mn-cs"/>
-                          </a:endParaRPr>
-                        </a:p>
-                      </a:txBody>
-                      <a:tcPr marL="68580" marR="68580" marT="0" marB="0" anchor="ctr"/>
-                    </a:tc>
-                    <a:tc>
-                      <a:txBody>
-                        <a:bodyPr/>
-                        <a:lstStyle/>
-                        <a:p>
-                          <a:pPr algn="l">
-                            <a:lnSpc>
-                              <a:spcPct val="150000"/>
-                            </a:lnSpc>
-                            <a:spcAft>
-                              <a:spcPts val="0"/>
-                            </a:spcAft>
-                          </a:pPr>
-                          <a:r>
-                            <a:rPr lang="en-US" sz="1400" kern="1200" dirty="0">
-                              <a:solidFill>
-                                <a:schemeClr val="tx1"/>
-                              </a:solidFill>
-                              <a:effectLst/>
-                              <a:latin typeface="+mn-lt"/>
-                              <a:ea typeface="+mn-ea"/>
-                              <a:cs typeface="+mn-cs"/>
-                            </a:rPr>
-                            <a:t>tan(x)</a:t>
-                          </a:r>
-                          <a:endParaRPr lang="ru-RU" sz="1400" kern="1200" dirty="0">
-                            <a:solidFill>
-                              <a:schemeClr val="tx1"/>
-                            </a:solidFill>
-                            <a:effectLst/>
-                            <a:latin typeface="+mn-lt"/>
-                            <a:ea typeface="+mn-ea"/>
-                            <a:cs typeface="+mn-cs"/>
-                          </a:endParaRPr>
-                        </a:p>
-                      </a:txBody>
-                      <a:tcPr marL="68580" marR="68580" marT="0" marB="0" anchor="ctr"/>
-                    </a:tc>
-                    <a:extLst>
-                      <a:ext uri="{0D108BD9-81ED-4DB2-BD59-A6C34878D82A}">
-                        <a16:rowId xmlns:a16="http://schemas.microsoft.com/office/drawing/2014/main" val="3107830125"/>
-                      </a:ext>
-                    </a:extLst>
-                  </a:tr>
-                  <a:tr h="311039">
-                    <a:tc>
-                      <a:txBody>
-                        <a:bodyPr/>
-                        <a:lstStyle/>
-                        <a:p>
-                          <a:pPr algn="r">
-                            <a:lnSpc>
-                              <a:spcPct val="150000"/>
-                            </a:lnSpc>
-                            <a:spcAft>
-                              <a:spcPts val="0"/>
-                            </a:spcAft>
-                          </a:pPr>
-                          <a:r>
-                            <a:rPr lang="en-US" sz="1400" dirty="0" err="1">
-                              <a:effectLst/>
-                            </a:rPr>
-                            <a:t>arctg</a:t>
-                          </a:r>
-                          <a:r>
-                            <a:rPr lang="en-US" sz="1400" dirty="0">
-                              <a:effectLst/>
-                            </a:rPr>
-                            <a:t>(x)</a:t>
-                          </a:r>
-                          <a:endParaRPr lang="ru-RU" sz="1100" dirty="0">
-                            <a:effectLst/>
-                            <a:latin typeface="Calibri"/>
-                            <a:ea typeface="Calibri"/>
-                            <a:cs typeface="Times New Roman"/>
-                          </a:endParaRPr>
-                        </a:p>
-                      </a:txBody>
-                      <a:tcPr marL="68580" marR="68580" marT="0" marB="0" anchor="ctr"/>
-                    </a:tc>
-                    <a:tc>
-                      <a:txBody>
-                        <a:bodyPr/>
-                        <a:lstStyle/>
-                        <a:p>
-                          <a:pPr algn="ctr">
-                            <a:lnSpc>
-                              <a:spcPct val="150000"/>
-                            </a:lnSpc>
-                            <a:spcAft>
-                              <a:spcPts val="0"/>
-                            </a:spcAft>
-                          </a:pPr>
-                          <a:r>
-                            <a:rPr lang="en-US" sz="1400" dirty="0">
-                              <a:effectLst/>
-                            </a:rPr>
-                            <a:t>=</a:t>
-                          </a:r>
-                          <a:endParaRPr lang="ru-RU" sz="1100" dirty="0">
-                            <a:effectLst/>
-                            <a:latin typeface="Calibri"/>
-                            <a:ea typeface="Calibri"/>
-                            <a:cs typeface="Times New Roman"/>
-                          </a:endParaRPr>
-                        </a:p>
-                      </a:txBody>
-                      <a:tcPr marL="68580" marR="68580" marT="0" marB="0" anchor="ctr"/>
-                    </a:tc>
-                    <a:tc>
-                      <a:txBody>
-                        <a:bodyPr/>
-                        <a:lstStyle/>
-                        <a:p>
-                          <a:pPr algn="l">
-                            <a:lnSpc>
-                              <a:spcPct val="150000"/>
-                            </a:lnSpc>
-                            <a:spcAft>
-                              <a:spcPts val="0"/>
-                            </a:spcAft>
-                          </a:pPr>
-                          <a:r>
-                            <a:rPr lang="en-US" sz="1400" dirty="0" err="1">
-                              <a:effectLst/>
-                            </a:rPr>
-                            <a:t>arctan</a:t>
-                          </a:r>
-                          <a:r>
-                            <a:rPr lang="en-US" sz="1400" dirty="0">
-                              <a:effectLst/>
-                            </a:rPr>
-                            <a:t>(x)</a:t>
-                          </a:r>
-                          <a:endParaRPr lang="ru-RU" sz="1100" dirty="0">
-                            <a:effectLst/>
-                            <a:latin typeface="Calibri"/>
-                            <a:ea typeface="Calibri"/>
-                            <a:cs typeface="Times New Roman"/>
-                          </a:endParaRPr>
-                        </a:p>
-                      </a:txBody>
-                      <a:tcPr marL="68580" marR="68580" marT="0" marB="0" anchor="ctr"/>
-                    </a:tc>
-                    <a:extLst>
-                      <a:ext uri="{0D108BD9-81ED-4DB2-BD59-A6C34878D82A}">
-                        <a16:rowId xmlns:a16="http://schemas.microsoft.com/office/drawing/2014/main" val="10007"/>
-                      </a:ext>
-                    </a:extLst>
-                  </a:tr>
-                </a:tbl>
-              </a:graphicData>
-            </a:graphic>
-          </p:graphicFrame>
-        </mc:Choice>
-        <mc:Fallback>
-          <p:graphicFrame>
-            <p:nvGraphicFramePr>
-              <p:cNvPr id="6" name="Таблица 5"/>
-              <p:cNvGraphicFramePr>
-                <a:graphicFrameLocks noGrp="1"/>
-              </p:cNvGraphicFramePr>
-              <p:nvPr>
-                <p:extLst>
-                  <p:ext uri="{D42A27DB-BD31-4B8C-83A1-F6EECF244321}">
-                    <p14:modId xmlns:p14="http://schemas.microsoft.com/office/powerpoint/2010/main" val="226339444"/>
-                  </p:ext>
-                </p:extLst>
-              </p:nvPr>
-            </p:nvGraphicFramePr>
-            <p:xfrm>
-              <a:off x="1751929" y="816701"/>
-              <a:ext cx="2520282" cy="2811908"/>
-            </p:xfrm>
-            <a:graphic>
-              <a:graphicData uri="http://schemas.openxmlformats.org/drawingml/2006/table">
-                <a:tbl>
-                  <a:tblPr firstRow="1" firstCol="1" bandRow="1">
-                    <a:tableStyleId>{2D5ABB26-0587-4C30-8999-92F81FD0307C}</a:tableStyleId>
-                  </a:tblPr>
-                  <a:tblGrid>
-                    <a:gridCol w="1152128">
-                      <a:extLst>
-                        <a:ext uri="{9D8B030D-6E8A-4147-A177-3AD203B41FA5}">
-                          <a16:colId xmlns:a16="http://schemas.microsoft.com/office/drawing/2014/main" val="20000"/>
-                        </a:ext>
-                      </a:extLst>
-                    </a:gridCol>
-                    <a:gridCol w="216024">
-                      <a:extLst>
-                        <a:ext uri="{9D8B030D-6E8A-4147-A177-3AD203B41FA5}">
-                          <a16:colId xmlns:a16="http://schemas.microsoft.com/office/drawing/2014/main" val="20001"/>
-                        </a:ext>
-                      </a:extLst>
-                    </a:gridCol>
-                    <a:gridCol w="1152130">
-                      <a:extLst>
-                        <a:ext uri="{9D8B030D-6E8A-4147-A177-3AD203B41FA5}">
-                          <a16:colId xmlns:a16="http://schemas.microsoft.com/office/drawing/2014/main" val="20002"/>
-                        </a:ext>
-                      </a:extLst>
-                    </a:gridCol>
-                  </a:tblGrid>
-                  <a:tr h="311039">
-                    <a:tc>
-                      <a:txBody>
-                        <a:bodyPr/>
-                        <a:lstStyle/>
-                        <a:p>
-                          <a:pPr algn="r">
-                            <a:lnSpc>
-                              <a:spcPct val="150000"/>
-                            </a:lnSpc>
-                            <a:spcAft>
-                              <a:spcPts val="0"/>
-                            </a:spcAft>
-                          </a:pPr>
-                          <a:r>
-                            <a:rPr lang="en-US" sz="1400" dirty="0">
-                              <a:effectLst/>
-                            </a:rPr>
-                            <a:t>x</a:t>
-                          </a:r>
-                          <a:r>
-                            <a:rPr lang="en-US" sz="1400" baseline="30000" dirty="0">
-                              <a:effectLst/>
-                            </a:rPr>
-                            <a:t>2</a:t>
-                          </a:r>
-                          <a:endParaRPr lang="ru-RU" sz="1100" dirty="0">
-                            <a:effectLst/>
-                            <a:latin typeface="Calibri"/>
-                            <a:ea typeface="Calibri"/>
-                            <a:cs typeface="Times New Roman"/>
-                          </a:endParaRPr>
-                        </a:p>
-                      </a:txBody>
-                      <a:tcPr marL="68580" marR="68580" marT="0" marB="0" anchor="ctr"/>
-                    </a:tc>
-                    <a:tc>
-                      <a:txBody>
-                        <a:bodyPr/>
-                        <a:lstStyle/>
-                        <a:p>
-                          <a:pPr algn="ctr">
-                            <a:lnSpc>
-                              <a:spcPct val="150000"/>
-                            </a:lnSpc>
-                            <a:spcAft>
-                              <a:spcPts val="0"/>
-                            </a:spcAft>
-                          </a:pPr>
-                          <a:r>
-                            <a:rPr lang="en-US" sz="1400" dirty="0">
-                              <a:effectLst/>
-                            </a:rPr>
-                            <a:t>=</a:t>
-                          </a:r>
-                          <a:endParaRPr lang="ru-RU" sz="1100" dirty="0">
-                            <a:effectLst/>
-                            <a:latin typeface="Calibri"/>
-                            <a:ea typeface="Calibri"/>
-                            <a:cs typeface="Times New Roman"/>
-                          </a:endParaRPr>
-                        </a:p>
-                      </a:txBody>
-                      <a:tcPr marL="68580" marR="68580" marT="0" marB="0" anchor="ctr"/>
-                    </a:tc>
-                    <a:tc>
-                      <a:txBody>
-                        <a:bodyPr/>
-                        <a:lstStyle/>
-                        <a:p>
-                          <a:pPr algn="l">
-                            <a:lnSpc>
-                              <a:spcPct val="150000"/>
-                            </a:lnSpc>
-                            <a:spcAft>
-                              <a:spcPts val="0"/>
-                            </a:spcAft>
-                          </a:pPr>
-                          <a:r>
-                            <a:rPr lang="en-US" sz="1400" dirty="0" err="1">
-                              <a:effectLst/>
-                            </a:rPr>
-                            <a:t>sqr</a:t>
-                          </a:r>
-                          <a:r>
-                            <a:rPr lang="en-US" sz="1400" dirty="0">
-                              <a:effectLst/>
-                            </a:rPr>
-                            <a:t>(x)</a:t>
-                          </a:r>
-                          <a:endParaRPr lang="ru-RU" sz="1100" dirty="0">
-                            <a:effectLst/>
-                            <a:latin typeface="Calibri"/>
-                            <a:ea typeface="Calibri"/>
-                            <a:cs typeface="Times New Roman"/>
-                          </a:endParaRPr>
-                        </a:p>
-                      </a:txBody>
-                      <a:tcPr marL="68580" marR="68580" marT="0" marB="0" anchor="ctr"/>
-                    </a:tc>
-                    <a:extLst>
-                      <a:ext uri="{0D108BD9-81ED-4DB2-BD59-A6C34878D82A}">
-                        <a16:rowId xmlns:a16="http://schemas.microsoft.com/office/drawing/2014/main" val="10000"/>
-                      </a:ext>
-                    </a:extLst>
-                  </a:tr>
-                  <a:tr h="311039">
-                    <a:tc>
-                      <a:txBody>
-                        <a:bodyPr/>
-                        <a:lstStyle/>
-                        <a:p>
-                          <a:pPr algn="r">
-                            <a:lnSpc>
-                              <a:spcPct val="150000"/>
-                            </a:lnSpc>
-                            <a:spcAft>
-                              <a:spcPts val="0"/>
-                            </a:spcAft>
-                          </a:pPr>
-                          <a:r>
-                            <a:rPr lang="en-US" sz="1400" dirty="0">
-                              <a:effectLst/>
-                            </a:rPr>
-                            <a:t>e</a:t>
-                          </a:r>
-                          <a:r>
-                            <a:rPr lang="en-US" sz="1400" baseline="30000" dirty="0">
-                              <a:effectLst/>
-                            </a:rPr>
-                            <a:t>x</a:t>
-                          </a:r>
-                          <a:endParaRPr lang="ru-RU" sz="1100" dirty="0">
-                            <a:effectLst/>
-                            <a:latin typeface="Calibri"/>
-                            <a:ea typeface="Calibri"/>
-                            <a:cs typeface="Times New Roman"/>
-                          </a:endParaRPr>
-                        </a:p>
-                      </a:txBody>
-                      <a:tcPr marL="68580" marR="68580" marT="0" marB="0" anchor="ctr"/>
-                    </a:tc>
-                    <a:tc>
-                      <a:txBody>
-                        <a:bodyPr/>
-                        <a:lstStyle/>
-                        <a:p>
-                          <a:pPr algn="ctr">
-                            <a:lnSpc>
-                              <a:spcPct val="150000"/>
-                            </a:lnSpc>
-                            <a:spcAft>
-                              <a:spcPts val="0"/>
-                            </a:spcAft>
-                          </a:pPr>
-                          <a:r>
-                            <a:rPr lang="en-US" sz="1400" dirty="0">
-                              <a:effectLst/>
-                            </a:rPr>
-                            <a:t>=</a:t>
-                          </a:r>
-                          <a:endParaRPr lang="ru-RU" sz="1100" dirty="0">
-                            <a:effectLst/>
-                            <a:latin typeface="Calibri"/>
-                            <a:ea typeface="Calibri"/>
-                            <a:cs typeface="Times New Roman"/>
-                          </a:endParaRPr>
-                        </a:p>
-                      </a:txBody>
-                      <a:tcPr marL="68580" marR="68580" marT="0" marB="0" anchor="ctr"/>
-                    </a:tc>
-                    <a:tc>
-                      <a:txBody>
-                        <a:bodyPr/>
-                        <a:lstStyle/>
-                        <a:p>
-                          <a:pPr algn="l">
-                            <a:lnSpc>
-                              <a:spcPct val="150000"/>
-                            </a:lnSpc>
-                            <a:spcAft>
-                              <a:spcPts val="0"/>
-                            </a:spcAft>
-                          </a:pPr>
-                          <a:r>
-                            <a:rPr lang="en-US" sz="1400" dirty="0" err="1">
-                              <a:effectLst/>
-                            </a:rPr>
-                            <a:t>exp</a:t>
-                          </a:r>
-                          <a:r>
-                            <a:rPr lang="en-US" sz="1400" dirty="0">
-                              <a:effectLst/>
-                            </a:rPr>
-                            <a:t>(x)</a:t>
-                          </a:r>
-                          <a:endParaRPr lang="ru-RU" sz="1100" dirty="0">
-                            <a:effectLst/>
-                            <a:latin typeface="Calibri"/>
-                            <a:ea typeface="Calibri"/>
-                            <a:cs typeface="Times New Roman"/>
-                          </a:endParaRPr>
-                        </a:p>
-                      </a:txBody>
-                      <a:tcPr marL="68580" marR="68580" marT="0" marB="0" anchor="ctr"/>
-                    </a:tc>
-                    <a:extLst>
-                      <a:ext uri="{0D108BD9-81ED-4DB2-BD59-A6C34878D82A}">
-                        <a16:rowId xmlns:a16="http://schemas.microsoft.com/office/drawing/2014/main" val="10001"/>
-                      </a:ext>
-                    </a:extLst>
-                  </a:tr>
-                  <a:tr h="311039">
-                    <a:tc>
-                      <a:txBody>
-                        <a:bodyPr/>
-                        <a:lstStyle/>
-                        <a:p>
-                          <a:pPr algn="r">
-                            <a:lnSpc>
-                              <a:spcPct val="150000"/>
-                            </a:lnSpc>
-                            <a:spcAft>
-                              <a:spcPts val="0"/>
-                            </a:spcAft>
-                          </a:pPr>
-                          <a:r>
-                            <a:rPr lang="en-US" sz="1400" dirty="0">
-                              <a:effectLst/>
-                            </a:rPr>
-                            <a:t>sin(x)</a:t>
-                          </a:r>
-                          <a:endParaRPr lang="ru-RU" sz="1100" dirty="0">
-                            <a:effectLst/>
-                            <a:latin typeface="Calibri"/>
-                            <a:ea typeface="Calibri"/>
-                            <a:cs typeface="Times New Roman"/>
-                          </a:endParaRPr>
-                        </a:p>
-                      </a:txBody>
-                      <a:tcPr marL="68580" marR="68580" marT="0" marB="0" anchor="ctr"/>
-                    </a:tc>
-                    <a:tc>
-                      <a:txBody>
-                        <a:bodyPr/>
-                        <a:lstStyle/>
-                        <a:p>
-                          <a:pPr algn="ctr">
-                            <a:lnSpc>
-                              <a:spcPct val="150000"/>
-                            </a:lnSpc>
-                            <a:spcAft>
-                              <a:spcPts val="0"/>
-                            </a:spcAft>
-                          </a:pPr>
-                          <a:r>
-                            <a:rPr lang="en-US" sz="1400" dirty="0">
-                              <a:effectLst/>
-                            </a:rPr>
-                            <a:t>=</a:t>
-                          </a:r>
-                          <a:endParaRPr lang="ru-RU" sz="1100" dirty="0">
-                            <a:effectLst/>
-                            <a:latin typeface="Calibri"/>
-                            <a:ea typeface="Calibri"/>
-                            <a:cs typeface="Times New Roman"/>
-                          </a:endParaRPr>
-                        </a:p>
-                      </a:txBody>
-                      <a:tcPr marL="68580" marR="68580" marT="0" marB="0" anchor="ctr"/>
-                    </a:tc>
-                    <a:tc>
-                      <a:txBody>
-                        <a:bodyPr/>
-                        <a:lstStyle/>
-                        <a:p>
-                          <a:pPr algn="l">
-                            <a:lnSpc>
-                              <a:spcPct val="150000"/>
-                            </a:lnSpc>
-                            <a:spcAft>
-                              <a:spcPts val="0"/>
-                            </a:spcAft>
-                          </a:pPr>
-                          <a:r>
-                            <a:rPr lang="en-US" sz="1400" dirty="0">
-                              <a:effectLst/>
-                            </a:rPr>
-                            <a:t>sin(x)</a:t>
-                          </a:r>
-                          <a:endParaRPr lang="ru-RU" sz="1100" dirty="0">
-                            <a:effectLst/>
-                            <a:latin typeface="Calibri"/>
-                            <a:ea typeface="Calibri"/>
-                            <a:cs typeface="Times New Roman"/>
-                          </a:endParaRPr>
-                        </a:p>
-                      </a:txBody>
-                      <a:tcPr marL="68580" marR="68580" marT="0" marB="0" anchor="ctr"/>
-                    </a:tc>
-                    <a:extLst>
-                      <a:ext uri="{0D108BD9-81ED-4DB2-BD59-A6C34878D82A}">
-                        <a16:rowId xmlns:a16="http://schemas.microsoft.com/office/drawing/2014/main" val="10002"/>
-                      </a:ext>
-                    </a:extLst>
-                  </a:tr>
-                  <a:tr h="311039">
-                    <a:tc>
-                      <a:txBody>
-                        <a:bodyPr/>
-                        <a:lstStyle/>
-                        <a:p>
-                          <a:pPr algn="r">
-                            <a:lnSpc>
-                              <a:spcPct val="150000"/>
-                            </a:lnSpc>
-                            <a:spcAft>
-                              <a:spcPts val="0"/>
-                            </a:spcAft>
-                          </a:pPr>
-                          <a:r>
-                            <a:rPr lang="en-US" sz="1400" dirty="0">
-                              <a:effectLst/>
-                            </a:rPr>
-                            <a:t>cos(x)</a:t>
-                          </a:r>
-                          <a:endParaRPr lang="ru-RU" sz="1100" dirty="0">
-                            <a:effectLst/>
-                            <a:latin typeface="Calibri"/>
-                            <a:ea typeface="Calibri"/>
-                            <a:cs typeface="Times New Roman"/>
-                          </a:endParaRPr>
-                        </a:p>
-                      </a:txBody>
-                      <a:tcPr marL="68580" marR="68580" marT="0" marB="0" anchor="ctr"/>
-                    </a:tc>
-                    <a:tc>
-                      <a:txBody>
-                        <a:bodyPr/>
-                        <a:lstStyle/>
-                        <a:p>
-                          <a:pPr algn="ctr">
-                            <a:lnSpc>
-                              <a:spcPct val="150000"/>
-                            </a:lnSpc>
-                            <a:spcAft>
-                              <a:spcPts val="0"/>
-                            </a:spcAft>
-                          </a:pPr>
-                          <a:r>
-                            <a:rPr lang="en-US" sz="1400" dirty="0">
-                              <a:effectLst/>
-                            </a:rPr>
-                            <a:t>=</a:t>
-                          </a:r>
-                          <a:endParaRPr lang="ru-RU" sz="1100" dirty="0">
-                            <a:effectLst/>
-                            <a:latin typeface="Calibri"/>
-                            <a:ea typeface="Calibri"/>
-                            <a:cs typeface="Times New Roman"/>
-                          </a:endParaRPr>
-                        </a:p>
-                      </a:txBody>
-                      <a:tcPr marL="68580" marR="68580" marT="0" marB="0" anchor="ctr"/>
-                    </a:tc>
-                    <a:tc>
-                      <a:txBody>
-                        <a:bodyPr/>
-                        <a:lstStyle/>
-                        <a:p>
-                          <a:pPr algn="l">
-                            <a:lnSpc>
-                              <a:spcPct val="150000"/>
-                            </a:lnSpc>
-                            <a:spcAft>
-                              <a:spcPts val="0"/>
-                            </a:spcAft>
-                          </a:pPr>
-                          <a:r>
-                            <a:rPr lang="en-US" sz="1400" dirty="0">
-                              <a:effectLst/>
-                            </a:rPr>
-                            <a:t>cos(x)</a:t>
-                          </a:r>
-                          <a:endParaRPr lang="ru-RU" sz="1100" dirty="0">
-                            <a:effectLst/>
-                            <a:latin typeface="Calibri"/>
-                            <a:ea typeface="Calibri"/>
-                            <a:cs typeface="Times New Roman"/>
-                          </a:endParaRPr>
-                        </a:p>
-                      </a:txBody>
-                      <a:tcPr marL="68580" marR="68580" marT="0" marB="0" anchor="ctr"/>
-                    </a:tc>
-                    <a:extLst>
-                      <a:ext uri="{0D108BD9-81ED-4DB2-BD59-A6C34878D82A}">
-                        <a16:rowId xmlns:a16="http://schemas.microsoft.com/office/drawing/2014/main" val="10003"/>
-                      </a:ext>
-                    </a:extLst>
-                  </a:tr>
-                  <a:tr h="311039">
-                    <a:tc>
-                      <a:txBody>
-                        <a:bodyPr/>
-                        <a:lstStyle/>
-                        <a:p>
-                          <a:pPr algn="r">
-                            <a:lnSpc>
-                              <a:spcPct val="150000"/>
-                            </a:lnSpc>
-                            <a:spcAft>
-                              <a:spcPts val="0"/>
-                            </a:spcAft>
-                          </a:pPr>
-                          <a:r>
-                            <a:rPr lang="en-US" sz="1400" dirty="0">
-                              <a:effectLst/>
-                            </a:rPr>
-                            <a:t>ln(x)</a:t>
-                          </a:r>
-                          <a:endParaRPr lang="ru-RU" sz="1100" dirty="0">
-                            <a:effectLst/>
-                            <a:latin typeface="Calibri"/>
-                            <a:ea typeface="Calibri"/>
-                            <a:cs typeface="Times New Roman"/>
-                          </a:endParaRPr>
-                        </a:p>
-                      </a:txBody>
-                      <a:tcPr marL="68580" marR="68580" marT="0" marB="0" anchor="ctr"/>
-                    </a:tc>
-                    <a:tc>
-                      <a:txBody>
-                        <a:bodyPr/>
-                        <a:lstStyle/>
-                        <a:p>
-                          <a:pPr algn="ctr">
-                            <a:lnSpc>
-                              <a:spcPct val="150000"/>
-                            </a:lnSpc>
-                            <a:spcAft>
-                              <a:spcPts val="0"/>
-                            </a:spcAft>
-                          </a:pPr>
-                          <a:r>
-                            <a:rPr lang="en-US" sz="1400" dirty="0">
-                              <a:effectLst/>
-                            </a:rPr>
-                            <a:t>=</a:t>
-                          </a:r>
-                          <a:endParaRPr lang="ru-RU" sz="1100" dirty="0">
-                            <a:effectLst/>
-                            <a:latin typeface="Calibri"/>
-                            <a:ea typeface="Calibri"/>
-                            <a:cs typeface="Times New Roman"/>
-                          </a:endParaRPr>
-                        </a:p>
-                      </a:txBody>
-                      <a:tcPr marL="68580" marR="68580" marT="0" marB="0" anchor="ctr"/>
-                    </a:tc>
-                    <a:tc>
-                      <a:txBody>
-                        <a:bodyPr/>
-                        <a:lstStyle/>
-                        <a:p>
-                          <a:pPr algn="l">
-                            <a:lnSpc>
-                              <a:spcPct val="150000"/>
-                            </a:lnSpc>
-                            <a:spcAft>
-                              <a:spcPts val="0"/>
-                            </a:spcAft>
-                          </a:pPr>
-                          <a:r>
-                            <a:rPr lang="en-US" sz="1400" dirty="0">
-                              <a:effectLst/>
-                            </a:rPr>
-                            <a:t>ln(x)</a:t>
-                          </a:r>
-                          <a:endParaRPr lang="ru-RU" sz="1100" dirty="0">
-                            <a:effectLst/>
-                            <a:latin typeface="Calibri"/>
-                            <a:ea typeface="Calibri"/>
-                            <a:cs typeface="Times New Roman"/>
-                          </a:endParaRPr>
-                        </a:p>
-                      </a:txBody>
-                      <a:tcPr marL="68580" marR="68580" marT="0" marB="0" anchor="ctr"/>
-                    </a:tc>
-                    <a:extLst>
-                      <a:ext uri="{0D108BD9-81ED-4DB2-BD59-A6C34878D82A}">
-                        <a16:rowId xmlns:a16="http://schemas.microsoft.com/office/drawing/2014/main" val="10004"/>
-                      </a:ext>
-                    </a:extLst>
-                  </a:tr>
-                  <a:tr h="311039">
-                    <a:tc>
-                      <a:txBody>
-                        <a:bodyPr/>
-                        <a:lstStyle/>
-                        <a:p>
-                          <a:pPr algn="r">
-                            <a:lnSpc>
-                              <a:spcPct val="150000"/>
-                            </a:lnSpc>
-                            <a:spcAft>
-                              <a:spcPts val="0"/>
-                            </a:spcAft>
-                          </a:pPr>
-                          <a:r>
-                            <a:rPr lang="en-US" sz="1400" dirty="0">
-                              <a:effectLst/>
-                            </a:rPr>
-                            <a:t>|x|</a:t>
-                          </a:r>
-                          <a:endParaRPr lang="ru-RU" sz="1100" dirty="0">
-                            <a:effectLst/>
-                            <a:latin typeface="Calibri"/>
-                            <a:ea typeface="Calibri"/>
-                            <a:cs typeface="Times New Roman"/>
-                          </a:endParaRPr>
-                        </a:p>
-                      </a:txBody>
-                      <a:tcPr marL="68580" marR="68580" marT="0" marB="0" anchor="ctr"/>
-                    </a:tc>
-                    <a:tc>
-                      <a:txBody>
-                        <a:bodyPr/>
-                        <a:lstStyle/>
-                        <a:p>
-                          <a:pPr algn="ctr">
-                            <a:lnSpc>
-                              <a:spcPct val="150000"/>
-                            </a:lnSpc>
-                            <a:spcAft>
-                              <a:spcPts val="0"/>
-                            </a:spcAft>
-                          </a:pPr>
-                          <a:r>
-                            <a:rPr lang="en-US" sz="1400" dirty="0">
-                              <a:effectLst/>
-                            </a:rPr>
-                            <a:t>=</a:t>
-                          </a:r>
-                          <a:endParaRPr lang="ru-RU" sz="1100" dirty="0">
-                            <a:effectLst/>
-                            <a:latin typeface="Calibri"/>
-                            <a:ea typeface="Calibri"/>
-                            <a:cs typeface="Times New Roman"/>
-                          </a:endParaRPr>
-                        </a:p>
-                      </a:txBody>
-                      <a:tcPr marL="68580" marR="68580" marT="0" marB="0" anchor="ctr"/>
-                    </a:tc>
-                    <a:tc>
-                      <a:txBody>
-                        <a:bodyPr/>
-                        <a:lstStyle/>
-                        <a:p>
-                          <a:pPr algn="l">
-                            <a:lnSpc>
-                              <a:spcPct val="150000"/>
-                            </a:lnSpc>
-                            <a:spcAft>
-                              <a:spcPts val="0"/>
-                            </a:spcAft>
-                          </a:pPr>
-                          <a:r>
-                            <a:rPr lang="en-US" sz="1400" dirty="0">
-                              <a:effectLst/>
-                            </a:rPr>
-                            <a:t>abs(x)</a:t>
-                          </a:r>
-                          <a:endParaRPr lang="ru-RU" sz="1100" dirty="0">
-                            <a:effectLst/>
-                            <a:latin typeface="Calibri"/>
-                            <a:ea typeface="Calibri"/>
-                            <a:cs typeface="Times New Roman"/>
-                          </a:endParaRPr>
-                        </a:p>
-                      </a:txBody>
-                      <a:tcPr marL="68580" marR="68580" marT="0" marB="0" anchor="ctr"/>
-                    </a:tc>
-                    <a:extLst>
-                      <a:ext uri="{0D108BD9-81ED-4DB2-BD59-A6C34878D82A}">
-                        <a16:rowId xmlns:a16="http://schemas.microsoft.com/office/drawing/2014/main" val="10005"/>
-                      </a:ext>
-                    </a:extLst>
-                  </a:tr>
-                  <a:tr h="323596">
-                    <a:tc>
-                      <a:txBody>
-                        <a:bodyPr/>
-                        <a:lstStyle/>
-                        <a:p>
-                          <a:endParaRPr lang="ru-RU"/>
-                        </a:p>
-                      </a:txBody>
-                      <a:tcPr marL="68580" marR="68580" marT="0" marB="0" anchor="ctr">
-                        <a:blipFill>
-                          <a:blip r:embed="rId3"/>
-                          <a:stretch>
-                            <a:fillRect t="-568519" r="-119048" b="-214815"/>
-                          </a:stretch>
-                        </a:blipFill>
-                      </a:tcPr>
-                    </a:tc>
-                    <a:tc>
-                      <a:txBody>
-                        <a:bodyPr/>
-                        <a:lstStyle/>
-                        <a:p>
-                          <a:pPr algn="ctr">
-                            <a:lnSpc>
-                              <a:spcPct val="150000"/>
-                            </a:lnSpc>
-                            <a:spcAft>
-                              <a:spcPts val="0"/>
-                            </a:spcAft>
-                          </a:pPr>
-                          <a:r>
-                            <a:rPr lang="en-US" sz="1400" dirty="0">
-                              <a:effectLst/>
-                            </a:rPr>
-                            <a:t>=</a:t>
-                          </a:r>
-                          <a:endParaRPr lang="ru-RU" sz="1100" dirty="0">
-                            <a:effectLst/>
-                            <a:latin typeface="Calibri"/>
-                            <a:ea typeface="Calibri"/>
-                            <a:cs typeface="Times New Roman"/>
-                          </a:endParaRPr>
-                        </a:p>
-                      </a:txBody>
-                      <a:tcPr marL="68580" marR="68580" marT="0" marB="0" anchor="ctr"/>
-                    </a:tc>
-                    <a:tc>
-                      <a:txBody>
-                        <a:bodyPr/>
-                        <a:lstStyle/>
-                        <a:p>
-                          <a:pPr algn="l">
-                            <a:lnSpc>
-                              <a:spcPct val="150000"/>
-                            </a:lnSpc>
-                            <a:spcAft>
-                              <a:spcPts val="0"/>
-                            </a:spcAft>
-                          </a:pPr>
-                          <a:r>
-                            <a:rPr lang="en-US" sz="1400" dirty="0" err="1">
-                              <a:effectLst/>
-                            </a:rPr>
-                            <a:t>sqrt</a:t>
-                          </a:r>
-                          <a:r>
-                            <a:rPr lang="en-US" sz="1400" dirty="0">
-                              <a:effectLst/>
-                            </a:rPr>
-                            <a:t>(x)</a:t>
-                          </a:r>
-                          <a:endParaRPr lang="ru-RU" sz="1100" dirty="0">
-                            <a:effectLst/>
-                            <a:latin typeface="Calibri"/>
-                            <a:ea typeface="Calibri"/>
-                            <a:cs typeface="Times New Roman"/>
-                          </a:endParaRPr>
-                        </a:p>
-                      </a:txBody>
-                      <a:tcPr marL="68580" marR="68580" marT="0" marB="0" anchor="ctr"/>
-                    </a:tc>
-                    <a:extLst>
-                      <a:ext uri="{0D108BD9-81ED-4DB2-BD59-A6C34878D82A}">
-                        <a16:rowId xmlns:a16="http://schemas.microsoft.com/office/drawing/2014/main" val="10006"/>
-                      </a:ext>
-                    </a:extLst>
-                  </a:tr>
-                  <a:tr h="311039">
-                    <a:tc>
-                      <a:txBody>
-                        <a:bodyPr/>
-                        <a:lstStyle/>
-                        <a:p>
-                          <a:pPr algn="r">
-                            <a:lnSpc>
-                              <a:spcPct val="150000"/>
-                            </a:lnSpc>
-                            <a:spcAft>
-                              <a:spcPts val="0"/>
-                            </a:spcAft>
-                          </a:pPr>
-                          <a:r>
-                            <a:rPr lang="en-US" sz="1400" kern="1200" dirty="0" err="1">
-                              <a:solidFill>
-                                <a:schemeClr val="tx1"/>
-                              </a:solidFill>
-                              <a:effectLst/>
-                              <a:latin typeface="+mn-lt"/>
-                              <a:ea typeface="+mn-ea"/>
-                              <a:cs typeface="+mn-cs"/>
-                            </a:rPr>
-                            <a:t>tg</a:t>
-                          </a:r>
-                          <a:r>
-                            <a:rPr lang="en-US" sz="1400" kern="1200" dirty="0">
-                              <a:solidFill>
-                                <a:schemeClr val="tx1"/>
-                              </a:solidFill>
-                              <a:effectLst/>
-                              <a:latin typeface="+mn-lt"/>
-                              <a:ea typeface="+mn-ea"/>
-                              <a:cs typeface="+mn-cs"/>
-                            </a:rPr>
-                            <a:t>(x)</a:t>
-                          </a:r>
-                          <a:endParaRPr lang="ru-RU" sz="1400" kern="1200" dirty="0">
-                            <a:solidFill>
-                              <a:schemeClr val="tx1"/>
-                            </a:solidFill>
-                            <a:effectLst/>
-                            <a:latin typeface="+mn-lt"/>
-                            <a:ea typeface="+mn-ea"/>
-                            <a:cs typeface="+mn-cs"/>
-                          </a:endParaRPr>
-                        </a:p>
-                      </a:txBody>
-                      <a:tcPr marL="68580" marR="68580" marT="0" marB="0" anchor="ctr"/>
-                    </a:tc>
-                    <a:tc>
-                      <a:txBody>
-                        <a:bodyPr/>
-                        <a:lstStyle/>
-                        <a:p>
-                          <a:pPr algn="ctr">
-                            <a:lnSpc>
-                              <a:spcPct val="150000"/>
-                            </a:lnSpc>
-                            <a:spcAft>
-                              <a:spcPts val="0"/>
-                            </a:spcAft>
-                          </a:pPr>
-                          <a:r>
-                            <a:rPr lang="en-US" sz="1400" kern="1200" dirty="0">
-                              <a:solidFill>
-                                <a:schemeClr val="tx1"/>
-                              </a:solidFill>
-                              <a:effectLst/>
-                              <a:latin typeface="+mn-lt"/>
-                              <a:ea typeface="+mn-ea"/>
-                              <a:cs typeface="+mn-cs"/>
-                            </a:rPr>
-                            <a:t>=</a:t>
-                          </a:r>
-                          <a:endParaRPr lang="ru-RU" sz="1400" kern="1200" dirty="0">
-                            <a:solidFill>
-                              <a:schemeClr val="tx1"/>
-                            </a:solidFill>
-                            <a:effectLst/>
-                            <a:latin typeface="+mn-lt"/>
-                            <a:ea typeface="+mn-ea"/>
-                            <a:cs typeface="+mn-cs"/>
-                          </a:endParaRPr>
-                        </a:p>
-                      </a:txBody>
-                      <a:tcPr marL="68580" marR="68580" marT="0" marB="0" anchor="ctr"/>
-                    </a:tc>
-                    <a:tc>
-                      <a:txBody>
-                        <a:bodyPr/>
-                        <a:lstStyle/>
-                        <a:p>
-                          <a:pPr algn="l">
-                            <a:lnSpc>
-                              <a:spcPct val="150000"/>
-                            </a:lnSpc>
-                            <a:spcAft>
-                              <a:spcPts val="0"/>
-                            </a:spcAft>
-                          </a:pPr>
-                          <a:r>
-                            <a:rPr lang="en-US" sz="1400" kern="1200" dirty="0">
-                              <a:solidFill>
-                                <a:schemeClr val="tx1"/>
-                              </a:solidFill>
-                              <a:effectLst/>
-                              <a:latin typeface="+mn-lt"/>
-                              <a:ea typeface="+mn-ea"/>
-                              <a:cs typeface="+mn-cs"/>
-                            </a:rPr>
-                            <a:t>tan(x)</a:t>
-                          </a:r>
-                          <a:endParaRPr lang="ru-RU" sz="1400" kern="1200" dirty="0">
-                            <a:solidFill>
-                              <a:schemeClr val="tx1"/>
-                            </a:solidFill>
-                            <a:effectLst/>
-                            <a:latin typeface="+mn-lt"/>
-                            <a:ea typeface="+mn-ea"/>
-                            <a:cs typeface="+mn-cs"/>
-                          </a:endParaRPr>
-                        </a:p>
-                      </a:txBody>
-                      <a:tcPr marL="68580" marR="68580" marT="0" marB="0" anchor="ctr"/>
-                    </a:tc>
-                    <a:extLst>
-                      <a:ext uri="{0D108BD9-81ED-4DB2-BD59-A6C34878D82A}">
-                        <a16:rowId xmlns:a16="http://schemas.microsoft.com/office/drawing/2014/main" val="3107830125"/>
-                      </a:ext>
-                    </a:extLst>
-                  </a:tr>
-                  <a:tr h="311039">
-                    <a:tc>
-                      <a:txBody>
-                        <a:bodyPr/>
-                        <a:lstStyle/>
-                        <a:p>
-                          <a:pPr algn="r">
-                            <a:lnSpc>
-                              <a:spcPct val="150000"/>
-                            </a:lnSpc>
-                            <a:spcAft>
-                              <a:spcPts val="0"/>
-                            </a:spcAft>
-                          </a:pPr>
-                          <a:r>
-                            <a:rPr lang="en-US" sz="1400" dirty="0" err="1">
-                              <a:effectLst/>
-                            </a:rPr>
-                            <a:t>arctg</a:t>
-                          </a:r>
-                          <a:r>
-                            <a:rPr lang="en-US" sz="1400" dirty="0">
-                              <a:effectLst/>
-                            </a:rPr>
-                            <a:t>(x)</a:t>
-                          </a:r>
-                          <a:endParaRPr lang="ru-RU" sz="1100" dirty="0">
-                            <a:effectLst/>
-                            <a:latin typeface="Calibri"/>
-                            <a:ea typeface="Calibri"/>
-                            <a:cs typeface="Times New Roman"/>
-                          </a:endParaRPr>
-                        </a:p>
-                      </a:txBody>
-                      <a:tcPr marL="68580" marR="68580" marT="0" marB="0" anchor="ctr"/>
-                    </a:tc>
-                    <a:tc>
-                      <a:txBody>
-                        <a:bodyPr/>
-                        <a:lstStyle/>
-                        <a:p>
-                          <a:pPr algn="ctr">
-                            <a:lnSpc>
-                              <a:spcPct val="150000"/>
-                            </a:lnSpc>
-                            <a:spcAft>
-                              <a:spcPts val="0"/>
-                            </a:spcAft>
-                          </a:pPr>
-                          <a:r>
-                            <a:rPr lang="en-US" sz="1400" dirty="0">
-                              <a:effectLst/>
-                            </a:rPr>
-                            <a:t>=</a:t>
-                          </a:r>
-                          <a:endParaRPr lang="ru-RU" sz="1100" dirty="0">
-                            <a:effectLst/>
-                            <a:latin typeface="Calibri"/>
-                            <a:ea typeface="Calibri"/>
-                            <a:cs typeface="Times New Roman"/>
-                          </a:endParaRPr>
-                        </a:p>
-                      </a:txBody>
-                      <a:tcPr marL="68580" marR="68580" marT="0" marB="0" anchor="ctr"/>
-                    </a:tc>
-                    <a:tc>
-                      <a:txBody>
-                        <a:bodyPr/>
-                        <a:lstStyle/>
-                        <a:p>
-                          <a:pPr algn="l">
-                            <a:lnSpc>
-                              <a:spcPct val="150000"/>
-                            </a:lnSpc>
-                            <a:spcAft>
-                              <a:spcPts val="0"/>
-                            </a:spcAft>
-                          </a:pPr>
-                          <a:r>
-                            <a:rPr lang="en-US" sz="1400" dirty="0" err="1">
-                              <a:effectLst/>
-                            </a:rPr>
-                            <a:t>arctan</a:t>
-                          </a:r>
-                          <a:r>
-                            <a:rPr lang="en-US" sz="1400" dirty="0">
-                              <a:effectLst/>
-                            </a:rPr>
-                            <a:t>(x)</a:t>
-                          </a:r>
-                          <a:endParaRPr lang="ru-RU" sz="1100" dirty="0">
-                            <a:effectLst/>
-                            <a:latin typeface="Calibri"/>
-                            <a:ea typeface="Calibri"/>
-                            <a:cs typeface="Times New Roman"/>
-                          </a:endParaRPr>
-                        </a:p>
-                      </a:txBody>
-                      <a:tcPr marL="68580" marR="68580" marT="0" marB="0" anchor="ctr"/>
-                    </a:tc>
-                    <a:extLst>
-                      <a:ext uri="{0D108BD9-81ED-4DB2-BD59-A6C34878D82A}">
-                        <a16:rowId xmlns:a16="http://schemas.microsoft.com/office/drawing/2014/main" val="10007"/>
-                      </a:ext>
-                    </a:extLst>
-                  </a:tr>
-                </a:tbl>
-              </a:graphicData>
-            </a:graphic>
-          </p:graphicFrame>
-        </mc:Fallback>
-      </mc:AlternateContent>
       <p:sp>
         <p:nvSpPr>
           <p:cNvPr id="8" name="Rectangle 2"/>
@@ -16866,6 +14890,6058 @@
           </a:p>
         </p:txBody>
       </p:sp>
+      <mc:AlternateContent xmlns:mc="http://schemas.openxmlformats.org/markup-compatibility/2006">
+        <mc:Choice xmlns:a14="http://schemas.microsoft.com/office/drawing/2010/main" Requires="a14">
+          <p:graphicFrame>
+            <p:nvGraphicFramePr>
+              <p:cNvPr id="2" name="Таблица 1">
+                <a:extLst>
+                  <a:ext uri="{FF2B5EF4-FFF2-40B4-BE49-F238E27FC236}">
+                    <a16:creationId xmlns:a16="http://schemas.microsoft.com/office/drawing/2014/main" id="{493C2C6A-8BEB-44A1-9CB8-60CA3689113D}"/>
+                  </a:ext>
+                </a:extLst>
+              </p:cNvPr>
+              <p:cNvGraphicFramePr>
+                <a:graphicFrameLocks noGrp="1"/>
+              </p:cNvGraphicFramePr>
+              <p:nvPr>
+                <p:extLst>
+                  <p:ext uri="{D42A27DB-BD31-4B8C-83A1-F6EECF244321}">
+                    <p14:modId xmlns:p14="http://schemas.microsoft.com/office/powerpoint/2010/main" val="4258751894"/>
+                  </p:ext>
+                </p:extLst>
+              </p:nvPr>
+            </p:nvGraphicFramePr>
+            <p:xfrm>
+              <a:off x="288823" y="1129799"/>
+              <a:ext cx="5328000" cy="2349310"/>
+            </p:xfrm>
+            <a:graphic>
+              <a:graphicData uri="http://schemas.openxmlformats.org/drawingml/2006/table">
+                <a:tbl>
+                  <a:tblPr/>
+                  <a:tblGrid>
+                    <a:gridCol w="1332000">
+                      <a:extLst>
+                        <a:ext uri="{9D8B030D-6E8A-4147-A177-3AD203B41FA5}">
+                          <a16:colId xmlns:a16="http://schemas.microsoft.com/office/drawing/2014/main" val="1470616537"/>
+                        </a:ext>
+                      </a:extLst>
+                    </a:gridCol>
+                    <a:gridCol w="1332000">
+                      <a:extLst>
+                        <a:ext uri="{9D8B030D-6E8A-4147-A177-3AD203B41FA5}">
+                          <a16:colId xmlns:a16="http://schemas.microsoft.com/office/drawing/2014/main" val="31931731"/>
+                        </a:ext>
+                      </a:extLst>
+                    </a:gridCol>
+                    <a:gridCol w="1332000">
+                      <a:extLst>
+                        <a:ext uri="{9D8B030D-6E8A-4147-A177-3AD203B41FA5}">
+                          <a16:colId xmlns:a16="http://schemas.microsoft.com/office/drawing/2014/main" val="1941991705"/>
+                        </a:ext>
+                      </a:extLst>
+                    </a:gridCol>
+                    <a:gridCol w="1332000">
+                      <a:extLst>
+                        <a:ext uri="{9D8B030D-6E8A-4147-A177-3AD203B41FA5}">
+                          <a16:colId xmlns:a16="http://schemas.microsoft.com/office/drawing/2014/main" val="3321931327"/>
+                        </a:ext>
+                      </a:extLst>
+                    </a:gridCol>
+                  </a:tblGrid>
+                  <a:tr h="0">
+                    <a:tc rowSpan="2">
+                      <a:txBody>
+                        <a:bodyPr/>
+                        <a:lstStyle/>
+                        <a:p>
+                          <a:pPr algn="ctr">
+                            <a:lnSpc>
+                              <a:spcPct val="100000"/>
+                            </a:lnSpc>
+                            <a:spcAft>
+                              <a:spcPts val="0"/>
+                            </a:spcAft>
+                          </a:pPr>
+                          <a:r>
+                            <a:rPr lang="ru-RU" sz="1400" dirty="0">
+                              <a:latin typeface="+mn-lt"/>
+                              <a:ea typeface="Times New Roman"/>
+                              <a:cs typeface="Times New Roman"/>
+                            </a:rPr>
+                            <a:t>Функция</a:t>
+                          </a:r>
+                        </a:p>
+                      </a:txBody>
+                      <a:tcPr marL="52855" marR="52855" marT="0" marB="0" anchor="ctr">
+                        <a:lnL w="12700" cap="flat" cmpd="sng" algn="ctr">
+                          <a:solidFill>
+                            <a:schemeClr val="tx1"/>
+                          </a:solidFill>
+                          <a:prstDash val="solid"/>
+                          <a:round/>
+                          <a:headEnd type="none" w="med" len="med"/>
+                          <a:tailEnd type="none" w="med" len="med"/>
+                        </a:lnL>
+                        <a:lnR w="12700" cap="flat" cmpd="sng" algn="ctr">
+                          <a:solidFill>
+                            <a:schemeClr val="tx1"/>
+                          </a:solidFill>
+                          <a:prstDash val="solid"/>
+                          <a:round/>
+                          <a:headEnd type="none" w="med" len="med"/>
+                          <a:tailEnd type="none" w="med" len="med"/>
+                        </a:lnR>
+                        <a:lnT w="12700" cap="flat" cmpd="sng" algn="ctr">
+                          <a:solidFill>
+                            <a:schemeClr val="tx1"/>
+                          </a:solidFill>
+                          <a:prstDash val="solid"/>
+                          <a:round/>
+                          <a:headEnd type="none" w="med" len="med"/>
+                          <a:tailEnd type="none" w="med" len="med"/>
+                        </a:lnT>
+                        <a:lnB w="12700" cap="flat" cmpd="sng" algn="ctr">
+                          <a:solidFill>
+                            <a:schemeClr val="tx1"/>
+                          </a:solidFill>
+                          <a:prstDash val="solid"/>
+                          <a:round/>
+                          <a:headEnd type="none" w="med" len="med"/>
+                          <a:tailEnd type="none" w="med" len="med"/>
+                        </a:lnB>
+                      </a:tcPr>
+                    </a:tc>
+                    <a:tc rowSpan="2">
+                      <a:txBody>
+                        <a:bodyPr/>
+                        <a:lstStyle/>
+                        <a:p>
+                          <a:pPr algn="ctr">
+                            <a:lnSpc>
+                              <a:spcPct val="100000"/>
+                            </a:lnSpc>
+                            <a:spcAft>
+                              <a:spcPts val="0"/>
+                            </a:spcAft>
+                          </a:pPr>
+                          <a:r>
+                            <a:rPr lang="ru-RU" sz="1400" dirty="0">
+                              <a:latin typeface="+mn-lt"/>
+                              <a:ea typeface="Times New Roman"/>
+                              <a:cs typeface="Times New Roman"/>
+                            </a:rPr>
+                            <a:t>Назначение</a:t>
+                          </a:r>
+                        </a:p>
+                      </a:txBody>
+                      <a:tcPr marL="52855" marR="52855" marT="0" marB="0" anchor="ctr">
+                        <a:lnL w="12700" cap="flat" cmpd="sng" algn="ctr">
+                          <a:solidFill>
+                            <a:schemeClr val="tx1"/>
+                          </a:solidFill>
+                          <a:prstDash val="solid"/>
+                          <a:round/>
+                          <a:headEnd type="none" w="med" len="med"/>
+                          <a:tailEnd type="none" w="med" len="med"/>
+                        </a:lnL>
+                        <a:lnR w="12700" cap="flat" cmpd="sng" algn="ctr">
+                          <a:solidFill>
+                            <a:schemeClr val="tx1"/>
+                          </a:solidFill>
+                          <a:prstDash val="solid"/>
+                          <a:round/>
+                          <a:headEnd type="none" w="med" len="med"/>
+                          <a:tailEnd type="none" w="med" len="med"/>
+                        </a:lnR>
+                        <a:lnT w="12700" cap="flat" cmpd="sng" algn="ctr">
+                          <a:solidFill>
+                            <a:schemeClr val="tx1"/>
+                          </a:solidFill>
+                          <a:prstDash val="solid"/>
+                          <a:round/>
+                          <a:headEnd type="none" w="med" len="med"/>
+                          <a:tailEnd type="none" w="med" len="med"/>
+                        </a:lnT>
+                        <a:lnB w="12700" cap="flat" cmpd="sng" algn="ctr">
+                          <a:solidFill>
+                            <a:schemeClr val="tx1"/>
+                          </a:solidFill>
+                          <a:prstDash val="solid"/>
+                          <a:round/>
+                          <a:headEnd type="none" w="med" len="med"/>
+                          <a:tailEnd type="none" w="med" len="med"/>
+                        </a:lnB>
+                      </a:tcPr>
+                    </a:tc>
+                    <a:tc gridSpan="2">
+                      <a:txBody>
+                        <a:bodyPr/>
+                        <a:lstStyle/>
+                        <a:p>
+                          <a:pPr algn="ctr">
+                            <a:lnSpc>
+                              <a:spcPct val="100000"/>
+                            </a:lnSpc>
+                            <a:spcAft>
+                              <a:spcPts val="0"/>
+                            </a:spcAft>
+                          </a:pPr>
+                          <a:r>
+                            <a:rPr lang="ru-RU" sz="1400">
+                              <a:latin typeface="+mn-lt"/>
+                              <a:ea typeface="Times New Roman"/>
+                              <a:cs typeface="Times New Roman"/>
+                            </a:rPr>
+                            <a:t>Тип</a:t>
+                          </a:r>
+                        </a:p>
+                      </a:txBody>
+                      <a:tcPr marL="52855" marR="52855" marT="0" marB="0">
+                        <a:lnL w="12700" cap="flat" cmpd="sng" algn="ctr">
+                          <a:solidFill>
+                            <a:schemeClr val="tx1"/>
+                          </a:solidFill>
+                          <a:prstDash val="solid"/>
+                          <a:round/>
+                          <a:headEnd type="none" w="med" len="med"/>
+                          <a:tailEnd type="none" w="med" len="med"/>
+                        </a:lnL>
+                        <a:lnR w="12700" cap="flat" cmpd="sng" algn="ctr">
+                          <a:solidFill>
+                            <a:schemeClr val="tx1"/>
+                          </a:solidFill>
+                          <a:prstDash val="solid"/>
+                          <a:round/>
+                          <a:headEnd type="none" w="med" len="med"/>
+                          <a:tailEnd type="none" w="med" len="med"/>
+                        </a:lnR>
+                        <a:lnT w="12700" cap="flat" cmpd="sng" algn="ctr">
+                          <a:solidFill>
+                            <a:schemeClr val="tx1"/>
+                          </a:solidFill>
+                          <a:prstDash val="solid"/>
+                          <a:round/>
+                          <a:headEnd type="none" w="med" len="med"/>
+                          <a:tailEnd type="none" w="med" len="med"/>
+                        </a:lnT>
+                        <a:lnB w="12700" cap="flat" cmpd="sng" algn="ctr">
+                          <a:solidFill>
+                            <a:schemeClr val="tx1"/>
+                          </a:solidFill>
+                          <a:prstDash val="solid"/>
+                          <a:round/>
+                          <a:headEnd type="none" w="med" len="med"/>
+                          <a:tailEnd type="none" w="med" len="med"/>
+                        </a:lnB>
+                      </a:tcPr>
+                    </a:tc>
+                    <a:tc hMerge="1">
+                      <a:txBody>
+                        <a:bodyPr/>
+                        <a:lstStyle/>
+                        <a:p>
+                          <a:endParaRPr lang="ru-RU"/>
+                        </a:p>
+                      </a:txBody>
+                      <a:tcPr/>
+                    </a:tc>
+                    <a:extLst>
+                      <a:ext uri="{0D108BD9-81ED-4DB2-BD59-A6C34878D82A}">
+                        <a16:rowId xmlns:a16="http://schemas.microsoft.com/office/drawing/2014/main" val="3979142589"/>
+                      </a:ext>
+                    </a:extLst>
+                  </a:tr>
+                  <a:tr h="0">
+                    <a:tc vMerge="1">
+                      <a:txBody>
+                        <a:bodyPr/>
+                        <a:lstStyle/>
+                        <a:p>
+                          <a:pPr algn="ctr">
+                            <a:lnSpc>
+                              <a:spcPct val="100000"/>
+                            </a:lnSpc>
+                            <a:spcAft>
+                              <a:spcPts val="0"/>
+                            </a:spcAft>
+                          </a:pPr>
+                          <a:endParaRPr lang="ru-RU" sz="1800" dirty="0">
+                            <a:latin typeface="+mn-lt"/>
+                            <a:ea typeface="Times New Roman"/>
+                            <a:cs typeface="Times New Roman"/>
+                          </a:endParaRPr>
+                        </a:p>
+                      </a:txBody>
+                      <a:tcPr marL="52855" marR="52855" marT="0" marB="0">
+                        <a:lnL w="12700" cap="flat" cmpd="sng" algn="ctr">
+                          <a:solidFill>
+                            <a:schemeClr val="tx1"/>
+                          </a:solidFill>
+                          <a:prstDash val="solid"/>
+                          <a:round/>
+                          <a:headEnd type="none" w="med" len="med"/>
+                          <a:tailEnd type="none" w="med" len="med"/>
+                        </a:lnL>
+                        <a:lnR w="12700" cap="flat" cmpd="sng" algn="ctr">
+                          <a:solidFill>
+                            <a:schemeClr val="tx1"/>
+                          </a:solidFill>
+                          <a:prstDash val="solid"/>
+                          <a:round/>
+                          <a:headEnd type="none" w="med" len="med"/>
+                          <a:tailEnd type="none" w="med" len="med"/>
+                        </a:lnR>
+                        <a:lnT w="12700" cap="flat" cmpd="sng" algn="ctr">
+                          <a:solidFill>
+                            <a:schemeClr val="tx1"/>
+                          </a:solidFill>
+                          <a:prstDash val="solid"/>
+                          <a:round/>
+                          <a:headEnd type="none" w="med" len="med"/>
+                          <a:tailEnd type="none" w="med" len="med"/>
+                        </a:lnT>
+                        <a:lnB w="12700" cap="flat" cmpd="sng" algn="ctr">
+                          <a:solidFill>
+                            <a:schemeClr val="tx1"/>
+                          </a:solidFill>
+                          <a:prstDash val="solid"/>
+                          <a:round/>
+                          <a:headEnd type="none" w="med" len="med"/>
+                          <a:tailEnd type="none" w="med" len="med"/>
+                        </a:lnB>
+                      </a:tcPr>
+                    </a:tc>
+                    <a:tc vMerge="1">
+                      <a:txBody>
+                        <a:bodyPr/>
+                        <a:lstStyle/>
+                        <a:p>
+                          <a:pPr algn="ctr">
+                            <a:lnSpc>
+                              <a:spcPct val="100000"/>
+                            </a:lnSpc>
+                            <a:spcAft>
+                              <a:spcPts val="0"/>
+                            </a:spcAft>
+                          </a:pPr>
+                          <a:endParaRPr lang="ru-RU" sz="1800" dirty="0">
+                            <a:latin typeface="+mn-lt"/>
+                            <a:ea typeface="Times New Roman"/>
+                            <a:cs typeface="Times New Roman"/>
+                          </a:endParaRPr>
+                        </a:p>
+                      </a:txBody>
+                      <a:tcPr marL="52855" marR="52855" marT="0" marB="0">
+                        <a:lnL w="12700" cap="flat" cmpd="sng" algn="ctr">
+                          <a:solidFill>
+                            <a:schemeClr val="tx1"/>
+                          </a:solidFill>
+                          <a:prstDash val="solid"/>
+                          <a:round/>
+                          <a:headEnd type="none" w="med" len="med"/>
+                          <a:tailEnd type="none" w="med" len="med"/>
+                        </a:lnL>
+                        <a:lnR w="12700" cap="flat" cmpd="sng" algn="ctr">
+                          <a:solidFill>
+                            <a:schemeClr val="tx1"/>
+                          </a:solidFill>
+                          <a:prstDash val="solid"/>
+                          <a:round/>
+                          <a:headEnd type="none" w="med" len="med"/>
+                          <a:tailEnd type="none" w="med" len="med"/>
+                        </a:lnR>
+                        <a:lnT w="12700" cap="flat" cmpd="sng" algn="ctr">
+                          <a:solidFill>
+                            <a:schemeClr val="tx1"/>
+                          </a:solidFill>
+                          <a:prstDash val="solid"/>
+                          <a:round/>
+                          <a:headEnd type="none" w="med" len="med"/>
+                          <a:tailEnd type="none" w="med" len="med"/>
+                        </a:lnT>
+                        <a:lnB w="12700" cap="flat" cmpd="sng" algn="ctr">
+                          <a:solidFill>
+                            <a:schemeClr val="tx1"/>
+                          </a:solidFill>
+                          <a:prstDash val="solid"/>
+                          <a:round/>
+                          <a:headEnd type="none" w="med" len="med"/>
+                          <a:tailEnd type="none" w="med" len="med"/>
+                        </a:lnB>
+                      </a:tcPr>
+                    </a:tc>
+                    <a:tc>
+                      <a:txBody>
+                        <a:bodyPr/>
+                        <a:lstStyle/>
+                        <a:p>
+                          <a:pPr algn="ctr">
+                            <a:lnSpc>
+                              <a:spcPct val="100000"/>
+                            </a:lnSpc>
+                            <a:spcAft>
+                              <a:spcPts val="0"/>
+                            </a:spcAft>
+                          </a:pPr>
+                          <a:r>
+                            <a:rPr lang="ru-RU" sz="1400" dirty="0">
+                              <a:latin typeface="+mn-lt"/>
+                              <a:ea typeface="Times New Roman"/>
+                              <a:cs typeface="Times New Roman"/>
+                            </a:rPr>
+                            <a:t>аргумента</a:t>
+                          </a:r>
+                        </a:p>
+                      </a:txBody>
+                      <a:tcPr marL="52855" marR="52855" marT="0" marB="0">
+                        <a:lnL w="12700" cap="flat" cmpd="sng" algn="ctr">
+                          <a:solidFill>
+                            <a:schemeClr val="tx1"/>
+                          </a:solidFill>
+                          <a:prstDash val="solid"/>
+                          <a:round/>
+                          <a:headEnd type="none" w="med" len="med"/>
+                          <a:tailEnd type="none" w="med" len="med"/>
+                        </a:lnL>
+                        <a:lnR w="12700" cap="flat" cmpd="sng" algn="ctr">
+                          <a:solidFill>
+                            <a:schemeClr val="tx1"/>
+                          </a:solidFill>
+                          <a:prstDash val="solid"/>
+                          <a:round/>
+                          <a:headEnd type="none" w="med" len="med"/>
+                          <a:tailEnd type="none" w="med" len="med"/>
+                        </a:lnR>
+                        <a:lnT w="12700" cap="flat" cmpd="sng" algn="ctr">
+                          <a:solidFill>
+                            <a:schemeClr val="tx1"/>
+                          </a:solidFill>
+                          <a:prstDash val="solid"/>
+                          <a:round/>
+                          <a:headEnd type="none" w="med" len="med"/>
+                          <a:tailEnd type="none" w="med" len="med"/>
+                        </a:lnT>
+                        <a:lnB w="12700" cap="flat" cmpd="sng" algn="ctr">
+                          <a:solidFill>
+                            <a:schemeClr val="tx1"/>
+                          </a:solidFill>
+                          <a:prstDash val="solid"/>
+                          <a:round/>
+                          <a:headEnd type="none" w="med" len="med"/>
+                          <a:tailEnd type="none" w="med" len="med"/>
+                        </a:lnB>
+                      </a:tcPr>
+                    </a:tc>
+                    <a:tc>
+                      <a:txBody>
+                        <a:bodyPr/>
+                        <a:lstStyle/>
+                        <a:p>
+                          <a:pPr algn="ctr">
+                            <a:lnSpc>
+                              <a:spcPct val="100000"/>
+                            </a:lnSpc>
+                            <a:spcAft>
+                              <a:spcPts val="0"/>
+                            </a:spcAft>
+                          </a:pPr>
+                          <a:r>
+                            <a:rPr lang="ru-RU" sz="1400" dirty="0">
+                              <a:latin typeface="+mn-lt"/>
+                              <a:ea typeface="Times New Roman"/>
+                              <a:cs typeface="Times New Roman"/>
+                            </a:rPr>
+                            <a:t>результата</a:t>
+                          </a:r>
+                        </a:p>
+                      </a:txBody>
+                      <a:tcPr marL="52855" marR="52855" marT="0" marB="0">
+                        <a:lnL w="12700" cap="flat" cmpd="sng" algn="ctr">
+                          <a:solidFill>
+                            <a:schemeClr val="tx1"/>
+                          </a:solidFill>
+                          <a:prstDash val="solid"/>
+                          <a:round/>
+                          <a:headEnd type="none" w="med" len="med"/>
+                          <a:tailEnd type="none" w="med" len="med"/>
+                        </a:lnL>
+                        <a:lnR w="12700" cap="flat" cmpd="sng" algn="ctr">
+                          <a:solidFill>
+                            <a:schemeClr val="tx1"/>
+                          </a:solidFill>
+                          <a:prstDash val="solid"/>
+                          <a:round/>
+                          <a:headEnd type="none" w="med" len="med"/>
+                          <a:tailEnd type="none" w="med" len="med"/>
+                        </a:lnR>
+                        <a:lnT w="12700" cap="flat" cmpd="sng" algn="ctr">
+                          <a:solidFill>
+                            <a:schemeClr val="tx1"/>
+                          </a:solidFill>
+                          <a:prstDash val="solid"/>
+                          <a:round/>
+                          <a:headEnd type="none" w="med" len="med"/>
+                          <a:tailEnd type="none" w="med" len="med"/>
+                        </a:lnT>
+                        <a:lnB w="12700" cap="flat" cmpd="sng" algn="ctr">
+                          <a:solidFill>
+                            <a:schemeClr val="tx1"/>
+                          </a:solidFill>
+                          <a:prstDash val="solid"/>
+                          <a:round/>
+                          <a:headEnd type="none" w="med" len="med"/>
+                          <a:tailEnd type="none" w="med" len="med"/>
+                        </a:lnB>
+                      </a:tcPr>
+                    </a:tc>
+                    <a:extLst>
+                      <a:ext uri="{0D108BD9-81ED-4DB2-BD59-A6C34878D82A}">
+                        <a16:rowId xmlns:a16="http://schemas.microsoft.com/office/drawing/2014/main" val="659465750"/>
+                      </a:ext>
+                    </a:extLst>
+                  </a:tr>
+                  <a:tr h="0">
+                    <a:tc>
+                      <a:txBody>
+                        <a:bodyPr/>
+                        <a:lstStyle/>
+                        <a:p>
+                          <a:pPr algn="l">
+                            <a:lnSpc>
+                              <a:spcPct val="100000"/>
+                            </a:lnSpc>
+                            <a:spcAft>
+                              <a:spcPts val="0"/>
+                            </a:spcAft>
+                          </a:pPr>
+                          <a:r>
+                            <a:rPr lang="ru-RU" sz="1400" dirty="0" err="1">
+                              <a:latin typeface="Courier New" panose="02070309020205020404" pitchFamily="49" charset="0"/>
+                              <a:ea typeface="Times New Roman"/>
+                              <a:cs typeface="Courier New" panose="02070309020205020404" pitchFamily="49" charset="0"/>
+                            </a:rPr>
+                            <a:t>abs</a:t>
+                          </a:r>
+                          <a:r>
+                            <a:rPr lang="ru-RU" sz="1400" dirty="0">
+                              <a:latin typeface="Courier New" panose="02070309020205020404" pitchFamily="49" charset="0"/>
+                              <a:ea typeface="Times New Roman"/>
+                              <a:cs typeface="Courier New" panose="02070309020205020404" pitchFamily="49" charset="0"/>
+                            </a:rPr>
+                            <a:t>(x)</a:t>
+                          </a:r>
+                        </a:p>
+                      </a:txBody>
+                      <a:tcPr marL="52855" marR="52855" marT="0" marB="0" anchor="ctr">
+                        <a:lnL w="12700" cap="flat" cmpd="sng" algn="ctr">
+                          <a:solidFill>
+                            <a:schemeClr val="tx1"/>
+                          </a:solidFill>
+                          <a:prstDash val="solid"/>
+                          <a:round/>
+                          <a:headEnd type="none" w="med" len="med"/>
+                          <a:tailEnd type="none" w="med" len="med"/>
+                        </a:lnL>
+                        <a:lnR w="12700" cap="flat" cmpd="sng" algn="ctr">
+                          <a:solidFill>
+                            <a:schemeClr val="tx1"/>
+                          </a:solidFill>
+                          <a:prstDash val="solid"/>
+                          <a:round/>
+                          <a:headEnd type="none" w="med" len="med"/>
+                          <a:tailEnd type="none" w="med" len="med"/>
+                        </a:lnR>
+                        <a:lnT w="12700" cap="flat" cmpd="sng" algn="ctr">
+                          <a:solidFill>
+                            <a:schemeClr val="tx1"/>
+                          </a:solidFill>
+                          <a:prstDash val="solid"/>
+                          <a:round/>
+                          <a:headEnd type="none" w="med" len="med"/>
+                          <a:tailEnd type="none" w="med" len="med"/>
+                        </a:lnT>
+                        <a:lnB w="12700" cap="flat" cmpd="sng" algn="ctr">
+                          <a:solidFill>
+                            <a:schemeClr val="tx1"/>
+                          </a:solidFill>
+                          <a:prstDash val="solid"/>
+                          <a:round/>
+                          <a:headEnd type="none" w="med" len="med"/>
+                          <a:tailEnd type="none" w="med" len="med"/>
+                        </a:lnB>
+                      </a:tcPr>
+                    </a:tc>
+                    <a:tc>
+                      <a:txBody>
+                        <a:bodyPr/>
+                        <a:lstStyle/>
+                        <a:p>
+                          <a:pPr algn="ctr">
+                            <a:lnSpc>
+                              <a:spcPct val="100000"/>
+                            </a:lnSpc>
+                            <a:spcAft>
+                              <a:spcPts val="0"/>
+                            </a:spcAft>
+                          </a:pPr>
+                          <a:r>
+                            <a:rPr lang="ru-RU" sz="1400" dirty="0">
+                              <a:latin typeface="+mn-lt"/>
+                              <a:ea typeface="Times New Roman"/>
+                              <a:cs typeface="Times New Roman"/>
+                              <a:sym typeface="Symbol"/>
+                            </a:rPr>
+                            <a:t></a:t>
+                          </a:r>
+                          <a:r>
+                            <a:rPr lang="ru-RU" sz="1400" i="1" dirty="0" err="1">
+                              <a:latin typeface="+mn-lt"/>
+                              <a:ea typeface="Times New Roman"/>
+                              <a:cs typeface="Times New Roman"/>
+                            </a:rPr>
+                            <a:t>x</a:t>
+                          </a:r>
+                          <a:r>
+                            <a:rPr lang="ru-RU" sz="1400" dirty="0">
+                              <a:latin typeface="+mn-lt"/>
+                              <a:ea typeface="Times New Roman"/>
+                              <a:cs typeface="Times New Roman"/>
+                              <a:sym typeface="Symbol"/>
+                            </a:rPr>
+                            <a:t></a:t>
+                          </a:r>
+                          <a:endParaRPr lang="ru-RU" sz="1400" dirty="0">
+                            <a:latin typeface="+mn-lt"/>
+                            <a:ea typeface="Times New Roman"/>
+                            <a:cs typeface="Times New Roman"/>
+                          </a:endParaRPr>
+                        </a:p>
+                      </a:txBody>
+                      <a:tcPr marL="52855" marR="52855" marT="0" marB="0">
+                        <a:lnL w="12700" cap="flat" cmpd="sng" algn="ctr">
+                          <a:solidFill>
+                            <a:schemeClr val="tx1"/>
+                          </a:solidFill>
+                          <a:prstDash val="solid"/>
+                          <a:round/>
+                          <a:headEnd type="none" w="med" len="med"/>
+                          <a:tailEnd type="none" w="med" len="med"/>
+                        </a:lnL>
+                        <a:lnR w="12700" cap="flat" cmpd="sng" algn="ctr">
+                          <a:solidFill>
+                            <a:schemeClr val="tx1"/>
+                          </a:solidFill>
+                          <a:prstDash val="solid"/>
+                          <a:round/>
+                          <a:headEnd type="none" w="med" len="med"/>
+                          <a:tailEnd type="none" w="med" len="med"/>
+                        </a:lnR>
+                        <a:lnT w="12700" cap="flat" cmpd="sng" algn="ctr">
+                          <a:solidFill>
+                            <a:schemeClr val="tx1"/>
+                          </a:solidFill>
+                          <a:prstDash val="solid"/>
+                          <a:round/>
+                          <a:headEnd type="none" w="med" len="med"/>
+                          <a:tailEnd type="none" w="med" len="med"/>
+                        </a:lnT>
+                        <a:lnB w="12700" cap="flat" cmpd="sng" algn="ctr">
+                          <a:solidFill>
+                            <a:schemeClr val="tx1"/>
+                          </a:solidFill>
+                          <a:prstDash val="solid"/>
+                          <a:round/>
+                          <a:headEnd type="none" w="med" len="med"/>
+                          <a:tailEnd type="none" w="med" len="med"/>
+                        </a:lnB>
+                      </a:tcPr>
+                    </a:tc>
+                    <a:tc rowSpan="2" gridSpan="2">
+                      <a:txBody>
+                        <a:bodyPr/>
+                        <a:lstStyle/>
+                        <a:p>
+                          <a:pPr algn="ctr">
+                            <a:lnSpc>
+                              <a:spcPct val="100000"/>
+                            </a:lnSpc>
+                            <a:spcAft>
+                              <a:spcPts val="0"/>
+                            </a:spcAft>
+                          </a:pPr>
+                          <a:r>
+                            <a:rPr lang="ru-RU" sz="1400" dirty="0">
+                              <a:latin typeface="+mn-lt"/>
+                              <a:ea typeface="Times New Roman"/>
+                              <a:cs typeface="Times New Roman"/>
+                            </a:rPr>
+                            <a:t>вещественный или</a:t>
+                          </a:r>
+                          <a:r>
+                            <a:rPr lang="en-US" sz="1400" dirty="0">
+                              <a:latin typeface="+mn-lt"/>
+                              <a:ea typeface="Times New Roman"/>
+                              <a:cs typeface="Times New Roman"/>
+                            </a:rPr>
+                            <a:t> </a:t>
+                          </a:r>
+                          <a:r>
+                            <a:rPr lang="ru-RU" sz="1400" dirty="0">
+                              <a:latin typeface="+mn-lt"/>
+                              <a:ea typeface="Times New Roman"/>
+                              <a:cs typeface="Times New Roman"/>
+                            </a:rPr>
+                            <a:t>целый</a:t>
+                          </a:r>
+                        </a:p>
+                      </a:txBody>
+                      <a:tcPr marL="52855" marR="52855" marT="0" marB="0" anchor="ctr">
+                        <a:lnL w="12700" cap="flat" cmpd="sng" algn="ctr">
+                          <a:solidFill>
+                            <a:schemeClr val="tx1"/>
+                          </a:solidFill>
+                          <a:prstDash val="solid"/>
+                          <a:round/>
+                          <a:headEnd type="none" w="med" len="med"/>
+                          <a:tailEnd type="none" w="med" len="med"/>
+                        </a:lnL>
+                        <a:lnR w="12700" cap="flat" cmpd="sng" algn="ctr">
+                          <a:solidFill>
+                            <a:schemeClr val="tx1"/>
+                          </a:solidFill>
+                          <a:prstDash val="solid"/>
+                          <a:round/>
+                          <a:headEnd type="none" w="med" len="med"/>
+                          <a:tailEnd type="none" w="med" len="med"/>
+                        </a:lnR>
+                        <a:lnT w="12700" cap="flat" cmpd="sng" algn="ctr">
+                          <a:solidFill>
+                            <a:schemeClr val="tx1"/>
+                          </a:solidFill>
+                          <a:prstDash val="solid"/>
+                          <a:round/>
+                          <a:headEnd type="none" w="med" len="med"/>
+                          <a:tailEnd type="none" w="med" len="med"/>
+                        </a:lnT>
+                        <a:lnB w="12700" cap="flat" cmpd="sng" algn="ctr">
+                          <a:solidFill>
+                            <a:schemeClr val="tx1"/>
+                          </a:solidFill>
+                          <a:prstDash val="solid"/>
+                          <a:round/>
+                          <a:headEnd type="none" w="med" len="med"/>
+                          <a:tailEnd type="none" w="med" len="med"/>
+                        </a:lnB>
+                      </a:tcPr>
+                    </a:tc>
+                    <a:tc rowSpan="2" hMerge="1">
+                      <a:txBody>
+                        <a:bodyPr/>
+                        <a:lstStyle/>
+                        <a:p>
+                          <a:pPr algn="ctr">
+                            <a:lnSpc>
+                              <a:spcPct val="100000"/>
+                            </a:lnSpc>
+                            <a:spcAft>
+                              <a:spcPts val="0"/>
+                            </a:spcAft>
+                          </a:pPr>
+                          <a:endParaRPr lang="ru-RU" sz="1800">
+                            <a:latin typeface="+mn-lt"/>
+                            <a:ea typeface="Times New Roman"/>
+                            <a:cs typeface="Times New Roman"/>
+                          </a:endParaRPr>
+                        </a:p>
+                      </a:txBody>
+                      <a:tcPr marL="52855" marR="52855" marT="0" marB="0">
+                        <a:lnL w="12700" cap="flat" cmpd="sng" algn="ctr">
+                          <a:solidFill>
+                            <a:schemeClr val="tx1"/>
+                          </a:solidFill>
+                          <a:prstDash val="solid"/>
+                          <a:round/>
+                          <a:headEnd type="none" w="med" len="med"/>
+                          <a:tailEnd type="none" w="med" len="med"/>
+                        </a:lnL>
+                        <a:lnR w="12700" cap="flat" cmpd="sng" algn="ctr">
+                          <a:solidFill>
+                            <a:schemeClr val="tx1"/>
+                          </a:solidFill>
+                          <a:prstDash val="solid"/>
+                          <a:round/>
+                          <a:headEnd type="none" w="med" len="med"/>
+                          <a:tailEnd type="none" w="med" len="med"/>
+                        </a:lnR>
+                        <a:lnT w="12700" cap="flat" cmpd="sng" algn="ctr">
+                          <a:solidFill>
+                            <a:schemeClr val="tx1"/>
+                          </a:solidFill>
+                          <a:prstDash val="solid"/>
+                          <a:round/>
+                          <a:headEnd type="none" w="med" len="med"/>
+                          <a:tailEnd type="none" w="med" len="med"/>
+                        </a:lnT>
+                        <a:lnB w="12700" cap="flat" cmpd="sng" algn="ctr">
+                          <a:solidFill>
+                            <a:schemeClr val="tx1"/>
+                          </a:solidFill>
+                          <a:prstDash val="solid"/>
+                          <a:round/>
+                          <a:headEnd type="none" w="med" len="med"/>
+                          <a:tailEnd type="none" w="med" len="med"/>
+                        </a:lnB>
+                      </a:tcPr>
+                    </a:tc>
+                    <a:extLst>
+                      <a:ext uri="{0D108BD9-81ED-4DB2-BD59-A6C34878D82A}">
+                        <a16:rowId xmlns:a16="http://schemas.microsoft.com/office/drawing/2014/main" val="2733968529"/>
+                      </a:ext>
+                    </a:extLst>
+                  </a:tr>
+                  <a:tr h="0">
+                    <a:tc>
+                      <a:txBody>
+                        <a:bodyPr/>
+                        <a:lstStyle/>
+                        <a:p>
+                          <a:pPr algn="l">
+                            <a:lnSpc>
+                              <a:spcPct val="100000"/>
+                            </a:lnSpc>
+                            <a:spcAft>
+                              <a:spcPts val="0"/>
+                            </a:spcAft>
+                          </a:pPr>
+                          <a:r>
+                            <a:rPr lang="ru-RU" sz="1400" dirty="0" err="1">
+                              <a:latin typeface="Courier New" panose="02070309020205020404" pitchFamily="49" charset="0"/>
+                              <a:ea typeface="Times New Roman"/>
+                              <a:cs typeface="Courier New" panose="02070309020205020404" pitchFamily="49" charset="0"/>
+                            </a:rPr>
+                            <a:t>sqr</a:t>
+                          </a:r>
+                          <a:r>
+                            <a:rPr lang="ru-RU" sz="1400" dirty="0">
+                              <a:latin typeface="Courier New" panose="02070309020205020404" pitchFamily="49" charset="0"/>
+                              <a:ea typeface="Times New Roman"/>
+                              <a:cs typeface="Courier New" panose="02070309020205020404" pitchFamily="49" charset="0"/>
+                            </a:rPr>
+                            <a:t>(x)</a:t>
+                          </a:r>
+                        </a:p>
+                      </a:txBody>
+                      <a:tcPr marL="52855" marR="52855" marT="0" marB="0" anchor="ctr">
+                        <a:lnL w="12700" cap="flat" cmpd="sng" algn="ctr">
+                          <a:solidFill>
+                            <a:schemeClr val="tx1"/>
+                          </a:solidFill>
+                          <a:prstDash val="solid"/>
+                          <a:round/>
+                          <a:headEnd type="none" w="med" len="med"/>
+                          <a:tailEnd type="none" w="med" len="med"/>
+                        </a:lnL>
+                        <a:lnR w="12700" cap="flat" cmpd="sng" algn="ctr">
+                          <a:solidFill>
+                            <a:schemeClr val="tx1"/>
+                          </a:solidFill>
+                          <a:prstDash val="solid"/>
+                          <a:round/>
+                          <a:headEnd type="none" w="med" len="med"/>
+                          <a:tailEnd type="none" w="med" len="med"/>
+                        </a:lnR>
+                        <a:lnT w="12700" cap="flat" cmpd="sng" algn="ctr">
+                          <a:solidFill>
+                            <a:schemeClr val="tx1"/>
+                          </a:solidFill>
+                          <a:prstDash val="solid"/>
+                          <a:round/>
+                          <a:headEnd type="none" w="med" len="med"/>
+                          <a:tailEnd type="none" w="med" len="med"/>
+                        </a:lnT>
+                        <a:lnB w="12700" cap="flat" cmpd="sng" algn="ctr">
+                          <a:solidFill>
+                            <a:schemeClr val="tx1"/>
+                          </a:solidFill>
+                          <a:prstDash val="solid"/>
+                          <a:round/>
+                          <a:headEnd type="none" w="med" len="med"/>
+                          <a:tailEnd type="none" w="med" len="med"/>
+                        </a:lnB>
+                      </a:tcPr>
+                    </a:tc>
+                    <a:tc>
+                      <a:txBody>
+                        <a:bodyPr/>
+                        <a:lstStyle/>
+                        <a:p>
+                          <a:pPr algn="ctr">
+                            <a:lnSpc>
+                              <a:spcPct val="100000"/>
+                            </a:lnSpc>
+                            <a:spcAft>
+                              <a:spcPts val="0"/>
+                            </a:spcAft>
+                          </a:pPr>
+                          <a:r>
+                            <a:rPr lang="ru-RU" sz="1400" i="1" dirty="0">
+                              <a:latin typeface="+mn-lt"/>
+                              <a:ea typeface="Times New Roman"/>
+                              <a:cs typeface="Times New Roman"/>
+                            </a:rPr>
+                            <a:t>x</a:t>
+                          </a:r>
+                          <a:r>
+                            <a:rPr lang="ru-RU" sz="1400" baseline="30000" dirty="0">
+                              <a:latin typeface="+mn-lt"/>
+                              <a:ea typeface="Times New Roman"/>
+                              <a:cs typeface="Times New Roman"/>
+                            </a:rPr>
+                            <a:t>2</a:t>
+                          </a:r>
+                          <a:endParaRPr lang="ru-RU" sz="1400" dirty="0">
+                            <a:latin typeface="+mn-lt"/>
+                            <a:ea typeface="Times New Roman"/>
+                            <a:cs typeface="Times New Roman"/>
+                          </a:endParaRPr>
+                        </a:p>
+                      </a:txBody>
+                      <a:tcPr marL="52855" marR="52855" marT="0" marB="0">
+                        <a:lnL w="12700" cap="flat" cmpd="sng" algn="ctr">
+                          <a:solidFill>
+                            <a:schemeClr val="tx1"/>
+                          </a:solidFill>
+                          <a:prstDash val="solid"/>
+                          <a:round/>
+                          <a:headEnd type="none" w="med" len="med"/>
+                          <a:tailEnd type="none" w="med" len="med"/>
+                        </a:lnL>
+                        <a:lnR w="12700" cap="flat" cmpd="sng" algn="ctr">
+                          <a:solidFill>
+                            <a:schemeClr val="tx1"/>
+                          </a:solidFill>
+                          <a:prstDash val="solid"/>
+                          <a:round/>
+                          <a:headEnd type="none" w="med" len="med"/>
+                          <a:tailEnd type="none" w="med" len="med"/>
+                        </a:lnR>
+                        <a:lnT w="12700" cap="flat" cmpd="sng" algn="ctr">
+                          <a:solidFill>
+                            <a:schemeClr val="tx1"/>
+                          </a:solidFill>
+                          <a:prstDash val="solid"/>
+                          <a:round/>
+                          <a:headEnd type="none" w="med" len="med"/>
+                          <a:tailEnd type="none" w="med" len="med"/>
+                        </a:lnT>
+                        <a:lnB w="12700" cap="flat" cmpd="sng" algn="ctr">
+                          <a:solidFill>
+                            <a:schemeClr val="tx1"/>
+                          </a:solidFill>
+                          <a:prstDash val="solid"/>
+                          <a:round/>
+                          <a:headEnd type="none" w="med" len="med"/>
+                          <a:tailEnd type="none" w="med" len="med"/>
+                        </a:lnB>
+                      </a:tcPr>
+                    </a:tc>
+                    <a:tc gridSpan="2" vMerge="1">
+                      <a:txBody>
+                        <a:bodyPr/>
+                        <a:lstStyle/>
+                        <a:p>
+                          <a:pPr algn="ctr">
+                            <a:lnSpc>
+                              <a:spcPct val="100000"/>
+                            </a:lnSpc>
+                            <a:spcAft>
+                              <a:spcPts val="0"/>
+                            </a:spcAft>
+                          </a:pPr>
+                          <a:endParaRPr lang="ru-RU" sz="1800" dirty="0">
+                            <a:latin typeface="+mn-lt"/>
+                            <a:ea typeface="Times New Roman"/>
+                            <a:cs typeface="Times New Roman"/>
+                          </a:endParaRPr>
+                        </a:p>
+                      </a:txBody>
+                      <a:tcPr marL="52855" marR="52855" marT="0" marB="0">
+                        <a:lnL w="12700" cap="flat" cmpd="sng" algn="ctr">
+                          <a:solidFill>
+                            <a:schemeClr val="tx1"/>
+                          </a:solidFill>
+                          <a:prstDash val="solid"/>
+                          <a:round/>
+                          <a:headEnd type="none" w="med" len="med"/>
+                          <a:tailEnd type="none" w="med" len="med"/>
+                        </a:lnL>
+                        <a:lnR w="12700" cap="flat" cmpd="sng" algn="ctr">
+                          <a:solidFill>
+                            <a:schemeClr val="tx1"/>
+                          </a:solidFill>
+                          <a:prstDash val="solid"/>
+                          <a:round/>
+                          <a:headEnd type="none" w="med" len="med"/>
+                          <a:tailEnd type="none" w="med" len="med"/>
+                        </a:lnR>
+                        <a:lnT w="12700" cap="flat" cmpd="sng" algn="ctr">
+                          <a:solidFill>
+                            <a:schemeClr val="tx1"/>
+                          </a:solidFill>
+                          <a:prstDash val="solid"/>
+                          <a:round/>
+                          <a:headEnd type="none" w="med" len="med"/>
+                          <a:tailEnd type="none" w="med" len="med"/>
+                        </a:lnT>
+                        <a:lnB w="12700" cap="flat" cmpd="sng" algn="ctr">
+                          <a:solidFill>
+                            <a:schemeClr val="tx1"/>
+                          </a:solidFill>
+                          <a:prstDash val="solid"/>
+                          <a:round/>
+                          <a:headEnd type="none" w="med" len="med"/>
+                          <a:tailEnd type="none" w="med" len="med"/>
+                        </a:lnB>
+                      </a:tcPr>
+                    </a:tc>
+                    <a:tc hMerge="1" vMerge="1">
+                      <a:txBody>
+                        <a:bodyPr/>
+                        <a:lstStyle/>
+                        <a:p>
+                          <a:pPr algn="ctr">
+                            <a:lnSpc>
+                              <a:spcPct val="100000"/>
+                            </a:lnSpc>
+                            <a:spcAft>
+                              <a:spcPts val="0"/>
+                            </a:spcAft>
+                          </a:pPr>
+                          <a:endParaRPr lang="ru-RU" sz="1800" dirty="0">
+                            <a:latin typeface="+mn-lt"/>
+                            <a:ea typeface="Times New Roman"/>
+                            <a:cs typeface="Times New Roman"/>
+                          </a:endParaRPr>
+                        </a:p>
+                      </a:txBody>
+                      <a:tcPr marL="52855" marR="52855" marT="0" marB="0">
+                        <a:lnL w="12700" cap="flat" cmpd="sng" algn="ctr">
+                          <a:solidFill>
+                            <a:schemeClr val="tx1"/>
+                          </a:solidFill>
+                          <a:prstDash val="solid"/>
+                          <a:round/>
+                          <a:headEnd type="none" w="med" len="med"/>
+                          <a:tailEnd type="none" w="med" len="med"/>
+                        </a:lnL>
+                        <a:lnR w="12700" cap="flat" cmpd="sng" algn="ctr">
+                          <a:solidFill>
+                            <a:schemeClr val="tx1"/>
+                          </a:solidFill>
+                          <a:prstDash val="solid"/>
+                          <a:round/>
+                          <a:headEnd type="none" w="med" len="med"/>
+                          <a:tailEnd type="none" w="med" len="med"/>
+                        </a:lnR>
+                        <a:lnT w="12700" cap="flat" cmpd="sng" algn="ctr">
+                          <a:solidFill>
+                            <a:schemeClr val="tx1"/>
+                          </a:solidFill>
+                          <a:prstDash val="solid"/>
+                          <a:round/>
+                          <a:headEnd type="none" w="med" len="med"/>
+                          <a:tailEnd type="none" w="med" len="med"/>
+                        </a:lnT>
+                        <a:lnB w="12700" cap="flat" cmpd="sng" algn="ctr">
+                          <a:solidFill>
+                            <a:schemeClr val="tx1"/>
+                          </a:solidFill>
+                          <a:prstDash val="solid"/>
+                          <a:round/>
+                          <a:headEnd type="none" w="med" len="med"/>
+                          <a:tailEnd type="none" w="med" len="med"/>
+                        </a:lnB>
+                      </a:tcPr>
+                    </a:tc>
+                    <a:extLst>
+                      <a:ext uri="{0D108BD9-81ED-4DB2-BD59-A6C34878D82A}">
+                        <a16:rowId xmlns:a16="http://schemas.microsoft.com/office/drawing/2014/main" val="1879267880"/>
+                      </a:ext>
+                    </a:extLst>
+                  </a:tr>
+                  <a:tr h="0">
+                    <a:tc>
+                      <a:txBody>
+                        <a:bodyPr/>
+                        <a:lstStyle/>
+                        <a:p>
+                          <a:pPr algn="l">
+                            <a:lnSpc>
+                              <a:spcPct val="100000"/>
+                            </a:lnSpc>
+                            <a:spcAft>
+                              <a:spcPts val="0"/>
+                            </a:spcAft>
+                          </a:pPr>
+                          <a:r>
+                            <a:rPr lang="ru-RU" sz="1400" dirty="0" err="1">
+                              <a:latin typeface="Courier New" panose="02070309020205020404" pitchFamily="49" charset="0"/>
+                              <a:ea typeface="Times New Roman"/>
+                              <a:cs typeface="Courier New" panose="02070309020205020404" pitchFamily="49" charset="0"/>
+                            </a:rPr>
+                            <a:t>sin</a:t>
+                          </a:r>
+                          <a:r>
+                            <a:rPr lang="ru-RU" sz="1400" dirty="0">
+                              <a:latin typeface="Courier New" panose="02070309020205020404" pitchFamily="49" charset="0"/>
+                              <a:ea typeface="Times New Roman"/>
+                              <a:cs typeface="Courier New" panose="02070309020205020404" pitchFamily="49" charset="0"/>
+                            </a:rPr>
+                            <a:t>(x)</a:t>
+                          </a:r>
+                        </a:p>
+                      </a:txBody>
+                      <a:tcPr marL="52855" marR="52855" marT="0" marB="0" anchor="ctr">
+                        <a:lnL w="12700" cap="flat" cmpd="sng" algn="ctr">
+                          <a:solidFill>
+                            <a:schemeClr val="tx1"/>
+                          </a:solidFill>
+                          <a:prstDash val="solid"/>
+                          <a:round/>
+                          <a:headEnd type="none" w="med" len="med"/>
+                          <a:tailEnd type="none" w="med" len="med"/>
+                        </a:lnL>
+                        <a:lnR w="12700" cap="flat" cmpd="sng" algn="ctr">
+                          <a:solidFill>
+                            <a:schemeClr val="tx1"/>
+                          </a:solidFill>
+                          <a:prstDash val="solid"/>
+                          <a:round/>
+                          <a:headEnd type="none" w="med" len="med"/>
+                          <a:tailEnd type="none" w="med" len="med"/>
+                        </a:lnR>
+                        <a:lnT w="12700" cap="flat" cmpd="sng" algn="ctr">
+                          <a:solidFill>
+                            <a:schemeClr val="tx1"/>
+                          </a:solidFill>
+                          <a:prstDash val="solid"/>
+                          <a:round/>
+                          <a:headEnd type="none" w="med" len="med"/>
+                          <a:tailEnd type="none" w="med" len="med"/>
+                        </a:lnT>
+                        <a:lnB w="12700" cap="flat" cmpd="sng" algn="ctr">
+                          <a:solidFill>
+                            <a:schemeClr val="tx1"/>
+                          </a:solidFill>
+                          <a:prstDash val="solid"/>
+                          <a:round/>
+                          <a:headEnd type="none" w="med" len="med"/>
+                          <a:tailEnd type="none" w="med" len="med"/>
+                        </a:lnB>
+                      </a:tcPr>
+                    </a:tc>
+                    <a:tc>
+                      <a:txBody>
+                        <a:bodyPr/>
+                        <a:lstStyle/>
+                        <a:p>
+                          <a:pPr algn="ctr">
+                            <a:lnSpc>
+                              <a:spcPct val="100000"/>
+                            </a:lnSpc>
+                            <a:spcAft>
+                              <a:spcPts val="0"/>
+                            </a:spcAft>
+                          </a:pPr>
+                          <a:r>
+                            <a:rPr lang="ru-RU" sz="1400" dirty="0" err="1">
+                              <a:latin typeface="+mn-lt"/>
+                              <a:ea typeface="Times New Roman"/>
+                              <a:cs typeface="Times New Roman"/>
+                            </a:rPr>
+                            <a:t>sin</a:t>
+                          </a:r>
+                          <a:r>
+                            <a:rPr lang="ru-RU" sz="1400" dirty="0">
+                              <a:latin typeface="+mn-lt"/>
+                              <a:ea typeface="Times New Roman"/>
+                              <a:cs typeface="Times New Roman"/>
+                            </a:rPr>
+                            <a:t> </a:t>
+                          </a:r>
+                          <a:r>
+                            <a:rPr lang="ru-RU" sz="1400" i="1" dirty="0">
+                              <a:latin typeface="+mn-lt"/>
+                              <a:ea typeface="Times New Roman"/>
+                              <a:cs typeface="Times New Roman"/>
+                            </a:rPr>
+                            <a:t>x</a:t>
+                          </a:r>
+                          <a:endParaRPr lang="ru-RU" sz="1400" dirty="0">
+                            <a:latin typeface="+mn-lt"/>
+                            <a:ea typeface="Times New Roman"/>
+                            <a:cs typeface="Times New Roman"/>
+                          </a:endParaRPr>
+                        </a:p>
+                      </a:txBody>
+                      <a:tcPr marL="52855" marR="52855" marT="0" marB="0">
+                        <a:lnL w="12700" cap="flat" cmpd="sng" algn="ctr">
+                          <a:solidFill>
+                            <a:schemeClr val="tx1"/>
+                          </a:solidFill>
+                          <a:prstDash val="solid"/>
+                          <a:round/>
+                          <a:headEnd type="none" w="med" len="med"/>
+                          <a:tailEnd type="none" w="med" len="med"/>
+                        </a:lnL>
+                        <a:lnR w="12700" cap="flat" cmpd="sng" algn="ctr">
+                          <a:solidFill>
+                            <a:schemeClr val="tx1"/>
+                          </a:solidFill>
+                          <a:prstDash val="solid"/>
+                          <a:round/>
+                          <a:headEnd type="none" w="med" len="med"/>
+                          <a:tailEnd type="none" w="med" len="med"/>
+                        </a:lnR>
+                        <a:lnT w="12700" cap="flat" cmpd="sng" algn="ctr">
+                          <a:solidFill>
+                            <a:schemeClr val="tx1"/>
+                          </a:solidFill>
+                          <a:prstDash val="solid"/>
+                          <a:round/>
+                          <a:headEnd type="none" w="med" len="med"/>
+                          <a:tailEnd type="none" w="med" len="med"/>
+                        </a:lnT>
+                        <a:lnB w="12700" cap="flat" cmpd="sng" algn="ctr">
+                          <a:solidFill>
+                            <a:schemeClr val="tx1"/>
+                          </a:solidFill>
+                          <a:prstDash val="solid"/>
+                          <a:round/>
+                          <a:headEnd type="none" w="med" len="med"/>
+                          <a:tailEnd type="none" w="med" len="med"/>
+                        </a:lnB>
+                      </a:tcPr>
+                    </a:tc>
+                    <a:tc rowSpan="7">
+                      <a:txBody>
+                        <a:bodyPr/>
+                        <a:lstStyle/>
+                        <a:p>
+                          <a:pPr algn="ctr">
+                            <a:lnSpc>
+                              <a:spcPct val="100000"/>
+                            </a:lnSpc>
+                            <a:spcAft>
+                              <a:spcPts val="0"/>
+                            </a:spcAft>
+                          </a:pPr>
+                          <a:r>
+                            <a:rPr lang="ru-RU" sz="1400" dirty="0">
+                              <a:latin typeface="+mn-lt"/>
+                              <a:ea typeface="Times New Roman"/>
+                              <a:cs typeface="Times New Roman"/>
+                            </a:rPr>
+                            <a:t>вещественный или</a:t>
+                          </a:r>
+                          <a:r>
+                            <a:rPr lang="en-US" sz="1400" dirty="0">
+                              <a:latin typeface="+mn-lt"/>
+                              <a:ea typeface="Times New Roman"/>
+                              <a:cs typeface="Times New Roman"/>
+                            </a:rPr>
+                            <a:t> </a:t>
+                          </a:r>
+                          <a:r>
+                            <a:rPr lang="ru-RU" sz="1400" dirty="0">
+                              <a:latin typeface="+mn-lt"/>
+                              <a:ea typeface="Times New Roman"/>
+                              <a:cs typeface="Times New Roman"/>
+                            </a:rPr>
+                            <a:t>целый</a:t>
+                          </a:r>
+                        </a:p>
+                      </a:txBody>
+                      <a:tcPr marL="52855" marR="52855" marT="0" marB="0" anchor="ctr">
+                        <a:lnL w="12700" cap="flat" cmpd="sng" algn="ctr">
+                          <a:solidFill>
+                            <a:schemeClr val="tx1"/>
+                          </a:solidFill>
+                          <a:prstDash val="solid"/>
+                          <a:round/>
+                          <a:headEnd type="none" w="med" len="med"/>
+                          <a:tailEnd type="none" w="med" len="med"/>
+                        </a:lnL>
+                        <a:lnR w="12700" cap="flat" cmpd="sng" algn="ctr">
+                          <a:solidFill>
+                            <a:schemeClr val="tx1"/>
+                          </a:solidFill>
+                          <a:prstDash val="solid"/>
+                          <a:round/>
+                          <a:headEnd type="none" w="med" len="med"/>
+                          <a:tailEnd type="none" w="med" len="med"/>
+                        </a:lnR>
+                        <a:lnT w="12700" cap="flat" cmpd="sng" algn="ctr">
+                          <a:solidFill>
+                            <a:schemeClr val="tx1"/>
+                          </a:solidFill>
+                          <a:prstDash val="solid"/>
+                          <a:round/>
+                          <a:headEnd type="none" w="med" len="med"/>
+                          <a:tailEnd type="none" w="med" len="med"/>
+                        </a:lnT>
+                        <a:lnB w="12700" cap="flat" cmpd="sng" algn="ctr">
+                          <a:solidFill>
+                            <a:schemeClr val="tx1"/>
+                          </a:solidFill>
+                          <a:prstDash val="solid"/>
+                          <a:round/>
+                          <a:headEnd type="none" w="med" len="med"/>
+                          <a:tailEnd type="none" w="med" len="med"/>
+                        </a:lnB>
+                      </a:tcPr>
+                    </a:tc>
+                    <a:tc rowSpan="7">
+                      <a:txBody>
+                        <a:bodyPr/>
+                        <a:lstStyle/>
+                        <a:p>
+                          <a:pPr algn="ctr">
+                            <a:lnSpc>
+                              <a:spcPct val="100000"/>
+                            </a:lnSpc>
+                            <a:spcAft>
+                              <a:spcPts val="0"/>
+                            </a:spcAft>
+                          </a:pPr>
+                          <a:r>
+                            <a:rPr lang="ru-RU" sz="1400" dirty="0">
+                              <a:latin typeface="+mn-lt"/>
+                              <a:ea typeface="Times New Roman"/>
+                              <a:cs typeface="Times New Roman"/>
+                            </a:rPr>
+                            <a:t>вещественный </a:t>
+                          </a:r>
+                        </a:p>
+                      </a:txBody>
+                      <a:tcPr marL="52855" marR="52855" marT="0" marB="0" anchor="ctr">
+                        <a:lnL w="12700" cap="flat" cmpd="sng" algn="ctr">
+                          <a:solidFill>
+                            <a:schemeClr val="tx1"/>
+                          </a:solidFill>
+                          <a:prstDash val="solid"/>
+                          <a:round/>
+                          <a:headEnd type="none" w="med" len="med"/>
+                          <a:tailEnd type="none" w="med" len="med"/>
+                        </a:lnL>
+                        <a:lnR w="12700" cap="flat" cmpd="sng" algn="ctr">
+                          <a:solidFill>
+                            <a:schemeClr val="tx1"/>
+                          </a:solidFill>
+                          <a:prstDash val="solid"/>
+                          <a:round/>
+                          <a:headEnd type="none" w="med" len="med"/>
+                          <a:tailEnd type="none" w="med" len="med"/>
+                        </a:lnR>
+                        <a:lnT w="12700" cap="flat" cmpd="sng" algn="ctr">
+                          <a:solidFill>
+                            <a:schemeClr val="tx1"/>
+                          </a:solidFill>
+                          <a:prstDash val="solid"/>
+                          <a:round/>
+                          <a:headEnd type="none" w="med" len="med"/>
+                          <a:tailEnd type="none" w="med" len="med"/>
+                        </a:lnT>
+                        <a:lnB w="12700" cap="flat" cmpd="sng" algn="ctr">
+                          <a:solidFill>
+                            <a:schemeClr val="tx1"/>
+                          </a:solidFill>
+                          <a:prstDash val="solid"/>
+                          <a:round/>
+                          <a:headEnd type="none" w="med" len="med"/>
+                          <a:tailEnd type="none" w="med" len="med"/>
+                        </a:lnB>
+                      </a:tcPr>
+                    </a:tc>
+                    <a:extLst>
+                      <a:ext uri="{0D108BD9-81ED-4DB2-BD59-A6C34878D82A}">
+                        <a16:rowId xmlns:a16="http://schemas.microsoft.com/office/drawing/2014/main" val="1521564475"/>
+                      </a:ext>
+                    </a:extLst>
+                  </a:tr>
+                  <a:tr h="0">
+                    <a:tc>
+                      <a:txBody>
+                        <a:bodyPr/>
+                        <a:lstStyle/>
+                        <a:p>
+                          <a:pPr algn="l">
+                            <a:lnSpc>
+                              <a:spcPct val="100000"/>
+                            </a:lnSpc>
+                            <a:spcAft>
+                              <a:spcPts val="0"/>
+                            </a:spcAft>
+                          </a:pPr>
+                          <a:r>
+                            <a:rPr lang="ru-RU" sz="1400" dirty="0" err="1">
+                              <a:latin typeface="Courier New" panose="02070309020205020404" pitchFamily="49" charset="0"/>
+                              <a:ea typeface="Times New Roman"/>
+                              <a:cs typeface="Courier New" panose="02070309020205020404" pitchFamily="49" charset="0"/>
+                            </a:rPr>
+                            <a:t>cos</a:t>
+                          </a:r>
+                          <a:r>
+                            <a:rPr lang="ru-RU" sz="1400" dirty="0">
+                              <a:latin typeface="Courier New" panose="02070309020205020404" pitchFamily="49" charset="0"/>
+                              <a:ea typeface="Times New Roman"/>
+                              <a:cs typeface="Courier New" panose="02070309020205020404" pitchFamily="49" charset="0"/>
+                            </a:rPr>
+                            <a:t>(x)</a:t>
+                          </a:r>
+                        </a:p>
+                      </a:txBody>
+                      <a:tcPr marL="52855" marR="52855" marT="0" marB="0" anchor="ctr">
+                        <a:lnL w="12700" cap="flat" cmpd="sng" algn="ctr">
+                          <a:solidFill>
+                            <a:schemeClr val="tx1"/>
+                          </a:solidFill>
+                          <a:prstDash val="solid"/>
+                          <a:round/>
+                          <a:headEnd type="none" w="med" len="med"/>
+                          <a:tailEnd type="none" w="med" len="med"/>
+                        </a:lnL>
+                        <a:lnR w="12700" cap="flat" cmpd="sng" algn="ctr">
+                          <a:solidFill>
+                            <a:schemeClr val="tx1"/>
+                          </a:solidFill>
+                          <a:prstDash val="solid"/>
+                          <a:round/>
+                          <a:headEnd type="none" w="med" len="med"/>
+                          <a:tailEnd type="none" w="med" len="med"/>
+                        </a:lnR>
+                        <a:lnT w="12700" cap="flat" cmpd="sng" algn="ctr">
+                          <a:solidFill>
+                            <a:schemeClr val="tx1"/>
+                          </a:solidFill>
+                          <a:prstDash val="solid"/>
+                          <a:round/>
+                          <a:headEnd type="none" w="med" len="med"/>
+                          <a:tailEnd type="none" w="med" len="med"/>
+                        </a:lnT>
+                        <a:lnB w="12700" cap="flat" cmpd="sng" algn="ctr">
+                          <a:solidFill>
+                            <a:schemeClr val="tx1"/>
+                          </a:solidFill>
+                          <a:prstDash val="solid"/>
+                          <a:round/>
+                          <a:headEnd type="none" w="med" len="med"/>
+                          <a:tailEnd type="none" w="med" len="med"/>
+                        </a:lnB>
+                      </a:tcPr>
+                    </a:tc>
+                    <a:tc>
+                      <a:txBody>
+                        <a:bodyPr/>
+                        <a:lstStyle/>
+                        <a:p>
+                          <a:pPr algn="ctr">
+                            <a:lnSpc>
+                              <a:spcPct val="100000"/>
+                            </a:lnSpc>
+                            <a:spcAft>
+                              <a:spcPts val="0"/>
+                            </a:spcAft>
+                          </a:pPr>
+                          <a:r>
+                            <a:rPr lang="ru-RU" sz="1400" dirty="0" err="1">
+                              <a:latin typeface="+mn-lt"/>
+                              <a:ea typeface="Times New Roman"/>
+                              <a:cs typeface="Times New Roman"/>
+                            </a:rPr>
+                            <a:t>cos</a:t>
+                          </a:r>
+                          <a:r>
+                            <a:rPr lang="ru-RU" sz="1400" dirty="0">
+                              <a:latin typeface="+mn-lt"/>
+                              <a:ea typeface="Times New Roman"/>
+                              <a:cs typeface="Times New Roman"/>
+                            </a:rPr>
+                            <a:t> </a:t>
+                          </a:r>
+                          <a:r>
+                            <a:rPr lang="ru-RU" sz="1400" i="1" dirty="0">
+                              <a:latin typeface="+mn-lt"/>
+                              <a:ea typeface="Times New Roman"/>
+                              <a:cs typeface="Times New Roman"/>
+                            </a:rPr>
+                            <a:t>x</a:t>
+                          </a:r>
+                          <a:endParaRPr lang="ru-RU" sz="1400" dirty="0">
+                            <a:latin typeface="+mn-lt"/>
+                            <a:ea typeface="Times New Roman"/>
+                            <a:cs typeface="Times New Roman"/>
+                          </a:endParaRPr>
+                        </a:p>
+                      </a:txBody>
+                      <a:tcPr marL="52855" marR="52855" marT="0" marB="0">
+                        <a:lnL w="12700" cap="flat" cmpd="sng" algn="ctr">
+                          <a:solidFill>
+                            <a:schemeClr val="tx1"/>
+                          </a:solidFill>
+                          <a:prstDash val="solid"/>
+                          <a:round/>
+                          <a:headEnd type="none" w="med" len="med"/>
+                          <a:tailEnd type="none" w="med" len="med"/>
+                        </a:lnL>
+                        <a:lnR w="12700" cap="flat" cmpd="sng" algn="ctr">
+                          <a:solidFill>
+                            <a:schemeClr val="tx1"/>
+                          </a:solidFill>
+                          <a:prstDash val="solid"/>
+                          <a:round/>
+                          <a:headEnd type="none" w="med" len="med"/>
+                          <a:tailEnd type="none" w="med" len="med"/>
+                        </a:lnR>
+                        <a:lnT w="12700" cap="flat" cmpd="sng" algn="ctr">
+                          <a:solidFill>
+                            <a:schemeClr val="tx1"/>
+                          </a:solidFill>
+                          <a:prstDash val="solid"/>
+                          <a:round/>
+                          <a:headEnd type="none" w="med" len="med"/>
+                          <a:tailEnd type="none" w="med" len="med"/>
+                        </a:lnT>
+                        <a:lnB w="12700" cap="flat" cmpd="sng" algn="ctr">
+                          <a:solidFill>
+                            <a:schemeClr val="tx1"/>
+                          </a:solidFill>
+                          <a:prstDash val="solid"/>
+                          <a:round/>
+                          <a:headEnd type="none" w="med" len="med"/>
+                          <a:tailEnd type="none" w="med" len="med"/>
+                        </a:lnB>
+                      </a:tcPr>
+                    </a:tc>
+                    <a:tc vMerge="1">
+                      <a:txBody>
+                        <a:bodyPr/>
+                        <a:lstStyle/>
+                        <a:p>
+                          <a:pPr algn="ctr">
+                            <a:lnSpc>
+                              <a:spcPct val="100000"/>
+                            </a:lnSpc>
+                            <a:spcAft>
+                              <a:spcPts val="0"/>
+                            </a:spcAft>
+                          </a:pPr>
+                          <a:endParaRPr lang="ru-RU" sz="1800" dirty="0">
+                            <a:latin typeface="+mn-lt"/>
+                            <a:ea typeface="Times New Roman"/>
+                            <a:cs typeface="Times New Roman"/>
+                          </a:endParaRPr>
+                        </a:p>
+                      </a:txBody>
+                      <a:tcPr marL="52855" marR="52855" marT="0" marB="0">
+                        <a:lnL w="12700" cap="flat" cmpd="sng" algn="ctr">
+                          <a:solidFill>
+                            <a:schemeClr val="tx1"/>
+                          </a:solidFill>
+                          <a:prstDash val="solid"/>
+                          <a:round/>
+                          <a:headEnd type="none" w="med" len="med"/>
+                          <a:tailEnd type="none" w="med" len="med"/>
+                        </a:lnL>
+                        <a:lnR w="12700" cap="flat" cmpd="sng" algn="ctr">
+                          <a:solidFill>
+                            <a:schemeClr val="tx1"/>
+                          </a:solidFill>
+                          <a:prstDash val="solid"/>
+                          <a:round/>
+                          <a:headEnd type="none" w="med" len="med"/>
+                          <a:tailEnd type="none" w="med" len="med"/>
+                        </a:lnR>
+                        <a:lnT w="12700" cap="flat" cmpd="sng" algn="ctr">
+                          <a:solidFill>
+                            <a:schemeClr val="tx1"/>
+                          </a:solidFill>
+                          <a:prstDash val="solid"/>
+                          <a:round/>
+                          <a:headEnd type="none" w="med" len="med"/>
+                          <a:tailEnd type="none" w="med" len="med"/>
+                        </a:lnT>
+                        <a:lnB w="12700" cap="flat" cmpd="sng" algn="ctr">
+                          <a:solidFill>
+                            <a:schemeClr val="tx1"/>
+                          </a:solidFill>
+                          <a:prstDash val="solid"/>
+                          <a:round/>
+                          <a:headEnd type="none" w="med" len="med"/>
+                          <a:tailEnd type="none" w="med" len="med"/>
+                        </a:lnB>
+                      </a:tcPr>
+                    </a:tc>
+                    <a:tc vMerge="1">
+                      <a:txBody>
+                        <a:bodyPr/>
+                        <a:lstStyle/>
+                        <a:p>
+                          <a:pPr algn="ctr">
+                            <a:lnSpc>
+                              <a:spcPct val="100000"/>
+                            </a:lnSpc>
+                            <a:spcAft>
+                              <a:spcPts val="0"/>
+                            </a:spcAft>
+                          </a:pPr>
+                          <a:endParaRPr lang="ru-RU" sz="1800" dirty="0">
+                            <a:latin typeface="+mn-lt"/>
+                            <a:ea typeface="Times New Roman"/>
+                            <a:cs typeface="Times New Roman"/>
+                          </a:endParaRPr>
+                        </a:p>
+                      </a:txBody>
+                      <a:tcPr marL="52855" marR="52855" marT="0" marB="0">
+                        <a:lnL w="12700" cap="flat" cmpd="sng" algn="ctr">
+                          <a:solidFill>
+                            <a:schemeClr val="tx1"/>
+                          </a:solidFill>
+                          <a:prstDash val="solid"/>
+                          <a:round/>
+                          <a:headEnd type="none" w="med" len="med"/>
+                          <a:tailEnd type="none" w="med" len="med"/>
+                        </a:lnL>
+                        <a:lnR w="12700" cap="flat" cmpd="sng" algn="ctr">
+                          <a:solidFill>
+                            <a:schemeClr val="tx1"/>
+                          </a:solidFill>
+                          <a:prstDash val="solid"/>
+                          <a:round/>
+                          <a:headEnd type="none" w="med" len="med"/>
+                          <a:tailEnd type="none" w="med" len="med"/>
+                        </a:lnR>
+                        <a:lnT w="12700" cap="flat" cmpd="sng" algn="ctr">
+                          <a:solidFill>
+                            <a:schemeClr val="tx1"/>
+                          </a:solidFill>
+                          <a:prstDash val="solid"/>
+                          <a:round/>
+                          <a:headEnd type="none" w="med" len="med"/>
+                          <a:tailEnd type="none" w="med" len="med"/>
+                        </a:lnT>
+                        <a:lnB w="12700" cap="flat" cmpd="sng" algn="ctr">
+                          <a:solidFill>
+                            <a:schemeClr val="tx1"/>
+                          </a:solidFill>
+                          <a:prstDash val="solid"/>
+                          <a:round/>
+                          <a:headEnd type="none" w="med" len="med"/>
+                          <a:tailEnd type="none" w="med" len="med"/>
+                        </a:lnB>
+                      </a:tcPr>
+                    </a:tc>
+                    <a:extLst>
+                      <a:ext uri="{0D108BD9-81ED-4DB2-BD59-A6C34878D82A}">
+                        <a16:rowId xmlns:a16="http://schemas.microsoft.com/office/drawing/2014/main" val="3624769566"/>
+                      </a:ext>
+                    </a:extLst>
+                  </a:tr>
+                  <a:tr h="0">
+                    <a:tc>
+                      <a:txBody>
+                        <a:bodyPr/>
+                        <a:lstStyle/>
+                        <a:p>
+                          <a:pPr algn="l">
+                            <a:lnSpc>
+                              <a:spcPct val="100000"/>
+                            </a:lnSpc>
+                            <a:spcAft>
+                              <a:spcPts val="0"/>
+                            </a:spcAft>
+                          </a:pPr>
+                          <a:r>
+                            <a:rPr lang="ru-RU" sz="1400" dirty="0" err="1">
+                              <a:latin typeface="Courier New" panose="02070309020205020404" pitchFamily="49" charset="0"/>
+                              <a:ea typeface="Times New Roman"/>
+                              <a:cs typeface="Courier New" panose="02070309020205020404" pitchFamily="49" charset="0"/>
+                            </a:rPr>
+                            <a:t>exp</a:t>
+                          </a:r>
+                          <a:r>
+                            <a:rPr lang="ru-RU" sz="1400" dirty="0">
+                              <a:latin typeface="Courier New" panose="02070309020205020404" pitchFamily="49" charset="0"/>
+                              <a:ea typeface="Times New Roman"/>
+                              <a:cs typeface="Courier New" panose="02070309020205020404" pitchFamily="49" charset="0"/>
+                            </a:rPr>
+                            <a:t>(x)</a:t>
+                          </a:r>
+                        </a:p>
+                      </a:txBody>
+                      <a:tcPr marL="52855" marR="52855" marT="0" marB="0" anchor="ctr">
+                        <a:lnL w="12700" cap="flat" cmpd="sng" algn="ctr">
+                          <a:solidFill>
+                            <a:schemeClr val="tx1"/>
+                          </a:solidFill>
+                          <a:prstDash val="solid"/>
+                          <a:round/>
+                          <a:headEnd type="none" w="med" len="med"/>
+                          <a:tailEnd type="none" w="med" len="med"/>
+                        </a:lnL>
+                        <a:lnR w="12700" cap="flat" cmpd="sng" algn="ctr">
+                          <a:solidFill>
+                            <a:schemeClr val="tx1"/>
+                          </a:solidFill>
+                          <a:prstDash val="solid"/>
+                          <a:round/>
+                          <a:headEnd type="none" w="med" len="med"/>
+                          <a:tailEnd type="none" w="med" len="med"/>
+                        </a:lnR>
+                        <a:lnT w="12700" cap="flat" cmpd="sng" algn="ctr">
+                          <a:solidFill>
+                            <a:schemeClr val="tx1"/>
+                          </a:solidFill>
+                          <a:prstDash val="solid"/>
+                          <a:round/>
+                          <a:headEnd type="none" w="med" len="med"/>
+                          <a:tailEnd type="none" w="med" len="med"/>
+                        </a:lnT>
+                        <a:lnB w="12700" cap="flat" cmpd="sng" algn="ctr">
+                          <a:solidFill>
+                            <a:schemeClr val="tx1"/>
+                          </a:solidFill>
+                          <a:prstDash val="solid"/>
+                          <a:round/>
+                          <a:headEnd type="none" w="med" len="med"/>
+                          <a:tailEnd type="none" w="med" len="med"/>
+                        </a:lnB>
+                      </a:tcPr>
+                    </a:tc>
+                    <a:tc>
+                      <a:txBody>
+                        <a:bodyPr/>
+                        <a:lstStyle/>
+                        <a:p>
+                          <a:pPr algn="ctr">
+                            <a:lnSpc>
+                              <a:spcPct val="100000"/>
+                            </a:lnSpc>
+                            <a:spcAft>
+                              <a:spcPts val="0"/>
+                            </a:spcAft>
+                          </a:pPr>
+                          <a:r>
+                            <a:rPr lang="ru-RU" sz="1400" dirty="0" err="1">
+                              <a:latin typeface="+mn-lt"/>
+                              <a:ea typeface="Times New Roman"/>
+                              <a:cs typeface="Times New Roman"/>
+                            </a:rPr>
+                            <a:t>e</a:t>
+                          </a:r>
+                          <a:r>
+                            <a:rPr lang="ru-RU" sz="1400" i="1" baseline="30000" dirty="0" err="1">
+                              <a:latin typeface="+mn-lt"/>
+                              <a:ea typeface="Times New Roman"/>
+                              <a:cs typeface="Times New Roman"/>
+                            </a:rPr>
+                            <a:t>x</a:t>
+                          </a:r>
+                          <a:endParaRPr lang="ru-RU" sz="1400" dirty="0">
+                            <a:latin typeface="+mn-lt"/>
+                            <a:ea typeface="Times New Roman"/>
+                            <a:cs typeface="Times New Roman"/>
+                          </a:endParaRPr>
+                        </a:p>
+                      </a:txBody>
+                      <a:tcPr marL="52855" marR="52855" marT="0" marB="0">
+                        <a:lnL w="12700" cap="flat" cmpd="sng" algn="ctr">
+                          <a:solidFill>
+                            <a:schemeClr val="tx1"/>
+                          </a:solidFill>
+                          <a:prstDash val="solid"/>
+                          <a:round/>
+                          <a:headEnd type="none" w="med" len="med"/>
+                          <a:tailEnd type="none" w="med" len="med"/>
+                        </a:lnL>
+                        <a:lnR w="12700" cap="flat" cmpd="sng" algn="ctr">
+                          <a:solidFill>
+                            <a:schemeClr val="tx1"/>
+                          </a:solidFill>
+                          <a:prstDash val="solid"/>
+                          <a:round/>
+                          <a:headEnd type="none" w="med" len="med"/>
+                          <a:tailEnd type="none" w="med" len="med"/>
+                        </a:lnR>
+                        <a:lnT w="12700" cap="flat" cmpd="sng" algn="ctr">
+                          <a:solidFill>
+                            <a:schemeClr val="tx1"/>
+                          </a:solidFill>
+                          <a:prstDash val="solid"/>
+                          <a:round/>
+                          <a:headEnd type="none" w="med" len="med"/>
+                          <a:tailEnd type="none" w="med" len="med"/>
+                        </a:lnT>
+                        <a:lnB w="12700" cap="flat" cmpd="sng" algn="ctr">
+                          <a:solidFill>
+                            <a:schemeClr val="tx1"/>
+                          </a:solidFill>
+                          <a:prstDash val="solid"/>
+                          <a:round/>
+                          <a:headEnd type="none" w="med" len="med"/>
+                          <a:tailEnd type="none" w="med" len="med"/>
+                        </a:lnB>
+                      </a:tcPr>
+                    </a:tc>
+                    <a:tc vMerge="1">
+                      <a:txBody>
+                        <a:bodyPr/>
+                        <a:lstStyle/>
+                        <a:p>
+                          <a:pPr algn="ctr">
+                            <a:lnSpc>
+                              <a:spcPct val="100000"/>
+                            </a:lnSpc>
+                            <a:spcAft>
+                              <a:spcPts val="0"/>
+                            </a:spcAft>
+                          </a:pPr>
+                          <a:endParaRPr lang="ru-RU" sz="1800" dirty="0">
+                            <a:latin typeface="+mn-lt"/>
+                            <a:ea typeface="Times New Roman"/>
+                            <a:cs typeface="Times New Roman"/>
+                          </a:endParaRPr>
+                        </a:p>
+                      </a:txBody>
+                      <a:tcPr marL="52855" marR="52855" marT="0" marB="0">
+                        <a:lnL w="12700" cap="flat" cmpd="sng" algn="ctr">
+                          <a:solidFill>
+                            <a:schemeClr val="tx1"/>
+                          </a:solidFill>
+                          <a:prstDash val="solid"/>
+                          <a:round/>
+                          <a:headEnd type="none" w="med" len="med"/>
+                          <a:tailEnd type="none" w="med" len="med"/>
+                        </a:lnL>
+                        <a:lnR w="12700" cap="flat" cmpd="sng" algn="ctr">
+                          <a:solidFill>
+                            <a:schemeClr val="tx1"/>
+                          </a:solidFill>
+                          <a:prstDash val="solid"/>
+                          <a:round/>
+                          <a:headEnd type="none" w="med" len="med"/>
+                          <a:tailEnd type="none" w="med" len="med"/>
+                        </a:lnR>
+                        <a:lnT w="12700" cap="flat" cmpd="sng" algn="ctr">
+                          <a:solidFill>
+                            <a:schemeClr val="tx1"/>
+                          </a:solidFill>
+                          <a:prstDash val="solid"/>
+                          <a:round/>
+                          <a:headEnd type="none" w="med" len="med"/>
+                          <a:tailEnd type="none" w="med" len="med"/>
+                        </a:lnT>
+                        <a:lnB w="12700" cap="flat" cmpd="sng" algn="ctr">
+                          <a:solidFill>
+                            <a:schemeClr val="tx1"/>
+                          </a:solidFill>
+                          <a:prstDash val="solid"/>
+                          <a:round/>
+                          <a:headEnd type="none" w="med" len="med"/>
+                          <a:tailEnd type="none" w="med" len="med"/>
+                        </a:lnB>
+                      </a:tcPr>
+                    </a:tc>
+                    <a:tc vMerge="1">
+                      <a:txBody>
+                        <a:bodyPr/>
+                        <a:lstStyle/>
+                        <a:p>
+                          <a:pPr algn="ctr">
+                            <a:lnSpc>
+                              <a:spcPct val="100000"/>
+                            </a:lnSpc>
+                            <a:spcAft>
+                              <a:spcPts val="0"/>
+                            </a:spcAft>
+                          </a:pPr>
+                          <a:endParaRPr lang="ru-RU" sz="1800" dirty="0">
+                            <a:latin typeface="+mn-lt"/>
+                            <a:ea typeface="Times New Roman"/>
+                            <a:cs typeface="Times New Roman"/>
+                          </a:endParaRPr>
+                        </a:p>
+                      </a:txBody>
+                      <a:tcPr marL="52855" marR="52855" marT="0" marB="0">
+                        <a:lnL w="12700" cap="flat" cmpd="sng" algn="ctr">
+                          <a:solidFill>
+                            <a:schemeClr val="tx1"/>
+                          </a:solidFill>
+                          <a:prstDash val="solid"/>
+                          <a:round/>
+                          <a:headEnd type="none" w="med" len="med"/>
+                          <a:tailEnd type="none" w="med" len="med"/>
+                        </a:lnL>
+                        <a:lnR w="12700" cap="flat" cmpd="sng" algn="ctr">
+                          <a:solidFill>
+                            <a:schemeClr val="tx1"/>
+                          </a:solidFill>
+                          <a:prstDash val="solid"/>
+                          <a:round/>
+                          <a:headEnd type="none" w="med" len="med"/>
+                          <a:tailEnd type="none" w="med" len="med"/>
+                        </a:lnR>
+                        <a:lnT w="12700" cap="flat" cmpd="sng" algn="ctr">
+                          <a:solidFill>
+                            <a:schemeClr val="tx1"/>
+                          </a:solidFill>
+                          <a:prstDash val="solid"/>
+                          <a:round/>
+                          <a:headEnd type="none" w="med" len="med"/>
+                          <a:tailEnd type="none" w="med" len="med"/>
+                        </a:lnT>
+                        <a:lnB w="12700" cap="flat" cmpd="sng" algn="ctr">
+                          <a:solidFill>
+                            <a:schemeClr val="tx1"/>
+                          </a:solidFill>
+                          <a:prstDash val="solid"/>
+                          <a:round/>
+                          <a:headEnd type="none" w="med" len="med"/>
+                          <a:tailEnd type="none" w="med" len="med"/>
+                        </a:lnB>
+                      </a:tcPr>
+                    </a:tc>
+                    <a:extLst>
+                      <a:ext uri="{0D108BD9-81ED-4DB2-BD59-A6C34878D82A}">
+                        <a16:rowId xmlns:a16="http://schemas.microsoft.com/office/drawing/2014/main" val="4008938476"/>
+                      </a:ext>
+                    </a:extLst>
+                  </a:tr>
+                  <a:tr h="0">
+                    <a:tc>
+                      <a:txBody>
+                        <a:bodyPr/>
+                        <a:lstStyle/>
+                        <a:p>
+                          <a:pPr algn="l">
+                            <a:lnSpc>
+                              <a:spcPct val="100000"/>
+                            </a:lnSpc>
+                            <a:spcAft>
+                              <a:spcPts val="0"/>
+                            </a:spcAft>
+                          </a:pPr>
+                          <a:r>
+                            <a:rPr lang="ru-RU" sz="1400" dirty="0" err="1">
+                              <a:latin typeface="Courier New" panose="02070309020205020404" pitchFamily="49" charset="0"/>
+                              <a:ea typeface="Times New Roman"/>
+                              <a:cs typeface="Courier New" panose="02070309020205020404" pitchFamily="49" charset="0"/>
+                            </a:rPr>
+                            <a:t>ln</a:t>
+                          </a:r>
+                          <a:r>
+                            <a:rPr lang="ru-RU" sz="1400" dirty="0">
+                              <a:latin typeface="Courier New" panose="02070309020205020404" pitchFamily="49" charset="0"/>
+                              <a:ea typeface="Times New Roman"/>
+                              <a:cs typeface="Courier New" panose="02070309020205020404" pitchFamily="49" charset="0"/>
+                            </a:rPr>
+                            <a:t>(x)</a:t>
+                          </a:r>
+                        </a:p>
+                      </a:txBody>
+                      <a:tcPr marL="52855" marR="52855" marT="0" marB="0" anchor="ctr">
+                        <a:lnL w="12700" cap="flat" cmpd="sng" algn="ctr">
+                          <a:solidFill>
+                            <a:schemeClr val="tx1"/>
+                          </a:solidFill>
+                          <a:prstDash val="solid"/>
+                          <a:round/>
+                          <a:headEnd type="none" w="med" len="med"/>
+                          <a:tailEnd type="none" w="med" len="med"/>
+                        </a:lnL>
+                        <a:lnR w="12700" cap="flat" cmpd="sng" algn="ctr">
+                          <a:solidFill>
+                            <a:schemeClr val="tx1"/>
+                          </a:solidFill>
+                          <a:prstDash val="solid"/>
+                          <a:round/>
+                          <a:headEnd type="none" w="med" len="med"/>
+                          <a:tailEnd type="none" w="med" len="med"/>
+                        </a:lnR>
+                        <a:lnT w="12700" cap="flat" cmpd="sng" algn="ctr">
+                          <a:solidFill>
+                            <a:schemeClr val="tx1"/>
+                          </a:solidFill>
+                          <a:prstDash val="solid"/>
+                          <a:round/>
+                          <a:headEnd type="none" w="med" len="med"/>
+                          <a:tailEnd type="none" w="med" len="med"/>
+                        </a:lnT>
+                        <a:lnB w="12700" cap="flat" cmpd="sng" algn="ctr">
+                          <a:solidFill>
+                            <a:schemeClr val="tx1"/>
+                          </a:solidFill>
+                          <a:prstDash val="solid"/>
+                          <a:round/>
+                          <a:headEnd type="none" w="med" len="med"/>
+                          <a:tailEnd type="none" w="med" len="med"/>
+                        </a:lnB>
+                      </a:tcPr>
+                    </a:tc>
+                    <a:tc>
+                      <a:txBody>
+                        <a:bodyPr/>
+                        <a:lstStyle/>
+                        <a:p>
+                          <a:pPr algn="ctr">
+                            <a:lnSpc>
+                              <a:spcPct val="100000"/>
+                            </a:lnSpc>
+                            <a:spcAft>
+                              <a:spcPts val="0"/>
+                            </a:spcAft>
+                          </a:pPr>
+                          <a:r>
+                            <a:rPr lang="ru-RU" sz="1400" dirty="0" err="1">
+                              <a:latin typeface="+mn-lt"/>
+                              <a:ea typeface="Times New Roman"/>
+                              <a:cs typeface="Times New Roman"/>
+                            </a:rPr>
+                            <a:t>ln</a:t>
+                          </a:r>
+                          <a:r>
+                            <a:rPr lang="ru-RU" sz="1400" dirty="0">
+                              <a:latin typeface="+mn-lt"/>
+                              <a:ea typeface="Times New Roman"/>
+                              <a:cs typeface="Times New Roman"/>
+                            </a:rPr>
+                            <a:t> </a:t>
+                          </a:r>
+                          <a:r>
+                            <a:rPr lang="ru-RU" sz="1400" i="1" dirty="0">
+                              <a:latin typeface="+mn-lt"/>
+                              <a:ea typeface="Times New Roman"/>
+                              <a:cs typeface="Times New Roman"/>
+                            </a:rPr>
+                            <a:t>x</a:t>
+                          </a:r>
+                          <a:endParaRPr lang="ru-RU" sz="1400" dirty="0">
+                            <a:latin typeface="+mn-lt"/>
+                            <a:ea typeface="Times New Roman"/>
+                            <a:cs typeface="Times New Roman"/>
+                          </a:endParaRPr>
+                        </a:p>
+                      </a:txBody>
+                      <a:tcPr marL="52855" marR="52855" marT="0" marB="0">
+                        <a:lnL w="12700" cap="flat" cmpd="sng" algn="ctr">
+                          <a:solidFill>
+                            <a:schemeClr val="tx1"/>
+                          </a:solidFill>
+                          <a:prstDash val="solid"/>
+                          <a:round/>
+                          <a:headEnd type="none" w="med" len="med"/>
+                          <a:tailEnd type="none" w="med" len="med"/>
+                        </a:lnL>
+                        <a:lnR w="12700" cap="flat" cmpd="sng" algn="ctr">
+                          <a:solidFill>
+                            <a:schemeClr val="tx1"/>
+                          </a:solidFill>
+                          <a:prstDash val="solid"/>
+                          <a:round/>
+                          <a:headEnd type="none" w="med" len="med"/>
+                          <a:tailEnd type="none" w="med" len="med"/>
+                        </a:lnR>
+                        <a:lnT w="12700" cap="flat" cmpd="sng" algn="ctr">
+                          <a:solidFill>
+                            <a:schemeClr val="tx1"/>
+                          </a:solidFill>
+                          <a:prstDash val="solid"/>
+                          <a:round/>
+                          <a:headEnd type="none" w="med" len="med"/>
+                          <a:tailEnd type="none" w="med" len="med"/>
+                        </a:lnT>
+                        <a:lnB w="12700" cap="flat" cmpd="sng" algn="ctr">
+                          <a:solidFill>
+                            <a:schemeClr val="tx1"/>
+                          </a:solidFill>
+                          <a:prstDash val="solid"/>
+                          <a:round/>
+                          <a:headEnd type="none" w="med" len="med"/>
+                          <a:tailEnd type="none" w="med" len="med"/>
+                        </a:lnB>
+                      </a:tcPr>
+                    </a:tc>
+                    <a:tc vMerge="1">
+                      <a:txBody>
+                        <a:bodyPr/>
+                        <a:lstStyle/>
+                        <a:p>
+                          <a:pPr algn="ctr">
+                            <a:lnSpc>
+                              <a:spcPct val="100000"/>
+                            </a:lnSpc>
+                            <a:spcAft>
+                              <a:spcPts val="0"/>
+                            </a:spcAft>
+                          </a:pPr>
+                          <a:endParaRPr lang="ru-RU" sz="1800" dirty="0">
+                            <a:latin typeface="+mn-lt"/>
+                            <a:ea typeface="Times New Roman"/>
+                            <a:cs typeface="Times New Roman"/>
+                          </a:endParaRPr>
+                        </a:p>
+                      </a:txBody>
+                      <a:tcPr marL="52855" marR="52855" marT="0" marB="0">
+                        <a:lnL w="12700" cap="flat" cmpd="sng" algn="ctr">
+                          <a:solidFill>
+                            <a:schemeClr val="tx1"/>
+                          </a:solidFill>
+                          <a:prstDash val="solid"/>
+                          <a:round/>
+                          <a:headEnd type="none" w="med" len="med"/>
+                          <a:tailEnd type="none" w="med" len="med"/>
+                        </a:lnL>
+                        <a:lnR w="12700" cap="flat" cmpd="sng" algn="ctr">
+                          <a:solidFill>
+                            <a:schemeClr val="tx1"/>
+                          </a:solidFill>
+                          <a:prstDash val="solid"/>
+                          <a:round/>
+                          <a:headEnd type="none" w="med" len="med"/>
+                          <a:tailEnd type="none" w="med" len="med"/>
+                        </a:lnR>
+                        <a:lnT w="12700" cap="flat" cmpd="sng" algn="ctr">
+                          <a:solidFill>
+                            <a:schemeClr val="tx1"/>
+                          </a:solidFill>
+                          <a:prstDash val="solid"/>
+                          <a:round/>
+                          <a:headEnd type="none" w="med" len="med"/>
+                          <a:tailEnd type="none" w="med" len="med"/>
+                        </a:lnT>
+                        <a:lnB w="12700" cap="flat" cmpd="sng" algn="ctr">
+                          <a:solidFill>
+                            <a:schemeClr val="tx1"/>
+                          </a:solidFill>
+                          <a:prstDash val="solid"/>
+                          <a:round/>
+                          <a:headEnd type="none" w="med" len="med"/>
+                          <a:tailEnd type="none" w="med" len="med"/>
+                        </a:lnB>
+                      </a:tcPr>
+                    </a:tc>
+                    <a:tc vMerge="1">
+                      <a:txBody>
+                        <a:bodyPr/>
+                        <a:lstStyle/>
+                        <a:p>
+                          <a:pPr algn="ctr">
+                            <a:lnSpc>
+                              <a:spcPct val="100000"/>
+                            </a:lnSpc>
+                            <a:spcAft>
+                              <a:spcPts val="0"/>
+                            </a:spcAft>
+                          </a:pPr>
+                          <a:endParaRPr lang="ru-RU" sz="1800" dirty="0">
+                            <a:latin typeface="+mn-lt"/>
+                            <a:ea typeface="Times New Roman"/>
+                            <a:cs typeface="Times New Roman"/>
+                          </a:endParaRPr>
+                        </a:p>
+                      </a:txBody>
+                      <a:tcPr marL="52855" marR="52855" marT="0" marB="0">
+                        <a:lnL w="12700" cap="flat" cmpd="sng" algn="ctr">
+                          <a:solidFill>
+                            <a:schemeClr val="tx1"/>
+                          </a:solidFill>
+                          <a:prstDash val="solid"/>
+                          <a:round/>
+                          <a:headEnd type="none" w="med" len="med"/>
+                          <a:tailEnd type="none" w="med" len="med"/>
+                        </a:lnL>
+                        <a:lnR w="12700" cap="flat" cmpd="sng" algn="ctr">
+                          <a:solidFill>
+                            <a:schemeClr val="tx1"/>
+                          </a:solidFill>
+                          <a:prstDash val="solid"/>
+                          <a:round/>
+                          <a:headEnd type="none" w="med" len="med"/>
+                          <a:tailEnd type="none" w="med" len="med"/>
+                        </a:lnR>
+                        <a:lnT w="12700" cap="flat" cmpd="sng" algn="ctr">
+                          <a:solidFill>
+                            <a:schemeClr val="tx1"/>
+                          </a:solidFill>
+                          <a:prstDash val="solid"/>
+                          <a:round/>
+                          <a:headEnd type="none" w="med" len="med"/>
+                          <a:tailEnd type="none" w="med" len="med"/>
+                        </a:lnT>
+                        <a:lnB w="12700" cap="flat" cmpd="sng" algn="ctr">
+                          <a:solidFill>
+                            <a:schemeClr val="tx1"/>
+                          </a:solidFill>
+                          <a:prstDash val="solid"/>
+                          <a:round/>
+                          <a:headEnd type="none" w="med" len="med"/>
+                          <a:tailEnd type="none" w="med" len="med"/>
+                        </a:lnB>
+                      </a:tcPr>
+                    </a:tc>
+                    <a:extLst>
+                      <a:ext uri="{0D108BD9-81ED-4DB2-BD59-A6C34878D82A}">
+                        <a16:rowId xmlns:a16="http://schemas.microsoft.com/office/drawing/2014/main" val="355432336"/>
+                      </a:ext>
+                    </a:extLst>
+                  </a:tr>
+                  <a:tr h="0">
+                    <a:tc>
+                      <a:txBody>
+                        <a:bodyPr/>
+                        <a:lstStyle/>
+                        <a:p>
+                          <a:pPr algn="l">
+                            <a:lnSpc>
+                              <a:spcPct val="100000"/>
+                            </a:lnSpc>
+                            <a:spcAft>
+                              <a:spcPts val="0"/>
+                            </a:spcAft>
+                          </a:pPr>
+                          <a:r>
+                            <a:rPr lang="ru-RU" sz="1400" dirty="0" err="1">
+                              <a:latin typeface="Courier New" panose="02070309020205020404" pitchFamily="49" charset="0"/>
+                              <a:ea typeface="Times New Roman"/>
+                              <a:cs typeface="Courier New" panose="02070309020205020404" pitchFamily="49" charset="0"/>
+                            </a:rPr>
+                            <a:t>sqrt</a:t>
+                          </a:r>
+                          <a:r>
+                            <a:rPr lang="ru-RU" sz="1400" dirty="0">
+                              <a:latin typeface="Courier New" panose="02070309020205020404" pitchFamily="49" charset="0"/>
+                              <a:ea typeface="Times New Roman"/>
+                              <a:cs typeface="Courier New" panose="02070309020205020404" pitchFamily="49" charset="0"/>
+                            </a:rPr>
+                            <a:t>(x)</a:t>
+                          </a:r>
+                        </a:p>
+                      </a:txBody>
+                      <a:tcPr marL="52855" marR="52855" marT="0" marB="0" anchor="ctr">
+                        <a:lnL w="12700" cap="flat" cmpd="sng" algn="ctr">
+                          <a:solidFill>
+                            <a:schemeClr val="tx1"/>
+                          </a:solidFill>
+                          <a:prstDash val="solid"/>
+                          <a:round/>
+                          <a:headEnd type="none" w="med" len="med"/>
+                          <a:tailEnd type="none" w="med" len="med"/>
+                        </a:lnL>
+                        <a:lnR w="12700" cap="flat" cmpd="sng" algn="ctr">
+                          <a:solidFill>
+                            <a:schemeClr val="tx1"/>
+                          </a:solidFill>
+                          <a:prstDash val="solid"/>
+                          <a:round/>
+                          <a:headEnd type="none" w="med" len="med"/>
+                          <a:tailEnd type="none" w="med" len="med"/>
+                        </a:lnR>
+                        <a:lnT w="12700" cap="flat" cmpd="sng" algn="ctr">
+                          <a:solidFill>
+                            <a:schemeClr val="tx1"/>
+                          </a:solidFill>
+                          <a:prstDash val="solid"/>
+                          <a:round/>
+                          <a:headEnd type="none" w="med" len="med"/>
+                          <a:tailEnd type="none" w="med" len="med"/>
+                        </a:lnT>
+                        <a:lnB w="12700" cap="flat" cmpd="sng" algn="ctr">
+                          <a:solidFill>
+                            <a:schemeClr val="tx1"/>
+                          </a:solidFill>
+                          <a:prstDash val="solid"/>
+                          <a:round/>
+                          <a:headEnd type="none" w="med" len="med"/>
+                          <a:tailEnd type="none" w="med" len="med"/>
+                        </a:lnB>
+                      </a:tcPr>
+                    </a:tc>
+                    <a:tc>
+                      <a:txBody>
+                        <a:bodyPr/>
+                        <a:lstStyle/>
+                        <a:p>
+                          <a:pPr algn="ctr">
+                            <a:lnSpc>
+                              <a:spcPct val="100000"/>
+                            </a:lnSpc>
+                            <a:spcAft>
+                              <a:spcPts val="0"/>
+                            </a:spcAft>
+                          </a:pPr>
+                          <a14:m>
+                            <m:oMathPara xmlns:m="http://schemas.openxmlformats.org/officeDocument/2006/math">
+                              <m:oMathParaPr>
+                                <m:jc m:val="centerGroup"/>
+                              </m:oMathParaPr>
+                              <m:oMath xmlns:m="http://schemas.openxmlformats.org/officeDocument/2006/math">
+                                <m:rad>
+                                  <m:radPr>
+                                    <m:degHide m:val="on"/>
+                                    <m:ctrlPr>
+                                      <a:rPr lang="ru-RU" sz="1400" i="1" smtClean="0">
+                                        <a:latin typeface="Cambria Math" panose="02040503050406030204" pitchFamily="18" charset="0"/>
+                                        <a:cs typeface="Times New Roman"/>
+                                      </a:rPr>
+                                    </m:ctrlPr>
+                                  </m:radPr>
+                                  <m:deg/>
+                                  <m:e>
+                                    <m:r>
+                                      <a:rPr lang="en-US" sz="1400" b="0" i="1" smtClean="0">
+                                        <a:latin typeface="Cambria Math" panose="02040503050406030204" pitchFamily="18" charset="0"/>
+                                        <a:cs typeface="Times New Roman"/>
+                                      </a:rPr>
+                                      <m:t>𝑥</m:t>
+                                    </m:r>
+                                  </m:e>
+                                </m:rad>
+                              </m:oMath>
+                            </m:oMathPara>
+                          </a14:m>
+                          <a:endParaRPr lang="ru-RU" sz="1400" dirty="0">
+                            <a:latin typeface="+mn-lt"/>
+                            <a:ea typeface="Times New Roman"/>
+                            <a:cs typeface="Times New Roman"/>
+                          </a:endParaRPr>
+                        </a:p>
+                      </a:txBody>
+                      <a:tcPr marL="52855" marR="52855" marT="0" marB="0">
+                        <a:lnL w="12700" cap="flat" cmpd="sng" algn="ctr">
+                          <a:solidFill>
+                            <a:schemeClr val="tx1"/>
+                          </a:solidFill>
+                          <a:prstDash val="solid"/>
+                          <a:round/>
+                          <a:headEnd type="none" w="med" len="med"/>
+                          <a:tailEnd type="none" w="med" len="med"/>
+                        </a:lnL>
+                        <a:lnR w="12700" cap="flat" cmpd="sng" algn="ctr">
+                          <a:solidFill>
+                            <a:schemeClr val="tx1"/>
+                          </a:solidFill>
+                          <a:prstDash val="solid"/>
+                          <a:round/>
+                          <a:headEnd type="none" w="med" len="med"/>
+                          <a:tailEnd type="none" w="med" len="med"/>
+                        </a:lnR>
+                        <a:lnT w="12700" cap="flat" cmpd="sng" algn="ctr">
+                          <a:solidFill>
+                            <a:schemeClr val="tx1"/>
+                          </a:solidFill>
+                          <a:prstDash val="solid"/>
+                          <a:round/>
+                          <a:headEnd type="none" w="med" len="med"/>
+                          <a:tailEnd type="none" w="med" len="med"/>
+                        </a:lnT>
+                        <a:lnB w="12700" cap="flat" cmpd="sng" algn="ctr">
+                          <a:solidFill>
+                            <a:schemeClr val="tx1"/>
+                          </a:solidFill>
+                          <a:prstDash val="solid"/>
+                          <a:round/>
+                          <a:headEnd type="none" w="med" len="med"/>
+                          <a:tailEnd type="none" w="med" len="med"/>
+                        </a:lnB>
+                      </a:tcPr>
+                    </a:tc>
+                    <a:tc vMerge="1">
+                      <a:txBody>
+                        <a:bodyPr/>
+                        <a:lstStyle/>
+                        <a:p>
+                          <a:pPr algn="ctr">
+                            <a:lnSpc>
+                              <a:spcPct val="100000"/>
+                            </a:lnSpc>
+                            <a:spcAft>
+                              <a:spcPts val="0"/>
+                            </a:spcAft>
+                          </a:pPr>
+                          <a:endParaRPr lang="ru-RU" sz="1800" dirty="0">
+                            <a:latin typeface="+mn-lt"/>
+                            <a:ea typeface="Times New Roman"/>
+                            <a:cs typeface="Times New Roman"/>
+                          </a:endParaRPr>
+                        </a:p>
+                      </a:txBody>
+                      <a:tcPr marL="52855" marR="52855" marT="0" marB="0">
+                        <a:lnL w="12700" cap="flat" cmpd="sng" algn="ctr">
+                          <a:solidFill>
+                            <a:schemeClr val="tx1"/>
+                          </a:solidFill>
+                          <a:prstDash val="solid"/>
+                          <a:round/>
+                          <a:headEnd type="none" w="med" len="med"/>
+                          <a:tailEnd type="none" w="med" len="med"/>
+                        </a:lnL>
+                        <a:lnR w="12700" cap="flat" cmpd="sng" algn="ctr">
+                          <a:solidFill>
+                            <a:schemeClr val="tx1"/>
+                          </a:solidFill>
+                          <a:prstDash val="solid"/>
+                          <a:round/>
+                          <a:headEnd type="none" w="med" len="med"/>
+                          <a:tailEnd type="none" w="med" len="med"/>
+                        </a:lnR>
+                        <a:lnT w="12700" cap="flat" cmpd="sng" algn="ctr">
+                          <a:solidFill>
+                            <a:schemeClr val="tx1"/>
+                          </a:solidFill>
+                          <a:prstDash val="solid"/>
+                          <a:round/>
+                          <a:headEnd type="none" w="med" len="med"/>
+                          <a:tailEnd type="none" w="med" len="med"/>
+                        </a:lnT>
+                        <a:lnB w="12700" cap="flat" cmpd="sng" algn="ctr">
+                          <a:solidFill>
+                            <a:schemeClr val="tx1"/>
+                          </a:solidFill>
+                          <a:prstDash val="solid"/>
+                          <a:round/>
+                          <a:headEnd type="none" w="med" len="med"/>
+                          <a:tailEnd type="none" w="med" len="med"/>
+                        </a:lnB>
+                      </a:tcPr>
+                    </a:tc>
+                    <a:tc vMerge="1">
+                      <a:txBody>
+                        <a:bodyPr/>
+                        <a:lstStyle/>
+                        <a:p>
+                          <a:pPr algn="ctr">
+                            <a:lnSpc>
+                              <a:spcPct val="100000"/>
+                            </a:lnSpc>
+                            <a:spcAft>
+                              <a:spcPts val="0"/>
+                            </a:spcAft>
+                          </a:pPr>
+                          <a:endParaRPr lang="ru-RU" sz="1800" dirty="0">
+                            <a:latin typeface="+mn-lt"/>
+                            <a:ea typeface="Times New Roman"/>
+                            <a:cs typeface="Times New Roman"/>
+                          </a:endParaRPr>
+                        </a:p>
+                      </a:txBody>
+                      <a:tcPr marL="52855" marR="52855" marT="0" marB="0">
+                        <a:lnL w="12700" cap="flat" cmpd="sng" algn="ctr">
+                          <a:solidFill>
+                            <a:schemeClr val="tx1"/>
+                          </a:solidFill>
+                          <a:prstDash val="solid"/>
+                          <a:round/>
+                          <a:headEnd type="none" w="med" len="med"/>
+                          <a:tailEnd type="none" w="med" len="med"/>
+                        </a:lnL>
+                        <a:lnR w="12700" cap="flat" cmpd="sng" algn="ctr">
+                          <a:solidFill>
+                            <a:schemeClr val="tx1"/>
+                          </a:solidFill>
+                          <a:prstDash val="solid"/>
+                          <a:round/>
+                          <a:headEnd type="none" w="med" len="med"/>
+                          <a:tailEnd type="none" w="med" len="med"/>
+                        </a:lnR>
+                        <a:lnT w="12700" cap="flat" cmpd="sng" algn="ctr">
+                          <a:solidFill>
+                            <a:schemeClr val="tx1"/>
+                          </a:solidFill>
+                          <a:prstDash val="solid"/>
+                          <a:round/>
+                          <a:headEnd type="none" w="med" len="med"/>
+                          <a:tailEnd type="none" w="med" len="med"/>
+                        </a:lnT>
+                        <a:lnB w="12700" cap="flat" cmpd="sng" algn="ctr">
+                          <a:solidFill>
+                            <a:schemeClr val="tx1"/>
+                          </a:solidFill>
+                          <a:prstDash val="solid"/>
+                          <a:round/>
+                          <a:headEnd type="none" w="med" len="med"/>
+                          <a:tailEnd type="none" w="med" len="med"/>
+                        </a:lnB>
+                      </a:tcPr>
+                    </a:tc>
+                    <a:extLst>
+                      <a:ext uri="{0D108BD9-81ED-4DB2-BD59-A6C34878D82A}">
+                        <a16:rowId xmlns:a16="http://schemas.microsoft.com/office/drawing/2014/main" val="3635140172"/>
+                      </a:ext>
+                    </a:extLst>
+                  </a:tr>
+                  <a:tr h="0">
+                    <a:tc>
+                      <a:txBody>
+                        <a:bodyPr/>
+                        <a:lstStyle/>
+                        <a:p>
+                          <a:pPr algn="l">
+                            <a:lnSpc>
+                              <a:spcPct val="100000"/>
+                            </a:lnSpc>
+                            <a:spcAft>
+                              <a:spcPts val="0"/>
+                            </a:spcAft>
+                          </a:pPr>
+                          <a:r>
+                            <a:rPr lang="ru-RU" sz="1400" dirty="0" err="1">
+                              <a:latin typeface="Courier New" panose="02070309020205020404" pitchFamily="49" charset="0"/>
+                              <a:ea typeface="Times New Roman"/>
+                              <a:cs typeface="Courier New" panose="02070309020205020404" pitchFamily="49" charset="0"/>
+                            </a:rPr>
+                            <a:t>tan</a:t>
+                          </a:r>
+                          <a:r>
+                            <a:rPr lang="ru-RU" sz="1400" dirty="0">
+                              <a:latin typeface="Courier New" panose="02070309020205020404" pitchFamily="49" charset="0"/>
+                              <a:ea typeface="Times New Roman"/>
+                              <a:cs typeface="Courier New" panose="02070309020205020404" pitchFamily="49" charset="0"/>
+                            </a:rPr>
+                            <a:t>(x)</a:t>
+                          </a:r>
+                        </a:p>
+                      </a:txBody>
+                      <a:tcPr marL="52855" marR="52855" marT="0" marB="0" anchor="ctr">
+                        <a:lnL w="12700" cap="flat" cmpd="sng" algn="ctr">
+                          <a:solidFill>
+                            <a:schemeClr val="tx1"/>
+                          </a:solidFill>
+                          <a:prstDash val="solid"/>
+                          <a:round/>
+                          <a:headEnd type="none" w="med" len="med"/>
+                          <a:tailEnd type="none" w="med" len="med"/>
+                        </a:lnL>
+                        <a:lnR w="12700" cap="flat" cmpd="sng" algn="ctr">
+                          <a:solidFill>
+                            <a:schemeClr val="tx1"/>
+                          </a:solidFill>
+                          <a:prstDash val="solid"/>
+                          <a:round/>
+                          <a:headEnd type="none" w="med" len="med"/>
+                          <a:tailEnd type="none" w="med" len="med"/>
+                        </a:lnR>
+                        <a:lnT w="12700" cap="flat" cmpd="sng" algn="ctr">
+                          <a:solidFill>
+                            <a:schemeClr val="tx1"/>
+                          </a:solidFill>
+                          <a:prstDash val="solid"/>
+                          <a:round/>
+                          <a:headEnd type="none" w="med" len="med"/>
+                          <a:tailEnd type="none" w="med" len="med"/>
+                        </a:lnT>
+                        <a:lnB w="12700" cap="flat" cmpd="sng" algn="ctr">
+                          <a:solidFill>
+                            <a:schemeClr val="tx1"/>
+                          </a:solidFill>
+                          <a:prstDash val="solid"/>
+                          <a:round/>
+                          <a:headEnd type="none" w="med" len="med"/>
+                          <a:tailEnd type="none" w="med" len="med"/>
+                        </a:lnB>
+                      </a:tcPr>
+                    </a:tc>
+                    <a:tc>
+                      <a:txBody>
+                        <a:bodyPr/>
+                        <a:lstStyle/>
+                        <a:p>
+                          <a:pPr algn="ctr">
+                            <a:lnSpc>
+                              <a:spcPct val="100000"/>
+                            </a:lnSpc>
+                            <a:spcAft>
+                              <a:spcPts val="0"/>
+                            </a:spcAft>
+                          </a:pPr>
+                          <a:r>
+                            <a:rPr lang="en-US" sz="1400" dirty="0" err="1">
+                              <a:latin typeface="+mn-lt"/>
+                              <a:ea typeface="Times New Roman"/>
+                              <a:cs typeface="Times New Roman"/>
+                            </a:rPr>
+                            <a:t>tg</a:t>
+                          </a:r>
+                          <a:r>
+                            <a:rPr lang="en-US" sz="1400" dirty="0">
+                              <a:latin typeface="+mn-lt"/>
+                              <a:ea typeface="Times New Roman"/>
+                              <a:cs typeface="Times New Roman"/>
+                            </a:rPr>
+                            <a:t> x</a:t>
+                          </a:r>
+                          <a:endParaRPr lang="ru-RU" sz="1400" dirty="0">
+                            <a:latin typeface="+mn-lt"/>
+                            <a:ea typeface="Times New Roman"/>
+                            <a:cs typeface="Times New Roman"/>
+                          </a:endParaRPr>
+                        </a:p>
+                      </a:txBody>
+                      <a:tcPr marL="52855" marR="52855" marT="0" marB="0">
+                        <a:lnL w="12700" cap="flat" cmpd="sng" algn="ctr">
+                          <a:solidFill>
+                            <a:schemeClr val="tx1"/>
+                          </a:solidFill>
+                          <a:prstDash val="solid"/>
+                          <a:round/>
+                          <a:headEnd type="none" w="med" len="med"/>
+                          <a:tailEnd type="none" w="med" len="med"/>
+                        </a:lnL>
+                        <a:lnR w="12700" cap="flat" cmpd="sng" algn="ctr">
+                          <a:solidFill>
+                            <a:schemeClr val="tx1"/>
+                          </a:solidFill>
+                          <a:prstDash val="solid"/>
+                          <a:round/>
+                          <a:headEnd type="none" w="med" len="med"/>
+                          <a:tailEnd type="none" w="med" len="med"/>
+                        </a:lnR>
+                        <a:lnT w="12700" cap="flat" cmpd="sng" algn="ctr">
+                          <a:solidFill>
+                            <a:schemeClr val="tx1"/>
+                          </a:solidFill>
+                          <a:prstDash val="solid"/>
+                          <a:round/>
+                          <a:headEnd type="none" w="med" len="med"/>
+                          <a:tailEnd type="none" w="med" len="med"/>
+                        </a:lnT>
+                        <a:lnB w="12700" cap="flat" cmpd="sng" algn="ctr">
+                          <a:solidFill>
+                            <a:schemeClr val="tx1"/>
+                          </a:solidFill>
+                          <a:prstDash val="solid"/>
+                          <a:round/>
+                          <a:headEnd type="none" w="med" len="med"/>
+                          <a:tailEnd type="none" w="med" len="med"/>
+                        </a:lnB>
+                      </a:tcPr>
+                    </a:tc>
+                    <a:tc vMerge="1">
+                      <a:txBody>
+                        <a:bodyPr/>
+                        <a:lstStyle/>
+                        <a:p>
+                          <a:pPr algn="ctr">
+                            <a:lnSpc>
+                              <a:spcPct val="100000"/>
+                            </a:lnSpc>
+                            <a:spcAft>
+                              <a:spcPts val="0"/>
+                            </a:spcAft>
+                          </a:pPr>
+                          <a:endParaRPr lang="ru-RU" sz="1800" dirty="0">
+                            <a:latin typeface="+mn-lt"/>
+                            <a:ea typeface="Times New Roman"/>
+                            <a:cs typeface="Times New Roman"/>
+                          </a:endParaRPr>
+                        </a:p>
+                      </a:txBody>
+                      <a:tcPr marL="52855" marR="52855" marT="0" marB="0">
+                        <a:lnL w="12700" cap="flat" cmpd="sng" algn="ctr">
+                          <a:solidFill>
+                            <a:schemeClr val="tx1"/>
+                          </a:solidFill>
+                          <a:prstDash val="solid"/>
+                          <a:round/>
+                          <a:headEnd type="none" w="med" len="med"/>
+                          <a:tailEnd type="none" w="med" len="med"/>
+                        </a:lnL>
+                        <a:lnR w="12700" cap="flat" cmpd="sng" algn="ctr">
+                          <a:solidFill>
+                            <a:schemeClr val="tx1"/>
+                          </a:solidFill>
+                          <a:prstDash val="solid"/>
+                          <a:round/>
+                          <a:headEnd type="none" w="med" len="med"/>
+                          <a:tailEnd type="none" w="med" len="med"/>
+                        </a:lnR>
+                        <a:lnT w="12700" cap="flat" cmpd="sng" algn="ctr">
+                          <a:solidFill>
+                            <a:schemeClr val="tx1"/>
+                          </a:solidFill>
+                          <a:prstDash val="solid"/>
+                          <a:round/>
+                          <a:headEnd type="none" w="med" len="med"/>
+                          <a:tailEnd type="none" w="med" len="med"/>
+                        </a:lnT>
+                        <a:lnB w="12700" cap="flat" cmpd="sng" algn="ctr">
+                          <a:solidFill>
+                            <a:schemeClr val="tx1"/>
+                          </a:solidFill>
+                          <a:prstDash val="solid"/>
+                          <a:round/>
+                          <a:headEnd type="none" w="med" len="med"/>
+                          <a:tailEnd type="none" w="med" len="med"/>
+                        </a:lnB>
+                      </a:tcPr>
+                    </a:tc>
+                    <a:tc vMerge="1">
+                      <a:txBody>
+                        <a:bodyPr/>
+                        <a:lstStyle/>
+                        <a:p>
+                          <a:pPr algn="ctr">
+                            <a:lnSpc>
+                              <a:spcPct val="100000"/>
+                            </a:lnSpc>
+                            <a:spcAft>
+                              <a:spcPts val="0"/>
+                            </a:spcAft>
+                          </a:pPr>
+                          <a:endParaRPr lang="ru-RU" sz="1800" dirty="0">
+                            <a:latin typeface="+mn-lt"/>
+                            <a:ea typeface="Times New Roman"/>
+                            <a:cs typeface="Times New Roman"/>
+                          </a:endParaRPr>
+                        </a:p>
+                      </a:txBody>
+                      <a:tcPr marL="52855" marR="52855" marT="0" marB="0">
+                        <a:lnL w="12700" cap="flat" cmpd="sng" algn="ctr">
+                          <a:solidFill>
+                            <a:schemeClr val="tx1"/>
+                          </a:solidFill>
+                          <a:prstDash val="solid"/>
+                          <a:round/>
+                          <a:headEnd type="none" w="med" len="med"/>
+                          <a:tailEnd type="none" w="med" len="med"/>
+                        </a:lnL>
+                        <a:lnR w="12700" cap="flat" cmpd="sng" algn="ctr">
+                          <a:solidFill>
+                            <a:schemeClr val="tx1"/>
+                          </a:solidFill>
+                          <a:prstDash val="solid"/>
+                          <a:round/>
+                          <a:headEnd type="none" w="med" len="med"/>
+                          <a:tailEnd type="none" w="med" len="med"/>
+                        </a:lnR>
+                        <a:lnT w="12700" cap="flat" cmpd="sng" algn="ctr">
+                          <a:solidFill>
+                            <a:schemeClr val="tx1"/>
+                          </a:solidFill>
+                          <a:prstDash val="solid"/>
+                          <a:round/>
+                          <a:headEnd type="none" w="med" len="med"/>
+                          <a:tailEnd type="none" w="med" len="med"/>
+                        </a:lnT>
+                        <a:lnB w="12700" cap="flat" cmpd="sng" algn="ctr">
+                          <a:solidFill>
+                            <a:schemeClr val="tx1"/>
+                          </a:solidFill>
+                          <a:prstDash val="solid"/>
+                          <a:round/>
+                          <a:headEnd type="none" w="med" len="med"/>
+                          <a:tailEnd type="none" w="med" len="med"/>
+                        </a:lnB>
+                      </a:tcPr>
+                    </a:tc>
+                    <a:extLst>
+                      <a:ext uri="{0D108BD9-81ED-4DB2-BD59-A6C34878D82A}">
+                        <a16:rowId xmlns:a16="http://schemas.microsoft.com/office/drawing/2014/main" val="927867038"/>
+                      </a:ext>
+                    </a:extLst>
+                  </a:tr>
+                  <a:tr h="0">
+                    <a:tc>
+                      <a:txBody>
+                        <a:bodyPr/>
+                        <a:lstStyle/>
+                        <a:p>
+                          <a:pPr algn="l">
+                            <a:lnSpc>
+                              <a:spcPct val="100000"/>
+                            </a:lnSpc>
+                            <a:spcAft>
+                              <a:spcPts val="0"/>
+                            </a:spcAft>
+                          </a:pPr>
+                          <a:r>
+                            <a:rPr lang="ru-RU" sz="1400" dirty="0" err="1">
+                              <a:latin typeface="Courier New" panose="02070309020205020404" pitchFamily="49" charset="0"/>
+                              <a:ea typeface="Times New Roman"/>
+                              <a:cs typeface="Courier New" panose="02070309020205020404" pitchFamily="49" charset="0"/>
+                            </a:rPr>
+                            <a:t>arctan</a:t>
+                          </a:r>
+                          <a:r>
+                            <a:rPr lang="ru-RU" sz="1400" dirty="0">
+                              <a:latin typeface="Courier New" panose="02070309020205020404" pitchFamily="49" charset="0"/>
+                              <a:ea typeface="Times New Roman"/>
+                              <a:cs typeface="Courier New" panose="02070309020205020404" pitchFamily="49" charset="0"/>
+                            </a:rPr>
+                            <a:t>(x)</a:t>
+                          </a:r>
+                        </a:p>
+                      </a:txBody>
+                      <a:tcPr marL="52855" marR="52855" marT="0" marB="0" anchor="ctr">
+                        <a:lnL w="12700" cap="flat" cmpd="sng" algn="ctr">
+                          <a:solidFill>
+                            <a:schemeClr val="tx1"/>
+                          </a:solidFill>
+                          <a:prstDash val="solid"/>
+                          <a:round/>
+                          <a:headEnd type="none" w="med" len="med"/>
+                          <a:tailEnd type="none" w="med" len="med"/>
+                        </a:lnL>
+                        <a:lnR w="12700" cap="flat" cmpd="sng" algn="ctr">
+                          <a:solidFill>
+                            <a:schemeClr val="tx1"/>
+                          </a:solidFill>
+                          <a:prstDash val="solid"/>
+                          <a:round/>
+                          <a:headEnd type="none" w="med" len="med"/>
+                          <a:tailEnd type="none" w="med" len="med"/>
+                        </a:lnR>
+                        <a:lnT w="12700" cap="flat" cmpd="sng" algn="ctr">
+                          <a:solidFill>
+                            <a:schemeClr val="tx1"/>
+                          </a:solidFill>
+                          <a:prstDash val="solid"/>
+                          <a:round/>
+                          <a:headEnd type="none" w="med" len="med"/>
+                          <a:tailEnd type="none" w="med" len="med"/>
+                        </a:lnT>
+                        <a:lnB w="12700" cap="flat" cmpd="sng" algn="ctr">
+                          <a:solidFill>
+                            <a:schemeClr val="tx1"/>
+                          </a:solidFill>
+                          <a:prstDash val="solid"/>
+                          <a:round/>
+                          <a:headEnd type="none" w="med" len="med"/>
+                          <a:tailEnd type="none" w="med" len="med"/>
+                        </a:lnB>
+                      </a:tcPr>
+                    </a:tc>
+                    <a:tc>
+                      <a:txBody>
+                        <a:bodyPr/>
+                        <a:lstStyle/>
+                        <a:p>
+                          <a:pPr algn="ctr">
+                            <a:lnSpc>
+                              <a:spcPct val="100000"/>
+                            </a:lnSpc>
+                            <a:spcAft>
+                              <a:spcPts val="0"/>
+                            </a:spcAft>
+                          </a:pPr>
+                          <a:r>
+                            <a:rPr lang="ru-RU" sz="1400" dirty="0" err="1">
+                              <a:latin typeface="+mn-lt"/>
+                              <a:ea typeface="Times New Roman"/>
+                              <a:cs typeface="Times New Roman"/>
+                            </a:rPr>
+                            <a:t>arctg</a:t>
+                          </a:r>
+                          <a:r>
+                            <a:rPr lang="ru-RU" sz="1400" dirty="0">
+                              <a:latin typeface="+mn-lt"/>
+                              <a:ea typeface="Times New Roman"/>
+                              <a:cs typeface="Times New Roman"/>
+                            </a:rPr>
+                            <a:t> </a:t>
+                          </a:r>
+                          <a:r>
+                            <a:rPr lang="ru-RU" sz="1400" i="1" dirty="0">
+                              <a:latin typeface="+mn-lt"/>
+                              <a:ea typeface="Times New Roman"/>
+                              <a:cs typeface="Times New Roman"/>
+                            </a:rPr>
+                            <a:t>x</a:t>
+                          </a:r>
+                          <a:endParaRPr lang="ru-RU" sz="1400" dirty="0">
+                            <a:latin typeface="+mn-lt"/>
+                            <a:ea typeface="Times New Roman"/>
+                            <a:cs typeface="Times New Roman"/>
+                          </a:endParaRPr>
+                        </a:p>
+                      </a:txBody>
+                      <a:tcPr marL="52855" marR="52855" marT="0" marB="0">
+                        <a:lnL w="12700" cap="flat" cmpd="sng" algn="ctr">
+                          <a:solidFill>
+                            <a:schemeClr val="tx1"/>
+                          </a:solidFill>
+                          <a:prstDash val="solid"/>
+                          <a:round/>
+                          <a:headEnd type="none" w="med" len="med"/>
+                          <a:tailEnd type="none" w="med" len="med"/>
+                        </a:lnL>
+                        <a:lnR w="12700" cap="flat" cmpd="sng" algn="ctr">
+                          <a:solidFill>
+                            <a:schemeClr val="tx1"/>
+                          </a:solidFill>
+                          <a:prstDash val="solid"/>
+                          <a:round/>
+                          <a:headEnd type="none" w="med" len="med"/>
+                          <a:tailEnd type="none" w="med" len="med"/>
+                        </a:lnR>
+                        <a:lnT w="12700" cap="flat" cmpd="sng" algn="ctr">
+                          <a:solidFill>
+                            <a:schemeClr val="tx1"/>
+                          </a:solidFill>
+                          <a:prstDash val="solid"/>
+                          <a:round/>
+                          <a:headEnd type="none" w="med" len="med"/>
+                          <a:tailEnd type="none" w="med" len="med"/>
+                        </a:lnT>
+                        <a:lnB w="12700" cap="flat" cmpd="sng" algn="ctr">
+                          <a:solidFill>
+                            <a:schemeClr val="tx1"/>
+                          </a:solidFill>
+                          <a:prstDash val="solid"/>
+                          <a:round/>
+                          <a:headEnd type="none" w="med" len="med"/>
+                          <a:tailEnd type="none" w="med" len="med"/>
+                        </a:lnB>
+                      </a:tcPr>
+                    </a:tc>
+                    <a:tc vMerge="1">
+                      <a:txBody>
+                        <a:bodyPr/>
+                        <a:lstStyle/>
+                        <a:p>
+                          <a:pPr algn="ctr">
+                            <a:lnSpc>
+                              <a:spcPct val="100000"/>
+                            </a:lnSpc>
+                            <a:spcAft>
+                              <a:spcPts val="0"/>
+                            </a:spcAft>
+                          </a:pPr>
+                          <a:endParaRPr lang="ru-RU" sz="1800" dirty="0">
+                            <a:latin typeface="+mn-lt"/>
+                            <a:ea typeface="Times New Roman"/>
+                            <a:cs typeface="Times New Roman"/>
+                          </a:endParaRPr>
+                        </a:p>
+                      </a:txBody>
+                      <a:tcPr marL="52855" marR="52855" marT="0" marB="0">
+                        <a:lnL w="12700" cap="flat" cmpd="sng" algn="ctr">
+                          <a:solidFill>
+                            <a:schemeClr val="tx1"/>
+                          </a:solidFill>
+                          <a:prstDash val="solid"/>
+                          <a:round/>
+                          <a:headEnd type="none" w="med" len="med"/>
+                          <a:tailEnd type="none" w="med" len="med"/>
+                        </a:lnL>
+                        <a:lnR w="12700" cap="flat" cmpd="sng" algn="ctr">
+                          <a:solidFill>
+                            <a:schemeClr val="tx1"/>
+                          </a:solidFill>
+                          <a:prstDash val="solid"/>
+                          <a:round/>
+                          <a:headEnd type="none" w="med" len="med"/>
+                          <a:tailEnd type="none" w="med" len="med"/>
+                        </a:lnR>
+                        <a:lnT w="12700" cap="flat" cmpd="sng" algn="ctr">
+                          <a:solidFill>
+                            <a:schemeClr val="tx1"/>
+                          </a:solidFill>
+                          <a:prstDash val="solid"/>
+                          <a:round/>
+                          <a:headEnd type="none" w="med" len="med"/>
+                          <a:tailEnd type="none" w="med" len="med"/>
+                        </a:lnT>
+                        <a:lnB w="12700" cap="flat" cmpd="sng" algn="ctr">
+                          <a:solidFill>
+                            <a:schemeClr val="tx1"/>
+                          </a:solidFill>
+                          <a:prstDash val="solid"/>
+                          <a:round/>
+                          <a:headEnd type="none" w="med" len="med"/>
+                          <a:tailEnd type="none" w="med" len="med"/>
+                        </a:lnB>
+                      </a:tcPr>
+                    </a:tc>
+                    <a:tc vMerge="1">
+                      <a:txBody>
+                        <a:bodyPr/>
+                        <a:lstStyle/>
+                        <a:p>
+                          <a:pPr algn="ctr">
+                            <a:lnSpc>
+                              <a:spcPct val="100000"/>
+                            </a:lnSpc>
+                            <a:spcAft>
+                              <a:spcPts val="0"/>
+                            </a:spcAft>
+                          </a:pPr>
+                          <a:endParaRPr lang="ru-RU" sz="1800" dirty="0">
+                            <a:latin typeface="+mn-lt"/>
+                            <a:ea typeface="Times New Roman"/>
+                            <a:cs typeface="Times New Roman"/>
+                          </a:endParaRPr>
+                        </a:p>
+                      </a:txBody>
+                      <a:tcPr marL="52855" marR="52855" marT="0" marB="0">
+                        <a:lnL w="12700" cap="flat" cmpd="sng" algn="ctr">
+                          <a:solidFill>
+                            <a:schemeClr val="tx1"/>
+                          </a:solidFill>
+                          <a:prstDash val="solid"/>
+                          <a:round/>
+                          <a:headEnd type="none" w="med" len="med"/>
+                          <a:tailEnd type="none" w="med" len="med"/>
+                        </a:lnL>
+                        <a:lnR w="12700" cap="flat" cmpd="sng" algn="ctr">
+                          <a:solidFill>
+                            <a:schemeClr val="tx1"/>
+                          </a:solidFill>
+                          <a:prstDash val="solid"/>
+                          <a:round/>
+                          <a:headEnd type="none" w="med" len="med"/>
+                          <a:tailEnd type="none" w="med" len="med"/>
+                        </a:lnR>
+                        <a:lnT w="12700" cap="flat" cmpd="sng" algn="ctr">
+                          <a:solidFill>
+                            <a:schemeClr val="tx1"/>
+                          </a:solidFill>
+                          <a:prstDash val="solid"/>
+                          <a:round/>
+                          <a:headEnd type="none" w="med" len="med"/>
+                          <a:tailEnd type="none" w="med" len="med"/>
+                        </a:lnT>
+                        <a:lnB w="12700" cap="flat" cmpd="sng" algn="ctr">
+                          <a:solidFill>
+                            <a:schemeClr val="tx1"/>
+                          </a:solidFill>
+                          <a:prstDash val="solid"/>
+                          <a:round/>
+                          <a:headEnd type="none" w="med" len="med"/>
+                          <a:tailEnd type="none" w="med" len="med"/>
+                        </a:lnB>
+                      </a:tcPr>
+                    </a:tc>
+                    <a:extLst>
+                      <a:ext uri="{0D108BD9-81ED-4DB2-BD59-A6C34878D82A}">
+                        <a16:rowId xmlns:a16="http://schemas.microsoft.com/office/drawing/2014/main" val="4008850324"/>
+                      </a:ext>
+                    </a:extLst>
+                  </a:tr>
+                </a:tbl>
+              </a:graphicData>
+            </a:graphic>
+          </p:graphicFrame>
+        </mc:Choice>
+        <mc:Fallback>
+          <p:graphicFrame>
+            <p:nvGraphicFramePr>
+              <p:cNvPr id="2" name="Таблица 1">
+                <a:extLst>
+                  <a:ext uri="{FF2B5EF4-FFF2-40B4-BE49-F238E27FC236}">
+                    <a16:creationId xmlns:a16="http://schemas.microsoft.com/office/drawing/2014/main" id="{493C2C6A-8BEB-44A1-9CB8-60CA3689113D}"/>
+                  </a:ext>
+                </a:extLst>
+              </p:cNvPr>
+              <p:cNvGraphicFramePr>
+                <a:graphicFrameLocks noGrp="1"/>
+              </p:cNvGraphicFramePr>
+              <p:nvPr>
+                <p:extLst>
+                  <p:ext uri="{D42A27DB-BD31-4B8C-83A1-F6EECF244321}">
+                    <p14:modId xmlns:p14="http://schemas.microsoft.com/office/powerpoint/2010/main" val="4258751894"/>
+                  </p:ext>
+                </p:extLst>
+              </p:nvPr>
+            </p:nvGraphicFramePr>
+            <p:xfrm>
+              <a:off x="288823" y="1129799"/>
+              <a:ext cx="5328000" cy="2349310"/>
+            </p:xfrm>
+            <a:graphic>
+              <a:graphicData uri="http://schemas.openxmlformats.org/drawingml/2006/table">
+                <a:tbl>
+                  <a:tblPr/>
+                  <a:tblGrid>
+                    <a:gridCol w="1332000">
+                      <a:extLst>
+                        <a:ext uri="{9D8B030D-6E8A-4147-A177-3AD203B41FA5}">
+                          <a16:colId xmlns:a16="http://schemas.microsoft.com/office/drawing/2014/main" val="1470616537"/>
+                        </a:ext>
+                      </a:extLst>
+                    </a:gridCol>
+                    <a:gridCol w="1332000">
+                      <a:extLst>
+                        <a:ext uri="{9D8B030D-6E8A-4147-A177-3AD203B41FA5}">
+                          <a16:colId xmlns:a16="http://schemas.microsoft.com/office/drawing/2014/main" val="31931731"/>
+                        </a:ext>
+                      </a:extLst>
+                    </a:gridCol>
+                    <a:gridCol w="1332000">
+                      <a:extLst>
+                        <a:ext uri="{9D8B030D-6E8A-4147-A177-3AD203B41FA5}">
+                          <a16:colId xmlns:a16="http://schemas.microsoft.com/office/drawing/2014/main" val="1941991705"/>
+                        </a:ext>
+                      </a:extLst>
+                    </a:gridCol>
+                    <a:gridCol w="1332000">
+                      <a:extLst>
+                        <a:ext uri="{9D8B030D-6E8A-4147-A177-3AD203B41FA5}">
+                          <a16:colId xmlns:a16="http://schemas.microsoft.com/office/drawing/2014/main" val="3321931327"/>
+                        </a:ext>
+                      </a:extLst>
+                    </a:gridCol>
+                  </a:tblGrid>
+                  <a:tr h="213360">
+                    <a:tc rowSpan="2">
+                      <a:txBody>
+                        <a:bodyPr/>
+                        <a:lstStyle/>
+                        <a:p>
+                          <a:pPr algn="ctr">
+                            <a:lnSpc>
+                              <a:spcPct val="100000"/>
+                            </a:lnSpc>
+                            <a:spcAft>
+                              <a:spcPts val="0"/>
+                            </a:spcAft>
+                          </a:pPr>
+                          <a:r>
+                            <a:rPr lang="ru-RU" sz="1400" dirty="0">
+                              <a:latin typeface="+mn-lt"/>
+                              <a:ea typeface="Times New Roman"/>
+                              <a:cs typeface="Times New Roman"/>
+                            </a:rPr>
+                            <a:t>Функция</a:t>
+                          </a:r>
+                        </a:p>
+                      </a:txBody>
+                      <a:tcPr marL="52855" marR="52855" marT="0" marB="0" anchor="ctr">
+                        <a:lnL w="12700" cap="flat" cmpd="sng" algn="ctr">
+                          <a:solidFill>
+                            <a:schemeClr val="tx1"/>
+                          </a:solidFill>
+                          <a:prstDash val="solid"/>
+                          <a:round/>
+                          <a:headEnd type="none" w="med" len="med"/>
+                          <a:tailEnd type="none" w="med" len="med"/>
+                        </a:lnL>
+                        <a:lnR w="12700" cap="flat" cmpd="sng" algn="ctr">
+                          <a:solidFill>
+                            <a:schemeClr val="tx1"/>
+                          </a:solidFill>
+                          <a:prstDash val="solid"/>
+                          <a:round/>
+                          <a:headEnd type="none" w="med" len="med"/>
+                          <a:tailEnd type="none" w="med" len="med"/>
+                        </a:lnR>
+                        <a:lnT w="12700" cap="flat" cmpd="sng" algn="ctr">
+                          <a:solidFill>
+                            <a:schemeClr val="tx1"/>
+                          </a:solidFill>
+                          <a:prstDash val="solid"/>
+                          <a:round/>
+                          <a:headEnd type="none" w="med" len="med"/>
+                          <a:tailEnd type="none" w="med" len="med"/>
+                        </a:lnT>
+                        <a:lnB w="12700" cap="flat" cmpd="sng" algn="ctr">
+                          <a:solidFill>
+                            <a:schemeClr val="tx1"/>
+                          </a:solidFill>
+                          <a:prstDash val="solid"/>
+                          <a:round/>
+                          <a:headEnd type="none" w="med" len="med"/>
+                          <a:tailEnd type="none" w="med" len="med"/>
+                        </a:lnB>
+                      </a:tcPr>
+                    </a:tc>
+                    <a:tc rowSpan="2">
+                      <a:txBody>
+                        <a:bodyPr/>
+                        <a:lstStyle/>
+                        <a:p>
+                          <a:pPr algn="ctr">
+                            <a:lnSpc>
+                              <a:spcPct val="100000"/>
+                            </a:lnSpc>
+                            <a:spcAft>
+                              <a:spcPts val="0"/>
+                            </a:spcAft>
+                          </a:pPr>
+                          <a:r>
+                            <a:rPr lang="ru-RU" sz="1400" dirty="0">
+                              <a:latin typeface="+mn-lt"/>
+                              <a:ea typeface="Times New Roman"/>
+                              <a:cs typeface="Times New Roman"/>
+                            </a:rPr>
+                            <a:t>Назначение</a:t>
+                          </a:r>
+                        </a:p>
+                      </a:txBody>
+                      <a:tcPr marL="52855" marR="52855" marT="0" marB="0" anchor="ctr">
+                        <a:lnL w="12700" cap="flat" cmpd="sng" algn="ctr">
+                          <a:solidFill>
+                            <a:schemeClr val="tx1"/>
+                          </a:solidFill>
+                          <a:prstDash val="solid"/>
+                          <a:round/>
+                          <a:headEnd type="none" w="med" len="med"/>
+                          <a:tailEnd type="none" w="med" len="med"/>
+                        </a:lnL>
+                        <a:lnR w="12700" cap="flat" cmpd="sng" algn="ctr">
+                          <a:solidFill>
+                            <a:schemeClr val="tx1"/>
+                          </a:solidFill>
+                          <a:prstDash val="solid"/>
+                          <a:round/>
+                          <a:headEnd type="none" w="med" len="med"/>
+                          <a:tailEnd type="none" w="med" len="med"/>
+                        </a:lnR>
+                        <a:lnT w="12700" cap="flat" cmpd="sng" algn="ctr">
+                          <a:solidFill>
+                            <a:schemeClr val="tx1"/>
+                          </a:solidFill>
+                          <a:prstDash val="solid"/>
+                          <a:round/>
+                          <a:headEnd type="none" w="med" len="med"/>
+                          <a:tailEnd type="none" w="med" len="med"/>
+                        </a:lnT>
+                        <a:lnB w="12700" cap="flat" cmpd="sng" algn="ctr">
+                          <a:solidFill>
+                            <a:schemeClr val="tx1"/>
+                          </a:solidFill>
+                          <a:prstDash val="solid"/>
+                          <a:round/>
+                          <a:headEnd type="none" w="med" len="med"/>
+                          <a:tailEnd type="none" w="med" len="med"/>
+                        </a:lnB>
+                      </a:tcPr>
+                    </a:tc>
+                    <a:tc gridSpan="2">
+                      <a:txBody>
+                        <a:bodyPr/>
+                        <a:lstStyle/>
+                        <a:p>
+                          <a:pPr algn="ctr">
+                            <a:lnSpc>
+                              <a:spcPct val="100000"/>
+                            </a:lnSpc>
+                            <a:spcAft>
+                              <a:spcPts val="0"/>
+                            </a:spcAft>
+                          </a:pPr>
+                          <a:r>
+                            <a:rPr lang="ru-RU" sz="1400">
+                              <a:latin typeface="+mn-lt"/>
+                              <a:ea typeface="Times New Roman"/>
+                              <a:cs typeface="Times New Roman"/>
+                            </a:rPr>
+                            <a:t>Тип</a:t>
+                          </a:r>
+                        </a:p>
+                      </a:txBody>
+                      <a:tcPr marL="52855" marR="52855" marT="0" marB="0">
+                        <a:lnL w="12700" cap="flat" cmpd="sng" algn="ctr">
+                          <a:solidFill>
+                            <a:schemeClr val="tx1"/>
+                          </a:solidFill>
+                          <a:prstDash val="solid"/>
+                          <a:round/>
+                          <a:headEnd type="none" w="med" len="med"/>
+                          <a:tailEnd type="none" w="med" len="med"/>
+                        </a:lnL>
+                        <a:lnR w="12700" cap="flat" cmpd="sng" algn="ctr">
+                          <a:solidFill>
+                            <a:schemeClr val="tx1"/>
+                          </a:solidFill>
+                          <a:prstDash val="solid"/>
+                          <a:round/>
+                          <a:headEnd type="none" w="med" len="med"/>
+                          <a:tailEnd type="none" w="med" len="med"/>
+                        </a:lnR>
+                        <a:lnT w="12700" cap="flat" cmpd="sng" algn="ctr">
+                          <a:solidFill>
+                            <a:schemeClr val="tx1"/>
+                          </a:solidFill>
+                          <a:prstDash val="solid"/>
+                          <a:round/>
+                          <a:headEnd type="none" w="med" len="med"/>
+                          <a:tailEnd type="none" w="med" len="med"/>
+                        </a:lnT>
+                        <a:lnB w="12700" cap="flat" cmpd="sng" algn="ctr">
+                          <a:solidFill>
+                            <a:schemeClr val="tx1"/>
+                          </a:solidFill>
+                          <a:prstDash val="solid"/>
+                          <a:round/>
+                          <a:headEnd type="none" w="med" len="med"/>
+                          <a:tailEnd type="none" w="med" len="med"/>
+                        </a:lnB>
+                      </a:tcPr>
+                    </a:tc>
+                    <a:tc hMerge="1">
+                      <a:txBody>
+                        <a:bodyPr/>
+                        <a:lstStyle/>
+                        <a:p>
+                          <a:endParaRPr lang="ru-RU"/>
+                        </a:p>
+                      </a:txBody>
+                      <a:tcPr/>
+                    </a:tc>
+                    <a:extLst>
+                      <a:ext uri="{0D108BD9-81ED-4DB2-BD59-A6C34878D82A}">
+                        <a16:rowId xmlns:a16="http://schemas.microsoft.com/office/drawing/2014/main" val="3979142589"/>
+                      </a:ext>
+                    </a:extLst>
+                  </a:tr>
+                  <a:tr h="213360">
+                    <a:tc vMerge="1">
+                      <a:txBody>
+                        <a:bodyPr/>
+                        <a:lstStyle/>
+                        <a:p>
+                          <a:pPr algn="ctr">
+                            <a:lnSpc>
+                              <a:spcPct val="100000"/>
+                            </a:lnSpc>
+                            <a:spcAft>
+                              <a:spcPts val="0"/>
+                            </a:spcAft>
+                          </a:pPr>
+                          <a:endParaRPr lang="ru-RU" sz="1800" dirty="0">
+                            <a:latin typeface="+mn-lt"/>
+                            <a:ea typeface="Times New Roman"/>
+                            <a:cs typeface="Times New Roman"/>
+                          </a:endParaRPr>
+                        </a:p>
+                      </a:txBody>
+                      <a:tcPr marL="52855" marR="52855" marT="0" marB="0">
+                        <a:lnL w="12700" cap="flat" cmpd="sng" algn="ctr">
+                          <a:solidFill>
+                            <a:schemeClr val="tx1"/>
+                          </a:solidFill>
+                          <a:prstDash val="solid"/>
+                          <a:round/>
+                          <a:headEnd type="none" w="med" len="med"/>
+                          <a:tailEnd type="none" w="med" len="med"/>
+                        </a:lnL>
+                        <a:lnR w="12700" cap="flat" cmpd="sng" algn="ctr">
+                          <a:solidFill>
+                            <a:schemeClr val="tx1"/>
+                          </a:solidFill>
+                          <a:prstDash val="solid"/>
+                          <a:round/>
+                          <a:headEnd type="none" w="med" len="med"/>
+                          <a:tailEnd type="none" w="med" len="med"/>
+                        </a:lnR>
+                        <a:lnT w="12700" cap="flat" cmpd="sng" algn="ctr">
+                          <a:solidFill>
+                            <a:schemeClr val="tx1"/>
+                          </a:solidFill>
+                          <a:prstDash val="solid"/>
+                          <a:round/>
+                          <a:headEnd type="none" w="med" len="med"/>
+                          <a:tailEnd type="none" w="med" len="med"/>
+                        </a:lnT>
+                        <a:lnB w="12700" cap="flat" cmpd="sng" algn="ctr">
+                          <a:solidFill>
+                            <a:schemeClr val="tx1"/>
+                          </a:solidFill>
+                          <a:prstDash val="solid"/>
+                          <a:round/>
+                          <a:headEnd type="none" w="med" len="med"/>
+                          <a:tailEnd type="none" w="med" len="med"/>
+                        </a:lnB>
+                      </a:tcPr>
+                    </a:tc>
+                    <a:tc vMerge="1">
+                      <a:txBody>
+                        <a:bodyPr/>
+                        <a:lstStyle/>
+                        <a:p>
+                          <a:pPr algn="ctr">
+                            <a:lnSpc>
+                              <a:spcPct val="100000"/>
+                            </a:lnSpc>
+                            <a:spcAft>
+                              <a:spcPts val="0"/>
+                            </a:spcAft>
+                          </a:pPr>
+                          <a:endParaRPr lang="ru-RU" sz="1800" dirty="0">
+                            <a:latin typeface="+mn-lt"/>
+                            <a:ea typeface="Times New Roman"/>
+                            <a:cs typeface="Times New Roman"/>
+                          </a:endParaRPr>
+                        </a:p>
+                      </a:txBody>
+                      <a:tcPr marL="52855" marR="52855" marT="0" marB="0">
+                        <a:lnL w="12700" cap="flat" cmpd="sng" algn="ctr">
+                          <a:solidFill>
+                            <a:schemeClr val="tx1"/>
+                          </a:solidFill>
+                          <a:prstDash val="solid"/>
+                          <a:round/>
+                          <a:headEnd type="none" w="med" len="med"/>
+                          <a:tailEnd type="none" w="med" len="med"/>
+                        </a:lnL>
+                        <a:lnR w="12700" cap="flat" cmpd="sng" algn="ctr">
+                          <a:solidFill>
+                            <a:schemeClr val="tx1"/>
+                          </a:solidFill>
+                          <a:prstDash val="solid"/>
+                          <a:round/>
+                          <a:headEnd type="none" w="med" len="med"/>
+                          <a:tailEnd type="none" w="med" len="med"/>
+                        </a:lnR>
+                        <a:lnT w="12700" cap="flat" cmpd="sng" algn="ctr">
+                          <a:solidFill>
+                            <a:schemeClr val="tx1"/>
+                          </a:solidFill>
+                          <a:prstDash val="solid"/>
+                          <a:round/>
+                          <a:headEnd type="none" w="med" len="med"/>
+                          <a:tailEnd type="none" w="med" len="med"/>
+                        </a:lnT>
+                        <a:lnB w="12700" cap="flat" cmpd="sng" algn="ctr">
+                          <a:solidFill>
+                            <a:schemeClr val="tx1"/>
+                          </a:solidFill>
+                          <a:prstDash val="solid"/>
+                          <a:round/>
+                          <a:headEnd type="none" w="med" len="med"/>
+                          <a:tailEnd type="none" w="med" len="med"/>
+                        </a:lnB>
+                      </a:tcPr>
+                    </a:tc>
+                    <a:tc>
+                      <a:txBody>
+                        <a:bodyPr/>
+                        <a:lstStyle/>
+                        <a:p>
+                          <a:pPr algn="ctr">
+                            <a:lnSpc>
+                              <a:spcPct val="100000"/>
+                            </a:lnSpc>
+                            <a:spcAft>
+                              <a:spcPts val="0"/>
+                            </a:spcAft>
+                          </a:pPr>
+                          <a:r>
+                            <a:rPr lang="ru-RU" sz="1400" dirty="0">
+                              <a:latin typeface="+mn-lt"/>
+                              <a:ea typeface="Times New Roman"/>
+                              <a:cs typeface="Times New Roman"/>
+                            </a:rPr>
+                            <a:t>аргумента</a:t>
+                          </a:r>
+                        </a:p>
+                      </a:txBody>
+                      <a:tcPr marL="52855" marR="52855" marT="0" marB="0">
+                        <a:lnL w="12700" cap="flat" cmpd="sng" algn="ctr">
+                          <a:solidFill>
+                            <a:schemeClr val="tx1"/>
+                          </a:solidFill>
+                          <a:prstDash val="solid"/>
+                          <a:round/>
+                          <a:headEnd type="none" w="med" len="med"/>
+                          <a:tailEnd type="none" w="med" len="med"/>
+                        </a:lnL>
+                        <a:lnR w="12700" cap="flat" cmpd="sng" algn="ctr">
+                          <a:solidFill>
+                            <a:schemeClr val="tx1"/>
+                          </a:solidFill>
+                          <a:prstDash val="solid"/>
+                          <a:round/>
+                          <a:headEnd type="none" w="med" len="med"/>
+                          <a:tailEnd type="none" w="med" len="med"/>
+                        </a:lnR>
+                        <a:lnT w="12700" cap="flat" cmpd="sng" algn="ctr">
+                          <a:solidFill>
+                            <a:schemeClr val="tx1"/>
+                          </a:solidFill>
+                          <a:prstDash val="solid"/>
+                          <a:round/>
+                          <a:headEnd type="none" w="med" len="med"/>
+                          <a:tailEnd type="none" w="med" len="med"/>
+                        </a:lnT>
+                        <a:lnB w="12700" cap="flat" cmpd="sng" algn="ctr">
+                          <a:solidFill>
+                            <a:schemeClr val="tx1"/>
+                          </a:solidFill>
+                          <a:prstDash val="solid"/>
+                          <a:round/>
+                          <a:headEnd type="none" w="med" len="med"/>
+                          <a:tailEnd type="none" w="med" len="med"/>
+                        </a:lnB>
+                      </a:tcPr>
+                    </a:tc>
+                    <a:tc>
+                      <a:txBody>
+                        <a:bodyPr/>
+                        <a:lstStyle/>
+                        <a:p>
+                          <a:pPr algn="ctr">
+                            <a:lnSpc>
+                              <a:spcPct val="100000"/>
+                            </a:lnSpc>
+                            <a:spcAft>
+                              <a:spcPts val="0"/>
+                            </a:spcAft>
+                          </a:pPr>
+                          <a:r>
+                            <a:rPr lang="ru-RU" sz="1400" dirty="0">
+                              <a:latin typeface="+mn-lt"/>
+                              <a:ea typeface="Times New Roman"/>
+                              <a:cs typeface="Times New Roman"/>
+                            </a:rPr>
+                            <a:t>результата</a:t>
+                          </a:r>
+                        </a:p>
+                      </a:txBody>
+                      <a:tcPr marL="52855" marR="52855" marT="0" marB="0">
+                        <a:lnL w="12700" cap="flat" cmpd="sng" algn="ctr">
+                          <a:solidFill>
+                            <a:schemeClr val="tx1"/>
+                          </a:solidFill>
+                          <a:prstDash val="solid"/>
+                          <a:round/>
+                          <a:headEnd type="none" w="med" len="med"/>
+                          <a:tailEnd type="none" w="med" len="med"/>
+                        </a:lnL>
+                        <a:lnR w="12700" cap="flat" cmpd="sng" algn="ctr">
+                          <a:solidFill>
+                            <a:schemeClr val="tx1"/>
+                          </a:solidFill>
+                          <a:prstDash val="solid"/>
+                          <a:round/>
+                          <a:headEnd type="none" w="med" len="med"/>
+                          <a:tailEnd type="none" w="med" len="med"/>
+                        </a:lnR>
+                        <a:lnT w="12700" cap="flat" cmpd="sng" algn="ctr">
+                          <a:solidFill>
+                            <a:schemeClr val="tx1"/>
+                          </a:solidFill>
+                          <a:prstDash val="solid"/>
+                          <a:round/>
+                          <a:headEnd type="none" w="med" len="med"/>
+                          <a:tailEnd type="none" w="med" len="med"/>
+                        </a:lnT>
+                        <a:lnB w="12700" cap="flat" cmpd="sng" algn="ctr">
+                          <a:solidFill>
+                            <a:schemeClr val="tx1"/>
+                          </a:solidFill>
+                          <a:prstDash val="solid"/>
+                          <a:round/>
+                          <a:headEnd type="none" w="med" len="med"/>
+                          <a:tailEnd type="none" w="med" len="med"/>
+                        </a:lnB>
+                      </a:tcPr>
+                    </a:tc>
+                    <a:extLst>
+                      <a:ext uri="{0D108BD9-81ED-4DB2-BD59-A6C34878D82A}">
+                        <a16:rowId xmlns:a16="http://schemas.microsoft.com/office/drawing/2014/main" val="659465750"/>
+                      </a:ext>
+                    </a:extLst>
+                  </a:tr>
+                  <a:tr h="213360">
+                    <a:tc>
+                      <a:txBody>
+                        <a:bodyPr/>
+                        <a:lstStyle/>
+                        <a:p>
+                          <a:pPr algn="l">
+                            <a:lnSpc>
+                              <a:spcPct val="100000"/>
+                            </a:lnSpc>
+                            <a:spcAft>
+                              <a:spcPts val="0"/>
+                            </a:spcAft>
+                          </a:pPr>
+                          <a:r>
+                            <a:rPr lang="ru-RU" sz="1400" dirty="0" err="1">
+                              <a:latin typeface="Courier New" panose="02070309020205020404" pitchFamily="49" charset="0"/>
+                              <a:ea typeface="Times New Roman"/>
+                              <a:cs typeface="Courier New" panose="02070309020205020404" pitchFamily="49" charset="0"/>
+                            </a:rPr>
+                            <a:t>abs</a:t>
+                          </a:r>
+                          <a:r>
+                            <a:rPr lang="ru-RU" sz="1400" dirty="0">
+                              <a:latin typeface="Courier New" panose="02070309020205020404" pitchFamily="49" charset="0"/>
+                              <a:ea typeface="Times New Roman"/>
+                              <a:cs typeface="Courier New" panose="02070309020205020404" pitchFamily="49" charset="0"/>
+                            </a:rPr>
+                            <a:t>(x)</a:t>
+                          </a:r>
+                        </a:p>
+                      </a:txBody>
+                      <a:tcPr marL="52855" marR="52855" marT="0" marB="0" anchor="ctr">
+                        <a:lnL w="12700" cap="flat" cmpd="sng" algn="ctr">
+                          <a:solidFill>
+                            <a:schemeClr val="tx1"/>
+                          </a:solidFill>
+                          <a:prstDash val="solid"/>
+                          <a:round/>
+                          <a:headEnd type="none" w="med" len="med"/>
+                          <a:tailEnd type="none" w="med" len="med"/>
+                        </a:lnL>
+                        <a:lnR w="12700" cap="flat" cmpd="sng" algn="ctr">
+                          <a:solidFill>
+                            <a:schemeClr val="tx1"/>
+                          </a:solidFill>
+                          <a:prstDash val="solid"/>
+                          <a:round/>
+                          <a:headEnd type="none" w="med" len="med"/>
+                          <a:tailEnd type="none" w="med" len="med"/>
+                        </a:lnR>
+                        <a:lnT w="12700" cap="flat" cmpd="sng" algn="ctr">
+                          <a:solidFill>
+                            <a:schemeClr val="tx1"/>
+                          </a:solidFill>
+                          <a:prstDash val="solid"/>
+                          <a:round/>
+                          <a:headEnd type="none" w="med" len="med"/>
+                          <a:tailEnd type="none" w="med" len="med"/>
+                        </a:lnT>
+                        <a:lnB w="12700" cap="flat" cmpd="sng" algn="ctr">
+                          <a:solidFill>
+                            <a:schemeClr val="tx1"/>
+                          </a:solidFill>
+                          <a:prstDash val="solid"/>
+                          <a:round/>
+                          <a:headEnd type="none" w="med" len="med"/>
+                          <a:tailEnd type="none" w="med" len="med"/>
+                        </a:lnB>
+                      </a:tcPr>
+                    </a:tc>
+                    <a:tc>
+                      <a:txBody>
+                        <a:bodyPr/>
+                        <a:lstStyle/>
+                        <a:p>
+                          <a:pPr algn="ctr">
+                            <a:lnSpc>
+                              <a:spcPct val="100000"/>
+                            </a:lnSpc>
+                            <a:spcAft>
+                              <a:spcPts val="0"/>
+                            </a:spcAft>
+                          </a:pPr>
+                          <a:r>
+                            <a:rPr lang="ru-RU" sz="1400" dirty="0">
+                              <a:latin typeface="+mn-lt"/>
+                              <a:ea typeface="Times New Roman"/>
+                              <a:cs typeface="Times New Roman"/>
+                              <a:sym typeface="Symbol"/>
+                            </a:rPr>
+                            <a:t></a:t>
+                          </a:r>
+                          <a:r>
+                            <a:rPr lang="ru-RU" sz="1400" i="1" dirty="0" err="1">
+                              <a:latin typeface="+mn-lt"/>
+                              <a:ea typeface="Times New Roman"/>
+                              <a:cs typeface="Times New Roman"/>
+                            </a:rPr>
+                            <a:t>x</a:t>
+                          </a:r>
+                          <a:r>
+                            <a:rPr lang="ru-RU" sz="1400" dirty="0">
+                              <a:latin typeface="+mn-lt"/>
+                              <a:ea typeface="Times New Roman"/>
+                              <a:cs typeface="Times New Roman"/>
+                              <a:sym typeface="Symbol"/>
+                            </a:rPr>
+                            <a:t></a:t>
+                          </a:r>
+                          <a:endParaRPr lang="ru-RU" sz="1400" dirty="0">
+                            <a:latin typeface="+mn-lt"/>
+                            <a:ea typeface="Times New Roman"/>
+                            <a:cs typeface="Times New Roman"/>
+                          </a:endParaRPr>
+                        </a:p>
+                      </a:txBody>
+                      <a:tcPr marL="52855" marR="52855" marT="0" marB="0">
+                        <a:lnL w="12700" cap="flat" cmpd="sng" algn="ctr">
+                          <a:solidFill>
+                            <a:schemeClr val="tx1"/>
+                          </a:solidFill>
+                          <a:prstDash val="solid"/>
+                          <a:round/>
+                          <a:headEnd type="none" w="med" len="med"/>
+                          <a:tailEnd type="none" w="med" len="med"/>
+                        </a:lnL>
+                        <a:lnR w="12700" cap="flat" cmpd="sng" algn="ctr">
+                          <a:solidFill>
+                            <a:schemeClr val="tx1"/>
+                          </a:solidFill>
+                          <a:prstDash val="solid"/>
+                          <a:round/>
+                          <a:headEnd type="none" w="med" len="med"/>
+                          <a:tailEnd type="none" w="med" len="med"/>
+                        </a:lnR>
+                        <a:lnT w="12700" cap="flat" cmpd="sng" algn="ctr">
+                          <a:solidFill>
+                            <a:schemeClr val="tx1"/>
+                          </a:solidFill>
+                          <a:prstDash val="solid"/>
+                          <a:round/>
+                          <a:headEnd type="none" w="med" len="med"/>
+                          <a:tailEnd type="none" w="med" len="med"/>
+                        </a:lnT>
+                        <a:lnB w="12700" cap="flat" cmpd="sng" algn="ctr">
+                          <a:solidFill>
+                            <a:schemeClr val="tx1"/>
+                          </a:solidFill>
+                          <a:prstDash val="solid"/>
+                          <a:round/>
+                          <a:headEnd type="none" w="med" len="med"/>
+                          <a:tailEnd type="none" w="med" len="med"/>
+                        </a:lnB>
+                      </a:tcPr>
+                    </a:tc>
+                    <a:tc rowSpan="2" gridSpan="2">
+                      <a:txBody>
+                        <a:bodyPr/>
+                        <a:lstStyle/>
+                        <a:p>
+                          <a:pPr algn="ctr">
+                            <a:lnSpc>
+                              <a:spcPct val="100000"/>
+                            </a:lnSpc>
+                            <a:spcAft>
+                              <a:spcPts val="0"/>
+                            </a:spcAft>
+                          </a:pPr>
+                          <a:r>
+                            <a:rPr lang="ru-RU" sz="1400" dirty="0">
+                              <a:latin typeface="+mn-lt"/>
+                              <a:ea typeface="Times New Roman"/>
+                              <a:cs typeface="Times New Roman"/>
+                            </a:rPr>
+                            <a:t>вещественный или</a:t>
+                          </a:r>
+                          <a:r>
+                            <a:rPr lang="en-US" sz="1400" dirty="0">
+                              <a:latin typeface="+mn-lt"/>
+                              <a:ea typeface="Times New Roman"/>
+                              <a:cs typeface="Times New Roman"/>
+                            </a:rPr>
+                            <a:t> </a:t>
+                          </a:r>
+                          <a:r>
+                            <a:rPr lang="ru-RU" sz="1400" dirty="0">
+                              <a:latin typeface="+mn-lt"/>
+                              <a:ea typeface="Times New Roman"/>
+                              <a:cs typeface="Times New Roman"/>
+                            </a:rPr>
+                            <a:t>целый</a:t>
+                          </a:r>
+                        </a:p>
+                      </a:txBody>
+                      <a:tcPr marL="52855" marR="52855" marT="0" marB="0" anchor="ctr">
+                        <a:lnL w="12700" cap="flat" cmpd="sng" algn="ctr">
+                          <a:solidFill>
+                            <a:schemeClr val="tx1"/>
+                          </a:solidFill>
+                          <a:prstDash val="solid"/>
+                          <a:round/>
+                          <a:headEnd type="none" w="med" len="med"/>
+                          <a:tailEnd type="none" w="med" len="med"/>
+                        </a:lnL>
+                        <a:lnR w="12700" cap="flat" cmpd="sng" algn="ctr">
+                          <a:solidFill>
+                            <a:schemeClr val="tx1"/>
+                          </a:solidFill>
+                          <a:prstDash val="solid"/>
+                          <a:round/>
+                          <a:headEnd type="none" w="med" len="med"/>
+                          <a:tailEnd type="none" w="med" len="med"/>
+                        </a:lnR>
+                        <a:lnT w="12700" cap="flat" cmpd="sng" algn="ctr">
+                          <a:solidFill>
+                            <a:schemeClr val="tx1"/>
+                          </a:solidFill>
+                          <a:prstDash val="solid"/>
+                          <a:round/>
+                          <a:headEnd type="none" w="med" len="med"/>
+                          <a:tailEnd type="none" w="med" len="med"/>
+                        </a:lnT>
+                        <a:lnB w="12700" cap="flat" cmpd="sng" algn="ctr">
+                          <a:solidFill>
+                            <a:schemeClr val="tx1"/>
+                          </a:solidFill>
+                          <a:prstDash val="solid"/>
+                          <a:round/>
+                          <a:headEnd type="none" w="med" len="med"/>
+                          <a:tailEnd type="none" w="med" len="med"/>
+                        </a:lnB>
+                      </a:tcPr>
+                    </a:tc>
+                    <a:tc rowSpan="2" hMerge="1">
+                      <a:txBody>
+                        <a:bodyPr/>
+                        <a:lstStyle/>
+                        <a:p>
+                          <a:pPr algn="ctr">
+                            <a:lnSpc>
+                              <a:spcPct val="100000"/>
+                            </a:lnSpc>
+                            <a:spcAft>
+                              <a:spcPts val="0"/>
+                            </a:spcAft>
+                          </a:pPr>
+                          <a:endParaRPr lang="ru-RU" sz="1800">
+                            <a:latin typeface="+mn-lt"/>
+                            <a:ea typeface="Times New Roman"/>
+                            <a:cs typeface="Times New Roman"/>
+                          </a:endParaRPr>
+                        </a:p>
+                      </a:txBody>
+                      <a:tcPr marL="52855" marR="52855" marT="0" marB="0">
+                        <a:lnL w="12700" cap="flat" cmpd="sng" algn="ctr">
+                          <a:solidFill>
+                            <a:schemeClr val="tx1"/>
+                          </a:solidFill>
+                          <a:prstDash val="solid"/>
+                          <a:round/>
+                          <a:headEnd type="none" w="med" len="med"/>
+                          <a:tailEnd type="none" w="med" len="med"/>
+                        </a:lnL>
+                        <a:lnR w="12700" cap="flat" cmpd="sng" algn="ctr">
+                          <a:solidFill>
+                            <a:schemeClr val="tx1"/>
+                          </a:solidFill>
+                          <a:prstDash val="solid"/>
+                          <a:round/>
+                          <a:headEnd type="none" w="med" len="med"/>
+                          <a:tailEnd type="none" w="med" len="med"/>
+                        </a:lnR>
+                        <a:lnT w="12700" cap="flat" cmpd="sng" algn="ctr">
+                          <a:solidFill>
+                            <a:schemeClr val="tx1"/>
+                          </a:solidFill>
+                          <a:prstDash val="solid"/>
+                          <a:round/>
+                          <a:headEnd type="none" w="med" len="med"/>
+                          <a:tailEnd type="none" w="med" len="med"/>
+                        </a:lnT>
+                        <a:lnB w="12700" cap="flat" cmpd="sng" algn="ctr">
+                          <a:solidFill>
+                            <a:schemeClr val="tx1"/>
+                          </a:solidFill>
+                          <a:prstDash val="solid"/>
+                          <a:round/>
+                          <a:headEnd type="none" w="med" len="med"/>
+                          <a:tailEnd type="none" w="med" len="med"/>
+                        </a:lnB>
+                      </a:tcPr>
+                    </a:tc>
+                    <a:extLst>
+                      <a:ext uri="{0D108BD9-81ED-4DB2-BD59-A6C34878D82A}">
+                        <a16:rowId xmlns:a16="http://schemas.microsoft.com/office/drawing/2014/main" val="2733968529"/>
+                      </a:ext>
+                    </a:extLst>
+                  </a:tr>
+                  <a:tr h="213360">
+                    <a:tc>
+                      <a:txBody>
+                        <a:bodyPr/>
+                        <a:lstStyle/>
+                        <a:p>
+                          <a:pPr algn="l">
+                            <a:lnSpc>
+                              <a:spcPct val="100000"/>
+                            </a:lnSpc>
+                            <a:spcAft>
+                              <a:spcPts val="0"/>
+                            </a:spcAft>
+                          </a:pPr>
+                          <a:r>
+                            <a:rPr lang="ru-RU" sz="1400" dirty="0" err="1">
+                              <a:latin typeface="Courier New" panose="02070309020205020404" pitchFamily="49" charset="0"/>
+                              <a:ea typeface="Times New Roman"/>
+                              <a:cs typeface="Courier New" panose="02070309020205020404" pitchFamily="49" charset="0"/>
+                            </a:rPr>
+                            <a:t>sqr</a:t>
+                          </a:r>
+                          <a:r>
+                            <a:rPr lang="ru-RU" sz="1400" dirty="0">
+                              <a:latin typeface="Courier New" panose="02070309020205020404" pitchFamily="49" charset="0"/>
+                              <a:ea typeface="Times New Roman"/>
+                              <a:cs typeface="Courier New" panose="02070309020205020404" pitchFamily="49" charset="0"/>
+                            </a:rPr>
+                            <a:t>(x)</a:t>
+                          </a:r>
+                        </a:p>
+                      </a:txBody>
+                      <a:tcPr marL="52855" marR="52855" marT="0" marB="0" anchor="ctr">
+                        <a:lnL w="12700" cap="flat" cmpd="sng" algn="ctr">
+                          <a:solidFill>
+                            <a:schemeClr val="tx1"/>
+                          </a:solidFill>
+                          <a:prstDash val="solid"/>
+                          <a:round/>
+                          <a:headEnd type="none" w="med" len="med"/>
+                          <a:tailEnd type="none" w="med" len="med"/>
+                        </a:lnL>
+                        <a:lnR w="12700" cap="flat" cmpd="sng" algn="ctr">
+                          <a:solidFill>
+                            <a:schemeClr val="tx1"/>
+                          </a:solidFill>
+                          <a:prstDash val="solid"/>
+                          <a:round/>
+                          <a:headEnd type="none" w="med" len="med"/>
+                          <a:tailEnd type="none" w="med" len="med"/>
+                        </a:lnR>
+                        <a:lnT w="12700" cap="flat" cmpd="sng" algn="ctr">
+                          <a:solidFill>
+                            <a:schemeClr val="tx1"/>
+                          </a:solidFill>
+                          <a:prstDash val="solid"/>
+                          <a:round/>
+                          <a:headEnd type="none" w="med" len="med"/>
+                          <a:tailEnd type="none" w="med" len="med"/>
+                        </a:lnT>
+                        <a:lnB w="12700" cap="flat" cmpd="sng" algn="ctr">
+                          <a:solidFill>
+                            <a:schemeClr val="tx1"/>
+                          </a:solidFill>
+                          <a:prstDash val="solid"/>
+                          <a:round/>
+                          <a:headEnd type="none" w="med" len="med"/>
+                          <a:tailEnd type="none" w="med" len="med"/>
+                        </a:lnB>
+                      </a:tcPr>
+                    </a:tc>
+                    <a:tc>
+                      <a:txBody>
+                        <a:bodyPr/>
+                        <a:lstStyle/>
+                        <a:p>
+                          <a:pPr algn="ctr">
+                            <a:lnSpc>
+                              <a:spcPct val="100000"/>
+                            </a:lnSpc>
+                            <a:spcAft>
+                              <a:spcPts val="0"/>
+                            </a:spcAft>
+                          </a:pPr>
+                          <a:r>
+                            <a:rPr lang="ru-RU" sz="1400" i="1" dirty="0">
+                              <a:latin typeface="+mn-lt"/>
+                              <a:ea typeface="Times New Roman"/>
+                              <a:cs typeface="Times New Roman"/>
+                            </a:rPr>
+                            <a:t>x</a:t>
+                          </a:r>
+                          <a:r>
+                            <a:rPr lang="ru-RU" sz="1400" baseline="30000" dirty="0">
+                              <a:latin typeface="+mn-lt"/>
+                              <a:ea typeface="Times New Roman"/>
+                              <a:cs typeface="Times New Roman"/>
+                            </a:rPr>
+                            <a:t>2</a:t>
+                          </a:r>
+                          <a:endParaRPr lang="ru-RU" sz="1400" dirty="0">
+                            <a:latin typeface="+mn-lt"/>
+                            <a:ea typeface="Times New Roman"/>
+                            <a:cs typeface="Times New Roman"/>
+                          </a:endParaRPr>
+                        </a:p>
+                      </a:txBody>
+                      <a:tcPr marL="52855" marR="52855" marT="0" marB="0">
+                        <a:lnL w="12700" cap="flat" cmpd="sng" algn="ctr">
+                          <a:solidFill>
+                            <a:schemeClr val="tx1"/>
+                          </a:solidFill>
+                          <a:prstDash val="solid"/>
+                          <a:round/>
+                          <a:headEnd type="none" w="med" len="med"/>
+                          <a:tailEnd type="none" w="med" len="med"/>
+                        </a:lnL>
+                        <a:lnR w="12700" cap="flat" cmpd="sng" algn="ctr">
+                          <a:solidFill>
+                            <a:schemeClr val="tx1"/>
+                          </a:solidFill>
+                          <a:prstDash val="solid"/>
+                          <a:round/>
+                          <a:headEnd type="none" w="med" len="med"/>
+                          <a:tailEnd type="none" w="med" len="med"/>
+                        </a:lnR>
+                        <a:lnT w="12700" cap="flat" cmpd="sng" algn="ctr">
+                          <a:solidFill>
+                            <a:schemeClr val="tx1"/>
+                          </a:solidFill>
+                          <a:prstDash val="solid"/>
+                          <a:round/>
+                          <a:headEnd type="none" w="med" len="med"/>
+                          <a:tailEnd type="none" w="med" len="med"/>
+                        </a:lnT>
+                        <a:lnB w="12700" cap="flat" cmpd="sng" algn="ctr">
+                          <a:solidFill>
+                            <a:schemeClr val="tx1"/>
+                          </a:solidFill>
+                          <a:prstDash val="solid"/>
+                          <a:round/>
+                          <a:headEnd type="none" w="med" len="med"/>
+                          <a:tailEnd type="none" w="med" len="med"/>
+                        </a:lnB>
+                      </a:tcPr>
+                    </a:tc>
+                    <a:tc gridSpan="2" vMerge="1">
+                      <a:txBody>
+                        <a:bodyPr/>
+                        <a:lstStyle/>
+                        <a:p>
+                          <a:pPr algn="ctr">
+                            <a:lnSpc>
+                              <a:spcPct val="100000"/>
+                            </a:lnSpc>
+                            <a:spcAft>
+                              <a:spcPts val="0"/>
+                            </a:spcAft>
+                          </a:pPr>
+                          <a:endParaRPr lang="ru-RU" sz="1800" dirty="0">
+                            <a:latin typeface="+mn-lt"/>
+                            <a:ea typeface="Times New Roman"/>
+                            <a:cs typeface="Times New Roman"/>
+                          </a:endParaRPr>
+                        </a:p>
+                      </a:txBody>
+                      <a:tcPr marL="52855" marR="52855" marT="0" marB="0">
+                        <a:lnL w="12700" cap="flat" cmpd="sng" algn="ctr">
+                          <a:solidFill>
+                            <a:schemeClr val="tx1"/>
+                          </a:solidFill>
+                          <a:prstDash val="solid"/>
+                          <a:round/>
+                          <a:headEnd type="none" w="med" len="med"/>
+                          <a:tailEnd type="none" w="med" len="med"/>
+                        </a:lnL>
+                        <a:lnR w="12700" cap="flat" cmpd="sng" algn="ctr">
+                          <a:solidFill>
+                            <a:schemeClr val="tx1"/>
+                          </a:solidFill>
+                          <a:prstDash val="solid"/>
+                          <a:round/>
+                          <a:headEnd type="none" w="med" len="med"/>
+                          <a:tailEnd type="none" w="med" len="med"/>
+                        </a:lnR>
+                        <a:lnT w="12700" cap="flat" cmpd="sng" algn="ctr">
+                          <a:solidFill>
+                            <a:schemeClr val="tx1"/>
+                          </a:solidFill>
+                          <a:prstDash val="solid"/>
+                          <a:round/>
+                          <a:headEnd type="none" w="med" len="med"/>
+                          <a:tailEnd type="none" w="med" len="med"/>
+                        </a:lnT>
+                        <a:lnB w="12700" cap="flat" cmpd="sng" algn="ctr">
+                          <a:solidFill>
+                            <a:schemeClr val="tx1"/>
+                          </a:solidFill>
+                          <a:prstDash val="solid"/>
+                          <a:round/>
+                          <a:headEnd type="none" w="med" len="med"/>
+                          <a:tailEnd type="none" w="med" len="med"/>
+                        </a:lnB>
+                      </a:tcPr>
+                    </a:tc>
+                    <a:tc hMerge="1" vMerge="1">
+                      <a:txBody>
+                        <a:bodyPr/>
+                        <a:lstStyle/>
+                        <a:p>
+                          <a:pPr algn="ctr">
+                            <a:lnSpc>
+                              <a:spcPct val="100000"/>
+                            </a:lnSpc>
+                            <a:spcAft>
+                              <a:spcPts val="0"/>
+                            </a:spcAft>
+                          </a:pPr>
+                          <a:endParaRPr lang="ru-RU" sz="1800" dirty="0">
+                            <a:latin typeface="+mn-lt"/>
+                            <a:ea typeface="Times New Roman"/>
+                            <a:cs typeface="Times New Roman"/>
+                          </a:endParaRPr>
+                        </a:p>
+                      </a:txBody>
+                      <a:tcPr marL="52855" marR="52855" marT="0" marB="0">
+                        <a:lnL w="12700" cap="flat" cmpd="sng" algn="ctr">
+                          <a:solidFill>
+                            <a:schemeClr val="tx1"/>
+                          </a:solidFill>
+                          <a:prstDash val="solid"/>
+                          <a:round/>
+                          <a:headEnd type="none" w="med" len="med"/>
+                          <a:tailEnd type="none" w="med" len="med"/>
+                        </a:lnL>
+                        <a:lnR w="12700" cap="flat" cmpd="sng" algn="ctr">
+                          <a:solidFill>
+                            <a:schemeClr val="tx1"/>
+                          </a:solidFill>
+                          <a:prstDash val="solid"/>
+                          <a:round/>
+                          <a:headEnd type="none" w="med" len="med"/>
+                          <a:tailEnd type="none" w="med" len="med"/>
+                        </a:lnR>
+                        <a:lnT w="12700" cap="flat" cmpd="sng" algn="ctr">
+                          <a:solidFill>
+                            <a:schemeClr val="tx1"/>
+                          </a:solidFill>
+                          <a:prstDash val="solid"/>
+                          <a:round/>
+                          <a:headEnd type="none" w="med" len="med"/>
+                          <a:tailEnd type="none" w="med" len="med"/>
+                        </a:lnT>
+                        <a:lnB w="12700" cap="flat" cmpd="sng" algn="ctr">
+                          <a:solidFill>
+                            <a:schemeClr val="tx1"/>
+                          </a:solidFill>
+                          <a:prstDash val="solid"/>
+                          <a:round/>
+                          <a:headEnd type="none" w="med" len="med"/>
+                          <a:tailEnd type="none" w="med" len="med"/>
+                        </a:lnB>
+                      </a:tcPr>
+                    </a:tc>
+                    <a:extLst>
+                      <a:ext uri="{0D108BD9-81ED-4DB2-BD59-A6C34878D82A}">
+                        <a16:rowId xmlns:a16="http://schemas.microsoft.com/office/drawing/2014/main" val="1879267880"/>
+                      </a:ext>
+                    </a:extLst>
+                  </a:tr>
+                  <a:tr h="213360">
+                    <a:tc>
+                      <a:txBody>
+                        <a:bodyPr/>
+                        <a:lstStyle/>
+                        <a:p>
+                          <a:pPr algn="l">
+                            <a:lnSpc>
+                              <a:spcPct val="100000"/>
+                            </a:lnSpc>
+                            <a:spcAft>
+                              <a:spcPts val="0"/>
+                            </a:spcAft>
+                          </a:pPr>
+                          <a:r>
+                            <a:rPr lang="ru-RU" sz="1400" dirty="0" err="1">
+                              <a:latin typeface="Courier New" panose="02070309020205020404" pitchFamily="49" charset="0"/>
+                              <a:ea typeface="Times New Roman"/>
+                              <a:cs typeface="Courier New" panose="02070309020205020404" pitchFamily="49" charset="0"/>
+                            </a:rPr>
+                            <a:t>sin</a:t>
+                          </a:r>
+                          <a:r>
+                            <a:rPr lang="ru-RU" sz="1400" dirty="0">
+                              <a:latin typeface="Courier New" panose="02070309020205020404" pitchFamily="49" charset="0"/>
+                              <a:ea typeface="Times New Roman"/>
+                              <a:cs typeface="Courier New" panose="02070309020205020404" pitchFamily="49" charset="0"/>
+                            </a:rPr>
+                            <a:t>(x)</a:t>
+                          </a:r>
+                        </a:p>
+                      </a:txBody>
+                      <a:tcPr marL="52855" marR="52855" marT="0" marB="0" anchor="ctr">
+                        <a:lnL w="12700" cap="flat" cmpd="sng" algn="ctr">
+                          <a:solidFill>
+                            <a:schemeClr val="tx1"/>
+                          </a:solidFill>
+                          <a:prstDash val="solid"/>
+                          <a:round/>
+                          <a:headEnd type="none" w="med" len="med"/>
+                          <a:tailEnd type="none" w="med" len="med"/>
+                        </a:lnL>
+                        <a:lnR w="12700" cap="flat" cmpd="sng" algn="ctr">
+                          <a:solidFill>
+                            <a:schemeClr val="tx1"/>
+                          </a:solidFill>
+                          <a:prstDash val="solid"/>
+                          <a:round/>
+                          <a:headEnd type="none" w="med" len="med"/>
+                          <a:tailEnd type="none" w="med" len="med"/>
+                        </a:lnR>
+                        <a:lnT w="12700" cap="flat" cmpd="sng" algn="ctr">
+                          <a:solidFill>
+                            <a:schemeClr val="tx1"/>
+                          </a:solidFill>
+                          <a:prstDash val="solid"/>
+                          <a:round/>
+                          <a:headEnd type="none" w="med" len="med"/>
+                          <a:tailEnd type="none" w="med" len="med"/>
+                        </a:lnT>
+                        <a:lnB w="12700" cap="flat" cmpd="sng" algn="ctr">
+                          <a:solidFill>
+                            <a:schemeClr val="tx1"/>
+                          </a:solidFill>
+                          <a:prstDash val="solid"/>
+                          <a:round/>
+                          <a:headEnd type="none" w="med" len="med"/>
+                          <a:tailEnd type="none" w="med" len="med"/>
+                        </a:lnB>
+                      </a:tcPr>
+                    </a:tc>
+                    <a:tc>
+                      <a:txBody>
+                        <a:bodyPr/>
+                        <a:lstStyle/>
+                        <a:p>
+                          <a:pPr algn="ctr">
+                            <a:lnSpc>
+                              <a:spcPct val="100000"/>
+                            </a:lnSpc>
+                            <a:spcAft>
+                              <a:spcPts val="0"/>
+                            </a:spcAft>
+                          </a:pPr>
+                          <a:r>
+                            <a:rPr lang="ru-RU" sz="1400" dirty="0" err="1">
+                              <a:latin typeface="+mn-lt"/>
+                              <a:ea typeface="Times New Roman"/>
+                              <a:cs typeface="Times New Roman"/>
+                            </a:rPr>
+                            <a:t>sin</a:t>
+                          </a:r>
+                          <a:r>
+                            <a:rPr lang="ru-RU" sz="1400" dirty="0">
+                              <a:latin typeface="+mn-lt"/>
+                              <a:ea typeface="Times New Roman"/>
+                              <a:cs typeface="Times New Roman"/>
+                            </a:rPr>
+                            <a:t> </a:t>
+                          </a:r>
+                          <a:r>
+                            <a:rPr lang="ru-RU" sz="1400" i="1" dirty="0">
+                              <a:latin typeface="+mn-lt"/>
+                              <a:ea typeface="Times New Roman"/>
+                              <a:cs typeface="Times New Roman"/>
+                            </a:rPr>
+                            <a:t>x</a:t>
+                          </a:r>
+                          <a:endParaRPr lang="ru-RU" sz="1400" dirty="0">
+                            <a:latin typeface="+mn-lt"/>
+                            <a:ea typeface="Times New Roman"/>
+                            <a:cs typeface="Times New Roman"/>
+                          </a:endParaRPr>
+                        </a:p>
+                      </a:txBody>
+                      <a:tcPr marL="52855" marR="52855" marT="0" marB="0">
+                        <a:lnL w="12700" cap="flat" cmpd="sng" algn="ctr">
+                          <a:solidFill>
+                            <a:schemeClr val="tx1"/>
+                          </a:solidFill>
+                          <a:prstDash val="solid"/>
+                          <a:round/>
+                          <a:headEnd type="none" w="med" len="med"/>
+                          <a:tailEnd type="none" w="med" len="med"/>
+                        </a:lnL>
+                        <a:lnR w="12700" cap="flat" cmpd="sng" algn="ctr">
+                          <a:solidFill>
+                            <a:schemeClr val="tx1"/>
+                          </a:solidFill>
+                          <a:prstDash val="solid"/>
+                          <a:round/>
+                          <a:headEnd type="none" w="med" len="med"/>
+                          <a:tailEnd type="none" w="med" len="med"/>
+                        </a:lnR>
+                        <a:lnT w="12700" cap="flat" cmpd="sng" algn="ctr">
+                          <a:solidFill>
+                            <a:schemeClr val="tx1"/>
+                          </a:solidFill>
+                          <a:prstDash val="solid"/>
+                          <a:round/>
+                          <a:headEnd type="none" w="med" len="med"/>
+                          <a:tailEnd type="none" w="med" len="med"/>
+                        </a:lnT>
+                        <a:lnB w="12700" cap="flat" cmpd="sng" algn="ctr">
+                          <a:solidFill>
+                            <a:schemeClr val="tx1"/>
+                          </a:solidFill>
+                          <a:prstDash val="solid"/>
+                          <a:round/>
+                          <a:headEnd type="none" w="med" len="med"/>
+                          <a:tailEnd type="none" w="med" len="med"/>
+                        </a:lnB>
+                      </a:tcPr>
+                    </a:tc>
+                    <a:tc rowSpan="7">
+                      <a:txBody>
+                        <a:bodyPr/>
+                        <a:lstStyle/>
+                        <a:p>
+                          <a:pPr algn="ctr">
+                            <a:lnSpc>
+                              <a:spcPct val="100000"/>
+                            </a:lnSpc>
+                            <a:spcAft>
+                              <a:spcPts val="0"/>
+                            </a:spcAft>
+                          </a:pPr>
+                          <a:r>
+                            <a:rPr lang="ru-RU" sz="1400" dirty="0">
+                              <a:latin typeface="+mn-lt"/>
+                              <a:ea typeface="Times New Roman"/>
+                              <a:cs typeface="Times New Roman"/>
+                            </a:rPr>
+                            <a:t>вещественный или</a:t>
+                          </a:r>
+                          <a:r>
+                            <a:rPr lang="en-US" sz="1400" dirty="0">
+                              <a:latin typeface="+mn-lt"/>
+                              <a:ea typeface="Times New Roman"/>
+                              <a:cs typeface="Times New Roman"/>
+                            </a:rPr>
+                            <a:t> </a:t>
+                          </a:r>
+                          <a:r>
+                            <a:rPr lang="ru-RU" sz="1400" dirty="0">
+                              <a:latin typeface="+mn-lt"/>
+                              <a:ea typeface="Times New Roman"/>
+                              <a:cs typeface="Times New Roman"/>
+                            </a:rPr>
+                            <a:t>целый</a:t>
+                          </a:r>
+                        </a:p>
+                      </a:txBody>
+                      <a:tcPr marL="52855" marR="52855" marT="0" marB="0" anchor="ctr">
+                        <a:lnL w="12700" cap="flat" cmpd="sng" algn="ctr">
+                          <a:solidFill>
+                            <a:schemeClr val="tx1"/>
+                          </a:solidFill>
+                          <a:prstDash val="solid"/>
+                          <a:round/>
+                          <a:headEnd type="none" w="med" len="med"/>
+                          <a:tailEnd type="none" w="med" len="med"/>
+                        </a:lnL>
+                        <a:lnR w="12700" cap="flat" cmpd="sng" algn="ctr">
+                          <a:solidFill>
+                            <a:schemeClr val="tx1"/>
+                          </a:solidFill>
+                          <a:prstDash val="solid"/>
+                          <a:round/>
+                          <a:headEnd type="none" w="med" len="med"/>
+                          <a:tailEnd type="none" w="med" len="med"/>
+                        </a:lnR>
+                        <a:lnT w="12700" cap="flat" cmpd="sng" algn="ctr">
+                          <a:solidFill>
+                            <a:schemeClr val="tx1"/>
+                          </a:solidFill>
+                          <a:prstDash val="solid"/>
+                          <a:round/>
+                          <a:headEnd type="none" w="med" len="med"/>
+                          <a:tailEnd type="none" w="med" len="med"/>
+                        </a:lnT>
+                        <a:lnB w="12700" cap="flat" cmpd="sng" algn="ctr">
+                          <a:solidFill>
+                            <a:schemeClr val="tx1"/>
+                          </a:solidFill>
+                          <a:prstDash val="solid"/>
+                          <a:round/>
+                          <a:headEnd type="none" w="med" len="med"/>
+                          <a:tailEnd type="none" w="med" len="med"/>
+                        </a:lnB>
+                      </a:tcPr>
+                    </a:tc>
+                    <a:tc rowSpan="7">
+                      <a:txBody>
+                        <a:bodyPr/>
+                        <a:lstStyle/>
+                        <a:p>
+                          <a:pPr algn="ctr">
+                            <a:lnSpc>
+                              <a:spcPct val="100000"/>
+                            </a:lnSpc>
+                            <a:spcAft>
+                              <a:spcPts val="0"/>
+                            </a:spcAft>
+                          </a:pPr>
+                          <a:r>
+                            <a:rPr lang="ru-RU" sz="1400" dirty="0">
+                              <a:latin typeface="+mn-lt"/>
+                              <a:ea typeface="Times New Roman"/>
+                              <a:cs typeface="Times New Roman"/>
+                            </a:rPr>
+                            <a:t>вещественный </a:t>
+                          </a:r>
+                        </a:p>
+                      </a:txBody>
+                      <a:tcPr marL="52855" marR="52855" marT="0" marB="0" anchor="ctr">
+                        <a:lnL w="12700" cap="flat" cmpd="sng" algn="ctr">
+                          <a:solidFill>
+                            <a:schemeClr val="tx1"/>
+                          </a:solidFill>
+                          <a:prstDash val="solid"/>
+                          <a:round/>
+                          <a:headEnd type="none" w="med" len="med"/>
+                          <a:tailEnd type="none" w="med" len="med"/>
+                        </a:lnL>
+                        <a:lnR w="12700" cap="flat" cmpd="sng" algn="ctr">
+                          <a:solidFill>
+                            <a:schemeClr val="tx1"/>
+                          </a:solidFill>
+                          <a:prstDash val="solid"/>
+                          <a:round/>
+                          <a:headEnd type="none" w="med" len="med"/>
+                          <a:tailEnd type="none" w="med" len="med"/>
+                        </a:lnR>
+                        <a:lnT w="12700" cap="flat" cmpd="sng" algn="ctr">
+                          <a:solidFill>
+                            <a:schemeClr val="tx1"/>
+                          </a:solidFill>
+                          <a:prstDash val="solid"/>
+                          <a:round/>
+                          <a:headEnd type="none" w="med" len="med"/>
+                          <a:tailEnd type="none" w="med" len="med"/>
+                        </a:lnT>
+                        <a:lnB w="12700" cap="flat" cmpd="sng" algn="ctr">
+                          <a:solidFill>
+                            <a:schemeClr val="tx1"/>
+                          </a:solidFill>
+                          <a:prstDash val="solid"/>
+                          <a:round/>
+                          <a:headEnd type="none" w="med" len="med"/>
+                          <a:tailEnd type="none" w="med" len="med"/>
+                        </a:lnB>
+                      </a:tcPr>
+                    </a:tc>
+                    <a:extLst>
+                      <a:ext uri="{0D108BD9-81ED-4DB2-BD59-A6C34878D82A}">
+                        <a16:rowId xmlns:a16="http://schemas.microsoft.com/office/drawing/2014/main" val="1521564475"/>
+                      </a:ext>
+                    </a:extLst>
+                  </a:tr>
+                  <a:tr h="213360">
+                    <a:tc>
+                      <a:txBody>
+                        <a:bodyPr/>
+                        <a:lstStyle/>
+                        <a:p>
+                          <a:pPr algn="l">
+                            <a:lnSpc>
+                              <a:spcPct val="100000"/>
+                            </a:lnSpc>
+                            <a:spcAft>
+                              <a:spcPts val="0"/>
+                            </a:spcAft>
+                          </a:pPr>
+                          <a:r>
+                            <a:rPr lang="ru-RU" sz="1400" dirty="0" err="1">
+                              <a:latin typeface="Courier New" panose="02070309020205020404" pitchFamily="49" charset="0"/>
+                              <a:ea typeface="Times New Roman"/>
+                              <a:cs typeface="Courier New" panose="02070309020205020404" pitchFamily="49" charset="0"/>
+                            </a:rPr>
+                            <a:t>cos</a:t>
+                          </a:r>
+                          <a:r>
+                            <a:rPr lang="ru-RU" sz="1400" dirty="0">
+                              <a:latin typeface="Courier New" panose="02070309020205020404" pitchFamily="49" charset="0"/>
+                              <a:ea typeface="Times New Roman"/>
+                              <a:cs typeface="Courier New" panose="02070309020205020404" pitchFamily="49" charset="0"/>
+                            </a:rPr>
+                            <a:t>(x)</a:t>
+                          </a:r>
+                        </a:p>
+                      </a:txBody>
+                      <a:tcPr marL="52855" marR="52855" marT="0" marB="0" anchor="ctr">
+                        <a:lnL w="12700" cap="flat" cmpd="sng" algn="ctr">
+                          <a:solidFill>
+                            <a:schemeClr val="tx1"/>
+                          </a:solidFill>
+                          <a:prstDash val="solid"/>
+                          <a:round/>
+                          <a:headEnd type="none" w="med" len="med"/>
+                          <a:tailEnd type="none" w="med" len="med"/>
+                        </a:lnL>
+                        <a:lnR w="12700" cap="flat" cmpd="sng" algn="ctr">
+                          <a:solidFill>
+                            <a:schemeClr val="tx1"/>
+                          </a:solidFill>
+                          <a:prstDash val="solid"/>
+                          <a:round/>
+                          <a:headEnd type="none" w="med" len="med"/>
+                          <a:tailEnd type="none" w="med" len="med"/>
+                        </a:lnR>
+                        <a:lnT w="12700" cap="flat" cmpd="sng" algn="ctr">
+                          <a:solidFill>
+                            <a:schemeClr val="tx1"/>
+                          </a:solidFill>
+                          <a:prstDash val="solid"/>
+                          <a:round/>
+                          <a:headEnd type="none" w="med" len="med"/>
+                          <a:tailEnd type="none" w="med" len="med"/>
+                        </a:lnT>
+                        <a:lnB w="12700" cap="flat" cmpd="sng" algn="ctr">
+                          <a:solidFill>
+                            <a:schemeClr val="tx1"/>
+                          </a:solidFill>
+                          <a:prstDash val="solid"/>
+                          <a:round/>
+                          <a:headEnd type="none" w="med" len="med"/>
+                          <a:tailEnd type="none" w="med" len="med"/>
+                        </a:lnB>
+                      </a:tcPr>
+                    </a:tc>
+                    <a:tc>
+                      <a:txBody>
+                        <a:bodyPr/>
+                        <a:lstStyle/>
+                        <a:p>
+                          <a:pPr algn="ctr">
+                            <a:lnSpc>
+                              <a:spcPct val="100000"/>
+                            </a:lnSpc>
+                            <a:spcAft>
+                              <a:spcPts val="0"/>
+                            </a:spcAft>
+                          </a:pPr>
+                          <a:r>
+                            <a:rPr lang="ru-RU" sz="1400" dirty="0" err="1">
+                              <a:latin typeface="+mn-lt"/>
+                              <a:ea typeface="Times New Roman"/>
+                              <a:cs typeface="Times New Roman"/>
+                            </a:rPr>
+                            <a:t>cos</a:t>
+                          </a:r>
+                          <a:r>
+                            <a:rPr lang="ru-RU" sz="1400" dirty="0">
+                              <a:latin typeface="+mn-lt"/>
+                              <a:ea typeface="Times New Roman"/>
+                              <a:cs typeface="Times New Roman"/>
+                            </a:rPr>
+                            <a:t> </a:t>
+                          </a:r>
+                          <a:r>
+                            <a:rPr lang="ru-RU" sz="1400" i="1" dirty="0">
+                              <a:latin typeface="+mn-lt"/>
+                              <a:ea typeface="Times New Roman"/>
+                              <a:cs typeface="Times New Roman"/>
+                            </a:rPr>
+                            <a:t>x</a:t>
+                          </a:r>
+                          <a:endParaRPr lang="ru-RU" sz="1400" dirty="0">
+                            <a:latin typeface="+mn-lt"/>
+                            <a:ea typeface="Times New Roman"/>
+                            <a:cs typeface="Times New Roman"/>
+                          </a:endParaRPr>
+                        </a:p>
+                      </a:txBody>
+                      <a:tcPr marL="52855" marR="52855" marT="0" marB="0">
+                        <a:lnL w="12700" cap="flat" cmpd="sng" algn="ctr">
+                          <a:solidFill>
+                            <a:schemeClr val="tx1"/>
+                          </a:solidFill>
+                          <a:prstDash val="solid"/>
+                          <a:round/>
+                          <a:headEnd type="none" w="med" len="med"/>
+                          <a:tailEnd type="none" w="med" len="med"/>
+                        </a:lnL>
+                        <a:lnR w="12700" cap="flat" cmpd="sng" algn="ctr">
+                          <a:solidFill>
+                            <a:schemeClr val="tx1"/>
+                          </a:solidFill>
+                          <a:prstDash val="solid"/>
+                          <a:round/>
+                          <a:headEnd type="none" w="med" len="med"/>
+                          <a:tailEnd type="none" w="med" len="med"/>
+                        </a:lnR>
+                        <a:lnT w="12700" cap="flat" cmpd="sng" algn="ctr">
+                          <a:solidFill>
+                            <a:schemeClr val="tx1"/>
+                          </a:solidFill>
+                          <a:prstDash val="solid"/>
+                          <a:round/>
+                          <a:headEnd type="none" w="med" len="med"/>
+                          <a:tailEnd type="none" w="med" len="med"/>
+                        </a:lnT>
+                        <a:lnB w="12700" cap="flat" cmpd="sng" algn="ctr">
+                          <a:solidFill>
+                            <a:schemeClr val="tx1"/>
+                          </a:solidFill>
+                          <a:prstDash val="solid"/>
+                          <a:round/>
+                          <a:headEnd type="none" w="med" len="med"/>
+                          <a:tailEnd type="none" w="med" len="med"/>
+                        </a:lnB>
+                      </a:tcPr>
+                    </a:tc>
+                    <a:tc vMerge="1">
+                      <a:txBody>
+                        <a:bodyPr/>
+                        <a:lstStyle/>
+                        <a:p>
+                          <a:pPr algn="ctr">
+                            <a:lnSpc>
+                              <a:spcPct val="100000"/>
+                            </a:lnSpc>
+                            <a:spcAft>
+                              <a:spcPts val="0"/>
+                            </a:spcAft>
+                          </a:pPr>
+                          <a:endParaRPr lang="ru-RU" sz="1800" dirty="0">
+                            <a:latin typeface="+mn-lt"/>
+                            <a:ea typeface="Times New Roman"/>
+                            <a:cs typeface="Times New Roman"/>
+                          </a:endParaRPr>
+                        </a:p>
+                      </a:txBody>
+                      <a:tcPr marL="52855" marR="52855" marT="0" marB="0">
+                        <a:lnL w="12700" cap="flat" cmpd="sng" algn="ctr">
+                          <a:solidFill>
+                            <a:schemeClr val="tx1"/>
+                          </a:solidFill>
+                          <a:prstDash val="solid"/>
+                          <a:round/>
+                          <a:headEnd type="none" w="med" len="med"/>
+                          <a:tailEnd type="none" w="med" len="med"/>
+                        </a:lnL>
+                        <a:lnR w="12700" cap="flat" cmpd="sng" algn="ctr">
+                          <a:solidFill>
+                            <a:schemeClr val="tx1"/>
+                          </a:solidFill>
+                          <a:prstDash val="solid"/>
+                          <a:round/>
+                          <a:headEnd type="none" w="med" len="med"/>
+                          <a:tailEnd type="none" w="med" len="med"/>
+                        </a:lnR>
+                        <a:lnT w="12700" cap="flat" cmpd="sng" algn="ctr">
+                          <a:solidFill>
+                            <a:schemeClr val="tx1"/>
+                          </a:solidFill>
+                          <a:prstDash val="solid"/>
+                          <a:round/>
+                          <a:headEnd type="none" w="med" len="med"/>
+                          <a:tailEnd type="none" w="med" len="med"/>
+                        </a:lnT>
+                        <a:lnB w="12700" cap="flat" cmpd="sng" algn="ctr">
+                          <a:solidFill>
+                            <a:schemeClr val="tx1"/>
+                          </a:solidFill>
+                          <a:prstDash val="solid"/>
+                          <a:round/>
+                          <a:headEnd type="none" w="med" len="med"/>
+                          <a:tailEnd type="none" w="med" len="med"/>
+                        </a:lnB>
+                      </a:tcPr>
+                    </a:tc>
+                    <a:tc vMerge="1">
+                      <a:txBody>
+                        <a:bodyPr/>
+                        <a:lstStyle/>
+                        <a:p>
+                          <a:pPr algn="ctr">
+                            <a:lnSpc>
+                              <a:spcPct val="100000"/>
+                            </a:lnSpc>
+                            <a:spcAft>
+                              <a:spcPts val="0"/>
+                            </a:spcAft>
+                          </a:pPr>
+                          <a:endParaRPr lang="ru-RU" sz="1800" dirty="0">
+                            <a:latin typeface="+mn-lt"/>
+                            <a:ea typeface="Times New Roman"/>
+                            <a:cs typeface="Times New Roman"/>
+                          </a:endParaRPr>
+                        </a:p>
+                      </a:txBody>
+                      <a:tcPr marL="52855" marR="52855" marT="0" marB="0">
+                        <a:lnL w="12700" cap="flat" cmpd="sng" algn="ctr">
+                          <a:solidFill>
+                            <a:schemeClr val="tx1"/>
+                          </a:solidFill>
+                          <a:prstDash val="solid"/>
+                          <a:round/>
+                          <a:headEnd type="none" w="med" len="med"/>
+                          <a:tailEnd type="none" w="med" len="med"/>
+                        </a:lnL>
+                        <a:lnR w="12700" cap="flat" cmpd="sng" algn="ctr">
+                          <a:solidFill>
+                            <a:schemeClr val="tx1"/>
+                          </a:solidFill>
+                          <a:prstDash val="solid"/>
+                          <a:round/>
+                          <a:headEnd type="none" w="med" len="med"/>
+                          <a:tailEnd type="none" w="med" len="med"/>
+                        </a:lnR>
+                        <a:lnT w="12700" cap="flat" cmpd="sng" algn="ctr">
+                          <a:solidFill>
+                            <a:schemeClr val="tx1"/>
+                          </a:solidFill>
+                          <a:prstDash val="solid"/>
+                          <a:round/>
+                          <a:headEnd type="none" w="med" len="med"/>
+                          <a:tailEnd type="none" w="med" len="med"/>
+                        </a:lnT>
+                        <a:lnB w="12700" cap="flat" cmpd="sng" algn="ctr">
+                          <a:solidFill>
+                            <a:schemeClr val="tx1"/>
+                          </a:solidFill>
+                          <a:prstDash val="solid"/>
+                          <a:round/>
+                          <a:headEnd type="none" w="med" len="med"/>
+                          <a:tailEnd type="none" w="med" len="med"/>
+                        </a:lnB>
+                      </a:tcPr>
+                    </a:tc>
+                    <a:extLst>
+                      <a:ext uri="{0D108BD9-81ED-4DB2-BD59-A6C34878D82A}">
+                        <a16:rowId xmlns:a16="http://schemas.microsoft.com/office/drawing/2014/main" val="3624769566"/>
+                      </a:ext>
+                    </a:extLst>
+                  </a:tr>
+                  <a:tr h="213360">
+                    <a:tc>
+                      <a:txBody>
+                        <a:bodyPr/>
+                        <a:lstStyle/>
+                        <a:p>
+                          <a:pPr algn="l">
+                            <a:lnSpc>
+                              <a:spcPct val="100000"/>
+                            </a:lnSpc>
+                            <a:spcAft>
+                              <a:spcPts val="0"/>
+                            </a:spcAft>
+                          </a:pPr>
+                          <a:r>
+                            <a:rPr lang="ru-RU" sz="1400" dirty="0" err="1">
+                              <a:latin typeface="Courier New" panose="02070309020205020404" pitchFamily="49" charset="0"/>
+                              <a:ea typeface="Times New Roman"/>
+                              <a:cs typeface="Courier New" panose="02070309020205020404" pitchFamily="49" charset="0"/>
+                            </a:rPr>
+                            <a:t>exp</a:t>
+                          </a:r>
+                          <a:r>
+                            <a:rPr lang="ru-RU" sz="1400" dirty="0">
+                              <a:latin typeface="Courier New" panose="02070309020205020404" pitchFamily="49" charset="0"/>
+                              <a:ea typeface="Times New Roman"/>
+                              <a:cs typeface="Courier New" panose="02070309020205020404" pitchFamily="49" charset="0"/>
+                            </a:rPr>
+                            <a:t>(x)</a:t>
+                          </a:r>
+                        </a:p>
+                      </a:txBody>
+                      <a:tcPr marL="52855" marR="52855" marT="0" marB="0" anchor="ctr">
+                        <a:lnL w="12700" cap="flat" cmpd="sng" algn="ctr">
+                          <a:solidFill>
+                            <a:schemeClr val="tx1"/>
+                          </a:solidFill>
+                          <a:prstDash val="solid"/>
+                          <a:round/>
+                          <a:headEnd type="none" w="med" len="med"/>
+                          <a:tailEnd type="none" w="med" len="med"/>
+                        </a:lnL>
+                        <a:lnR w="12700" cap="flat" cmpd="sng" algn="ctr">
+                          <a:solidFill>
+                            <a:schemeClr val="tx1"/>
+                          </a:solidFill>
+                          <a:prstDash val="solid"/>
+                          <a:round/>
+                          <a:headEnd type="none" w="med" len="med"/>
+                          <a:tailEnd type="none" w="med" len="med"/>
+                        </a:lnR>
+                        <a:lnT w="12700" cap="flat" cmpd="sng" algn="ctr">
+                          <a:solidFill>
+                            <a:schemeClr val="tx1"/>
+                          </a:solidFill>
+                          <a:prstDash val="solid"/>
+                          <a:round/>
+                          <a:headEnd type="none" w="med" len="med"/>
+                          <a:tailEnd type="none" w="med" len="med"/>
+                        </a:lnT>
+                        <a:lnB w="12700" cap="flat" cmpd="sng" algn="ctr">
+                          <a:solidFill>
+                            <a:schemeClr val="tx1"/>
+                          </a:solidFill>
+                          <a:prstDash val="solid"/>
+                          <a:round/>
+                          <a:headEnd type="none" w="med" len="med"/>
+                          <a:tailEnd type="none" w="med" len="med"/>
+                        </a:lnB>
+                      </a:tcPr>
+                    </a:tc>
+                    <a:tc>
+                      <a:txBody>
+                        <a:bodyPr/>
+                        <a:lstStyle/>
+                        <a:p>
+                          <a:pPr algn="ctr">
+                            <a:lnSpc>
+                              <a:spcPct val="100000"/>
+                            </a:lnSpc>
+                            <a:spcAft>
+                              <a:spcPts val="0"/>
+                            </a:spcAft>
+                          </a:pPr>
+                          <a:r>
+                            <a:rPr lang="ru-RU" sz="1400" dirty="0" err="1">
+                              <a:latin typeface="+mn-lt"/>
+                              <a:ea typeface="Times New Roman"/>
+                              <a:cs typeface="Times New Roman"/>
+                            </a:rPr>
+                            <a:t>e</a:t>
+                          </a:r>
+                          <a:r>
+                            <a:rPr lang="ru-RU" sz="1400" i="1" baseline="30000" dirty="0" err="1">
+                              <a:latin typeface="+mn-lt"/>
+                              <a:ea typeface="Times New Roman"/>
+                              <a:cs typeface="Times New Roman"/>
+                            </a:rPr>
+                            <a:t>x</a:t>
+                          </a:r>
+                          <a:endParaRPr lang="ru-RU" sz="1400" dirty="0">
+                            <a:latin typeface="+mn-lt"/>
+                            <a:ea typeface="Times New Roman"/>
+                            <a:cs typeface="Times New Roman"/>
+                          </a:endParaRPr>
+                        </a:p>
+                      </a:txBody>
+                      <a:tcPr marL="52855" marR="52855" marT="0" marB="0">
+                        <a:lnL w="12700" cap="flat" cmpd="sng" algn="ctr">
+                          <a:solidFill>
+                            <a:schemeClr val="tx1"/>
+                          </a:solidFill>
+                          <a:prstDash val="solid"/>
+                          <a:round/>
+                          <a:headEnd type="none" w="med" len="med"/>
+                          <a:tailEnd type="none" w="med" len="med"/>
+                        </a:lnL>
+                        <a:lnR w="12700" cap="flat" cmpd="sng" algn="ctr">
+                          <a:solidFill>
+                            <a:schemeClr val="tx1"/>
+                          </a:solidFill>
+                          <a:prstDash val="solid"/>
+                          <a:round/>
+                          <a:headEnd type="none" w="med" len="med"/>
+                          <a:tailEnd type="none" w="med" len="med"/>
+                        </a:lnR>
+                        <a:lnT w="12700" cap="flat" cmpd="sng" algn="ctr">
+                          <a:solidFill>
+                            <a:schemeClr val="tx1"/>
+                          </a:solidFill>
+                          <a:prstDash val="solid"/>
+                          <a:round/>
+                          <a:headEnd type="none" w="med" len="med"/>
+                          <a:tailEnd type="none" w="med" len="med"/>
+                        </a:lnT>
+                        <a:lnB w="12700" cap="flat" cmpd="sng" algn="ctr">
+                          <a:solidFill>
+                            <a:schemeClr val="tx1"/>
+                          </a:solidFill>
+                          <a:prstDash val="solid"/>
+                          <a:round/>
+                          <a:headEnd type="none" w="med" len="med"/>
+                          <a:tailEnd type="none" w="med" len="med"/>
+                        </a:lnB>
+                      </a:tcPr>
+                    </a:tc>
+                    <a:tc vMerge="1">
+                      <a:txBody>
+                        <a:bodyPr/>
+                        <a:lstStyle/>
+                        <a:p>
+                          <a:pPr algn="ctr">
+                            <a:lnSpc>
+                              <a:spcPct val="100000"/>
+                            </a:lnSpc>
+                            <a:spcAft>
+                              <a:spcPts val="0"/>
+                            </a:spcAft>
+                          </a:pPr>
+                          <a:endParaRPr lang="ru-RU" sz="1800" dirty="0">
+                            <a:latin typeface="+mn-lt"/>
+                            <a:ea typeface="Times New Roman"/>
+                            <a:cs typeface="Times New Roman"/>
+                          </a:endParaRPr>
+                        </a:p>
+                      </a:txBody>
+                      <a:tcPr marL="52855" marR="52855" marT="0" marB="0">
+                        <a:lnL w="12700" cap="flat" cmpd="sng" algn="ctr">
+                          <a:solidFill>
+                            <a:schemeClr val="tx1"/>
+                          </a:solidFill>
+                          <a:prstDash val="solid"/>
+                          <a:round/>
+                          <a:headEnd type="none" w="med" len="med"/>
+                          <a:tailEnd type="none" w="med" len="med"/>
+                        </a:lnL>
+                        <a:lnR w="12700" cap="flat" cmpd="sng" algn="ctr">
+                          <a:solidFill>
+                            <a:schemeClr val="tx1"/>
+                          </a:solidFill>
+                          <a:prstDash val="solid"/>
+                          <a:round/>
+                          <a:headEnd type="none" w="med" len="med"/>
+                          <a:tailEnd type="none" w="med" len="med"/>
+                        </a:lnR>
+                        <a:lnT w="12700" cap="flat" cmpd="sng" algn="ctr">
+                          <a:solidFill>
+                            <a:schemeClr val="tx1"/>
+                          </a:solidFill>
+                          <a:prstDash val="solid"/>
+                          <a:round/>
+                          <a:headEnd type="none" w="med" len="med"/>
+                          <a:tailEnd type="none" w="med" len="med"/>
+                        </a:lnT>
+                        <a:lnB w="12700" cap="flat" cmpd="sng" algn="ctr">
+                          <a:solidFill>
+                            <a:schemeClr val="tx1"/>
+                          </a:solidFill>
+                          <a:prstDash val="solid"/>
+                          <a:round/>
+                          <a:headEnd type="none" w="med" len="med"/>
+                          <a:tailEnd type="none" w="med" len="med"/>
+                        </a:lnB>
+                      </a:tcPr>
+                    </a:tc>
+                    <a:tc vMerge="1">
+                      <a:txBody>
+                        <a:bodyPr/>
+                        <a:lstStyle/>
+                        <a:p>
+                          <a:pPr algn="ctr">
+                            <a:lnSpc>
+                              <a:spcPct val="100000"/>
+                            </a:lnSpc>
+                            <a:spcAft>
+                              <a:spcPts val="0"/>
+                            </a:spcAft>
+                          </a:pPr>
+                          <a:endParaRPr lang="ru-RU" sz="1800" dirty="0">
+                            <a:latin typeface="+mn-lt"/>
+                            <a:ea typeface="Times New Roman"/>
+                            <a:cs typeface="Times New Roman"/>
+                          </a:endParaRPr>
+                        </a:p>
+                      </a:txBody>
+                      <a:tcPr marL="52855" marR="52855" marT="0" marB="0">
+                        <a:lnL w="12700" cap="flat" cmpd="sng" algn="ctr">
+                          <a:solidFill>
+                            <a:schemeClr val="tx1"/>
+                          </a:solidFill>
+                          <a:prstDash val="solid"/>
+                          <a:round/>
+                          <a:headEnd type="none" w="med" len="med"/>
+                          <a:tailEnd type="none" w="med" len="med"/>
+                        </a:lnL>
+                        <a:lnR w="12700" cap="flat" cmpd="sng" algn="ctr">
+                          <a:solidFill>
+                            <a:schemeClr val="tx1"/>
+                          </a:solidFill>
+                          <a:prstDash val="solid"/>
+                          <a:round/>
+                          <a:headEnd type="none" w="med" len="med"/>
+                          <a:tailEnd type="none" w="med" len="med"/>
+                        </a:lnR>
+                        <a:lnT w="12700" cap="flat" cmpd="sng" algn="ctr">
+                          <a:solidFill>
+                            <a:schemeClr val="tx1"/>
+                          </a:solidFill>
+                          <a:prstDash val="solid"/>
+                          <a:round/>
+                          <a:headEnd type="none" w="med" len="med"/>
+                          <a:tailEnd type="none" w="med" len="med"/>
+                        </a:lnT>
+                        <a:lnB w="12700" cap="flat" cmpd="sng" algn="ctr">
+                          <a:solidFill>
+                            <a:schemeClr val="tx1"/>
+                          </a:solidFill>
+                          <a:prstDash val="solid"/>
+                          <a:round/>
+                          <a:headEnd type="none" w="med" len="med"/>
+                          <a:tailEnd type="none" w="med" len="med"/>
+                        </a:lnB>
+                      </a:tcPr>
+                    </a:tc>
+                    <a:extLst>
+                      <a:ext uri="{0D108BD9-81ED-4DB2-BD59-A6C34878D82A}">
+                        <a16:rowId xmlns:a16="http://schemas.microsoft.com/office/drawing/2014/main" val="4008938476"/>
+                      </a:ext>
+                    </a:extLst>
+                  </a:tr>
+                  <a:tr h="213360">
+                    <a:tc>
+                      <a:txBody>
+                        <a:bodyPr/>
+                        <a:lstStyle/>
+                        <a:p>
+                          <a:pPr algn="l">
+                            <a:lnSpc>
+                              <a:spcPct val="100000"/>
+                            </a:lnSpc>
+                            <a:spcAft>
+                              <a:spcPts val="0"/>
+                            </a:spcAft>
+                          </a:pPr>
+                          <a:r>
+                            <a:rPr lang="ru-RU" sz="1400" dirty="0" err="1">
+                              <a:latin typeface="Courier New" panose="02070309020205020404" pitchFamily="49" charset="0"/>
+                              <a:ea typeface="Times New Roman"/>
+                              <a:cs typeface="Courier New" panose="02070309020205020404" pitchFamily="49" charset="0"/>
+                            </a:rPr>
+                            <a:t>ln</a:t>
+                          </a:r>
+                          <a:r>
+                            <a:rPr lang="ru-RU" sz="1400" dirty="0">
+                              <a:latin typeface="Courier New" panose="02070309020205020404" pitchFamily="49" charset="0"/>
+                              <a:ea typeface="Times New Roman"/>
+                              <a:cs typeface="Courier New" panose="02070309020205020404" pitchFamily="49" charset="0"/>
+                            </a:rPr>
+                            <a:t>(x)</a:t>
+                          </a:r>
+                        </a:p>
+                      </a:txBody>
+                      <a:tcPr marL="52855" marR="52855" marT="0" marB="0" anchor="ctr">
+                        <a:lnL w="12700" cap="flat" cmpd="sng" algn="ctr">
+                          <a:solidFill>
+                            <a:schemeClr val="tx1"/>
+                          </a:solidFill>
+                          <a:prstDash val="solid"/>
+                          <a:round/>
+                          <a:headEnd type="none" w="med" len="med"/>
+                          <a:tailEnd type="none" w="med" len="med"/>
+                        </a:lnL>
+                        <a:lnR w="12700" cap="flat" cmpd="sng" algn="ctr">
+                          <a:solidFill>
+                            <a:schemeClr val="tx1"/>
+                          </a:solidFill>
+                          <a:prstDash val="solid"/>
+                          <a:round/>
+                          <a:headEnd type="none" w="med" len="med"/>
+                          <a:tailEnd type="none" w="med" len="med"/>
+                        </a:lnR>
+                        <a:lnT w="12700" cap="flat" cmpd="sng" algn="ctr">
+                          <a:solidFill>
+                            <a:schemeClr val="tx1"/>
+                          </a:solidFill>
+                          <a:prstDash val="solid"/>
+                          <a:round/>
+                          <a:headEnd type="none" w="med" len="med"/>
+                          <a:tailEnd type="none" w="med" len="med"/>
+                        </a:lnT>
+                        <a:lnB w="12700" cap="flat" cmpd="sng" algn="ctr">
+                          <a:solidFill>
+                            <a:schemeClr val="tx1"/>
+                          </a:solidFill>
+                          <a:prstDash val="solid"/>
+                          <a:round/>
+                          <a:headEnd type="none" w="med" len="med"/>
+                          <a:tailEnd type="none" w="med" len="med"/>
+                        </a:lnB>
+                      </a:tcPr>
+                    </a:tc>
+                    <a:tc>
+                      <a:txBody>
+                        <a:bodyPr/>
+                        <a:lstStyle/>
+                        <a:p>
+                          <a:pPr algn="ctr">
+                            <a:lnSpc>
+                              <a:spcPct val="100000"/>
+                            </a:lnSpc>
+                            <a:spcAft>
+                              <a:spcPts val="0"/>
+                            </a:spcAft>
+                          </a:pPr>
+                          <a:r>
+                            <a:rPr lang="ru-RU" sz="1400" dirty="0" err="1">
+                              <a:latin typeface="+mn-lt"/>
+                              <a:ea typeface="Times New Roman"/>
+                              <a:cs typeface="Times New Roman"/>
+                            </a:rPr>
+                            <a:t>ln</a:t>
+                          </a:r>
+                          <a:r>
+                            <a:rPr lang="ru-RU" sz="1400" dirty="0">
+                              <a:latin typeface="+mn-lt"/>
+                              <a:ea typeface="Times New Roman"/>
+                              <a:cs typeface="Times New Roman"/>
+                            </a:rPr>
+                            <a:t> </a:t>
+                          </a:r>
+                          <a:r>
+                            <a:rPr lang="ru-RU" sz="1400" i="1" dirty="0">
+                              <a:latin typeface="+mn-lt"/>
+                              <a:ea typeface="Times New Roman"/>
+                              <a:cs typeface="Times New Roman"/>
+                            </a:rPr>
+                            <a:t>x</a:t>
+                          </a:r>
+                          <a:endParaRPr lang="ru-RU" sz="1400" dirty="0">
+                            <a:latin typeface="+mn-lt"/>
+                            <a:ea typeface="Times New Roman"/>
+                            <a:cs typeface="Times New Roman"/>
+                          </a:endParaRPr>
+                        </a:p>
+                      </a:txBody>
+                      <a:tcPr marL="52855" marR="52855" marT="0" marB="0">
+                        <a:lnL w="12700" cap="flat" cmpd="sng" algn="ctr">
+                          <a:solidFill>
+                            <a:schemeClr val="tx1"/>
+                          </a:solidFill>
+                          <a:prstDash val="solid"/>
+                          <a:round/>
+                          <a:headEnd type="none" w="med" len="med"/>
+                          <a:tailEnd type="none" w="med" len="med"/>
+                        </a:lnL>
+                        <a:lnR w="12700" cap="flat" cmpd="sng" algn="ctr">
+                          <a:solidFill>
+                            <a:schemeClr val="tx1"/>
+                          </a:solidFill>
+                          <a:prstDash val="solid"/>
+                          <a:round/>
+                          <a:headEnd type="none" w="med" len="med"/>
+                          <a:tailEnd type="none" w="med" len="med"/>
+                        </a:lnR>
+                        <a:lnT w="12700" cap="flat" cmpd="sng" algn="ctr">
+                          <a:solidFill>
+                            <a:schemeClr val="tx1"/>
+                          </a:solidFill>
+                          <a:prstDash val="solid"/>
+                          <a:round/>
+                          <a:headEnd type="none" w="med" len="med"/>
+                          <a:tailEnd type="none" w="med" len="med"/>
+                        </a:lnT>
+                        <a:lnB w="12700" cap="flat" cmpd="sng" algn="ctr">
+                          <a:solidFill>
+                            <a:schemeClr val="tx1"/>
+                          </a:solidFill>
+                          <a:prstDash val="solid"/>
+                          <a:round/>
+                          <a:headEnd type="none" w="med" len="med"/>
+                          <a:tailEnd type="none" w="med" len="med"/>
+                        </a:lnB>
+                      </a:tcPr>
+                    </a:tc>
+                    <a:tc vMerge="1">
+                      <a:txBody>
+                        <a:bodyPr/>
+                        <a:lstStyle/>
+                        <a:p>
+                          <a:pPr algn="ctr">
+                            <a:lnSpc>
+                              <a:spcPct val="100000"/>
+                            </a:lnSpc>
+                            <a:spcAft>
+                              <a:spcPts val="0"/>
+                            </a:spcAft>
+                          </a:pPr>
+                          <a:endParaRPr lang="ru-RU" sz="1800" dirty="0">
+                            <a:latin typeface="+mn-lt"/>
+                            <a:ea typeface="Times New Roman"/>
+                            <a:cs typeface="Times New Roman"/>
+                          </a:endParaRPr>
+                        </a:p>
+                      </a:txBody>
+                      <a:tcPr marL="52855" marR="52855" marT="0" marB="0">
+                        <a:lnL w="12700" cap="flat" cmpd="sng" algn="ctr">
+                          <a:solidFill>
+                            <a:schemeClr val="tx1"/>
+                          </a:solidFill>
+                          <a:prstDash val="solid"/>
+                          <a:round/>
+                          <a:headEnd type="none" w="med" len="med"/>
+                          <a:tailEnd type="none" w="med" len="med"/>
+                        </a:lnL>
+                        <a:lnR w="12700" cap="flat" cmpd="sng" algn="ctr">
+                          <a:solidFill>
+                            <a:schemeClr val="tx1"/>
+                          </a:solidFill>
+                          <a:prstDash val="solid"/>
+                          <a:round/>
+                          <a:headEnd type="none" w="med" len="med"/>
+                          <a:tailEnd type="none" w="med" len="med"/>
+                        </a:lnR>
+                        <a:lnT w="12700" cap="flat" cmpd="sng" algn="ctr">
+                          <a:solidFill>
+                            <a:schemeClr val="tx1"/>
+                          </a:solidFill>
+                          <a:prstDash val="solid"/>
+                          <a:round/>
+                          <a:headEnd type="none" w="med" len="med"/>
+                          <a:tailEnd type="none" w="med" len="med"/>
+                        </a:lnT>
+                        <a:lnB w="12700" cap="flat" cmpd="sng" algn="ctr">
+                          <a:solidFill>
+                            <a:schemeClr val="tx1"/>
+                          </a:solidFill>
+                          <a:prstDash val="solid"/>
+                          <a:round/>
+                          <a:headEnd type="none" w="med" len="med"/>
+                          <a:tailEnd type="none" w="med" len="med"/>
+                        </a:lnB>
+                      </a:tcPr>
+                    </a:tc>
+                    <a:tc vMerge="1">
+                      <a:txBody>
+                        <a:bodyPr/>
+                        <a:lstStyle/>
+                        <a:p>
+                          <a:pPr algn="ctr">
+                            <a:lnSpc>
+                              <a:spcPct val="100000"/>
+                            </a:lnSpc>
+                            <a:spcAft>
+                              <a:spcPts val="0"/>
+                            </a:spcAft>
+                          </a:pPr>
+                          <a:endParaRPr lang="ru-RU" sz="1800" dirty="0">
+                            <a:latin typeface="+mn-lt"/>
+                            <a:ea typeface="Times New Roman"/>
+                            <a:cs typeface="Times New Roman"/>
+                          </a:endParaRPr>
+                        </a:p>
+                      </a:txBody>
+                      <a:tcPr marL="52855" marR="52855" marT="0" marB="0">
+                        <a:lnL w="12700" cap="flat" cmpd="sng" algn="ctr">
+                          <a:solidFill>
+                            <a:schemeClr val="tx1"/>
+                          </a:solidFill>
+                          <a:prstDash val="solid"/>
+                          <a:round/>
+                          <a:headEnd type="none" w="med" len="med"/>
+                          <a:tailEnd type="none" w="med" len="med"/>
+                        </a:lnL>
+                        <a:lnR w="12700" cap="flat" cmpd="sng" algn="ctr">
+                          <a:solidFill>
+                            <a:schemeClr val="tx1"/>
+                          </a:solidFill>
+                          <a:prstDash val="solid"/>
+                          <a:round/>
+                          <a:headEnd type="none" w="med" len="med"/>
+                          <a:tailEnd type="none" w="med" len="med"/>
+                        </a:lnR>
+                        <a:lnT w="12700" cap="flat" cmpd="sng" algn="ctr">
+                          <a:solidFill>
+                            <a:schemeClr val="tx1"/>
+                          </a:solidFill>
+                          <a:prstDash val="solid"/>
+                          <a:round/>
+                          <a:headEnd type="none" w="med" len="med"/>
+                          <a:tailEnd type="none" w="med" len="med"/>
+                        </a:lnT>
+                        <a:lnB w="12700" cap="flat" cmpd="sng" algn="ctr">
+                          <a:solidFill>
+                            <a:schemeClr val="tx1"/>
+                          </a:solidFill>
+                          <a:prstDash val="solid"/>
+                          <a:round/>
+                          <a:headEnd type="none" w="med" len="med"/>
+                          <a:tailEnd type="none" w="med" len="med"/>
+                        </a:lnB>
+                      </a:tcPr>
+                    </a:tc>
+                    <a:extLst>
+                      <a:ext uri="{0D108BD9-81ED-4DB2-BD59-A6C34878D82A}">
+                        <a16:rowId xmlns:a16="http://schemas.microsoft.com/office/drawing/2014/main" val="355432336"/>
+                      </a:ext>
+                    </a:extLst>
+                  </a:tr>
+                  <a:tr h="215710">
+                    <a:tc>
+                      <a:txBody>
+                        <a:bodyPr/>
+                        <a:lstStyle/>
+                        <a:p>
+                          <a:pPr algn="l">
+                            <a:lnSpc>
+                              <a:spcPct val="100000"/>
+                            </a:lnSpc>
+                            <a:spcAft>
+                              <a:spcPts val="0"/>
+                            </a:spcAft>
+                          </a:pPr>
+                          <a:r>
+                            <a:rPr lang="ru-RU" sz="1400" dirty="0" err="1">
+                              <a:latin typeface="Courier New" panose="02070309020205020404" pitchFamily="49" charset="0"/>
+                              <a:ea typeface="Times New Roman"/>
+                              <a:cs typeface="Courier New" panose="02070309020205020404" pitchFamily="49" charset="0"/>
+                            </a:rPr>
+                            <a:t>sqrt</a:t>
+                          </a:r>
+                          <a:r>
+                            <a:rPr lang="ru-RU" sz="1400" dirty="0">
+                              <a:latin typeface="Courier New" panose="02070309020205020404" pitchFamily="49" charset="0"/>
+                              <a:ea typeface="Times New Roman"/>
+                              <a:cs typeface="Courier New" panose="02070309020205020404" pitchFamily="49" charset="0"/>
+                            </a:rPr>
+                            <a:t>(x)</a:t>
+                          </a:r>
+                        </a:p>
+                      </a:txBody>
+                      <a:tcPr marL="52855" marR="52855" marT="0" marB="0" anchor="ctr">
+                        <a:lnL w="12700" cap="flat" cmpd="sng" algn="ctr">
+                          <a:solidFill>
+                            <a:schemeClr val="tx1"/>
+                          </a:solidFill>
+                          <a:prstDash val="solid"/>
+                          <a:round/>
+                          <a:headEnd type="none" w="med" len="med"/>
+                          <a:tailEnd type="none" w="med" len="med"/>
+                        </a:lnL>
+                        <a:lnR w="12700" cap="flat" cmpd="sng" algn="ctr">
+                          <a:solidFill>
+                            <a:schemeClr val="tx1"/>
+                          </a:solidFill>
+                          <a:prstDash val="solid"/>
+                          <a:round/>
+                          <a:headEnd type="none" w="med" len="med"/>
+                          <a:tailEnd type="none" w="med" len="med"/>
+                        </a:lnR>
+                        <a:lnT w="12700" cap="flat" cmpd="sng" algn="ctr">
+                          <a:solidFill>
+                            <a:schemeClr val="tx1"/>
+                          </a:solidFill>
+                          <a:prstDash val="solid"/>
+                          <a:round/>
+                          <a:headEnd type="none" w="med" len="med"/>
+                          <a:tailEnd type="none" w="med" len="med"/>
+                        </a:lnT>
+                        <a:lnB w="12700" cap="flat" cmpd="sng" algn="ctr">
+                          <a:solidFill>
+                            <a:schemeClr val="tx1"/>
+                          </a:solidFill>
+                          <a:prstDash val="solid"/>
+                          <a:round/>
+                          <a:headEnd type="none" w="med" len="med"/>
+                          <a:tailEnd type="none" w="med" len="med"/>
+                        </a:lnB>
+                      </a:tcPr>
+                    </a:tc>
+                    <a:tc>
+                      <a:txBody>
+                        <a:bodyPr/>
+                        <a:lstStyle/>
+                        <a:p>
+                          <a:endParaRPr lang="ru-RU"/>
+                        </a:p>
+                      </a:txBody>
+                      <a:tcPr marL="52855" marR="52855" marT="0" marB="0">
+                        <a:lnL w="12700" cap="flat" cmpd="sng" algn="ctr">
+                          <a:solidFill>
+                            <a:schemeClr val="tx1"/>
+                          </a:solidFill>
+                          <a:prstDash val="solid"/>
+                          <a:round/>
+                          <a:headEnd type="none" w="med" len="med"/>
+                          <a:tailEnd type="none" w="med" len="med"/>
+                        </a:lnL>
+                        <a:lnR w="12700" cap="flat" cmpd="sng" algn="ctr">
+                          <a:solidFill>
+                            <a:schemeClr val="tx1"/>
+                          </a:solidFill>
+                          <a:prstDash val="solid"/>
+                          <a:round/>
+                          <a:headEnd type="none" w="med" len="med"/>
+                          <a:tailEnd type="none" w="med" len="med"/>
+                        </a:lnR>
+                        <a:lnT w="12700" cap="flat" cmpd="sng" algn="ctr">
+                          <a:solidFill>
+                            <a:schemeClr val="tx1"/>
+                          </a:solidFill>
+                          <a:prstDash val="solid"/>
+                          <a:round/>
+                          <a:headEnd type="none" w="med" len="med"/>
+                          <a:tailEnd type="none" w="med" len="med"/>
+                        </a:lnT>
+                        <a:lnB w="12700" cap="flat" cmpd="sng" algn="ctr">
+                          <a:solidFill>
+                            <a:schemeClr val="tx1"/>
+                          </a:solidFill>
+                          <a:prstDash val="solid"/>
+                          <a:round/>
+                          <a:headEnd type="none" w="med" len="med"/>
+                          <a:tailEnd type="none" w="med" len="med"/>
+                        </a:lnB>
+                        <a:blipFill>
+                          <a:blip r:embed="rId3"/>
+                          <a:stretch>
+                            <a:fillRect l="-100457" t="-802778" r="-200457" b="-247222"/>
+                          </a:stretch>
+                        </a:blipFill>
+                      </a:tcPr>
+                    </a:tc>
+                    <a:tc vMerge="1">
+                      <a:txBody>
+                        <a:bodyPr/>
+                        <a:lstStyle/>
+                        <a:p>
+                          <a:pPr algn="ctr">
+                            <a:lnSpc>
+                              <a:spcPct val="100000"/>
+                            </a:lnSpc>
+                            <a:spcAft>
+                              <a:spcPts val="0"/>
+                            </a:spcAft>
+                          </a:pPr>
+                          <a:endParaRPr lang="ru-RU" sz="1800" dirty="0">
+                            <a:latin typeface="+mn-lt"/>
+                            <a:ea typeface="Times New Roman"/>
+                            <a:cs typeface="Times New Roman"/>
+                          </a:endParaRPr>
+                        </a:p>
+                      </a:txBody>
+                      <a:tcPr marL="52855" marR="52855" marT="0" marB="0">
+                        <a:lnL w="12700" cap="flat" cmpd="sng" algn="ctr">
+                          <a:solidFill>
+                            <a:schemeClr val="tx1"/>
+                          </a:solidFill>
+                          <a:prstDash val="solid"/>
+                          <a:round/>
+                          <a:headEnd type="none" w="med" len="med"/>
+                          <a:tailEnd type="none" w="med" len="med"/>
+                        </a:lnL>
+                        <a:lnR w="12700" cap="flat" cmpd="sng" algn="ctr">
+                          <a:solidFill>
+                            <a:schemeClr val="tx1"/>
+                          </a:solidFill>
+                          <a:prstDash val="solid"/>
+                          <a:round/>
+                          <a:headEnd type="none" w="med" len="med"/>
+                          <a:tailEnd type="none" w="med" len="med"/>
+                        </a:lnR>
+                        <a:lnT w="12700" cap="flat" cmpd="sng" algn="ctr">
+                          <a:solidFill>
+                            <a:schemeClr val="tx1"/>
+                          </a:solidFill>
+                          <a:prstDash val="solid"/>
+                          <a:round/>
+                          <a:headEnd type="none" w="med" len="med"/>
+                          <a:tailEnd type="none" w="med" len="med"/>
+                        </a:lnT>
+                        <a:lnB w="12700" cap="flat" cmpd="sng" algn="ctr">
+                          <a:solidFill>
+                            <a:schemeClr val="tx1"/>
+                          </a:solidFill>
+                          <a:prstDash val="solid"/>
+                          <a:round/>
+                          <a:headEnd type="none" w="med" len="med"/>
+                          <a:tailEnd type="none" w="med" len="med"/>
+                        </a:lnB>
+                      </a:tcPr>
+                    </a:tc>
+                    <a:tc vMerge="1">
+                      <a:txBody>
+                        <a:bodyPr/>
+                        <a:lstStyle/>
+                        <a:p>
+                          <a:pPr algn="ctr">
+                            <a:lnSpc>
+                              <a:spcPct val="100000"/>
+                            </a:lnSpc>
+                            <a:spcAft>
+                              <a:spcPts val="0"/>
+                            </a:spcAft>
+                          </a:pPr>
+                          <a:endParaRPr lang="ru-RU" sz="1800" dirty="0">
+                            <a:latin typeface="+mn-lt"/>
+                            <a:ea typeface="Times New Roman"/>
+                            <a:cs typeface="Times New Roman"/>
+                          </a:endParaRPr>
+                        </a:p>
+                      </a:txBody>
+                      <a:tcPr marL="52855" marR="52855" marT="0" marB="0">
+                        <a:lnL w="12700" cap="flat" cmpd="sng" algn="ctr">
+                          <a:solidFill>
+                            <a:schemeClr val="tx1"/>
+                          </a:solidFill>
+                          <a:prstDash val="solid"/>
+                          <a:round/>
+                          <a:headEnd type="none" w="med" len="med"/>
+                          <a:tailEnd type="none" w="med" len="med"/>
+                        </a:lnL>
+                        <a:lnR w="12700" cap="flat" cmpd="sng" algn="ctr">
+                          <a:solidFill>
+                            <a:schemeClr val="tx1"/>
+                          </a:solidFill>
+                          <a:prstDash val="solid"/>
+                          <a:round/>
+                          <a:headEnd type="none" w="med" len="med"/>
+                          <a:tailEnd type="none" w="med" len="med"/>
+                        </a:lnR>
+                        <a:lnT w="12700" cap="flat" cmpd="sng" algn="ctr">
+                          <a:solidFill>
+                            <a:schemeClr val="tx1"/>
+                          </a:solidFill>
+                          <a:prstDash val="solid"/>
+                          <a:round/>
+                          <a:headEnd type="none" w="med" len="med"/>
+                          <a:tailEnd type="none" w="med" len="med"/>
+                        </a:lnT>
+                        <a:lnB w="12700" cap="flat" cmpd="sng" algn="ctr">
+                          <a:solidFill>
+                            <a:schemeClr val="tx1"/>
+                          </a:solidFill>
+                          <a:prstDash val="solid"/>
+                          <a:round/>
+                          <a:headEnd type="none" w="med" len="med"/>
+                          <a:tailEnd type="none" w="med" len="med"/>
+                        </a:lnB>
+                      </a:tcPr>
+                    </a:tc>
+                    <a:extLst>
+                      <a:ext uri="{0D108BD9-81ED-4DB2-BD59-A6C34878D82A}">
+                        <a16:rowId xmlns:a16="http://schemas.microsoft.com/office/drawing/2014/main" val="3635140172"/>
+                      </a:ext>
+                    </a:extLst>
+                  </a:tr>
+                  <a:tr h="213360">
+                    <a:tc>
+                      <a:txBody>
+                        <a:bodyPr/>
+                        <a:lstStyle/>
+                        <a:p>
+                          <a:pPr algn="l">
+                            <a:lnSpc>
+                              <a:spcPct val="100000"/>
+                            </a:lnSpc>
+                            <a:spcAft>
+                              <a:spcPts val="0"/>
+                            </a:spcAft>
+                          </a:pPr>
+                          <a:r>
+                            <a:rPr lang="ru-RU" sz="1400" dirty="0" err="1">
+                              <a:latin typeface="Courier New" panose="02070309020205020404" pitchFamily="49" charset="0"/>
+                              <a:ea typeface="Times New Roman"/>
+                              <a:cs typeface="Courier New" panose="02070309020205020404" pitchFamily="49" charset="0"/>
+                            </a:rPr>
+                            <a:t>tan</a:t>
+                          </a:r>
+                          <a:r>
+                            <a:rPr lang="ru-RU" sz="1400" dirty="0">
+                              <a:latin typeface="Courier New" panose="02070309020205020404" pitchFamily="49" charset="0"/>
+                              <a:ea typeface="Times New Roman"/>
+                              <a:cs typeface="Courier New" panose="02070309020205020404" pitchFamily="49" charset="0"/>
+                            </a:rPr>
+                            <a:t>(x)</a:t>
+                          </a:r>
+                        </a:p>
+                      </a:txBody>
+                      <a:tcPr marL="52855" marR="52855" marT="0" marB="0" anchor="ctr">
+                        <a:lnL w="12700" cap="flat" cmpd="sng" algn="ctr">
+                          <a:solidFill>
+                            <a:schemeClr val="tx1"/>
+                          </a:solidFill>
+                          <a:prstDash val="solid"/>
+                          <a:round/>
+                          <a:headEnd type="none" w="med" len="med"/>
+                          <a:tailEnd type="none" w="med" len="med"/>
+                        </a:lnL>
+                        <a:lnR w="12700" cap="flat" cmpd="sng" algn="ctr">
+                          <a:solidFill>
+                            <a:schemeClr val="tx1"/>
+                          </a:solidFill>
+                          <a:prstDash val="solid"/>
+                          <a:round/>
+                          <a:headEnd type="none" w="med" len="med"/>
+                          <a:tailEnd type="none" w="med" len="med"/>
+                        </a:lnR>
+                        <a:lnT w="12700" cap="flat" cmpd="sng" algn="ctr">
+                          <a:solidFill>
+                            <a:schemeClr val="tx1"/>
+                          </a:solidFill>
+                          <a:prstDash val="solid"/>
+                          <a:round/>
+                          <a:headEnd type="none" w="med" len="med"/>
+                          <a:tailEnd type="none" w="med" len="med"/>
+                        </a:lnT>
+                        <a:lnB w="12700" cap="flat" cmpd="sng" algn="ctr">
+                          <a:solidFill>
+                            <a:schemeClr val="tx1"/>
+                          </a:solidFill>
+                          <a:prstDash val="solid"/>
+                          <a:round/>
+                          <a:headEnd type="none" w="med" len="med"/>
+                          <a:tailEnd type="none" w="med" len="med"/>
+                        </a:lnB>
+                      </a:tcPr>
+                    </a:tc>
+                    <a:tc>
+                      <a:txBody>
+                        <a:bodyPr/>
+                        <a:lstStyle/>
+                        <a:p>
+                          <a:pPr algn="ctr">
+                            <a:lnSpc>
+                              <a:spcPct val="100000"/>
+                            </a:lnSpc>
+                            <a:spcAft>
+                              <a:spcPts val="0"/>
+                            </a:spcAft>
+                          </a:pPr>
+                          <a:r>
+                            <a:rPr lang="en-US" sz="1400" dirty="0" err="1">
+                              <a:latin typeface="+mn-lt"/>
+                              <a:ea typeface="Times New Roman"/>
+                              <a:cs typeface="Times New Roman"/>
+                            </a:rPr>
+                            <a:t>tg</a:t>
+                          </a:r>
+                          <a:r>
+                            <a:rPr lang="en-US" sz="1400" dirty="0">
+                              <a:latin typeface="+mn-lt"/>
+                              <a:ea typeface="Times New Roman"/>
+                              <a:cs typeface="Times New Roman"/>
+                            </a:rPr>
+                            <a:t> x</a:t>
+                          </a:r>
+                          <a:endParaRPr lang="ru-RU" sz="1400" dirty="0">
+                            <a:latin typeface="+mn-lt"/>
+                            <a:ea typeface="Times New Roman"/>
+                            <a:cs typeface="Times New Roman"/>
+                          </a:endParaRPr>
+                        </a:p>
+                      </a:txBody>
+                      <a:tcPr marL="52855" marR="52855" marT="0" marB="0">
+                        <a:lnL w="12700" cap="flat" cmpd="sng" algn="ctr">
+                          <a:solidFill>
+                            <a:schemeClr val="tx1"/>
+                          </a:solidFill>
+                          <a:prstDash val="solid"/>
+                          <a:round/>
+                          <a:headEnd type="none" w="med" len="med"/>
+                          <a:tailEnd type="none" w="med" len="med"/>
+                        </a:lnL>
+                        <a:lnR w="12700" cap="flat" cmpd="sng" algn="ctr">
+                          <a:solidFill>
+                            <a:schemeClr val="tx1"/>
+                          </a:solidFill>
+                          <a:prstDash val="solid"/>
+                          <a:round/>
+                          <a:headEnd type="none" w="med" len="med"/>
+                          <a:tailEnd type="none" w="med" len="med"/>
+                        </a:lnR>
+                        <a:lnT w="12700" cap="flat" cmpd="sng" algn="ctr">
+                          <a:solidFill>
+                            <a:schemeClr val="tx1"/>
+                          </a:solidFill>
+                          <a:prstDash val="solid"/>
+                          <a:round/>
+                          <a:headEnd type="none" w="med" len="med"/>
+                          <a:tailEnd type="none" w="med" len="med"/>
+                        </a:lnT>
+                        <a:lnB w="12700" cap="flat" cmpd="sng" algn="ctr">
+                          <a:solidFill>
+                            <a:schemeClr val="tx1"/>
+                          </a:solidFill>
+                          <a:prstDash val="solid"/>
+                          <a:round/>
+                          <a:headEnd type="none" w="med" len="med"/>
+                          <a:tailEnd type="none" w="med" len="med"/>
+                        </a:lnB>
+                      </a:tcPr>
+                    </a:tc>
+                    <a:tc vMerge="1">
+                      <a:txBody>
+                        <a:bodyPr/>
+                        <a:lstStyle/>
+                        <a:p>
+                          <a:pPr algn="ctr">
+                            <a:lnSpc>
+                              <a:spcPct val="100000"/>
+                            </a:lnSpc>
+                            <a:spcAft>
+                              <a:spcPts val="0"/>
+                            </a:spcAft>
+                          </a:pPr>
+                          <a:endParaRPr lang="ru-RU" sz="1800" dirty="0">
+                            <a:latin typeface="+mn-lt"/>
+                            <a:ea typeface="Times New Roman"/>
+                            <a:cs typeface="Times New Roman"/>
+                          </a:endParaRPr>
+                        </a:p>
+                      </a:txBody>
+                      <a:tcPr marL="52855" marR="52855" marT="0" marB="0">
+                        <a:lnL w="12700" cap="flat" cmpd="sng" algn="ctr">
+                          <a:solidFill>
+                            <a:schemeClr val="tx1"/>
+                          </a:solidFill>
+                          <a:prstDash val="solid"/>
+                          <a:round/>
+                          <a:headEnd type="none" w="med" len="med"/>
+                          <a:tailEnd type="none" w="med" len="med"/>
+                        </a:lnL>
+                        <a:lnR w="12700" cap="flat" cmpd="sng" algn="ctr">
+                          <a:solidFill>
+                            <a:schemeClr val="tx1"/>
+                          </a:solidFill>
+                          <a:prstDash val="solid"/>
+                          <a:round/>
+                          <a:headEnd type="none" w="med" len="med"/>
+                          <a:tailEnd type="none" w="med" len="med"/>
+                        </a:lnR>
+                        <a:lnT w="12700" cap="flat" cmpd="sng" algn="ctr">
+                          <a:solidFill>
+                            <a:schemeClr val="tx1"/>
+                          </a:solidFill>
+                          <a:prstDash val="solid"/>
+                          <a:round/>
+                          <a:headEnd type="none" w="med" len="med"/>
+                          <a:tailEnd type="none" w="med" len="med"/>
+                        </a:lnT>
+                        <a:lnB w="12700" cap="flat" cmpd="sng" algn="ctr">
+                          <a:solidFill>
+                            <a:schemeClr val="tx1"/>
+                          </a:solidFill>
+                          <a:prstDash val="solid"/>
+                          <a:round/>
+                          <a:headEnd type="none" w="med" len="med"/>
+                          <a:tailEnd type="none" w="med" len="med"/>
+                        </a:lnB>
+                      </a:tcPr>
+                    </a:tc>
+                    <a:tc vMerge="1">
+                      <a:txBody>
+                        <a:bodyPr/>
+                        <a:lstStyle/>
+                        <a:p>
+                          <a:pPr algn="ctr">
+                            <a:lnSpc>
+                              <a:spcPct val="100000"/>
+                            </a:lnSpc>
+                            <a:spcAft>
+                              <a:spcPts val="0"/>
+                            </a:spcAft>
+                          </a:pPr>
+                          <a:endParaRPr lang="ru-RU" sz="1800" dirty="0">
+                            <a:latin typeface="+mn-lt"/>
+                            <a:ea typeface="Times New Roman"/>
+                            <a:cs typeface="Times New Roman"/>
+                          </a:endParaRPr>
+                        </a:p>
+                      </a:txBody>
+                      <a:tcPr marL="52855" marR="52855" marT="0" marB="0">
+                        <a:lnL w="12700" cap="flat" cmpd="sng" algn="ctr">
+                          <a:solidFill>
+                            <a:schemeClr val="tx1"/>
+                          </a:solidFill>
+                          <a:prstDash val="solid"/>
+                          <a:round/>
+                          <a:headEnd type="none" w="med" len="med"/>
+                          <a:tailEnd type="none" w="med" len="med"/>
+                        </a:lnL>
+                        <a:lnR w="12700" cap="flat" cmpd="sng" algn="ctr">
+                          <a:solidFill>
+                            <a:schemeClr val="tx1"/>
+                          </a:solidFill>
+                          <a:prstDash val="solid"/>
+                          <a:round/>
+                          <a:headEnd type="none" w="med" len="med"/>
+                          <a:tailEnd type="none" w="med" len="med"/>
+                        </a:lnR>
+                        <a:lnT w="12700" cap="flat" cmpd="sng" algn="ctr">
+                          <a:solidFill>
+                            <a:schemeClr val="tx1"/>
+                          </a:solidFill>
+                          <a:prstDash val="solid"/>
+                          <a:round/>
+                          <a:headEnd type="none" w="med" len="med"/>
+                          <a:tailEnd type="none" w="med" len="med"/>
+                        </a:lnT>
+                        <a:lnB w="12700" cap="flat" cmpd="sng" algn="ctr">
+                          <a:solidFill>
+                            <a:schemeClr val="tx1"/>
+                          </a:solidFill>
+                          <a:prstDash val="solid"/>
+                          <a:round/>
+                          <a:headEnd type="none" w="med" len="med"/>
+                          <a:tailEnd type="none" w="med" len="med"/>
+                        </a:lnB>
+                      </a:tcPr>
+                    </a:tc>
+                    <a:extLst>
+                      <a:ext uri="{0D108BD9-81ED-4DB2-BD59-A6C34878D82A}">
+                        <a16:rowId xmlns:a16="http://schemas.microsoft.com/office/drawing/2014/main" val="927867038"/>
+                      </a:ext>
+                    </a:extLst>
+                  </a:tr>
+                  <a:tr h="213360">
+                    <a:tc>
+                      <a:txBody>
+                        <a:bodyPr/>
+                        <a:lstStyle/>
+                        <a:p>
+                          <a:pPr algn="l">
+                            <a:lnSpc>
+                              <a:spcPct val="100000"/>
+                            </a:lnSpc>
+                            <a:spcAft>
+                              <a:spcPts val="0"/>
+                            </a:spcAft>
+                          </a:pPr>
+                          <a:r>
+                            <a:rPr lang="ru-RU" sz="1400" dirty="0" err="1">
+                              <a:latin typeface="Courier New" panose="02070309020205020404" pitchFamily="49" charset="0"/>
+                              <a:ea typeface="Times New Roman"/>
+                              <a:cs typeface="Courier New" panose="02070309020205020404" pitchFamily="49" charset="0"/>
+                            </a:rPr>
+                            <a:t>arctan</a:t>
+                          </a:r>
+                          <a:r>
+                            <a:rPr lang="ru-RU" sz="1400" dirty="0">
+                              <a:latin typeface="Courier New" panose="02070309020205020404" pitchFamily="49" charset="0"/>
+                              <a:ea typeface="Times New Roman"/>
+                              <a:cs typeface="Courier New" panose="02070309020205020404" pitchFamily="49" charset="0"/>
+                            </a:rPr>
+                            <a:t>(x)</a:t>
+                          </a:r>
+                        </a:p>
+                      </a:txBody>
+                      <a:tcPr marL="52855" marR="52855" marT="0" marB="0" anchor="ctr">
+                        <a:lnL w="12700" cap="flat" cmpd="sng" algn="ctr">
+                          <a:solidFill>
+                            <a:schemeClr val="tx1"/>
+                          </a:solidFill>
+                          <a:prstDash val="solid"/>
+                          <a:round/>
+                          <a:headEnd type="none" w="med" len="med"/>
+                          <a:tailEnd type="none" w="med" len="med"/>
+                        </a:lnL>
+                        <a:lnR w="12700" cap="flat" cmpd="sng" algn="ctr">
+                          <a:solidFill>
+                            <a:schemeClr val="tx1"/>
+                          </a:solidFill>
+                          <a:prstDash val="solid"/>
+                          <a:round/>
+                          <a:headEnd type="none" w="med" len="med"/>
+                          <a:tailEnd type="none" w="med" len="med"/>
+                        </a:lnR>
+                        <a:lnT w="12700" cap="flat" cmpd="sng" algn="ctr">
+                          <a:solidFill>
+                            <a:schemeClr val="tx1"/>
+                          </a:solidFill>
+                          <a:prstDash val="solid"/>
+                          <a:round/>
+                          <a:headEnd type="none" w="med" len="med"/>
+                          <a:tailEnd type="none" w="med" len="med"/>
+                        </a:lnT>
+                        <a:lnB w="12700" cap="flat" cmpd="sng" algn="ctr">
+                          <a:solidFill>
+                            <a:schemeClr val="tx1"/>
+                          </a:solidFill>
+                          <a:prstDash val="solid"/>
+                          <a:round/>
+                          <a:headEnd type="none" w="med" len="med"/>
+                          <a:tailEnd type="none" w="med" len="med"/>
+                        </a:lnB>
+                      </a:tcPr>
+                    </a:tc>
+                    <a:tc>
+                      <a:txBody>
+                        <a:bodyPr/>
+                        <a:lstStyle/>
+                        <a:p>
+                          <a:pPr algn="ctr">
+                            <a:lnSpc>
+                              <a:spcPct val="100000"/>
+                            </a:lnSpc>
+                            <a:spcAft>
+                              <a:spcPts val="0"/>
+                            </a:spcAft>
+                          </a:pPr>
+                          <a:r>
+                            <a:rPr lang="ru-RU" sz="1400" dirty="0" err="1">
+                              <a:latin typeface="+mn-lt"/>
+                              <a:ea typeface="Times New Roman"/>
+                              <a:cs typeface="Times New Roman"/>
+                            </a:rPr>
+                            <a:t>arctg</a:t>
+                          </a:r>
+                          <a:r>
+                            <a:rPr lang="ru-RU" sz="1400" dirty="0">
+                              <a:latin typeface="+mn-lt"/>
+                              <a:ea typeface="Times New Roman"/>
+                              <a:cs typeface="Times New Roman"/>
+                            </a:rPr>
+                            <a:t> </a:t>
+                          </a:r>
+                          <a:r>
+                            <a:rPr lang="ru-RU" sz="1400" i="1" dirty="0">
+                              <a:latin typeface="+mn-lt"/>
+                              <a:ea typeface="Times New Roman"/>
+                              <a:cs typeface="Times New Roman"/>
+                            </a:rPr>
+                            <a:t>x</a:t>
+                          </a:r>
+                          <a:endParaRPr lang="ru-RU" sz="1400" dirty="0">
+                            <a:latin typeface="+mn-lt"/>
+                            <a:ea typeface="Times New Roman"/>
+                            <a:cs typeface="Times New Roman"/>
+                          </a:endParaRPr>
+                        </a:p>
+                      </a:txBody>
+                      <a:tcPr marL="52855" marR="52855" marT="0" marB="0">
+                        <a:lnL w="12700" cap="flat" cmpd="sng" algn="ctr">
+                          <a:solidFill>
+                            <a:schemeClr val="tx1"/>
+                          </a:solidFill>
+                          <a:prstDash val="solid"/>
+                          <a:round/>
+                          <a:headEnd type="none" w="med" len="med"/>
+                          <a:tailEnd type="none" w="med" len="med"/>
+                        </a:lnL>
+                        <a:lnR w="12700" cap="flat" cmpd="sng" algn="ctr">
+                          <a:solidFill>
+                            <a:schemeClr val="tx1"/>
+                          </a:solidFill>
+                          <a:prstDash val="solid"/>
+                          <a:round/>
+                          <a:headEnd type="none" w="med" len="med"/>
+                          <a:tailEnd type="none" w="med" len="med"/>
+                        </a:lnR>
+                        <a:lnT w="12700" cap="flat" cmpd="sng" algn="ctr">
+                          <a:solidFill>
+                            <a:schemeClr val="tx1"/>
+                          </a:solidFill>
+                          <a:prstDash val="solid"/>
+                          <a:round/>
+                          <a:headEnd type="none" w="med" len="med"/>
+                          <a:tailEnd type="none" w="med" len="med"/>
+                        </a:lnT>
+                        <a:lnB w="12700" cap="flat" cmpd="sng" algn="ctr">
+                          <a:solidFill>
+                            <a:schemeClr val="tx1"/>
+                          </a:solidFill>
+                          <a:prstDash val="solid"/>
+                          <a:round/>
+                          <a:headEnd type="none" w="med" len="med"/>
+                          <a:tailEnd type="none" w="med" len="med"/>
+                        </a:lnB>
+                      </a:tcPr>
+                    </a:tc>
+                    <a:tc vMerge="1">
+                      <a:txBody>
+                        <a:bodyPr/>
+                        <a:lstStyle/>
+                        <a:p>
+                          <a:pPr algn="ctr">
+                            <a:lnSpc>
+                              <a:spcPct val="100000"/>
+                            </a:lnSpc>
+                            <a:spcAft>
+                              <a:spcPts val="0"/>
+                            </a:spcAft>
+                          </a:pPr>
+                          <a:endParaRPr lang="ru-RU" sz="1800" dirty="0">
+                            <a:latin typeface="+mn-lt"/>
+                            <a:ea typeface="Times New Roman"/>
+                            <a:cs typeface="Times New Roman"/>
+                          </a:endParaRPr>
+                        </a:p>
+                      </a:txBody>
+                      <a:tcPr marL="52855" marR="52855" marT="0" marB="0">
+                        <a:lnL w="12700" cap="flat" cmpd="sng" algn="ctr">
+                          <a:solidFill>
+                            <a:schemeClr val="tx1"/>
+                          </a:solidFill>
+                          <a:prstDash val="solid"/>
+                          <a:round/>
+                          <a:headEnd type="none" w="med" len="med"/>
+                          <a:tailEnd type="none" w="med" len="med"/>
+                        </a:lnL>
+                        <a:lnR w="12700" cap="flat" cmpd="sng" algn="ctr">
+                          <a:solidFill>
+                            <a:schemeClr val="tx1"/>
+                          </a:solidFill>
+                          <a:prstDash val="solid"/>
+                          <a:round/>
+                          <a:headEnd type="none" w="med" len="med"/>
+                          <a:tailEnd type="none" w="med" len="med"/>
+                        </a:lnR>
+                        <a:lnT w="12700" cap="flat" cmpd="sng" algn="ctr">
+                          <a:solidFill>
+                            <a:schemeClr val="tx1"/>
+                          </a:solidFill>
+                          <a:prstDash val="solid"/>
+                          <a:round/>
+                          <a:headEnd type="none" w="med" len="med"/>
+                          <a:tailEnd type="none" w="med" len="med"/>
+                        </a:lnT>
+                        <a:lnB w="12700" cap="flat" cmpd="sng" algn="ctr">
+                          <a:solidFill>
+                            <a:schemeClr val="tx1"/>
+                          </a:solidFill>
+                          <a:prstDash val="solid"/>
+                          <a:round/>
+                          <a:headEnd type="none" w="med" len="med"/>
+                          <a:tailEnd type="none" w="med" len="med"/>
+                        </a:lnB>
+                      </a:tcPr>
+                    </a:tc>
+                    <a:tc vMerge="1">
+                      <a:txBody>
+                        <a:bodyPr/>
+                        <a:lstStyle/>
+                        <a:p>
+                          <a:pPr algn="ctr">
+                            <a:lnSpc>
+                              <a:spcPct val="100000"/>
+                            </a:lnSpc>
+                            <a:spcAft>
+                              <a:spcPts val="0"/>
+                            </a:spcAft>
+                          </a:pPr>
+                          <a:endParaRPr lang="ru-RU" sz="1800" dirty="0">
+                            <a:latin typeface="+mn-lt"/>
+                            <a:ea typeface="Times New Roman"/>
+                            <a:cs typeface="Times New Roman"/>
+                          </a:endParaRPr>
+                        </a:p>
+                      </a:txBody>
+                      <a:tcPr marL="52855" marR="52855" marT="0" marB="0">
+                        <a:lnL w="12700" cap="flat" cmpd="sng" algn="ctr">
+                          <a:solidFill>
+                            <a:schemeClr val="tx1"/>
+                          </a:solidFill>
+                          <a:prstDash val="solid"/>
+                          <a:round/>
+                          <a:headEnd type="none" w="med" len="med"/>
+                          <a:tailEnd type="none" w="med" len="med"/>
+                        </a:lnL>
+                        <a:lnR w="12700" cap="flat" cmpd="sng" algn="ctr">
+                          <a:solidFill>
+                            <a:schemeClr val="tx1"/>
+                          </a:solidFill>
+                          <a:prstDash val="solid"/>
+                          <a:round/>
+                          <a:headEnd type="none" w="med" len="med"/>
+                          <a:tailEnd type="none" w="med" len="med"/>
+                        </a:lnR>
+                        <a:lnT w="12700" cap="flat" cmpd="sng" algn="ctr">
+                          <a:solidFill>
+                            <a:schemeClr val="tx1"/>
+                          </a:solidFill>
+                          <a:prstDash val="solid"/>
+                          <a:round/>
+                          <a:headEnd type="none" w="med" len="med"/>
+                          <a:tailEnd type="none" w="med" len="med"/>
+                        </a:lnT>
+                        <a:lnB w="12700" cap="flat" cmpd="sng" algn="ctr">
+                          <a:solidFill>
+                            <a:schemeClr val="tx1"/>
+                          </a:solidFill>
+                          <a:prstDash val="solid"/>
+                          <a:round/>
+                          <a:headEnd type="none" w="med" len="med"/>
+                          <a:tailEnd type="none" w="med" len="med"/>
+                        </a:lnB>
+                      </a:tcPr>
+                    </a:tc>
+                    <a:extLst>
+                      <a:ext uri="{0D108BD9-81ED-4DB2-BD59-A6C34878D82A}">
+                        <a16:rowId xmlns:a16="http://schemas.microsoft.com/office/drawing/2014/main" val="4008850324"/>
+                      </a:ext>
+                    </a:extLst>
+                  </a:tr>
+                </a:tbl>
+              </a:graphicData>
+            </a:graphic>
+          </p:graphicFrame>
+        </mc:Fallback>
+      </mc:AlternateContent>
     </p:spTree>
     <p:extLst>
       <p:ext uri="{BB962C8B-B14F-4D97-AF65-F5344CB8AC3E}">
@@ -20275,8 +24351,8 @@
           </a:p>
         </p:txBody>
       </p:sp>
-      <mc:AlternateContent xmlns:mc="http://schemas.openxmlformats.org/markup-compatibility/2006">
-        <mc:Choice xmlns:a14="http://schemas.microsoft.com/office/drawing/2010/main" Requires="a14">
+      <mc:AlternateContent xmlns:mc="http://schemas.openxmlformats.org/markup-compatibility/2006" xmlns:a14="http://schemas.microsoft.com/office/drawing/2010/main">
+        <mc:Choice Requires="a14">
           <p:graphicFrame>
             <p:nvGraphicFramePr>
               <p:cNvPr id="2" name="Таблица 1"/>
@@ -20772,7 +24848,7 @@
             </a:graphic>
           </p:graphicFrame>
         </mc:Choice>
-        <mc:Fallback>
+        <mc:Fallback xmlns="">
           <p:graphicFrame>
             <p:nvGraphicFramePr>
               <p:cNvPr id="2" name="Таблица 1"/>
@@ -24733,7 +28809,7 @@
           <a:graphicData uri="http://schemas.openxmlformats.org/presentationml/2006/ole">
             <mc:AlternateContent xmlns:mc="http://schemas.openxmlformats.org/markup-compatibility/2006">
               <mc:Choice xmlns:v="urn:schemas-microsoft-com:vml" Requires="v">
-                <p:oleObj spid="_x0000_s10274" name="Equation" r:id="rId4" imgW="1943100" imgH="698500" progId="Equation.DSMT4">
+                <p:oleObj spid="_x0000_s10277" name="Equation" r:id="rId4" imgW="1943100" imgH="698500" progId="Equation.DSMT4">
                   <p:embed/>
                 </p:oleObj>
               </mc:Choice>
@@ -28888,7 +32964,7 @@
           <a:graphicData uri="http://schemas.openxmlformats.org/presentationml/2006/ole">
             <mc:AlternateContent xmlns:mc="http://schemas.openxmlformats.org/markup-compatibility/2006">
               <mc:Choice xmlns:v="urn:schemas-microsoft-com:vml" Requires="v">
-                <p:oleObj spid="_x0000_s11288" name="Equation" r:id="rId4" imgW="3010044" imgH="1076297" progId="Equation.DSMT4">
+                <p:oleObj spid="_x0000_s11291" name="Equation" r:id="rId4" imgW="3010044" imgH="1076297" progId="Equation.DSMT4">
                   <p:embed/>
                 </p:oleObj>
               </mc:Choice>

--- a/LB_1/ЛБ_1.pptx
+++ b/LB_1/ЛБ_1.pptx
@@ -146,7 +146,7 @@
   </p:defaultTextStyle>
   <p:extLst>
     <p:ext uri="{EFAFB233-063F-42B5-8137-9DF3F51BA10A}">
-      <p15:sldGuideLst xmlns:p15="http://schemas.microsoft.com/office/powerpoint/2012/main">
+      <p15:sldGuideLst xmlns:p15="http://schemas.microsoft.com/office/powerpoint/2012/main" xmlns="">
         <p15:guide id="1" orient="horz" pos="1361">
           <p15:clr>
             <a:srgbClr val="A4A3A4"/>
@@ -251,7 +251,7 @@
           <a:p>
             <a:fld id="{D8918BFA-32EC-4606-890D-4BD7EFF38C42}" type="datetimeFigureOut">
               <a:rPr lang="ru-RU" smtClean="0"/>
-              <a:t>10.02.2020</a:t>
+              <a:t>13.02.2020</a:t>
             </a:fld>
             <a:endParaRPr lang="ru-RU"/>
           </a:p>
@@ -4646,6 +4646,15 @@
               </a:rPr>
               <a:t>Программирование математических выражений </a:t>
             </a:r>
+            <a:r>
+              <a:rPr lang="en-US" altLang="ru-RU" sz="1300" b="1" cap="all" dirty="0">
+                <a:solidFill>
+                  <a:schemeClr val="bg1"/>
+                </a:solidFill>
+                <a:latin typeface="Calibri" panose="020F0502020204030204" pitchFamily="34" charset="0"/>
+              </a:rPr>
+              <a:t/>
+            </a:r>
             <a:br>
               <a:rPr lang="en-US" altLang="ru-RU" sz="1300" b="1" cap="all" dirty="0">
                 <a:solidFill>
@@ -14890,14 +14899,14 @@
           </a:p>
         </p:txBody>
       </p:sp>
-      <mc:AlternateContent xmlns:mc="http://schemas.openxmlformats.org/markup-compatibility/2006">
-        <mc:Choice xmlns:a14="http://schemas.microsoft.com/office/drawing/2010/main" Requires="a14">
+      <mc:AlternateContent xmlns:mc="http://schemas.openxmlformats.org/markup-compatibility/2006" xmlns:a14="http://schemas.microsoft.com/office/drawing/2010/main">
+        <mc:Choice Requires="a14">
           <p:graphicFrame>
             <p:nvGraphicFramePr>
               <p:cNvPr id="2" name="Таблица 1">
                 <a:extLst>
                   <a:ext uri="{FF2B5EF4-FFF2-40B4-BE49-F238E27FC236}">
-                    <a16:creationId xmlns:a16="http://schemas.microsoft.com/office/drawing/2014/main" id="{493C2C6A-8BEB-44A1-9CB8-60CA3689113D}"/>
+                    <a16:creationId xmlns:a16="http://schemas.microsoft.com/office/drawing/2014/main" xmlns="" id="{493C2C6A-8BEB-44A1-9CB8-60CA3689113D}"/>
                   </a:ext>
                 </a:extLst>
               </p:cNvPr>
@@ -14924,28 +14933,28 @@
                     <a:gridCol w="1332000">
                       <a:extLst>
                         <a:ext uri="{9D8B030D-6E8A-4147-A177-3AD203B41FA5}">
-                          <a16:colId xmlns:a16="http://schemas.microsoft.com/office/drawing/2014/main" val="1470616537"/>
+                          <a16:colId xmlns:a16="http://schemas.microsoft.com/office/drawing/2014/main" xmlns="" val="1470616537"/>
                         </a:ext>
                       </a:extLst>
                     </a:gridCol>
                     <a:gridCol w="1332000">
                       <a:extLst>
                         <a:ext uri="{9D8B030D-6E8A-4147-A177-3AD203B41FA5}">
-                          <a16:colId xmlns:a16="http://schemas.microsoft.com/office/drawing/2014/main" val="31931731"/>
+                          <a16:colId xmlns:a16="http://schemas.microsoft.com/office/drawing/2014/main" xmlns="" val="31931731"/>
                         </a:ext>
                       </a:extLst>
                     </a:gridCol>
                     <a:gridCol w="1332000">
                       <a:extLst>
                         <a:ext uri="{9D8B030D-6E8A-4147-A177-3AD203B41FA5}">
-                          <a16:colId xmlns:a16="http://schemas.microsoft.com/office/drawing/2014/main" val="1941991705"/>
+                          <a16:colId xmlns:a16="http://schemas.microsoft.com/office/drawing/2014/main" xmlns="" val="1941991705"/>
                         </a:ext>
                       </a:extLst>
                     </a:gridCol>
                     <a:gridCol w="1332000">
                       <a:extLst>
                         <a:ext uri="{9D8B030D-6E8A-4147-A177-3AD203B41FA5}">
-                          <a16:colId xmlns:a16="http://schemas.microsoft.com/office/drawing/2014/main" val="3321931327"/>
+                          <a16:colId xmlns:a16="http://schemas.microsoft.com/office/drawing/2014/main" xmlns="" val="3321931327"/>
                         </a:ext>
                       </a:extLst>
                     </a:gridCol>
@@ -15149,7 +15158,7 @@
                     </a:tc>
                     <a:extLst>
                       <a:ext uri="{0D108BD9-81ED-4DB2-BD59-A6C34878D82A}">
-                        <a16:rowId xmlns:a16="http://schemas.microsoft.com/office/drawing/2014/main" val="3979142589"/>
+                        <a16:rowId xmlns:a16="http://schemas.microsoft.com/office/drawing/2014/main" xmlns="" val="3979142589"/>
                       </a:ext>
                     </a:extLst>
                   </a:tr>
@@ -15398,7 +15407,7 @@
                     </a:tc>
                     <a:extLst>
                       <a:ext uri="{0D108BD9-81ED-4DB2-BD59-A6C34878D82A}">
-                        <a16:rowId xmlns:a16="http://schemas.microsoft.com/office/drawing/2014/main" val="659465750"/>
+                        <a16:rowId xmlns:a16="http://schemas.microsoft.com/office/drawing/2014/main" xmlns="" val="659465750"/>
                       </a:ext>
                     </a:extLst>
                   </a:tr>
@@ -15697,7 +15706,7 @@
                     </a:tc>
                     <a:extLst>
                       <a:ext uri="{0D108BD9-81ED-4DB2-BD59-A6C34878D82A}">
-                        <a16:rowId xmlns:a16="http://schemas.microsoft.com/office/drawing/2014/main" val="2733968529"/>
+                        <a16:rowId xmlns:a16="http://schemas.microsoft.com/office/drawing/2014/main" xmlns="" val="2733968529"/>
                       </a:ext>
                     </a:extLst>
                   </a:tr>
@@ -15967,7 +15976,7 @@
                     </a:tc>
                     <a:extLst>
                       <a:ext uri="{0D108BD9-81ED-4DB2-BD59-A6C34878D82A}">
-                        <a16:rowId xmlns:a16="http://schemas.microsoft.com/office/drawing/2014/main" val="1879267880"/>
+                        <a16:rowId xmlns:a16="http://schemas.microsoft.com/office/drawing/2014/main" xmlns="" val="1879267880"/>
                       </a:ext>
                     </a:extLst>
                   </a:tr>
@@ -16267,7 +16276,7 @@
                     </a:tc>
                     <a:extLst>
                       <a:ext uri="{0D108BD9-81ED-4DB2-BD59-A6C34878D82A}">
-                        <a16:rowId xmlns:a16="http://schemas.microsoft.com/office/drawing/2014/main" val="1521564475"/>
+                        <a16:rowId xmlns:a16="http://schemas.microsoft.com/office/drawing/2014/main" xmlns="" val="1521564475"/>
                       </a:ext>
                     </a:extLst>
                   </a:tr>
@@ -16545,7 +16554,7 @@
                     </a:tc>
                     <a:extLst>
                       <a:ext uri="{0D108BD9-81ED-4DB2-BD59-A6C34878D82A}">
-                        <a16:rowId xmlns:a16="http://schemas.microsoft.com/office/drawing/2014/main" val="3624769566"/>
+                        <a16:rowId xmlns:a16="http://schemas.microsoft.com/office/drawing/2014/main" xmlns="" val="3624769566"/>
                       </a:ext>
                     </a:extLst>
                   </a:tr>
@@ -16815,7 +16824,7 @@
                     </a:tc>
                     <a:extLst>
                       <a:ext uri="{0D108BD9-81ED-4DB2-BD59-A6C34878D82A}">
-                        <a16:rowId xmlns:a16="http://schemas.microsoft.com/office/drawing/2014/main" val="4008938476"/>
+                        <a16:rowId xmlns:a16="http://schemas.microsoft.com/office/drawing/2014/main" xmlns="" val="4008938476"/>
                       </a:ext>
                     </a:extLst>
                   </a:tr>
@@ -17093,7 +17102,7 @@
                     </a:tc>
                     <a:extLst>
                       <a:ext uri="{0D108BD9-81ED-4DB2-BD59-A6C34878D82A}">
-                        <a16:rowId xmlns:a16="http://schemas.microsoft.com/office/drawing/2014/main" val="355432336"/>
+                        <a16:rowId xmlns:a16="http://schemas.microsoft.com/office/drawing/2014/main" xmlns="" val="355432336"/>
                       </a:ext>
                     </a:extLst>
                   </a:tr>
@@ -17192,7 +17201,7 @@
                                     <m:degHide m:val="on"/>
                                     <m:ctrlPr>
                                       <a:rPr lang="ru-RU" sz="1400" i="1" smtClean="0">
-                                        <a:latin typeface="Cambria Math" panose="02040503050406030204" pitchFamily="18" charset="0"/>
+                                        <a:latin typeface="Cambria Math"/>
                                         <a:cs typeface="Times New Roman"/>
                                       </a:rPr>
                                     </m:ctrlPr>
@@ -17377,7 +17386,7 @@
                     </a:tc>
                     <a:extLst>
                       <a:ext uri="{0D108BD9-81ED-4DB2-BD59-A6C34878D82A}">
-                        <a16:rowId xmlns:a16="http://schemas.microsoft.com/office/drawing/2014/main" val="3635140172"/>
+                        <a16:rowId xmlns:a16="http://schemas.microsoft.com/office/drawing/2014/main" xmlns="" val="3635140172"/>
                       </a:ext>
                     </a:extLst>
                   </a:tr>
@@ -17647,7 +17656,7 @@
                     </a:tc>
                     <a:extLst>
                       <a:ext uri="{0D108BD9-81ED-4DB2-BD59-A6C34878D82A}">
-                        <a16:rowId xmlns:a16="http://schemas.microsoft.com/office/drawing/2014/main" val="927867038"/>
+                        <a16:rowId xmlns:a16="http://schemas.microsoft.com/office/drawing/2014/main" xmlns="" val="927867038"/>
                       </a:ext>
                     </a:extLst>
                   </a:tr>
@@ -17925,7 +17934,7 @@
                     </a:tc>
                     <a:extLst>
                       <a:ext uri="{0D108BD9-81ED-4DB2-BD59-A6C34878D82A}">
-                        <a16:rowId xmlns:a16="http://schemas.microsoft.com/office/drawing/2014/main" val="4008850324"/>
+                        <a16:rowId xmlns:a16="http://schemas.microsoft.com/office/drawing/2014/main" xmlns="" val="4008850324"/>
                       </a:ext>
                     </a:extLst>
                   </a:tr>
@@ -17934,7 +17943,7 @@
             </a:graphic>
           </p:graphicFrame>
         </mc:Choice>
-        <mc:Fallback>
+        <mc:Fallback xmlns="">
           <p:graphicFrame>
             <p:nvGraphicFramePr>
               <p:cNvPr id="2" name="Таблица 1">
@@ -24369,7 +24378,7 @@
             </p:nvGraphicFramePr>
             <p:xfrm>
               <a:off x="708171" y="1118221"/>
-              <a:ext cx="4885329" cy="1348869"/>
+              <a:ext cx="4885329" cy="1467168"/>
             </p:xfrm>
             <a:graphic>
               <a:graphicData uri="http://schemas.openxmlformats.org/drawingml/2006/table">
@@ -24381,21 +24390,21 @@
                     <a:gridCol w="1725332">
                       <a:extLst>
                         <a:ext uri="{9D8B030D-6E8A-4147-A177-3AD203B41FA5}">
-                          <a16:colId xmlns:a16="http://schemas.microsoft.com/office/drawing/2014/main" val="20000"/>
+                          <a16:colId xmlns:a16="http://schemas.microsoft.com/office/drawing/2014/main" xmlns="" val="20000"/>
                         </a:ext>
                       </a:extLst>
                     </a:gridCol>
                     <a:gridCol w="432048">
                       <a:extLst>
                         <a:ext uri="{9D8B030D-6E8A-4147-A177-3AD203B41FA5}">
-                          <a16:colId xmlns:a16="http://schemas.microsoft.com/office/drawing/2014/main" val="20001"/>
+                          <a16:colId xmlns:a16="http://schemas.microsoft.com/office/drawing/2014/main" xmlns="" val="20001"/>
                         </a:ext>
                       </a:extLst>
                     </a:gridCol>
                     <a:gridCol w="2727949">
                       <a:extLst>
                         <a:ext uri="{9D8B030D-6E8A-4147-A177-3AD203B41FA5}">
-                          <a16:colId xmlns:a16="http://schemas.microsoft.com/office/drawing/2014/main" val="20002"/>
+                          <a16:colId xmlns:a16="http://schemas.microsoft.com/office/drawing/2014/main" xmlns="" val="20002"/>
                         </a:ext>
                       </a:extLst>
                     </a:gridCol>
@@ -24502,7 +24511,7 @@
                     </a:tc>
                     <a:extLst>
                       <a:ext uri="{0D108BD9-81ED-4DB2-BD59-A6C34878D82A}">
-                        <a16:rowId xmlns:a16="http://schemas.microsoft.com/office/drawing/2014/main" val="10001"/>
+                        <a16:rowId xmlns:a16="http://schemas.microsoft.com/office/drawing/2014/main" xmlns="" val="10001"/>
                       </a:ext>
                     </a:extLst>
                   </a:tr>
@@ -24531,7 +24540,7 @@
                                     <m:ctrlPr>
                                       <a:rPr lang="ru-RU" sz="1600" i="1" smtClean="0">
                                         <a:effectLst/>
-                                        <a:latin typeface="Cambria Math" panose="02040503050406030204" pitchFamily="18" charset="0"/>
+                                        <a:latin typeface="Cambria Math"/>
                                         <a:cs typeface="Times New Roman"/>
                                       </a:rPr>
                                     </m:ctrlPr>
@@ -24633,7 +24642,7 @@
                     </a:tc>
                     <a:extLst>
                       <a:ext uri="{0D108BD9-81ED-4DB2-BD59-A6C34878D82A}">
-                        <a16:rowId xmlns:a16="http://schemas.microsoft.com/office/drawing/2014/main" val="10002"/>
+                        <a16:rowId xmlns:a16="http://schemas.microsoft.com/office/drawing/2014/main" xmlns="" val="10002"/>
                       </a:ext>
                     </a:extLst>
                   </a:tr>
@@ -24733,7 +24742,7 @@
                     </a:tc>
                     <a:extLst>
                       <a:ext uri="{0D108BD9-81ED-4DB2-BD59-A6C34878D82A}">
-                        <a16:rowId xmlns:a16="http://schemas.microsoft.com/office/drawing/2014/main" val="10003"/>
+                        <a16:rowId xmlns:a16="http://schemas.microsoft.com/office/drawing/2014/main" xmlns="" val="10003"/>
                       </a:ext>
                     </a:extLst>
                   </a:tr>
@@ -24839,7 +24848,7 @@
                     </a:tc>
                     <a:extLst>
                       <a:ext uri="{0D108BD9-81ED-4DB2-BD59-A6C34878D82A}">
-                        <a16:rowId xmlns:a16="http://schemas.microsoft.com/office/drawing/2014/main" val="10004"/>
+                        <a16:rowId xmlns:a16="http://schemas.microsoft.com/office/drawing/2014/main" xmlns="" val="10004"/>
                       </a:ext>
                     </a:extLst>
                   </a:tr>
@@ -28809,7 +28818,7 @@
           <a:graphicData uri="http://schemas.openxmlformats.org/presentationml/2006/ole">
             <mc:AlternateContent xmlns:mc="http://schemas.openxmlformats.org/markup-compatibility/2006">
               <mc:Choice xmlns:v="urn:schemas-microsoft-com:vml" Requires="v">
-                <p:oleObj spid="_x0000_s10277" name="Equation" r:id="rId4" imgW="1943100" imgH="698500" progId="Equation.DSMT4">
+                <p:oleObj spid="_x0000_s10278" name="Equation" r:id="rId4" imgW="1943100" imgH="698500" progId="Equation.DSMT4">
                   <p:embed/>
                 </p:oleObj>
               </mc:Choice>
@@ -32964,7 +32973,7 @@
           <a:graphicData uri="http://schemas.openxmlformats.org/presentationml/2006/ole">
             <mc:AlternateContent xmlns:mc="http://schemas.openxmlformats.org/markup-compatibility/2006">
               <mc:Choice xmlns:v="urn:schemas-microsoft-com:vml" Requires="v">
-                <p:oleObj spid="_x0000_s11291" name="Equation" r:id="rId4" imgW="3010044" imgH="1076297" progId="Equation.DSMT4">
+                <p:oleObj spid="_x0000_s11292" name="Equation" r:id="rId4" imgW="3010044" imgH="1076297" progId="Equation.DSMT4">
                   <p:embed/>
                 </p:oleObj>
               </mc:Choice>
@@ -36492,7 +36501,7 @@
                         <m:radPr>
                           <m:ctrlPr>
                             <a:rPr lang="ru-RU" i="1" smtClean="0">
-                              <a:latin typeface="Cambria Math" panose="02040503050406030204" pitchFamily="18" charset="0"/>
+                              <a:latin typeface="Cambria Math"/>
                             </a:rPr>
                           </m:ctrlPr>
                         </m:radPr>
@@ -36512,7 +36521,7 @@
                             <m:sSupPr>
                               <m:ctrlPr>
                                 <a:rPr lang="ru-RU" i="1" smtClean="0">
-                                  <a:latin typeface="Cambria Math" panose="02040503050406030204" pitchFamily="18" charset="0"/>
+                                  <a:latin typeface="Cambria Math"/>
                                 </a:rPr>
                               </m:ctrlPr>
                             </m:sSupPr>
@@ -36521,7 +36530,7 @@
                                 <m:dPr>
                                   <m:ctrlPr>
                                     <a:rPr lang="ru-RU" i="1" smtClean="0">
-                                      <a:latin typeface="Cambria Math" panose="02040503050406030204" pitchFamily="18" charset="0"/>
+                                      <a:latin typeface="Cambria Math"/>
                                     </a:rPr>
                                   </m:ctrlPr>
                                 </m:dPr>
@@ -36566,7 +36575,7 @@
                             <m:dPr>
                               <m:ctrlPr>
                                 <a:rPr lang="en-US" b="0" i="1" smtClean="0">
-                                  <a:latin typeface="Cambria Math" panose="02040503050406030204" pitchFamily="18" charset="0"/>
+                                  <a:latin typeface="Cambria Math"/>
                                 </a:rPr>
                               </m:ctrlPr>
                             </m:dPr>
@@ -36592,7 +36601,7 @@
                           <m:degHide m:val="on"/>
                           <m:ctrlPr>
                             <a:rPr lang="en-US" b="0" i="1" smtClean="0">
-                              <a:latin typeface="Cambria Math" panose="02040503050406030204" pitchFamily="18" charset="0"/>
+                              <a:latin typeface="Cambria Math"/>
                             </a:rPr>
                           </m:ctrlPr>
                         </m:radPr>
@@ -36608,7 +36617,7 @@
                             <m:dPr>
                               <m:ctrlPr>
                                 <a:rPr lang="en-US" b="0" i="1" smtClean="0">
-                                  <a:latin typeface="Cambria Math" panose="02040503050406030204" pitchFamily="18" charset="0"/>
+                                  <a:latin typeface="Cambria Math"/>
                                 </a:rPr>
                               </m:ctrlPr>
                             </m:dPr>
@@ -36629,7 +36638,7 @@
                                 <m:fPr>
                                   <m:ctrlPr>
                                     <a:rPr lang="en-US" b="0" i="1" smtClean="0">
-                                      <a:latin typeface="Cambria Math" panose="02040503050406030204" pitchFamily="18" charset="0"/>
+                                      <a:latin typeface="Cambria Math"/>
                                     </a:rPr>
                                   </m:ctrlPr>
                                 </m:fPr>
@@ -36638,7 +36647,7 @@
                                     <m:sSupPr>
                                       <m:ctrlPr>
                                         <a:rPr lang="en-US" b="0" i="1" smtClean="0">
-                                          <a:latin typeface="Cambria Math" panose="02040503050406030204" pitchFamily="18" charset="0"/>
+                                          <a:latin typeface="Cambria Math"/>
                                         </a:rPr>
                                       </m:ctrlPr>
                                     </m:sSupPr>
@@ -36690,7 +36699,7 @@
                         <m:sSupPr>
                           <m:ctrlPr>
                             <a:rPr lang="en-US" b="0" i="1" smtClean="0">
-                              <a:latin typeface="Cambria Math" panose="02040503050406030204" pitchFamily="18" charset="0"/>
+                              <a:latin typeface="Cambria Math"/>
                               <a:ea typeface="Cambria Math" panose="02040503050406030204" pitchFamily="18" charset="0"/>
                             </a:rPr>
                           </m:ctrlPr>
@@ -36899,7 +36908,7 @@
                         <m:fPr>
                           <m:ctrlPr>
                             <a:rPr lang="en-US" b="0" i="1" smtClean="0">
-                              <a:latin typeface="Cambria Math" panose="02040503050406030204" pitchFamily="18" charset="0"/>
+                              <a:latin typeface="Cambria Math"/>
                             </a:rPr>
                           </m:ctrlPr>
                         </m:fPr>
@@ -36909,7 +36918,7 @@
                               <m:degHide m:val="on"/>
                               <m:ctrlPr>
                                 <a:rPr lang="en-US" b="0" i="1" smtClean="0">
-                                  <a:latin typeface="Cambria Math" panose="02040503050406030204" pitchFamily="18" charset="0"/>
+                                  <a:latin typeface="Cambria Math"/>
                                 </a:rPr>
                               </m:ctrlPr>
                             </m:radPr>
@@ -36919,7 +36928,7 @@
                                 <m:sSupPr>
                                   <m:ctrlPr>
                                     <a:rPr lang="en-US" b="0" i="1" smtClean="0">
-                                      <a:latin typeface="Cambria Math" panose="02040503050406030204" pitchFamily="18" charset="0"/>
+                                      <a:latin typeface="Cambria Math"/>
                                     </a:rPr>
                                   </m:ctrlPr>
                                 </m:sSupPr>
@@ -36950,7 +36959,7 @@
                                 <m:funcPr>
                                   <m:ctrlPr>
                                     <a:rPr lang="en-US" b="0" i="1" smtClean="0">
-                                      <a:latin typeface="Cambria Math" panose="02040503050406030204" pitchFamily="18" charset="0"/>
+                                      <a:latin typeface="Cambria Math"/>
                                     </a:rPr>
                                   </m:ctrlPr>
                                 </m:funcPr>
@@ -36970,7 +36979,7 @@
                                     <m:dPr>
                                       <m:ctrlPr>
                                         <a:rPr lang="en-US" b="0" i="1" smtClean="0">
-                                          <a:latin typeface="Cambria Math" panose="02040503050406030204" pitchFamily="18" charset="0"/>
+                                          <a:latin typeface="Cambria Math"/>
                                         </a:rPr>
                                       </m:ctrlPr>
                                     </m:dPr>
@@ -36979,7 +36988,7 @@
                                         <m:fPr>
                                           <m:ctrlPr>
                                             <a:rPr lang="en-US" b="0" i="1" smtClean="0">
-                                              <a:latin typeface="Cambria Math" panose="02040503050406030204" pitchFamily="18" charset="0"/>
+                                              <a:latin typeface="Cambria Math"/>
                                             </a:rPr>
                                           </m:ctrlPr>
                                         </m:fPr>
@@ -37018,7 +37027,7 @@
                             <m:funcPr>
                               <m:ctrlPr>
                                 <a:rPr lang="en-US" b="0" i="1" smtClean="0">
-                                  <a:latin typeface="Cambria Math" panose="02040503050406030204" pitchFamily="18" charset="0"/>
+                                  <a:latin typeface="Cambria Math"/>
                                 </a:rPr>
                               </m:ctrlPr>
                             </m:funcPr>
@@ -37038,7 +37047,7 @@
                                 <m:dPr>
                                   <m:ctrlPr>
                                     <a:rPr lang="en-US" b="0" i="1" smtClean="0">
-                                      <a:latin typeface="Cambria Math" panose="02040503050406030204" pitchFamily="18" charset="0"/>
+                                      <a:latin typeface="Cambria Math"/>
                                     </a:rPr>
                                   </m:ctrlPr>
                                 </m:dPr>
@@ -37090,7 +37099,7 @@
                         <m:sSupPr>
                           <m:ctrlPr>
                             <a:rPr lang="en-US" b="0" i="1" smtClean="0">
-                              <a:latin typeface="Cambria Math" panose="02040503050406030204" pitchFamily="18" charset="0"/>
+                              <a:latin typeface="Cambria Math"/>
                               <a:ea typeface="Cambria Math" panose="02040503050406030204" pitchFamily="18" charset="0"/>
                             </a:rPr>
                           </m:ctrlPr>
@@ -37191,8 +37200,8 @@
           </a:p>
         </p:txBody>
       </p:sp>
-      <mc:AlternateContent xmlns:mc="http://schemas.openxmlformats.org/markup-compatibility/2006" xmlns:a14="http://schemas.microsoft.com/office/drawing/2010/main">
-        <mc:Choice Requires="a14">
+      <mc:AlternateContent xmlns:mc="http://schemas.openxmlformats.org/markup-compatibility/2006">
+        <mc:Choice xmlns:a14="http://schemas.microsoft.com/office/drawing/2010/main" Requires="a14">
           <p:sp>
             <p:nvSpPr>
               <p:cNvPr id="32" name="TextBox 31"/>
@@ -37202,7 +37211,7 @@
             <p:spPr>
               <a:xfrm>
                 <a:off x="779815" y="2393644"/>
-                <a:ext cx="1873590" cy="451470"/>
+                <a:ext cx="1914178" cy="452560"/>
               </a:xfrm>
               <a:prstGeom prst="rect">
                 <a:avLst/>
@@ -37238,7 +37247,7 @@
                         <m:sSupPr>
                           <m:ctrlPr>
                             <a:rPr lang="en-US" b="0" i="1" smtClean="0">
-                              <a:latin typeface="Cambria Math" panose="02040503050406030204" pitchFamily="18" charset="0"/>
+                              <a:latin typeface="Cambria Math"/>
                               <a:ea typeface="Cambria Math" panose="02040503050406030204" pitchFamily="18" charset="0"/>
                             </a:rPr>
                           </m:ctrlPr>
@@ -37273,7 +37282,7 @@
                         <m:fPr>
                           <m:ctrlPr>
                             <a:rPr lang="en-US" b="0" i="1" smtClean="0">
-                              <a:latin typeface="Cambria Math" panose="02040503050406030204" pitchFamily="18" charset="0"/>
+                              <a:latin typeface="Cambria Math"/>
                               <a:ea typeface="Cambria Math" panose="02040503050406030204" pitchFamily="18" charset="0"/>
                             </a:rPr>
                           </m:ctrlPr>
@@ -37284,7 +37293,7 @@
                               <m:degHide m:val="on"/>
                               <m:ctrlPr>
                                 <a:rPr lang="en-US" b="0" i="1" smtClean="0">
-                                  <a:latin typeface="Cambria Math" panose="02040503050406030204" pitchFamily="18" charset="0"/>
+                                  <a:latin typeface="Cambria Math"/>
                                   <a:ea typeface="Cambria Math" panose="02040503050406030204" pitchFamily="18" charset="0"/>
                                 </a:rPr>
                               </m:ctrlPr>
@@ -37297,7 +37306,7 @@
                                   <m:endChr m:val="|"/>
                                   <m:ctrlPr>
                                     <a:rPr lang="en-US" b="0" i="1" smtClean="0">
-                                      <a:latin typeface="Cambria Math" panose="02040503050406030204" pitchFamily="18" charset="0"/>
+                                      <a:latin typeface="Cambria Math"/>
                                       <a:ea typeface="Cambria Math" panose="02040503050406030204" pitchFamily="18" charset="0"/>
                                     </a:rPr>
                                   </m:ctrlPr>
@@ -37314,66 +37323,52 @@
                                     <m:sSupPr>
                                       <m:ctrlPr>
                                         <a:rPr lang="en-US" b="0" i="1" smtClean="0">
-                                          <a:latin typeface="Cambria Math" panose="02040503050406030204" pitchFamily="18" charset="0"/>
+                                          <a:latin typeface="Cambria Math"/>
                                           <a:ea typeface="Cambria Math" panose="02040503050406030204" pitchFamily="18" charset="0"/>
                                         </a:rPr>
                                       </m:ctrlPr>
                                     </m:sSupPr>
                                     <m:e>
-                                      <m:func>
-                                        <m:funcPr>
-                                          <m:ctrlPr>
-                                            <a:rPr lang="en-US" b="0" i="1" smtClean="0">
-                                              <a:latin typeface="Cambria Math" panose="02040503050406030204" pitchFamily="18" charset="0"/>
-                                              <a:ea typeface="Cambria Math" panose="02040503050406030204" pitchFamily="18" charset="0"/>
-                                            </a:rPr>
-                                          </m:ctrlPr>
-                                        </m:funcPr>
-                                        <m:fName>
-                                          <m:r>
-                                            <m:rPr>
-                                              <m:sty m:val="p"/>
-                                            </m:rPr>
-                                            <a:rPr lang="en-US" b="0" i="0" smtClean="0">
-                                              <a:latin typeface="Cambria Math" panose="02040503050406030204" pitchFamily="18" charset="0"/>
-                                              <a:ea typeface="Cambria Math" panose="02040503050406030204" pitchFamily="18" charset="0"/>
-                                            </a:rPr>
-                                            <m:t>sin</m:t>
-                                          </m:r>
-                                        </m:fName>
-                                        <m:e>
-                                          <m:d>
-                                            <m:dPr>
-                                              <m:ctrlPr>
-                                                <a:rPr lang="en-US" b="0" i="1" smtClean="0">
-                                                  <a:latin typeface="Cambria Math" panose="02040503050406030204" pitchFamily="18" charset="0"/>
-                                                  <a:ea typeface="Cambria Math" panose="02040503050406030204" pitchFamily="18" charset="0"/>
-                                                </a:rPr>
-                                              </m:ctrlPr>
-                                            </m:dPr>
-                                            <m:e>
-                                              <m:r>
-                                                <a:rPr lang="en-US" b="0" i="1" smtClean="0">
-                                                  <a:latin typeface="Cambria Math" panose="02040503050406030204" pitchFamily="18" charset="0"/>
-                                                  <a:ea typeface="Cambria Math" panose="02040503050406030204" pitchFamily="18" charset="0"/>
-                                                </a:rPr>
-                                                <m:t>𝑥</m:t>
-                                              </m:r>
-                                            </m:e>
-                                          </m:d>
-                                        </m:e>
-                                      </m:func>
+                                      <m:r>
+                                        <m:rPr>
+                                          <m:sty m:val="p"/>
+                                        </m:rPr>
+                                        <a:rPr lang="en-US">
+                                          <a:latin typeface="Cambria Math"/>
+                                          <a:ea typeface="Cambria Math" panose="02040503050406030204" pitchFamily="18" charset="0"/>
+                                        </a:rPr>
+                                        <m:t>sin</m:t>
+                                      </m:r>
                                     </m:e>
                                     <m:sup>
                                       <m:r>
                                         <a:rPr lang="en-US" b="0" i="1" smtClean="0">
-                                          <a:latin typeface="Cambria Math" panose="02040503050406030204" pitchFamily="18" charset="0"/>
+                                          <a:latin typeface="Cambria Math"/>
                                           <a:ea typeface="Cambria Math" panose="02040503050406030204" pitchFamily="18" charset="0"/>
                                         </a:rPr>
                                         <m:t>2</m:t>
                                       </m:r>
                                     </m:sup>
                                   </m:sSup>
+                                  <m:d>
+                                    <m:dPr>
+                                      <m:ctrlPr>
+                                        <a:rPr lang="en-US" b="0" i="1" smtClean="0">
+                                          <a:latin typeface="Cambria Math"/>
+                                          <a:ea typeface="Cambria Math" panose="02040503050406030204" pitchFamily="18" charset="0"/>
+                                        </a:rPr>
+                                      </m:ctrlPr>
+                                    </m:dPr>
+                                    <m:e>
+                                      <m:r>
+                                        <a:rPr lang="en-US" b="0" i="1" smtClean="0">
+                                          <a:latin typeface="Cambria Math"/>
+                                          <a:ea typeface="Cambria Math" panose="02040503050406030204" pitchFamily="18" charset="0"/>
+                                        </a:rPr>
+                                        <m:t>𝑥</m:t>
+                                      </m:r>
+                                    </m:e>
+                                  </m:d>
                                 </m:e>
                               </m:d>
                             </m:e>
@@ -37384,7 +37379,7 @@
                             <m:sSupPr>
                               <m:ctrlPr>
                                 <a:rPr lang="en-US" b="0" i="1" smtClean="0">
-                                  <a:latin typeface="Cambria Math" panose="02040503050406030204" pitchFamily="18" charset="0"/>
+                                  <a:latin typeface="Cambria Math"/>
                                   <a:ea typeface="Cambria Math" panose="02040503050406030204" pitchFamily="18" charset="0"/>
                                 </a:rPr>
                               </m:ctrlPr>
@@ -37410,7 +37405,7 @@
                                 <m:fPr>
                                   <m:ctrlPr>
                                     <a:rPr lang="en-US" b="0" i="1" smtClean="0">
-                                      <a:latin typeface="Cambria Math" panose="02040503050406030204" pitchFamily="18" charset="0"/>
+                                      <a:latin typeface="Cambria Math"/>
                                       <a:ea typeface="Cambria Math" panose="02040503050406030204" pitchFamily="18" charset="0"/>
                                     </a:rPr>
                                   </m:ctrlPr>
@@ -37446,7 +37441,7 @@
             </p:txBody>
           </p:sp>
         </mc:Choice>
-        <mc:Fallback xmlns="">
+        <mc:Fallback>
           <p:sp>
             <p:nvSpPr>
               <p:cNvPr id="32" name="TextBox 31"/>
@@ -37458,15 +37453,15 @@
             <p:spPr>
               <a:xfrm>
                 <a:off x="779815" y="2393644"/>
-                <a:ext cx="1873590" cy="451470"/>
+                <a:ext cx="1914178" cy="452560"/>
               </a:xfrm>
               <a:prstGeom prst="rect">
                 <a:avLst/>
               </a:prstGeom>
-              <a:blipFill>
+              <a:blipFill rotWithShape="1">
                 <a:blip r:embed="rId4"/>
                 <a:stretch>
-                  <a:fillRect l="-1303" b="-6757"/>
+                  <a:fillRect b="-5405"/>
                 </a:stretch>
               </a:blipFill>
             </p:spPr>
@@ -37562,7 +37557,7 @@
                         <m:fPr>
                           <m:ctrlPr>
                             <a:rPr lang="en-US" b="0" i="1" smtClean="0">
-                              <a:latin typeface="Cambria Math" panose="02040503050406030204" pitchFamily="18" charset="0"/>
+                              <a:latin typeface="Cambria Math"/>
                             </a:rPr>
                           </m:ctrlPr>
                         </m:fPr>
@@ -37598,7 +37593,7 @@
                             <m:funcPr>
                               <m:ctrlPr>
                                 <a:rPr lang="en-US" b="0" i="1" smtClean="0">
-                                  <a:latin typeface="Cambria Math" panose="02040503050406030204" pitchFamily="18" charset="0"/>
+                                  <a:latin typeface="Cambria Math"/>
                                   <a:ea typeface="Cambria Math" panose="02040503050406030204" pitchFamily="18" charset="0"/>
                                 </a:rPr>
                               </m:ctrlPr>
@@ -37620,7 +37615,7 @@
                                 <m:dPr>
                                   <m:ctrlPr>
                                     <a:rPr lang="en-US" b="0" i="1" smtClean="0">
-                                      <a:latin typeface="Cambria Math" panose="02040503050406030204" pitchFamily="18" charset="0"/>
+                                      <a:latin typeface="Cambria Math"/>
                                       <a:ea typeface="Cambria Math" panose="02040503050406030204" pitchFamily="18" charset="0"/>
                                     </a:rPr>
                                   </m:ctrlPr>
@@ -37643,7 +37638,7 @@
                             <m:funcPr>
                               <m:ctrlPr>
                                 <a:rPr lang="en-US" b="0" i="1" smtClean="0">
-                                  <a:latin typeface="Cambria Math" panose="02040503050406030204" pitchFamily="18" charset="0"/>
+                                  <a:latin typeface="Cambria Math"/>
                                 </a:rPr>
                               </m:ctrlPr>
                             </m:funcPr>
@@ -37663,7 +37658,7 @@
                                 <m:dPr>
                                   <m:ctrlPr>
                                     <a:rPr lang="en-US" b="0" i="1" smtClean="0">
-                                      <a:latin typeface="Cambria Math" panose="02040503050406030204" pitchFamily="18" charset="0"/>
+                                      <a:latin typeface="Cambria Math"/>
                                     </a:rPr>
                                   </m:ctrlPr>
                                 </m:dPr>
@@ -37672,7 +37667,7 @@
                                     <m:fPr>
                                       <m:ctrlPr>
                                         <a:rPr lang="en-US" b="0" i="1" smtClean="0">
-                                          <a:latin typeface="Cambria Math" panose="02040503050406030204" pitchFamily="18" charset="0"/>
+                                          <a:latin typeface="Cambria Math"/>
                                         </a:rPr>
                                       </m:ctrlPr>
                                     </m:fPr>
@@ -37709,7 +37704,7 @@
                         <m:sSupPr>
                           <m:ctrlPr>
                             <a:rPr lang="en-US" b="0" i="1" smtClean="0">
-                              <a:latin typeface="Cambria Math" panose="02040503050406030204" pitchFamily="18" charset="0"/>
+                              <a:latin typeface="Cambria Math"/>
                             </a:rPr>
                           </m:ctrlPr>
                         </m:sSupPr>
@@ -37726,7 +37721,7 @@
                             <m:sSupPr>
                               <m:ctrlPr>
                                 <a:rPr lang="en-US" b="0" i="1" smtClean="0">
-                                  <a:latin typeface="Cambria Math" panose="02040503050406030204" pitchFamily="18" charset="0"/>
+                                  <a:latin typeface="Cambria Math"/>
                                 </a:rPr>
                               </m:ctrlPr>
                             </m:sSupPr>
@@ -37873,7 +37868,7 @@
                         <m:fPr>
                           <m:ctrlPr>
                             <a:rPr lang="en-US" b="0" i="1" smtClean="0">
-                              <a:latin typeface="Cambria Math" panose="02040503050406030204" pitchFamily="18" charset="0"/>
+                              <a:latin typeface="Cambria Math"/>
                             </a:rPr>
                           </m:ctrlPr>
                         </m:fPr>
@@ -37882,7 +37877,7 @@
                             <m:funcPr>
                               <m:ctrlPr>
                                 <a:rPr lang="en-US" b="0" i="1" smtClean="0">
-                                  <a:latin typeface="Cambria Math" panose="02040503050406030204" pitchFamily="18" charset="0"/>
+                                  <a:latin typeface="Cambria Math"/>
                                 </a:rPr>
                               </m:ctrlPr>
                             </m:funcPr>
@@ -37902,7 +37897,7 @@
                                 <m:dPr>
                                   <m:ctrlPr>
                                     <a:rPr lang="en-US" b="0" i="1" smtClean="0">
-                                      <a:latin typeface="Cambria Math" panose="02040503050406030204" pitchFamily="18" charset="0"/>
+                                      <a:latin typeface="Cambria Math"/>
                                     </a:rPr>
                                   </m:ctrlPr>
                                 </m:dPr>
@@ -37911,7 +37906,7 @@
                                     <m:sSupPr>
                                       <m:ctrlPr>
                                         <a:rPr lang="en-US" b="0" i="1" smtClean="0">
-                                          <a:latin typeface="Cambria Math" panose="02040503050406030204" pitchFamily="18" charset="0"/>
+                                          <a:latin typeface="Cambria Math"/>
                                         </a:rPr>
                                       </m:ctrlPr>
                                     </m:sSupPr>
@@ -37942,7 +37937,7 @@
                             <m:sSupPr>
                               <m:ctrlPr>
                                 <a:rPr lang="en-US" b="0" i="1" smtClean="0">
-                                  <a:latin typeface="Cambria Math" panose="02040503050406030204" pitchFamily="18" charset="0"/>
+                                  <a:latin typeface="Cambria Math"/>
                                 </a:rPr>
                               </m:ctrlPr>
                             </m:sSupPr>
@@ -37959,7 +37954,7 @@
                                 <m:fPr>
                                   <m:ctrlPr>
                                     <a:rPr lang="en-US" b="0" i="1" smtClean="0">
-                                      <a:latin typeface="Cambria Math" panose="02040503050406030204" pitchFamily="18" charset="0"/>
+                                      <a:latin typeface="Cambria Math"/>
                                     </a:rPr>
                                   </m:ctrlPr>
                                 </m:fPr>
@@ -37993,7 +37988,7 @@
                             <m:funcPr>
                               <m:ctrlPr>
                                 <a:rPr lang="en-US" b="0" i="1" smtClean="0">
-                                  <a:latin typeface="Cambria Math" panose="02040503050406030204" pitchFamily="18" charset="0"/>
+                                  <a:latin typeface="Cambria Math"/>
                                   <a:ea typeface="Cambria Math" panose="02040503050406030204" pitchFamily="18" charset="0"/>
                                 </a:rPr>
                               </m:ctrlPr>
@@ -38015,7 +38010,7 @@
                                 <m:dPr>
                                   <m:ctrlPr>
                                     <a:rPr lang="en-US" b="0" i="1" smtClean="0">
-                                      <a:latin typeface="Cambria Math" panose="02040503050406030204" pitchFamily="18" charset="0"/>
+                                      <a:latin typeface="Cambria Math"/>
                                       <a:ea typeface="Cambria Math" panose="02040503050406030204" pitchFamily="18" charset="0"/>
                                     </a:rPr>
                                   </m:ctrlPr>
@@ -38058,7 +38053,7 @@
                         <m:sSupPr>
                           <m:ctrlPr>
                             <a:rPr lang="en-US" b="0" i="1" smtClean="0">
-                              <a:latin typeface="Cambria Math" panose="02040503050406030204" pitchFamily="18" charset="0"/>
+                              <a:latin typeface="Cambria Math"/>
                               <a:ea typeface="Cambria Math" panose="02040503050406030204" pitchFamily="18" charset="0"/>
                             </a:rPr>
                           </m:ctrlPr>
@@ -38169,6 +38164,13 @@
   <p:clrMapOvr>
     <a:masterClrMapping/>
   </p:clrMapOvr>
+  <p:timing>
+    <p:tnLst>
+      <p:par>
+        <p:cTn id="1" dur="indefinite" restart="never" nodeType="tmRoot"/>
+      </p:par>
+    </p:tnLst>
+  </p:timing>
 </p:sld>
 </file>
 
@@ -41652,7 +41654,7 @@
                         <m:fPr>
                           <m:ctrlPr>
                             <a:rPr lang="en-US" b="0" i="1" smtClean="0">
-                              <a:latin typeface="Cambria Math" panose="02040503050406030204" pitchFamily="18" charset="0"/>
+                              <a:latin typeface="Cambria Math"/>
                             </a:rPr>
                           </m:ctrlPr>
                         </m:fPr>
@@ -41661,7 +41663,7 @@
                             <m:funcPr>
                               <m:ctrlPr>
                                 <a:rPr lang="en-US" b="0" i="1" smtClean="0">
-                                  <a:latin typeface="Cambria Math" panose="02040503050406030204" pitchFamily="18" charset="0"/>
+                                  <a:latin typeface="Cambria Math"/>
                                 </a:rPr>
                               </m:ctrlPr>
                             </m:funcPr>
@@ -41681,7 +41683,7 @@
                                 <m:dPr>
                                   <m:ctrlPr>
                                     <a:rPr lang="en-US" b="0" i="1" smtClean="0">
-                                      <a:latin typeface="Cambria Math" panose="02040503050406030204" pitchFamily="18" charset="0"/>
+                                      <a:latin typeface="Cambria Math"/>
                                     </a:rPr>
                                   </m:ctrlPr>
                                 </m:dPr>
@@ -41690,7 +41692,7 @@
                                     <m:sSupPr>
                                       <m:ctrlPr>
                                         <a:rPr lang="en-US" b="0" i="1" smtClean="0">
-                                          <a:latin typeface="Cambria Math" panose="02040503050406030204" pitchFamily="18" charset="0"/>
+                                          <a:latin typeface="Cambria Math"/>
                                         </a:rPr>
                                       </m:ctrlPr>
                                     </m:sSupPr>
@@ -41721,7 +41723,7 @@
                                     <m:sSupPr>
                                       <m:ctrlPr>
                                         <a:rPr lang="en-US" b="0" i="1" smtClean="0">
-                                          <a:latin typeface="Cambria Math" panose="02040503050406030204" pitchFamily="18" charset="0"/>
+                                          <a:latin typeface="Cambria Math"/>
                                         </a:rPr>
                                       </m:ctrlPr>
                                     </m:sSupPr>
@@ -41730,7 +41732,7 @@
                                         <m:funcPr>
                                           <m:ctrlPr>
                                             <a:rPr lang="en-US" b="0" i="1" smtClean="0">
-                                              <a:latin typeface="Cambria Math" panose="02040503050406030204" pitchFamily="18" charset="0"/>
+                                              <a:latin typeface="Cambria Math"/>
                                             </a:rPr>
                                           </m:ctrlPr>
                                         </m:funcPr>
@@ -41750,7 +41752,7 @@
                                             <m:dPr>
                                               <m:ctrlPr>
                                                 <a:rPr lang="en-US" b="0" i="1" smtClean="0">
-                                                  <a:latin typeface="Cambria Math" panose="02040503050406030204" pitchFamily="18" charset="0"/>
+                                                  <a:latin typeface="Cambria Math"/>
                                                 </a:rPr>
                                               </m:ctrlPr>
                                             </m:dPr>
@@ -41786,7 +41788,7 @@
                               <m:degHide m:val="on"/>
                               <m:ctrlPr>
                                 <a:rPr lang="en-US" b="0" i="1" smtClean="0">
-                                  <a:latin typeface="Cambria Math" panose="02040503050406030204" pitchFamily="18" charset="0"/>
+                                  <a:latin typeface="Cambria Math"/>
                                 </a:rPr>
                               </m:ctrlPr>
                             </m:radPr>
@@ -41798,7 +41800,7 @@
                                   <m:endChr m:val="|"/>
                                   <m:ctrlPr>
                                     <a:rPr lang="en-US" b="0" i="1" smtClean="0">
-                                      <a:latin typeface="Cambria Math" panose="02040503050406030204" pitchFamily="18" charset="0"/>
+                                      <a:latin typeface="Cambria Math"/>
                                     </a:rPr>
                                   </m:ctrlPr>
                                 </m:dPr>
@@ -41820,7 +41822,7 @@
                                     <m:sSupPr>
                                       <m:ctrlPr>
                                         <a:rPr lang="en-US" b="0" i="1" smtClean="0">
-                                          <a:latin typeface="Cambria Math" panose="02040503050406030204" pitchFamily="18" charset="0"/>
+                                          <a:latin typeface="Cambria Math"/>
                                           <a:ea typeface="Cambria Math" panose="02040503050406030204" pitchFamily="18" charset="0"/>
                                         </a:rPr>
                                       </m:ctrlPr>
@@ -41855,7 +41857,7 @@
                                     <m:sSupPr>
                                       <m:ctrlPr>
                                         <a:rPr lang="en-US" b="0" i="1" smtClean="0">
-                                          <a:latin typeface="Cambria Math" panose="02040503050406030204" pitchFamily="18" charset="0"/>
+                                          <a:latin typeface="Cambria Math"/>
                                           <a:ea typeface="Cambria Math" panose="02040503050406030204" pitchFamily="18" charset="0"/>
                                         </a:rPr>
                                       </m:ctrlPr>
@@ -41962,8 +41964,8 @@
           </a:p>
         </p:txBody>
       </p:sp>
-      <mc:AlternateContent xmlns:mc="http://schemas.openxmlformats.org/markup-compatibility/2006" xmlns:a14="http://schemas.microsoft.com/office/drawing/2010/main">
-        <mc:Choice Requires="a14">
+      <mc:AlternateContent xmlns:mc="http://schemas.openxmlformats.org/markup-compatibility/2006">
+        <mc:Choice xmlns:a14="http://schemas.microsoft.com/office/drawing/2010/main" Requires="a14">
           <p:sp>
             <p:nvSpPr>
               <p:cNvPr id="30" name="TextBox 29"/>
@@ -41973,7 +41975,7 @@
             <p:spPr>
               <a:xfrm>
                 <a:off x="785813" y="1735081"/>
-                <a:ext cx="2382255" cy="349904"/>
+                <a:ext cx="2327240" cy="349904"/>
               </a:xfrm>
               <a:prstGeom prst="rect">
                 <a:avLst/>
@@ -42009,98 +42011,98 @@
                         <m:sSupPr>
                           <m:ctrlPr>
                             <a:rPr lang="en-US" b="0" i="1" smtClean="0">
-                              <a:latin typeface="Cambria Math" panose="02040503050406030204" pitchFamily="18" charset="0"/>
+                              <a:latin typeface="Cambria Math"/>
                             </a:rPr>
                           </m:ctrlPr>
                         </m:sSupPr>
                         <m:e>
                           <m:r>
                             <a:rPr lang="en-US" b="0" i="1" smtClean="0">
-                              <a:latin typeface="Cambria Math" panose="02040503050406030204" pitchFamily="18" charset="0"/>
+                              <a:latin typeface="Cambria Math"/>
                             </a:rPr>
                             <m:t>𝑎𝑟𝑐𝑡𝑔</m:t>
                           </m:r>
-                          <m:d>
-                            <m:dPr>
-                              <m:ctrlPr>
-                                <a:rPr lang="en-US" b="0" i="1" smtClean="0">
-                                  <a:latin typeface="Cambria Math" panose="02040503050406030204" pitchFamily="18" charset="0"/>
-                                </a:rPr>
-                              </m:ctrlPr>
-                            </m:dPr>
-                            <m:e>
-                              <m:rad>
-                                <m:radPr>
-                                  <m:degHide m:val="on"/>
-                                  <m:ctrlPr>
-                                    <a:rPr lang="en-US" b="0" i="1" smtClean="0">
-                                      <a:latin typeface="Cambria Math" panose="02040503050406030204" pitchFamily="18" charset="0"/>
-                                    </a:rPr>
-                                  </m:ctrlPr>
-                                </m:radPr>
-                                <m:deg/>
-                                <m:e>
-                                  <m:r>
-                                    <a:rPr lang="en-US" b="0" i="1" smtClean="0">
-                                      <a:latin typeface="Cambria Math" panose="02040503050406030204" pitchFamily="18" charset="0"/>
-                                    </a:rPr>
-                                    <m:t>𝑥</m:t>
-                                  </m:r>
-                                </m:e>
-                              </m:rad>
-                              <m:r>
-                                <a:rPr lang="en-US" b="0" i="1" smtClean="0">
-                                  <a:latin typeface="Cambria Math" panose="02040503050406030204" pitchFamily="18" charset="0"/>
-                                </a:rPr>
-                                <m:t>−2,7</m:t>
-                              </m:r>
-                              <m:r>
-                                <a:rPr lang="en-US" b="0" i="1" smtClean="0">
-                                  <a:latin typeface="Cambria Math" panose="02040503050406030204" pitchFamily="18" charset="0"/>
-                                  <a:ea typeface="Cambria Math" panose="02040503050406030204" pitchFamily="18" charset="0"/>
-                                </a:rPr>
-                                <m:t>∙</m:t>
-                              </m:r>
-                              <m:sSup>
-                                <m:sSupPr>
-                                  <m:ctrlPr>
-                                    <a:rPr lang="en-US" b="0" i="1" smtClean="0">
-                                      <a:latin typeface="Cambria Math" panose="02040503050406030204" pitchFamily="18" charset="0"/>
-                                      <a:ea typeface="Cambria Math" panose="02040503050406030204" pitchFamily="18" charset="0"/>
-                                    </a:rPr>
-                                  </m:ctrlPr>
-                                </m:sSupPr>
-                                <m:e>
-                                  <m:r>
-                                    <a:rPr lang="en-US" b="0" i="1" smtClean="0">
-                                      <a:latin typeface="Cambria Math" panose="02040503050406030204" pitchFamily="18" charset="0"/>
-                                      <a:ea typeface="Cambria Math" panose="02040503050406030204" pitchFamily="18" charset="0"/>
-                                    </a:rPr>
-                                    <m:t>10</m:t>
-                                  </m:r>
-                                </m:e>
-                                <m:sup>
-                                  <m:r>
-                                    <a:rPr lang="en-US" b="0" i="1" smtClean="0">
-                                      <a:latin typeface="Cambria Math" panose="02040503050406030204" pitchFamily="18" charset="0"/>
-                                      <a:ea typeface="Cambria Math" panose="02040503050406030204" pitchFamily="18" charset="0"/>
-                                    </a:rPr>
-                                    <m:t>−3</m:t>
-                                  </m:r>
-                                </m:sup>
-                              </m:sSup>
-                            </m:e>
-                          </m:d>
                         </m:e>
                         <m:sup>
                           <m:r>
                             <a:rPr lang="en-US" b="0" i="1" smtClean="0">
-                              <a:latin typeface="Cambria Math" panose="02040503050406030204" pitchFamily="18" charset="0"/>
+                              <a:latin typeface="Cambria Math"/>
                             </a:rPr>
                             <m:t>2</m:t>
                           </m:r>
                         </m:sup>
                       </m:sSup>
+                      <m:d>
+                        <m:dPr>
+                          <m:ctrlPr>
+                            <a:rPr lang="en-US" i="1">
+                              <a:latin typeface="Cambria Math"/>
+                            </a:rPr>
+                          </m:ctrlPr>
+                        </m:dPr>
+                        <m:e>
+                          <m:rad>
+                            <m:radPr>
+                              <m:degHide m:val="on"/>
+                              <m:ctrlPr>
+                                <a:rPr lang="en-US" i="1">
+                                  <a:latin typeface="Cambria Math"/>
+                                </a:rPr>
+                              </m:ctrlPr>
+                            </m:radPr>
+                            <m:deg/>
+                            <m:e>
+                              <m:r>
+                                <a:rPr lang="en-US" i="1">
+                                  <a:latin typeface="Cambria Math" panose="02040503050406030204" pitchFamily="18" charset="0"/>
+                                </a:rPr>
+                                <m:t>𝑥</m:t>
+                              </m:r>
+                            </m:e>
+                          </m:rad>
+                          <m:r>
+                            <a:rPr lang="en-US" i="1">
+                              <a:latin typeface="Cambria Math" panose="02040503050406030204" pitchFamily="18" charset="0"/>
+                            </a:rPr>
+                            <m:t>−2,7</m:t>
+                          </m:r>
+                          <m:r>
+                            <a:rPr lang="en-US" i="1">
+                              <a:latin typeface="Cambria Math" panose="02040503050406030204" pitchFamily="18" charset="0"/>
+                              <a:ea typeface="Cambria Math" panose="02040503050406030204" pitchFamily="18" charset="0"/>
+                            </a:rPr>
+                            <m:t>∙</m:t>
+                          </m:r>
+                          <m:sSup>
+                            <m:sSupPr>
+                              <m:ctrlPr>
+                                <a:rPr lang="en-US" i="1">
+                                  <a:latin typeface="Cambria Math"/>
+                                  <a:ea typeface="Cambria Math" panose="02040503050406030204" pitchFamily="18" charset="0"/>
+                                </a:rPr>
+                              </m:ctrlPr>
+                            </m:sSupPr>
+                            <m:e>
+                              <m:r>
+                                <a:rPr lang="en-US" i="1">
+                                  <a:latin typeface="Cambria Math" panose="02040503050406030204" pitchFamily="18" charset="0"/>
+                                  <a:ea typeface="Cambria Math" panose="02040503050406030204" pitchFamily="18" charset="0"/>
+                                </a:rPr>
+                                <m:t>10</m:t>
+                              </m:r>
+                            </m:e>
+                            <m:sup>
+                              <m:r>
+                                <a:rPr lang="en-US" i="1">
+                                  <a:latin typeface="Cambria Math" panose="02040503050406030204" pitchFamily="18" charset="0"/>
+                                  <a:ea typeface="Cambria Math" panose="02040503050406030204" pitchFamily="18" charset="0"/>
+                                </a:rPr>
+                                <m:t>−3</m:t>
+                              </m:r>
+                            </m:sup>
+                          </m:sSup>
+                        </m:e>
+                      </m:d>
                       <m:r>
                         <a:rPr lang="en-US" b="0" i="1" smtClean="0">
                           <a:latin typeface="Cambria Math" panose="02040503050406030204" pitchFamily="18" charset="0"/>
@@ -42111,7 +42113,7 @@
                         <m:fPr>
                           <m:ctrlPr>
                             <a:rPr lang="en-US" b="0" i="1" smtClean="0">
-                              <a:latin typeface="Cambria Math" panose="02040503050406030204" pitchFamily="18" charset="0"/>
+                              <a:latin typeface="Cambria Math"/>
                             </a:rPr>
                           </m:ctrlPr>
                         </m:fPr>
@@ -42120,7 +42122,7 @@
                             <m:sSupPr>
                               <m:ctrlPr>
                                 <a:rPr lang="en-US" b="0" i="1" smtClean="0">
-                                  <a:latin typeface="Cambria Math" panose="02040503050406030204" pitchFamily="18" charset="0"/>
+                                  <a:latin typeface="Cambria Math"/>
                                 </a:rPr>
                               </m:ctrlPr>
                             </m:sSupPr>
@@ -42153,7 +42155,7 @@
                             <m:funcPr>
                               <m:ctrlPr>
                                 <a:rPr lang="en-US" b="0" i="1" smtClean="0">
-                                  <a:latin typeface="Cambria Math" panose="02040503050406030204" pitchFamily="18" charset="0"/>
+                                  <a:latin typeface="Cambria Math"/>
                                 </a:rPr>
                               </m:ctrlPr>
                             </m:funcPr>
@@ -42173,7 +42175,7 @@
                                 <m:dPr>
                                   <m:ctrlPr>
                                     <a:rPr lang="en-US" b="0" i="1" smtClean="0">
-                                      <a:latin typeface="Cambria Math" panose="02040503050406030204" pitchFamily="18" charset="0"/>
+                                      <a:latin typeface="Cambria Math"/>
                                     </a:rPr>
                                   </m:ctrlPr>
                                 </m:dPr>
@@ -42198,7 +42200,7 @@
             </p:txBody>
           </p:sp>
         </mc:Choice>
-        <mc:Fallback xmlns="">
+        <mc:Fallback>
           <p:sp>
             <p:nvSpPr>
               <p:cNvPr id="30" name="TextBox 29"/>
@@ -42210,15 +42212,15 @@
             <p:spPr>
               <a:xfrm>
                 <a:off x="785813" y="1735081"/>
-                <a:ext cx="2382255" cy="349904"/>
+                <a:ext cx="2327240" cy="349904"/>
               </a:xfrm>
               <a:prstGeom prst="rect">
                 <a:avLst/>
               </a:prstGeom>
-              <a:blipFill>
+              <a:blipFill rotWithShape="1">
                 <a:blip r:embed="rId3"/>
                 <a:stretch>
-                  <a:fillRect b="-1754"/>
+                  <a:fillRect l="-1047"/>
                 </a:stretch>
               </a:blipFill>
             </p:spPr>
@@ -42315,7 +42317,7 @@
                           <m:type m:val="lin"/>
                           <m:ctrlPr>
                             <a:rPr lang="en-US" b="0" i="1" smtClean="0">
-                              <a:latin typeface="Cambria Math" panose="02040503050406030204" pitchFamily="18" charset="0"/>
+                              <a:latin typeface="Cambria Math"/>
                             </a:rPr>
                           </m:ctrlPr>
                         </m:fPr>
@@ -42324,7 +42326,7 @@
                             <m:fPr>
                               <m:ctrlPr>
                                 <a:rPr lang="en-US" b="0" i="1" smtClean="0">
-                                  <a:latin typeface="Cambria Math" panose="02040503050406030204" pitchFamily="18" charset="0"/>
+                                  <a:latin typeface="Cambria Math"/>
                                 </a:rPr>
                               </m:ctrlPr>
                             </m:fPr>
@@ -42341,7 +42343,7 @@
                                 <m:funcPr>
                                   <m:ctrlPr>
                                     <a:rPr lang="en-US" b="0" i="1" smtClean="0">
-                                      <a:latin typeface="Cambria Math" panose="02040503050406030204" pitchFamily="18" charset="0"/>
+                                      <a:latin typeface="Cambria Math"/>
                                     </a:rPr>
                                   </m:ctrlPr>
                                 </m:funcPr>
@@ -42361,7 +42363,7 @@
                                     <m:dPr>
                                       <m:ctrlPr>
                                         <a:rPr lang="en-US" b="0" i="1" smtClean="0">
-                                          <a:latin typeface="Cambria Math" panose="02040503050406030204" pitchFamily="18" charset="0"/>
+                                          <a:latin typeface="Cambria Math"/>
                                         </a:rPr>
                                       </m:ctrlPr>
                                     </m:dPr>
@@ -42390,7 +42392,7 @@
                             <m:fPr>
                               <m:ctrlPr>
                                 <a:rPr lang="en-US" b="0" i="1" smtClean="0">
-                                  <a:latin typeface="Cambria Math" panose="02040503050406030204" pitchFamily="18" charset="0"/>
+                                  <a:latin typeface="Cambria Math"/>
                                 </a:rPr>
                               </m:ctrlPr>
                             </m:fPr>
@@ -42399,7 +42401,7 @@
                                 <m:sSupPr>
                                   <m:ctrlPr>
                                     <a:rPr lang="en-US" b="0" i="1" smtClean="0">
-                                      <a:latin typeface="Cambria Math" panose="02040503050406030204" pitchFamily="18" charset="0"/>
+                                      <a:latin typeface="Cambria Math"/>
                                     </a:rPr>
                                   </m:ctrlPr>
                                 </m:sSupPr>
@@ -42416,7 +42418,7 @@
                                     <m:sSupPr>
                                       <m:ctrlPr>
                                         <a:rPr lang="en-US" b="0" i="1" smtClean="0">
-                                          <a:latin typeface="Cambria Math" panose="02040503050406030204" pitchFamily="18" charset="0"/>
+                                          <a:latin typeface="Cambria Math"/>
                                         </a:rPr>
                                       </m:ctrlPr>
                                     </m:sSupPr>
@@ -42449,7 +42451,7 @@
                                 <m:funcPr>
                                   <m:ctrlPr>
                                     <a:rPr lang="en-US" b="0" i="1" smtClean="0">
-                                      <a:latin typeface="Cambria Math" panose="02040503050406030204" pitchFamily="18" charset="0"/>
+                                      <a:latin typeface="Cambria Math"/>
                                     </a:rPr>
                                   </m:ctrlPr>
                                 </m:funcPr>
@@ -42469,7 +42471,7 @@
                                     <m:dPr>
                                       <m:ctrlPr>
                                         <a:rPr lang="en-US" b="0" i="1" smtClean="0">
-                                          <a:latin typeface="Cambria Math" panose="02040503050406030204" pitchFamily="18" charset="0"/>
+                                          <a:latin typeface="Cambria Math"/>
                                         </a:rPr>
                                       </m:ctrlPr>
                                     </m:dPr>
@@ -42491,7 +42493,7 @@
                                   <m:degHide m:val="on"/>
                                   <m:ctrlPr>
                                     <a:rPr lang="en-US" b="0" i="1" smtClean="0">
-                                      <a:latin typeface="Cambria Math" panose="02040503050406030204" pitchFamily="18" charset="0"/>
+                                      <a:latin typeface="Cambria Math"/>
                                     </a:rPr>
                                   </m:ctrlPr>
                                 </m:radPr>
@@ -42501,7 +42503,7 @@
                                     <m:sSupPr>
                                       <m:ctrlPr>
                                         <a:rPr lang="en-US" b="0" i="1" smtClean="0">
-                                          <a:latin typeface="Cambria Math" panose="02040503050406030204" pitchFamily="18" charset="0"/>
+                                          <a:latin typeface="Cambria Math"/>
                                         </a:rPr>
                                       </m:ctrlPr>
                                     </m:sSupPr>
@@ -42539,7 +42541,7 @@
                                     <m:sSupPr>
                                       <m:ctrlPr>
                                         <a:rPr lang="en-US" b="0" i="1" smtClean="0">
-                                          <a:latin typeface="Cambria Math" panose="02040503050406030204" pitchFamily="18" charset="0"/>
+                                          <a:latin typeface="Cambria Math"/>
                                           <a:ea typeface="Cambria Math" panose="02040503050406030204" pitchFamily="18" charset="0"/>
                                         </a:rPr>
                                       </m:ctrlPr>
@@ -42707,7 +42709,7 @@
                         <m:fPr>
                           <m:ctrlPr>
                             <a:rPr lang="en-US" b="0" i="1" smtClean="0">
-                              <a:latin typeface="Cambria Math" panose="02040503050406030204" pitchFamily="18" charset="0"/>
+                              <a:latin typeface="Cambria Math"/>
                             </a:rPr>
                           </m:ctrlPr>
                         </m:fPr>
@@ -42729,7 +42731,7 @@
                             <m:sSupPr>
                               <m:ctrlPr>
                                 <a:rPr lang="en-US" b="0" i="1" smtClean="0">
-                                  <a:latin typeface="Cambria Math" panose="02040503050406030204" pitchFamily="18" charset="0"/>
+                                  <a:latin typeface="Cambria Math"/>
                                   <a:ea typeface="Cambria Math" panose="02040503050406030204" pitchFamily="18" charset="0"/>
                                 </a:rPr>
                               </m:ctrlPr>
@@ -42764,7 +42766,7 @@
                             <m:funcPr>
                               <m:ctrlPr>
                                 <a:rPr lang="en-US" b="0" i="1" smtClean="0">
-                                  <a:latin typeface="Cambria Math" panose="02040503050406030204" pitchFamily="18" charset="0"/>
+                                  <a:latin typeface="Cambria Math"/>
                                   <a:ea typeface="Cambria Math" panose="02040503050406030204" pitchFamily="18" charset="0"/>
                                 </a:rPr>
                               </m:ctrlPr>
@@ -42786,7 +42788,7 @@
                                 <m:dPr>
                                   <m:ctrlPr>
                                     <a:rPr lang="en-US" b="0" i="1" smtClean="0">
-                                      <a:latin typeface="Cambria Math" panose="02040503050406030204" pitchFamily="18" charset="0"/>
+                                      <a:latin typeface="Cambria Math"/>
                                       <a:ea typeface="Cambria Math" panose="02040503050406030204" pitchFamily="18" charset="0"/>
                                     </a:rPr>
                                   </m:ctrlPr>
@@ -42796,7 +42798,7 @@
                                     <m:fPr>
                                       <m:ctrlPr>
                                         <a:rPr lang="en-US" b="0" i="1" smtClean="0">
-                                          <a:latin typeface="Cambria Math" panose="02040503050406030204" pitchFamily="18" charset="0"/>
+                                          <a:latin typeface="Cambria Math"/>
                                           <a:ea typeface="Cambria Math" panose="02040503050406030204" pitchFamily="18" charset="0"/>
                                         </a:rPr>
                                       </m:ctrlPr>
@@ -42806,7 +42808,7 @@
                                         <m:sSupPr>
                                           <m:ctrlPr>
                                             <a:rPr lang="en-US" b="0" i="1" smtClean="0">
-                                              <a:latin typeface="Cambria Math" panose="02040503050406030204" pitchFamily="18" charset="0"/>
+                                              <a:latin typeface="Cambria Math"/>
                                               <a:ea typeface="Cambria Math" panose="02040503050406030204" pitchFamily="18" charset="0"/>
                                             </a:rPr>
                                           </m:ctrlPr>
@@ -42857,7 +42859,7 @@
                             <m:dPr>
                               <m:ctrlPr>
                                 <a:rPr lang="en-US" b="0" i="1" smtClean="0">
-                                  <a:latin typeface="Cambria Math" panose="02040503050406030204" pitchFamily="18" charset="0"/>
+                                  <a:latin typeface="Cambria Math"/>
                                 </a:rPr>
                               </m:ctrlPr>
                             </m:dPr>
@@ -42866,7 +42868,7 @@
                                 <m:sSupPr>
                                   <m:ctrlPr>
                                     <a:rPr lang="en-US" b="0" i="1" smtClean="0">
-                                      <a:latin typeface="Cambria Math" panose="02040503050406030204" pitchFamily="18" charset="0"/>
+                                      <a:latin typeface="Cambria Math"/>
                                     </a:rPr>
                                   </m:ctrlPr>
                                 </m:sSupPr>
@@ -42988,8 +42990,8 @@
           </a:p>
         </p:txBody>
       </p:sp>
-      <mc:AlternateContent xmlns:mc="http://schemas.openxmlformats.org/markup-compatibility/2006" xmlns:a14="http://schemas.microsoft.com/office/drawing/2010/main">
-        <mc:Choice Requires="a14">
+      <mc:AlternateContent xmlns:mc="http://schemas.openxmlformats.org/markup-compatibility/2006">
+        <mc:Choice xmlns:a14="http://schemas.microsoft.com/office/drawing/2010/main" Requires="a14">
           <p:sp>
             <p:nvSpPr>
               <p:cNvPr id="36" name="TextBox 35"/>
@@ -42999,7 +43001,7 @@
             <p:spPr>
               <a:xfrm>
                 <a:off x="787273" y="3529208"/>
-                <a:ext cx="1498231" cy="526619"/>
+                <a:ext cx="1558888" cy="526619"/>
               </a:xfrm>
               <a:prstGeom prst="rect">
                 <a:avLst/>
@@ -43035,7 +43037,7 @@
                         <m:fPr>
                           <m:ctrlPr>
                             <a:rPr lang="en-US" b="0" i="1" smtClean="0">
-                              <a:latin typeface="Cambria Math" panose="02040503050406030204" pitchFamily="18" charset="0"/>
+                              <a:latin typeface="Cambria Math"/>
                             </a:rPr>
                           </m:ctrlPr>
                         </m:fPr>
@@ -43045,7 +43047,7 @@
                               <m:degHide m:val="on"/>
                               <m:ctrlPr>
                                 <a:rPr lang="en-US" b="0" i="1" smtClean="0">
-                                  <a:latin typeface="Cambria Math" panose="02040503050406030204" pitchFamily="18" charset="0"/>
+                                  <a:latin typeface="Cambria Math"/>
                                 </a:rPr>
                               </m:ctrlPr>
                             </m:radPr>
@@ -43055,7 +43057,7 @@
                                 <m:sSupPr>
                                   <m:ctrlPr>
                                     <a:rPr lang="en-US" b="0" i="1" smtClean="0">
-                                      <a:latin typeface="Cambria Math" panose="02040503050406030204" pitchFamily="18" charset="0"/>
+                                      <a:latin typeface="Cambria Math"/>
                                     </a:rPr>
                                   </m:ctrlPr>
                                 </m:sSupPr>
@@ -43086,7 +43088,7 @@
                                 <m:funcPr>
                                   <m:ctrlPr>
                                     <a:rPr lang="en-US" b="0" i="1" smtClean="0">
-                                      <a:latin typeface="Cambria Math" panose="02040503050406030204" pitchFamily="18" charset="0"/>
+                                      <a:latin typeface="Cambria Math"/>
                                     </a:rPr>
                                   </m:ctrlPr>
                                 </m:funcPr>
@@ -43106,7 +43108,7 @@
                                     <m:dPr>
                                       <m:ctrlPr>
                                         <a:rPr lang="en-US" b="0" i="1" smtClean="0">
-                                          <a:latin typeface="Cambria Math" panose="02040503050406030204" pitchFamily="18" charset="0"/>
+                                          <a:latin typeface="Cambria Math"/>
                                         </a:rPr>
                                       </m:ctrlPr>
                                     </m:dPr>
@@ -43115,7 +43117,7 @@
                                         <m:fPr>
                                           <m:ctrlPr>
                                             <a:rPr lang="en-US" b="0" i="1" smtClean="0">
-                                              <a:latin typeface="Cambria Math" panose="02040503050406030204" pitchFamily="18" charset="0"/>
+                                              <a:latin typeface="Cambria Math"/>
                                             </a:rPr>
                                           </m:ctrlPr>
                                         </m:fPr>
@@ -43167,7 +43169,7 @@
                             <m:sSupPr>
                               <m:ctrlPr>
                                 <a:rPr lang="en-US" b="0" i="1" smtClean="0">
-                                  <a:latin typeface="Cambria Math" panose="02040503050406030204" pitchFamily="18" charset="0"/>
+                                  <a:latin typeface="Cambria Math"/>
                                   <a:ea typeface="Cambria Math" panose="02040503050406030204" pitchFamily="18" charset="0"/>
                                 </a:rPr>
                               </m:ctrlPr>
@@ -43202,66 +43204,49 @@
                             <m:sSupPr>
                               <m:ctrlPr>
                                 <a:rPr lang="en-US" b="0" i="1" smtClean="0">
-                                  <a:latin typeface="Cambria Math" panose="02040503050406030204" pitchFamily="18" charset="0"/>
+                                  <a:latin typeface="Cambria Math"/>
                                   <a:ea typeface="Cambria Math" panose="02040503050406030204" pitchFamily="18" charset="0"/>
                                 </a:rPr>
                               </m:ctrlPr>
                             </m:sSupPr>
                             <m:e>
-                              <m:func>
-                                <m:funcPr>
-                                  <m:ctrlPr>
-                                    <a:rPr lang="en-US" b="0" i="1" smtClean="0">
-                                      <a:latin typeface="Cambria Math" panose="02040503050406030204" pitchFamily="18" charset="0"/>
-                                      <a:ea typeface="Cambria Math" panose="02040503050406030204" pitchFamily="18" charset="0"/>
-                                    </a:rPr>
-                                  </m:ctrlPr>
-                                </m:funcPr>
-                                <m:fName>
-                                  <m:r>
-                                    <m:rPr>
-                                      <m:sty m:val="p"/>
-                                    </m:rPr>
-                                    <a:rPr lang="en-US" b="0" i="0" smtClean="0">
-                                      <a:latin typeface="Cambria Math" panose="02040503050406030204" pitchFamily="18" charset="0"/>
-                                      <a:ea typeface="Cambria Math" panose="02040503050406030204" pitchFamily="18" charset="0"/>
-                                    </a:rPr>
-                                    <m:t>sin</m:t>
-                                  </m:r>
-                                </m:fName>
-                                <m:e>
-                                  <m:d>
-                                    <m:dPr>
-                                      <m:ctrlPr>
-                                        <a:rPr lang="en-US" b="0" i="1" smtClean="0">
-                                          <a:latin typeface="Cambria Math" panose="02040503050406030204" pitchFamily="18" charset="0"/>
-                                          <a:ea typeface="Cambria Math" panose="02040503050406030204" pitchFamily="18" charset="0"/>
-                                        </a:rPr>
-                                      </m:ctrlPr>
-                                    </m:dPr>
-                                    <m:e>
-                                      <m:r>
-                                        <a:rPr lang="en-US" b="0" i="1" smtClean="0">
-                                          <a:latin typeface="Cambria Math" panose="02040503050406030204" pitchFamily="18" charset="0"/>
-                                          <a:ea typeface="Cambria Math" panose="02040503050406030204" pitchFamily="18" charset="0"/>
-                                        </a:rPr>
-                                        <m:t>𝑥</m:t>
-                                      </m:r>
-                                    </m:e>
-                                  </m:d>
-                                </m:e>
-                              </m:func>
+                              <m:r>
+                                <a:rPr lang="en-US" b="0" i="1" smtClean="0">
+                                  <a:latin typeface="Cambria Math"/>
+                                  <a:ea typeface="Cambria Math" panose="02040503050406030204" pitchFamily="18" charset="0"/>
+                                </a:rPr>
+                                <m:t>𝑠𝑖𝑛</m:t>
+                              </m:r>
                             </m:e>
                             <m:sup>
                               <m:r>
                                 <a:rPr lang="en-US" b="0" i="1" smtClean="0">
-                                  <a:latin typeface="Cambria Math" panose="02040503050406030204" pitchFamily="18" charset="0"/>
+                                  <a:latin typeface="Cambria Math"/>
                                   <a:ea typeface="Cambria Math" panose="02040503050406030204" pitchFamily="18" charset="0"/>
                                 </a:rPr>
                                 <m:t>2</m:t>
                               </m:r>
                             </m:sup>
                           </m:sSup>
+                          <m:d>
+                            <m:dPr>
+                              <m:ctrlPr>
+                                <a:rPr lang="en-US" b="0" i="1" smtClean="0">
+                                  <a:latin typeface="Cambria Math"/>
+                                  <a:ea typeface="Cambria Math" panose="02040503050406030204" pitchFamily="18" charset="0"/>
+                                </a:rPr>
+                              </m:ctrlPr>
+                            </m:dPr>
+                            <m:e>
+                              <m:r>
+                                <a:rPr lang="en-US" b="0" i="1" smtClean="0">
+                                  <a:latin typeface="Cambria Math"/>
+                                  <a:ea typeface="Cambria Math" panose="02040503050406030204" pitchFamily="18" charset="0"/>
+                                </a:rPr>
+                                <m:t>𝑥</m:t>
+                              </m:r>
+                            </m:e>
+                          </m:d>
                         </m:den>
                       </m:f>
                     </m:oMath>
@@ -43272,7 +43257,7 @@
             </p:txBody>
           </p:sp>
         </mc:Choice>
-        <mc:Fallback xmlns="">
+        <mc:Fallback>
           <p:sp>
             <p:nvSpPr>
               <p:cNvPr id="36" name="TextBox 35"/>
@@ -43284,12 +43269,12 @@
             <p:spPr>
               <a:xfrm>
                 <a:off x="787273" y="3529208"/>
-                <a:ext cx="1498231" cy="526619"/>
+                <a:ext cx="1558888" cy="526619"/>
               </a:xfrm>
               <a:prstGeom prst="rect">
                 <a:avLst/>
               </a:prstGeom>
-              <a:blipFill>
+              <a:blipFill rotWithShape="1">
                 <a:blip r:embed="rId6"/>
                 <a:stretch>
                   <a:fillRect/>
@@ -43351,6 +43336,13 @@
   <p:clrMapOvr>
     <a:masterClrMapping/>
   </p:clrMapOvr>
+  <p:timing>
+    <p:tnLst>
+      <p:par>
+        <p:cTn id="1" dur="indefinite" restart="never" nodeType="tmRoot"/>
+      </p:par>
+    </p:tnLst>
+  </p:timing>
 </p:sld>
 </file>
 
@@ -44474,7 +44466,7 @@
   <a:extraClrSchemeLst/>
   <a:extLst>
     <a:ext uri="{05A4C25C-085E-4340-85A3-A5531E510DB2}">
-      <thm15:themeFamily xmlns:thm15="http://schemas.microsoft.com/office/thememl/2012/main" name="Office Theme" id="{62F939B6-93AF-4DB8-9C6B-D6C7DFDC589F}" vid="{4A3C46E8-61CC-4603-A589-7422A47A8E4A}"/>
+      <thm15:themeFamily xmlns:thm15="http://schemas.microsoft.com/office/thememl/2012/main" xmlns="" name="Office Theme" id="{62F939B6-93AF-4DB8-9C6B-D6C7DFDC589F}" vid="{4A3C46E8-61CC-4603-A589-7422A47A8E4A}"/>
     </a:ext>
   </a:extLst>
 </a:theme>
